--- a/企劃書.pptx
+++ b/企劃書.pptx
@@ -3553,37 +3553,73 @@
           </a:p>
         </p:txBody>
       </p:sp>
-      <p:sp>
-        <p:nvSpPr>
-          <p:cNvPr id="5" name="文字方塊 4">
-            <a:extLst>
-              <a:ext uri="{FF2B5EF4-FFF2-40B4-BE49-F238E27FC236}">
-                <a16:creationId xmlns:a16="http://schemas.microsoft.com/office/drawing/2014/main" id="{D27C292B-C31D-4BD0-B5D2-8B6CF42377B6}"/>
-              </a:ext>
-            </a:extLst>
-          </p:cNvPr>
-          <p:cNvSpPr txBox="1"/>
+      <p:grpSp>
+        <p:nvGrpSpPr>
+          <p:cNvPr id="10" name="群組 9">
+            <a:extLst>
+              <a:ext uri="{FF2B5EF4-FFF2-40B4-BE49-F238E27FC236}">
+                <a16:creationId xmlns:a16="http://schemas.microsoft.com/office/drawing/2014/main" id="{4D56820E-F01B-497A-B3B6-E29A8AE72926}"/>
+              </a:ext>
+            </a:extLst>
+          </p:cNvPr>
+          <p:cNvGrpSpPr/>
           <p:nvPr/>
-        </p:nvSpPr>
-        <p:spPr>
+        </p:nvGrpSpPr>
+        <p:grpSpPr>
           <a:xfrm>
-            <a:off x="167755" y="1576817"/>
-            <a:ext cx="5839344" cy="1569660"/>
+            <a:off x="393259" y="1994706"/>
+            <a:ext cx="5839344" cy="3145010"/>
+            <a:chOff x="246957" y="1856494"/>
+            <a:chExt cx="5839344" cy="3145010"/>
           </a:xfrm>
-          <a:prstGeom prst="rect">
-            <a:avLst/>
-          </a:prstGeom>
-          <a:noFill/>
-        </p:spPr>
-        <p:txBody>
-          <a:bodyPr wrap="square" rtlCol="0">
-            <a:spAutoFit/>
-          </a:bodyPr>
-          <a:lstStyle/>
-          <a:p>
-            <a:pPr algn="dist"/>
-            <a:r>
-              <a:rPr lang="zh-TW" altLang="en-US" sz="4800" dirty="0">
+        </p:grpSpPr>
+        <p:sp>
+          <p:nvSpPr>
+            <p:cNvPr id="5" name="文字方塊 4">
+              <a:extLst>
+                <a:ext uri="{FF2B5EF4-FFF2-40B4-BE49-F238E27FC236}">
+                  <a16:creationId xmlns:a16="http://schemas.microsoft.com/office/drawing/2014/main" id="{D27C292B-C31D-4BD0-B5D2-8B6CF42377B6}"/>
+                </a:ext>
+              </a:extLst>
+            </p:cNvPr>
+            <p:cNvSpPr txBox="1"/>
+            <p:nvPr/>
+          </p:nvSpPr>
+          <p:spPr>
+            <a:xfrm>
+              <a:off x="246957" y="1856494"/>
+              <a:ext cx="5839344" cy="1569660"/>
+            </a:xfrm>
+            <a:prstGeom prst="rect">
+              <a:avLst/>
+            </a:prstGeom>
+            <a:noFill/>
+          </p:spPr>
+          <p:txBody>
+            <a:bodyPr wrap="square" rtlCol="0">
+              <a:spAutoFit/>
+            </a:bodyPr>
+            <a:lstStyle/>
+            <a:p>
+              <a:pPr algn="dist"/>
+              <a:r>
+                <a:rPr lang="zh-TW" altLang="en-US" sz="4800" dirty="0">
+                  <a:solidFill>
+                    <a:schemeClr val="bg1"/>
+                  </a:solidFill>
+                  <a:effectLst>
+                    <a:innerShdw blurRad="63500" dist="50800" dir="5400000">
+                      <a:prstClr val="black">
+                        <a:alpha val="50000"/>
+                      </a:prstClr>
+                    </a:innerShdw>
+                  </a:effectLst>
+                  <a:latin typeface="Noto Sans CJK TC Medium" panose="020B0600000000000000" pitchFamily="34" charset="-120"/>
+                  <a:ea typeface="Noto Sans CJK TC Medium" panose="020B0600000000000000" pitchFamily="34" charset="-120"/>
+                </a:rPr>
+                <a:t>網頁設計期中報告</a:t>
+              </a:r>
+              <a:endParaRPr lang="en-US" altLang="zh-TW" sz="4800" dirty="0">
                 <a:solidFill>
                   <a:schemeClr val="bg1"/>
                 </a:solidFill>
@@ -3596,28 +3632,28 @@
                 </a:effectLst>
                 <a:latin typeface="Noto Sans CJK TC Medium" panose="020B0600000000000000" pitchFamily="34" charset="-120"/>
                 <a:ea typeface="Noto Sans CJK TC Medium" panose="020B0600000000000000" pitchFamily="34" charset="-120"/>
-              </a:rPr>
-              <a:t>網頁設計期中報告</a:t>
-            </a:r>
-            <a:endParaRPr lang="en-US" altLang="zh-TW" sz="4800" dirty="0">
-              <a:solidFill>
-                <a:schemeClr val="bg1"/>
-              </a:solidFill>
-              <a:effectLst>
-                <a:innerShdw blurRad="63500" dist="50800" dir="5400000">
-                  <a:prstClr val="black">
-                    <a:alpha val="50000"/>
-                  </a:prstClr>
-                </a:innerShdw>
-              </a:effectLst>
-              <a:latin typeface="Noto Sans CJK TC Medium" panose="020B0600000000000000" pitchFamily="34" charset="-120"/>
-              <a:ea typeface="Noto Sans CJK TC Medium" panose="020B0600000000000000" pitchFamily="34" charset="-120"/>
-            </a:endParaRPr>
-          </a:p>
-          <a:p>
-            <a:pPr algn="dist"/>
-            <a:r>
-              <a:rPr lang="zh-TW" altLang="en-US" sz="4800" dirty="0">
+              </a:endParaRPr>
+            </a:p>
+            <a:p>
+              <a:pPr algn="dist"/>
+              <a:r>
+                <a:rPr lang="zh-TW" altLang="en-US" sz="4800" dirty="0">
+                  <a:solidFill>
+                    <a:schemeClr val="bg1"/>
+                  </a:solidFill>
+                  <a:effectLst>
+                    <a:innerShdw blurRad="63500" dist="50800" dir="5400000">
+                      <a:prstClr val="black">
+                        <a:alpha val="50000"/>
+                      </a:prstClr>
+                    </a:innerShdw>
+                  </a:effectLst>
+                  <a:latin typeface="Noto Sans CJK TC Medium" panose="020B0600000000000000" pitchFamily="34" charset="-120"/>
+                  <a:ea typeface="Noto Sans CJK TC Medium" panose="020B0600000000000000" pitchFamily="34" charset="-120"/>
+                </a:rPr>
+                <a:t>英雄聯盟攻略網</a:t>
+              </a:r>
+              <a:endParaRPr lang="en-US" sz="4800" dirty="0">
                 <a:solidFill>
                   <a:schemeClr val="bg1"/>
                 </a:solidFill>
@@ -3630,69 +3666,54 @@
                 </a:effectLst>
                 <a:latin typeface="Noto Sans CJK TC Medium" panose="020B0600000000000000" pitchFamily="34" charset="-120"/>
                 <a:ea typeface="Noto Sans CJK TC Medium" panose="020B0600000000000000" pitchFamily="34" charset="-120"/>
-              </a:rPr>
-              <a:t>英雄聯盟攻略網</a:t>
-            </a:r>
-            <a:endParaRPr lang="en-US" sz="4800" dirty="0">
-              <a:solidFill>
-                <a:schemeClr val="bg1"/>
-              </a:solidFill>
-              <a:effectLst>
-                <a:innerShdw blurRad="63500" dist="50800" dir="5400000">
-                  <a:prstClr val="black">
-                    <a:alpha val="50000"/>
-                  </a:prstClr>
-                </a:innerShdw>
-              </a:effectLst>
-              <a:latin typeface="Noto Sans CJK TC Medium" panose="020B0600000000000000" pitchFamily="34" charset="-120"/>
-              <a:ea typeface="Noto Sans CJK TC Medium" panose="020B0600000000000000" pitchFamily="34" charset="-120"/>
-            </a:endParaRPr>
-          </a:p>
-        </p:txBody>
-      </p:sp>
-      <p:pic>
-        <p:nvPicPr>
-          <p:cNvPr id="4" name="圖片 3">
-            <a:extLst>
-              <a:ext uri="{FF2B5EF4-FFF2-40B4-BE49-F238E27FC236}">
-                <a16:creationId xmlns:a16="http://schemas.microsoft.com/office/drawing/2014/main" id="{E411B412-826B-4599-8122-8D436C6EBCCD}"/>
-              </a:ext>
-            </a:extLst>
-          </p:cNvPr>
-          <p:cNvPicPr>
-            <a:picLocks noChangeAspect="1"/>
-          </p:cNvPicPr>
-          <p:nvPr/>
-        </p:nvPicPr>
-        <p:blipFill>
-          <a:blip r:embed="rId2">
-            <a:extLst>
-              <a:ext uri="{28A0092B-C50C-407E-A947-70E740481C1C}">
-                <a14:useLocalDpi xmlns:a14="http://schemas.microsoft.com/office/drawing/2010/main" val="0"/>
-              </a:ext>
-            </a:extLst>
-          </a:blip>
-          <a:stretch>
-            <a:fillRect/>
-          </a:stretch>
-        </p:blipFill>
-        <p:spPr>
-          <a:xfrm>
-            <a:off x="14776" y="3338886"/>
-            <a:ext cx="6145301" cy="1938696"/>
-          </a:xfrm>
-          <a:prstGeom prst="rect">
-            <a:avLst/>
-          </a:prstGeom>
-          <a:effectLst>
-            <a:innerShdw blurRad="63500" dist="50800" dir="16200000">
-              <a:prstClr val="black">
-                <a:alpha val="50000"/>
-              </a:prstClr>
-            </a:innerShdw>
-          </a:effectLst>
-        </p:spPr>
-      </p:pic>
+              </a:endParaRPr>
+            </a:p>
+          </p:txBody>
+        </p:sp>
+        <p:pic>
+          <p:nvPicPr>
+            <p:cNvPr id="4" name="圖片 3">
+              <a:extLst>
+                <a:ext uri="{FF2B5EF4-FFF2-40B4-BE49-F238E27FC236}">
+                  <a16:creationId xmlns:a16="http://schemas.microsoft.com/office/drawing/2014/main" id="{E411B412-826B-4599-8122-8D436C6EBCCD}"/>
+                </a:ext>
+              </a:extLst>
+            </p:cNvPr>
+            <p:cNvPicPr>
+              <a:picLocks noChangeAspect="1"/>
+            </p:cNvPicPr>
+            <p:nvPr/>
+          </p:nvPicPr>
+          <p:blipFill>
+            <a:blip r:embed="rId2">
+              <a:extLst>
+                <a:ext uri="{28A0092B-C50C-407E-A947-70E740481C1C}">
+                  <a14:useLocalDpi xmlns:a14="http://schemas.microsoft.com/office/drawing/2010/main" val="0"/>
+                </a:ext>
+              </a:extLst>
+            </a:blip>
+            <a:stretch>
+              <a:fillRect/>
+            </a:stretch>
+          </p:blipFill>
+          <p:spPr>
+            <a:xfrm>
+              <a:off x="669848" y="3426154"/>
+              <a:ext cx="4993563" cy="1575350"/>
+            </a:xfrm>
+            <a:prstGeom prst="rect">
+              <a:avLst/>
+            </a:prstGeom>
+            <a:effectLst>
+              <a:innerShdw blurRad="63500" dist="50800" dir="16200000">
+                <a:prstClr val="black">
+                  <a:alpha val="50000"/>
+                </a:prstClr>
+              </a:innerShdw>
+            </a:effectLst>
+          </p:spPr>
+        </p:pic>
+      </p:grpSp>
       <p:sp>
         <p:nvSpPr>
           <p:cNvPr id="3" name="文字方塊 2">
@@ -5705,7 +5726,7 @@
                 <a:latin typeface="Noto Sans CJK TC Medium" panose="020B0600000000000000" pitchFamily="34" charset="-120"/>
                 <a:ea typeface="Noto Sans CJK TC Medium" panose="020B0600000000000000" pitchFamily="34" charset="-120"/>
               </a:rPr>
-              <a:t>專業配置</a:t>
+              <a:t>菁英配置</a:t>
             </a:r>
             <a:endParaRPr lang="en-US" sz="2400" dirty="0">
               <a:solidFill>
@@ -5775,7 +5796,7 @@
                 <a:latin typeface="Noto Sans CJK TC Medium" panose="020B0600000000000000" pitchFamily="34" charset="-120"/>
                 <a:ea typeface="Noto Sans CJK TC Medium" panose="020B0600000000000000" pitchFamily="34" charset="-120"/>
               </a:rPr>
-              <a:t>建造</a:t>
+              <a:t>裝備</a:t>
             </a:r>
             <a:r>
               <a:rPr lang="en-US" altLang="zh-TW" sz="2400" dirty="0">
@@ -5795,7 +5816,27 @@
                 <a:latin typeface="Noto Sans CJK TC Medium" panose="020B0600000000000000" pitchFamily="34" charset="-120"/>
                 <a:ea typeface="Noto Sans CJK TC Medium" panose="020B0600000000000000" pitchFamily="34" charset="-120"/>
               </a:rPr>
-              <a:t>符文</a:t>
+              <a:t> </a:t>
+            </a:r>
+            <a:endParaRPr lang="en-US" altLang="zh-TW" sz="2400" dirty="0">
+              <a:solidFill>
+                <a:schemeClr val="tx1"/>
+              </a:solidFill>
+              <a:latin typeface="Noto Sans CJK TC Medium" panose="020B0600000000000000" pitchFamily="34" charset="-120"/>
+              <a:ea typeface="Noto Sans CJK TC Medium" panose="020B0600000000000000" pitchFamily="34" charset="-120"/>
+            </a:endParaRPr>
+          </a:p>
+          <a:p>
+            <a:pPr algn="ctr"/>
+            <a:r>
+              <a:rPr lang="zh-TW" altLang="en-US" sz="2400" dirty="0">
+                <a:solidFill>
+                  <a:schemeClr val="tx1"/>
+                </a:solidFill>
+                <a:latin typeface="Noto Sans CJK TC Medium" panose="020B0600000000000000" pitchFamily="34" charset="-120"/>
+                <a:ea typeface="Noto Sans CJK TC Medium" panose="020B0600000000000000" pitchFamily="34" charset="-120"/>
+              </a:rPr>
+              <a:t> 符文</a:t>
             </a:r>
             <a:endParaRPr lang="en-US" altLang="zh-TW" sz="2400" dirty="0">
               <a:solidFill>

--- a/企劃書.pptx
+++ b/企劃書.pptx
@@ -281,7 +281,7 @@
           <a:p>
             <a:fld id="{ADD6D8B8-B9C7-4849-B8B6-BD6FA2DDAF93}" type="datetimeFigureOut">
               <a:rPr lang="en-US" smtClean="0"/>
-              <a:t>28-Apr-20</a:t>
+              <a:t>29-Apr-20</a:t>
             </a:fld>
             <a:endParaRPr lang="en-US"/>
           </a:p>
@@ -481,7 +481,7 @@
           <a:p>
             <a:fld id="{ADD6D8B8-B9C7-4849-B8B6-BD6FA2DDAF93}" type="datetimeFigureOut">
               <a:rPr lang="en-US" smtClean="0"/>
-              <a:t>28-Apr-20</a:t>
+              <a:t>29-Apr-20</a:t>
             </a:fld>
             <a:endParaRPr lang="en-US"/>
           </a:p>
@@ -691,7 +691,7 @@
           <a:p>
             <a:fld id="{ADD6D8B8-B9C7-4849-B8B6-BD6FA2DDAF93}" type="datetimeFigureOut">
               <a:rPr lang="en-US" smtClean="0"/>
-              <a:t>28-Apr-20</a:t>
+              <a:t>29-Apr-20</a:t>
             </a:fld>
             <a:endParaRPr lang="en-US"/>
           </a:p>
@@ -891,7 +891,7 @@
           <a:p>
             <a:fld id="{ADD6D8B8-B9C7-4849-B8B6-BD6FA2DDAF93}" type="datetimeFigureOut">
               <a:rPr lang="en-US" smtClean="0"/>
-              <a:t>28-Apr-20</a:t>
+              <a:t>29-Apr-20</a:t>
             </a:fld>
             <a:endParaRPr lang="en-US"/>
           </a:p>
@@ -1167,7 +1167,7 @@
           <a:p>
             <a:fld id="{ADD6D8B8-B9C7-4849-B8B6-BD6FA2DDAF93}" type="datetimeFigureOut">
               <a:rPr lang="en-US" smtClean="0"/>
-              <a:t>28-Apr-20</a:t>
+              <a:t>29-Apr-20</a:t>
             </a:fld>
             <a:endParaRPr lang="en-US"/>
           </a:p>
@@ -1435,7 +1435,7 @@
           <a:p>
             <a:fld id="{ADD6D8B8-B9C7-4849-B8B6-BD6FA2DDAF93}" type="datetimeFigureOut">
               <a:rPr lang="en-US" smtClean="0"/>
-              <a:t>28-Apr-20</a:t>
+              <a:t>29-Apr-20</a:t>
             </a:fld>
             <a:endParaRPr lang="en-US"/>
           </a:p>
@@ -1850,7 +1850,7 @@
           <a:p>
             <a:fld id="{ADD6D8B8-B9C7-4849-B8B6-BD6FA2DDAF93}" type="datetimeFigureOut">
               <a:rPr lang="en-US" smtClean="0"/>
-              <a:t>28-Apr-20</a:t>
+              <a:t>29-Apr-20</a:t>
             </a:fld>
             <a:endParaRPr lang="en-US"/>
           </a:p>
@@ -1992,7 +1992,7 @@
           <a:p>
             <a:fld id="{ADD6D8B8-B9C7-4849-B8B6-BD6FA2DDAF93}" type="datetimeFigureOut">
               <a:rPr lang="en-US" smtClean="0"/>
-              <a:t>28-Apr-20</a:t>
+              <a:t>29-Apr-20</a:t>
             </a:fld>
             <a:endParaRPr lang="en-US"/>
           </a:p>
@@ -2105,7 +2105,7 @@
           <a:p>
             <a:fld id="{ADD6D8B8-B9C7-4849-B8B6-BD6FA2DDAF93}" type="datetimeFigureOut">
               <a:rPr lang="en-US" smtClean="0"/>
-              <a:t>28-Apr-20</a:t>
+              <a:t>29-Apr-20</a:t>
             </a:fld>
             <a:endParaRPr lang="en-US"/>
           </a:p>
@@ -2418,7 +2418,7 @@
           <a:p>
             <a:fld id="{ADD6D8B8-B9C7-4849-B8B6-BD6FA2DDAF93}" type="datetimeFigureOut">
               <a:rPr lang="en-US" smtClean="0"/>
-              <a:t>28-Apr-20</a:t>
+              <a:t>29-Apr-20</a:t>
             </a:fld>
             <a:endParaRPr lang="en-US"/>
           </a:p>
@@ -2707,7 +2707,7 @@
           <a:p>
             <a:fld id="{ADD6D8B8-B9C7-4849-B8B6-BD6FA2DDAF93}" type="datetimeFigureOut">
               <a:rPr lang="en-US" smtClean="0"/>
-              <a:t>28-Apr-20</a:t>
+              <a:t>29-Apr-20</a:t>
             </a:fld>
             <a:endParaRPr lang="en-US"/>
           </a:p>
@@ -2953,7 +2953,7 @@
           <a:p>
             <a:fld id="{ADD6D8B8-B9C7-4849-B8B6-BD6FA2DDAF93}" type="datetimeFigureOut">
               <a:rPr lang="en-US" smtClean="0"/>
-              <a:t>28-Apr-20</a:t>
+              <a:t>29-Apr-20</a:t>
             </a:fld>
             <a:endParaRPr lang="en-US"/>
           </a:p>
@@ -3990,8 +3990,8 @@
         </p:nvSpPr>
         <p:spPr>
           <a:xfrm>
-            <a:off x="6978167" y="2551396"/>
-            <a:ext cx="4501654" cy="1755207"/>
+            <a:off x="6569580" y="214393"/>
+            <a:ext cx="4958052" cy="1669271"/>
           </a:xfrm>
           <a:prstGeom prst="rect">
             <a:avLst/>
@@ -4044,8 +4044,8 @@
         </p:nvSpPr>
         <p:spPr>
           <a:xfrm>
-            <a:off x="6978167" y="197346"/>
-            <a:ext cx="4501655" cy="1755207"/>
+            <a:off x="6553804" y="2149686"/>
+            <a:ext cx="4965941" cy="1771145"/>
           </a:xfrm>
           <a:prstGeom prst="rect">
             <a:avLst/>
@@ -4102,14 +4102,14 @@
         </p:nvSpPr>
         <p:spPr>
           <a:xfrm>
-            <a:off x="6632332" y="299219"/>
-            <a:ext cx="4847490" cy="1662123"/>
+            <a:off x="6149171" y="2251560"/>
+            <a:ext cx="5378461" cy="1669271"/>
           </a:xfrm>
           <a:noFill/>
         </p:spPr>
         <p:txBody>
           <a:bodyPr>
-            <a:normAutofit lnSpcReduction="10000"/>
+            <a:normAutofit/>
           </a:bodyPr>
           <a:lstStyle/>
           <a:p>
@@ -4120,10 +4120,22 @@
               <a:buNone/>
             </a:pPr>
             <a:r>
-              <a:rPr lang="en-US" altLang="zh-TW" dirty="0">
-                <a:solidFill>
-                  <a:schemeClr val="bg1"/>
-                </a:solidFill>
+              <a:rPr lang="en-US" altLang="zh-TW" sz="2400" dirty="0">
+                <a:ln w="3175">
+                  <a:noFill/>
+                </a:ln>
+                <a:solidFill>
+                  <a:srgbClr val="070720"/>
+                </a:solidFill>
+                <a:effectLst>
+                  <a:outerShdw blurRad="50800" dist="38100" dir="2700000" algn="tl" rotWithShape="0">
+                    <a:schemeClr val="tx1">
+                      <a:lumMod val="50000"/>
+                      <a:lumOff val="50000"/>
+                      <a:alpha val="40000"/>
+                    </a:schemeClr>
+                  </a:outerShdw>
+                </a:effectLst>
                 <a:latin typeface="微軟正黑體" panose="020B0604030504040204" pitchFamily="34" charset="-120"/>
                 <a:ea typeface="微軟正黑體" panose="020B0604030504040204" pitchFamily="34" charset="-120"/>
                 <a:cs typeface="+mj-cs"/>
@@ -4139,20 +4151,44 @@
               <a:buNone/>
             </a:pPr>
             <a:r>
-              <a:rPr lang="zh-TW" altLang="en-US" dirty="0">
-                <a:solidFill>
-                  <a:schemeClr val="bg1"/>
-                </a:solidFill>
+              <a:rPr lang="zh-TW" altLang="en-US" sz="2400" dirty="0">
+                <a:ln w="3175">
+                  <a:noFill/>
+                </a:ln>
+                <a:solidFill>
+                  <a:srgbClr val="070720"/>
+                </a:solidFill>
+                <a:effectLst>
+                  <a:outerShdw blurRad="50800" dist="38100" dir="2700000" algn="tl" rotWithShape="0">
+                    <a:schemeClr val="tx1">
+                      <a:lumMod val="50000"/>
+                      <a:lumOff val="50000"/>
+                      <a:alpha val="40000"/>
+                    </a:schemeClr>
+                  </a:outerShdw>
+                </a:effectLst>
                 <a:latin typeface="微軟正黑體" panose="020B0604030504040204" pitchFamily="34" charset="-120"/>
                 <a:ea typeface="微軟正黑體" panose="020B0604030504040204" pitchFamily="34" charset="-120"/>
                 <a:cs typeface="+mj-cs"/>
               </a:rPr>
-              <a:t>使用深藍色為背景色，讓主題符合遊戲介面的風格</a:t>
-            </a:r>
-            <a:endParaRPr lang="en-US" altLang="zh-TW" dirty="0">
+              <a:t>使用接近黑色的深藍色為背景色，讓主題符合遊戲介面的風格</a:t>
+            </a:r>
+            <a:endParaRPr lang="en-US" altLang="zh-TW" sz="2400" dirty="0">
+              <a:ln w="3175">
+                <a:noFill/>
+              </a:ln>
               <a:solidFill>
-                <a:schemeClr val="bg1"/>
+                <a:srgbClr val="070720"/>
               </a:solidFill>
+              <a:effectLst>
+                <a:outerShdw blurRad="50800" dist="38100" dir="2700000" algn="tl" rotWithShape="0">
+                  <a:schemeClr val="tx1">
+                    <a:lumMod val="50000"/>
+                    <a:lumOff val="50000"/>
+                    <a:alpha val="40000"/>
+                  </a:schemeClr>
+                </a:outerShdw>
+              </a:effectLst>
               <a:latin typeface="微軟正黑體" panose="020B0604030504040204" pitchFamily="34" charset="-120"/>
               <a:ea typeface="微軟正黑體" panose="020B0604030504040204" pitchFamily="34" charset="-120"/>
               <a:cs typeface="+mj-cs"/>
@@ -4180,8 +4216,8 @@
         </p:nvSpPr>
         <p:spPr>
           <a:xfrm>
-            <a:off x="6632333" y="2546476"/>
-            <a:ext cx="4780082" cy="1724959"/>
+            <a:off x="6096001" y="262035"/>
+            <a:ext cx="5378462" cy="1510029"/>
           </a:xfrm>
           <a:prstGeom prst="rect">
             <a:avLst/>
@@ -4203,7 +4239,7 @@
               </a:spcBef>
             </a:pPr>
             <a:r>
-              <a:rPr lang="en-US" altLang="zh-TW" sz="2800" dirty="0">
+              <a:rPr lang="en-US" altLang="zh-TW" sz="2400" dirty="0">
                 <a:solidFill>
                   <a:schemeClr val="bg1"/>
                 </a:solidFill>
@@ -4224,7 +4260,7 @@
               </a:spcBef>
             </a:pPr>
             <a:r>
-              <a:rPr lang="zh-TW" altLang="en-US" sz="2800" dirty="0">
+              <a:rPr lang="zh-TW" altLang="en-US" sz="2400" dirty="0">
                 <a:solidFill>
                   <a:schemeClr val="bg1"/>
                 </a:solidFill>
@@ -4232,9 +4268,9 @@
                 <a:ea typeface="微軟正黑體" panose="020B0604030504040204" pitchFamily="34" charset="-120"/>
                 <a:cs typeface="+mj-cs"/>
               </a:rPr>
-              <a:t>用白色來當字體的顏色，在深色背景中可讀性較高</a:t>
-            </a:r>
-            <a:endParaRPr lang="en-US" sz="2800" dirty="0">
+              <a:t>用白色當主要標題的顏色，在深色背景中可讀性高</a:t>
+            </a:r>
+            <a:endParaRPr lang="en-US" sz="2400" dirty="0">
               <a:solidFill>
                 <a:schemeClr val="bg1"/>
               </a:solidFill>
@@ -4245,135 +4281,293 @@
           </a:p>
         </p:txBody>
       </p:sp>
-      <p:sp>
-        <p:nvSpPr>
-          <p:cNvPr id="8" name="文字方塊 7">
-            <a:extLst>
-              <a:ext uri="{FF2B5EF4-FFF2-40B4-BE49-F238E27FC236}">
-                <a16:creationId xmlns:a16="http://schemas.microsoft.com/office/drawing/2014/main" id="{49DFE4ED-745E-469F-ADB6-D1B4C9894FF0}"/>
-              </a:ext>
-            </a:extLst>
-          </p:cNvPr>
-          <p:cNvSpPr txBox="1"/>
+      <p:grpSp>
+        <p:nvGrpSpPr>
+          <p:cNvPr id="22" name="群組 21">
+            <a:extLst>
+              <a:ext uri="{FF2B5EF4-FFF2-40B4-BE49-F238E27FC236}">
+                <a16:creationId xmlns:a16="http://schemas.microsoft.com/office/drawing/2014/main" id="{2586A8F3-F35C-4C85-9718-7375DB51AB0E}"/>
+              </a:ext>
+            </a:extLst>
+          </p:cNvPr>
+          <p:cNvGrpSpPr/>
           <p:nvPr/>
-        </p:nvSpPr>
-        <p:spPr>
+        </p:nvGrpSpPr>
+        <p:grpSpPr>
           <a:xfrm>
-            <a:off x="193432" y="197346"/>
-            <a:ext cx="6093069" cy="6463308"/>
+            <a:off x="3332196" y="214393"/>
+            <a:ext cx="2020824" cy="5010804"/>
+            <a:chOff x="4154983" y="214393"/>
+            <a:chExt cx="2020824" cy="5010804"/>
           </a:xfrm>
-          <a:prstGeom prst="rect">
-            <a:avLst/>
-          </a:prstGeom>
-          <a:solidFill>
-            <a:srgbClr val="FFFFFF"/>
-          </a:solidFill>
-          <a:ln>
+        </p:grpSpPr>
+        <p:sp>
+          <p:nvSpPr>
+            <p:cNvPr id="2" name="矩形 1">
+              <a:extLst>
+                <a:ext uri="{FF2B5EF4-FFF2-40B4-BE49-F238E27FC236}">
+                  <a16:creationId xmlns:a16="http://schemas.microsoft.com/office/drawing/2014/main" id="{52EC3C64-4E87-42F7-8D79-C7277613662D}"/>
+                </a:ext>
+              </a:extLst>
+            </p:cNvPr>
+            <p:cNvSpPr/>
+            <p:nvPr/>
+          </p:nvSpPr>
+          <p:spPr>
+            <a:xfrm>
+              <a:off x="4154983" y="3422896"/>
+              <a:ext cx="2020824" cy="732801"/>
+            </a:xfrm>
+            <a:prstGeom prst="rect">
+              <a:avLst/>
+            </a:prstGeom>
             <a:solidFill>
-              <a:schemeClr val="tx1"/>
+              <a:srgbClr val="FFFFFF"/>
             </a:solidFill>
-          </a:ln>
-        </p:spPr>
-        <p:txBody>
-          <a:bodyPr wrap="square" rtlCol="0">
-            <a:spAutoFit/>
-          </a:bodyPr>
-          <a:lstStyle/>
-          <a:p>
-            <a:endParaRPr lang="en-US" altLang="zh-TW" dirty="0"/>
-          </a:p>
-          <a:p>
-            <a:endParaRPr lang="en-US" altLang="zh-TW" dirty="0"/>
-          </a:p>
-          <a:p>
-            <a:endParaRPr lang="en-US" altLang="zh-TW" dirty="0"/>
-          </a:p>
-          <a:p>
-            <a:endParaRPr lang="en-US" altLang="zh-TW" dirty="0"/>
-          </a:p>
-          <a:p>
-            <a:endParaRPr lang="en-US" altLang="zh-TW" dirty="0"/>
-          </a:p>
-          <a:p>
-            <a:endParaRPr lang="en-US" altLang="zh-TW" dirty="0"/>
-          </a:p>
-          <a:p>
-            <a:endParaRPr lang="en-US" altLang="zh-TW" dirty="0"/>
-          </a:p>
-          <a:p>
-            <a:endParaRPr lang="en-US" altLang="zh-TW" dirty="0"/>
-          </a:p>
-          <a:p>
-            <a:endParaRPr lang="en-US" altLang="zh-TW" dirty="0"/>
-          </a:p>
-          <a:p>
-            <a:endParaRPr lang="en-US" altLang="zh-TW" dirty="0"/>
-          </a:p>
-          <a:p>
-            <a:r>
-              <a:rPr lang="en-US" altLang="zh-TW" dirty="0"/>
-              <a:t>			</a:t>
-            </a:r>
-            <a:r>
-              <a:rPr lang="zh-TW" altLang="en-US" dirty="0"/>
-              <a:t>  </a:t>
-            </a:r>
-            <a:r>
-              <a:rPr lang="zh-TW" altLang="en-US" b="1" dirty="0">
-                <a:latin typeface="+mj-ea"/>
-                <a:ea typeface="+mj-ea"/>
-              </a:rPr>
-              <a:t>圖</a:t>
-            </a:r>
-            <a:endParaRPr lang="en-US" altLang="zh-TW" b="1" dirty="0">
-              <a:latin typeface="+mj-ea"/>
-              <a:ea typeface="+mj-ea"/>
-            </a:endParaRPr>
-          </a:p>
-          <a:p>
-            <a:endParaRPr lang="en-US" dirty="0"/>
-          </a:p>
-          <a:p>
-            <a:endParaRPr lang="en-US" dirty="0"/>
-          </a:p>
-          <a:p>
-            <a:endParaRPr lang="en-US" dirty="0"/>
-          </a:p>
-          <a:p>
-            <a:endParaRPr lang="en-US" dirty="0"/>
-          </a:p>
-          <a:p>
-            <a:endParaRPr lang="en-US" dirty="0"/>
-          </a:p>
-          <a:p>
-            <a:endParaRPr lang="en-US" dirty="0"/>
-          </a:p>
-          <a:p>
-            <a:endParaRPr lang="en-US" dirty="0"/>
-          </a:p>
-          <a:p>
-            <a:endParaRPr lang="en-US" dirty="0"/>
-          </a:p>
-          <a:p>
-            <a:endParaRPr lang="en-US" dirty="0"/>
-          </a:p>
-          <a:p>
-            <a:endParaRPr lang="en-US" dirty="0"/>
-          </a:p>
-          <a:p>
-            <a:endParaRPr lang="en-US" dirty="0"/>
-          </a:p>
-          <a:p>
-            <a:endParaRPr lang="en-US" dirty="0"/>
-          </a:p>
-        </p:txBody>
-      </p:sp>
+            <a:ln>
+              <a:noFill/>
+            </a:ln>
+          </p:spPr>
+          <p:style>
+            <a:lnRef idx="2">
+              <a:schemeClr val="accent1">
+                <a:shade val="50000"/>
+              </a:schemeClr>
+            </a:lnRef>
+            <a:fillRef idx="1">
+              <a:schemeClr val="accent1"/>
+            </a:fillRef>
+            <a:effectRef idx="0">
+              <a:schemeClr val="accent1"/>
+            </a:effectRef>
+            <a:fontRef idx="minor">
+              <a:schemeClr val="lt1"/>
+            </a:fontRef>
+          </p:style>
+          <p:txBody>
+            <a:bodyPr rtlCol="0" anchor="ctr"/>
+            <a:lstStyle/>
+            <a:p>
+              <a:pPr algn="ctr"/>
+              <a:endParaRPr lang="en-US"/>
+            </a:p>
+          </p:txBody>
+        </p:sp>
+        <p:sp>
+          <p:nvSpPr>
+            <p:cNvPr id="11" name="矩形 10">
+              <a:extLst>
+                <a:ext uri="{FF2B5EF4-FFF2-40B4-BE49-F238E27FC236}">
+                  <a16:creationId xmlns:a16="http://schemas.microsoft.com/office/drawing/2014/main" id="{93C63443-ABAD-4D10-959E-6C4D9094B417}"/>
+                </a:ext>
+              </a:extLst>
+            </p:cNvPr>
+            <p:cNvSpPr/>
+            <p:nvPr/>
+          </p:nvSpPr>
+          <p:spPr>
+            <a:xfrm>
+              <a:off x="4154983" y="2353395"/>
+              <a:ext cx="2020824" cy="732801"/>
+            </a:xfrm>
+            <a:prstGeom prst="rect">
+              <a:avLst/>
+            </a:prstGeom>
+            <a:solidFill>
+              <a:srgbClr val="BBBEDB"/>
+            </a:solidFill>
+            <a:ln>
+              <a:noFill/>
+            </a:ln>
+          </p:spPr>
+          <p:style>
+            <a:lnRef idx="2">
+              <a:schemeClr val="accent1">
+                <a:shade val="50000"/>
+              </a:schemeClr>
+            </a:lnRef>
+            <a:fillRef idx="1">
+              <a:schemeClr val="accent1"/>
+            </a:fillRef>
+            <a:effectRef idx="0">
+              <a:schemeClr val="accent1"/>
+            </a:effectRef>
+            <a:fontRef idx="minor">
+              <a:schemeClr val="lt1"/>
+            </a:fontRef>
+          </p:style>
+          <p:txBody>
+            <a:bodyPr rtlCol="0" anchor="ctr"/>
+            <a:lstStyle/>
+            <a:p>
+              <a:pPr algn="ctr"/>
+              <a:endParaRPr lang="en-US"/>
+            </a:p>
+          </p:txBody>
+        </p:sp>
+        <p:sp>
+          <p:nvSpPr>
+            <p:cNvPr id="12" name="矩形 11">
+              <a:extLst>
+                <a:ext uri="{FF2B5EF4-FFF2-40B4-BE49-F238E27FC236}">
+                  <a16:creationId xmlns:a16="http://schemas.microsoft.com/office/drawing/2014/main" id="{DF5D9F84-FE1A-43B2-8261-693DE68CBAF2}"/>
+                </a:ext>
+              </a:extLst>
+            </p:cNvPr>
+            <p:cNvSpPr/>
+            <p:nvPr/>
+          </p:nvSpPr>
+          <p:spPr>
+            <a:xfrm>
+              <a:off x="4154983" y="4492396"/>
+              <a:ext cx="2020824" cy="732801"/>
+            </a:xfrm>
+            <a:prstGeom prst="rect">
+              <a:avLst/>
+            </a:prstGeom>
+            <a:solidFill>
+              <a:srgbClr val="BDA168"/>
+            </a:solidFill>
+            <a:ln>
+              <a:noFill/>
+            </a:ln>
+          </p:spPr>
+          <p:style>
+            <a:lnRef idx="2">
+              <a:schemeClr val="accent1">
+                <a:shade val="50000"/>
+              </a:schemeClr>
+            </a:lnRef>
+            <a:fillRef idx="1">
+              <a:schemeClr val="accent1"/>
+            </a:fillRef>
+            <a:effectRef idx="0">
+              <a:schemeClr val="accent1"/>
+            </a:effectRef>
+            <a:fontRef idx="minor">
+              <a:schemeClr val="lt1"/>
+            </a:fontRef>
+          </p:style>
+          <p:txBody>
+            <a:bodyPr rtlCol="0" anchor="ctr"/>
+            <a:lstStyle/>
+            <a:p>
+              <a:pPr algn="ctr"/>
+              <a:endParaRPr lang="en-US"/>
+            </a:p>
+          </p:txBody>
+        </p:sp>
+        <p:sp>
+          <p:nvSpPr>
+            <p:cNvPr id="17" name="矩形 16">
+              <a:extLst>
+                <a:ext uri="{FF2B5EF4-FFF2-40B4-BE49-F238E27FC236}">
+                  <a16:creationId xmlns:a16="http://schemas.microsoft.com/office/drawing/2014/main" id="{0C489F5D-9504-41F6-8E2F-4C7BA9EC6284}"/>
+                </a:ext>
+              </a:extLst>
+            </p:cNvPr>
+            <p:cNvSpPr/>
+            <p:nvPr/>
+          </p:nvSpPr>
+          <p:spPr>
+            <a:xfrm>
+              <a:off x="4154983" y="214393"/>
+              <a:ext cx="2020824" cy="732801"/>
+            </a:xfrm>
+            <a:prstGeom prst="rect">
+              <a:avLst/>
+            </a:prstGeom>
+            <a:solidFill>
+              <a:srgbClr val="070720"/>
+            </a:solidFill>
+            <a:ln>
+              <a:noFill/>
+            </a:ln>
+          </p:spPr>
+          <p:style>
+            <a:lnRef idx="2">
+              <a:schemeClr val="accent1">
+                <a:shade val="50000"/>
+              </a:schemeClr>
+            </a:lnRef>
+            <a:fillRef idx="1">
+              <a:schemeClr val="accent1"/>
+            </a:fillRef>
+            <a:effectRef idx="0">
+              <a:schemeClr val="accent1"/>
+            </a:effectRef>
+            <a:fontRef idx="minor">
+              <a:schemeClr val="lt1"/>
+            </a:fontRef>
+          </p:style>
+          <p:txBody>
+            <a:bodyPr rtlCol="0" anchor="ctr"/>
+            <a:lstStyle/>
+            <a:p>
+              <a:pPr algn="ctr"/>
+              <a:endParaRPr lang="en-US"/>
+            </a:p>
+          </p:txBody>
+        </p:sp>
+        <p:sp>
+          <p:nvSpPr>
+            <p:cNvPr id="21" name="矩形 20">
+              <a:extLst>
+                <a:ext uri="{FF2B5EF4-FFF2-40B4-BE49-F238E27FC236}">
+                  <a16:creationId xmlns:a16="http://schemas.microsoft.com/office/drawing/2014/main" id="{A333302C-A1A5-4132-AEF3-B38938D209F0}"/>
+                </a:ext>
+              </a:extLst>
+            </p:cNvPr>
+            <p:cNvSpPr/>
+            <p:nvPr/>
+          </p:nvSpPr>
+          <p:spPr>
+            <a:xfrm>
+              <a:off x="4154983" y="1283894"/>
+              <a:ext cx="2020824" cy="732801"/>
+            </a:xfrm>
+            <a:prstGeom prst="rect">
+              <a:avLst/>
+            </a:prstGeom>
+            <a:solidFill>
+              <a:srgbClr val="17172E"/>
+            </a:solidFill>
+            <a:ln>
+              <a:noFill/>
+            </a:ln>
+          </p:spPr>
+          <p:style>
+            <a:lnRef idx="2">
+              <a:schemeClr val="accent1">
+                <a:shade val="50000"/>
+              </a:schemeClr>
+            </a:lnRef>
+            <a:fillRef idx="1">
+              <a:schemeClr val="accent1"/>
+            </a:fillRef>
+            <a:effectRef idx="0">
+              <a:schemeClr val="accent1"/>
+            </a:effectRef>
+            <a:fontRef idx="minor">
+              <a:schemeClr val="lt1"/>
+            </a:fontRef>
+          </p:style>
+          <p:txBody>
+            <a:bodyPr rtlCol="0" anchor="ctr"/>
+            <a:lstStyle/>
+            <a:p>
+              <a:pPr algn="ctr"/>
+              <a:endParaRPr lang="en-US"/>
+            </a:p>
+          </p:txBody>
+        </p:sp>
+      </p:grpSp>
       <p:pic>
         <p:nvPicPr>
-          <p:cNvPr id="14" name="圖片 13">
-            <a:extLst>
-              <a:ext uri="{FF2B5EF4-FFF2-40B4-BE49-F238E27FC236}">
-                <a16:creationId xmlns:a16="http://schemas.microsoft.com/office/drawing/2014/main" id="{EB65CE87-B9E9-4A00-B907-32B6670CC76C}"/>
+          <p:cNvPr id="9" name="圖片 8">
+            <a:extLst>
+              <a:ext uri="{FF2B5EF4-FFF2-40B4-BE49-F238E27FC236}">
+                <a16:creationId xmlns:a16="http://schemas.microsoft.com/office/drawing/2014/main" id="{C986C556-B1DB-46DB-B459-9E5BBC327E61}"/>
               </a:ext>
             </a:extLst>
           </p:cNvPr>
@@ -4383,27 +4577,40 @@
           <p:nvPr/>
         </p:nvPicPr>
         <p:blipFill>
-          <a:blip r:embed="rId2"/>
+          <a:blip r:embed="rId2">
+            <a:extLst>
+              <a:ext uri="{28A0092B-C50C-407E-A947-70E740481C1C}">
+                <a14:useLocalDpi xmlns:a14="http://schemas.microsoft.com/office/drawing/2010/main" val="0"/>
+              </a:ext>
+            </a:extLst>
+          </a:blip>
           <a:stretch>
             <a:fillRect/>
           </a:stretch>
         </p:blipFill>
         <p:spPr>
           <a:xfrm>
-            <a:off x="193431" y="197346"/>
-            <a:ext cx="6093069" cy="6537562"/>
+            <a:off x="582073" y="6357"/>
+            <a:ext cx="3246391" cy="6858000"/>
           </a:xfrm>
           <a:prstGeom prst="rect">
             <a:avLst/>
           </a:prstGeom>
+          <a:effectLst>
+            <a:outerShdw blurRad="50800" dist="38100" algn="l" rotWithShape="0">
+              <a:prstClr val="black">
+                <a:alpha val="40000"/>
+              </a:prstClr>
+            </a:outerShdw>
+          </a:effectLst>
         </p:spPr>
       </p:pic>
       <p:sp>
         <p:nvSpPr>
-          <p:cNvPr id="15" name="矩形 14">
-            <a:extLst>
-              <a:ext uri="{FF2B5EF4-FFF2-40B4-BE49-F238E27FC236}">
-                <a16:creationId xmlns:a16="http://schemas.microsoft.com/office/drawing/2014/main" id="{E5BA825F-C8D5-49CC-A79D-14FFE42F87DD}"/>
+          <p:cNvPr id="23" name="矩形 22">
+            <a:extLst>
+              <a:ext uri="{FF2B5EF4-FFF2-40B4-BE49-F238E27FC236}">
+                <a16:creationId xmlns:a16="http://schemas.microsoft.com/office/drawing/2014/main" id="{9E26FB33-0150-4B8C-9AA5-DDBC0AF49F39}"/>
               </a:ext>
             </a:extLst>
           </p:cNvPr>
@@ -4412,8 +4619,8 @@
         </p:nvSpPr>
         <p:spPr>
           <a:xfrm>
-            <a:off x="6978167" y="4905447"/>
-            <a:ext cx="4501654" cy="1755207"/>
+            <a:off x="6553804" y="4186853"/>
+            <a:ext cx="4965941" cy="1771145"/>
           </a:xfrm>
           <a:prstGeom prst="rect">
             <a:avLst/>
@@ -4454,20 +4661,22 @@
       </p:sp>
       <p:sp>
         <p:nvSpPr>
-          <p:cNvPr id="16" name="文字方塊 15">
-            <a:extLst>
-              <a:ext uri="{FF2B5EF4-FFF2-40B4-BE49-F238E27FC236}">
-                <a16:creationId xmlns:a16="http://schemas.microsoft.com/office/drawing/2014/main" id="{16C11EE9-9A54-4A99-9E90-548D6F1B522A}"/>
-              </a:ext>
-            </a:extLst>
-          </p:cNvPr>
-          <p:cNvSpPr txBox="1"/>
+          <p:cNvPr id="24" name="內容版面配置區 2">
+            <a:extLst>
+              <a:ext uri="{FF2B5EF4-FFF2-40B4-BE49-F238E27FC236}">
+                <a16:creationId xmlns:a16="http://schemas.microsoft.com/office/drawing/2014/main" id="{131AD123-3750-4597-80F1-F00268BB2B12}"/>
+              </a:ext>
+            </a:extLst>
+          </p:cNvPr>
+          <p:cNvSpPr txBox="1">
+            <a:spLocks/>
+          </p:cNvSpPr>
           <p:nvPr/>
         </p:nvSpPr>
         <p:spPr>
           <a:xfrm>
-            <a:off x="6632331" y="5243222"/>
-            <a:ext cx="4780083" cy="1079655"/>
+            <a:off x="6149171" y="4288727"/>
+            <a:ext cx="5378461" cy="1669271"/>
           </a:xfrm>
           <a:prstGeom prst="rect">
             <a:avLst/>
@@ -4475,38 +4684,235 @@
           <a:noFill/>
         </p:spPr>
         <p:txBody>
-          <a:bodyPr wrap="square" rtlCol="0">
-            <a:spAutoFit/>
+          <a:bodyPr vert="horz" lIns="91440" tIns="45720" rIns="91440" bIns="45720" rtlCol="0">
+            <a:normAutofit/>
           </a:bodyPr>
-          <a:lstStyle/>
-          <a:p>
-            <a:pPr>
+          <a:lstStyle>
+            <a:lvl1pPr marL="228600" indent="-228600" algn="l" defTabSz="914400" rtl="0" eaLnBrk="1" latinLnBrk="0" hangingPunct="1">
               <a:lnSpc>
-                <a:spcPct val="120000"/>
+                <a:spcPct val="90000"/>
               </a:lnSpc>
               <a:spcBef>
                 <a:spcPts val="1000"/>
               </a:spcBef>
+              <a:buFont typeface="Arial" panose="020B0604020202020204" pitchFamily="34" charset="0"/>
+              <a:buChar char="•"/>
+              <a:defRPr sz="2800" kern="1200">
+                <a:solidFill>
+                  <a:schemeClr val="tx1"/>
+                </a:solidFill>
+                <a:latin typeface="+mn-lt"/>
+                <a:ea typeface="+mn-ea"/>
+                <a:cs typeface="+mn-cs"/>
+              </a:defRPr>
+            </a:lvl1pPr>
+            <a:lvl2pPr marL="685800" indent="-228600" algn="l" defTabSz="914400" rtl="0" eaLnBrk="1" latinLnBrk="0" hangingPunct="1">
+              <a:lnSpc>
+                <a:spcPct val="90000"/>
+              </a:lnSpc>
+              <a:spcBef>
+                <a:spcPts val="500"/>
+              </a:spcBef>
+              <a:buFont typeface="Arial" panose="020B0604020202020204" pitchFamily="34" charset="0"/>
+              <a:buChar char="•"/>
+              <a:defRPr sz="2400" kern="1200">
+                <a:solidFill>
+                  <a:schemeClr val="tx1"/>
+                </a:solidFill>
+                <a:latin typeface="+mn-lt"/>
+                <a:ea typeface="+mn-ea"/>
+                <a:cs typeface="+mn-cs"/>
+              </a:defRPr>
+            </a:lvl2pPr>
+            <a:lvl3pPr marL="1143000" indent="-228600" algn="l" defTabSz="914400" rtl="0" eaLnBrk="1" latinLnBrk="0" hangingPunct="1">
+              <a:lnSpc>
+                <a:spcPct val="90000"/>
+              </a:lnSpc>
+              <a:spcBef>
+                <a:spcPts val="500"/>
+              </a:spcBef>
+              <a:buFont typeface="Arial" panose="020B0604020202020204" pitchFamily="34" charset="0"/>
+              <a:buChar char="•"/>
+              <a:defRPr sz="2000" kern="1200">
+                <a:solidFill>
+                  <a:schemeClr val="tx1"/>
+                </a:solidFill>
+                <a:latin typeface="+mn-lt"/>
+                <a:ea typeface="+mn-ea"/>
+                <a:cs typeface="+mn-cs"/>
+              </a:defRPr>
+            </a:lvl3pPr>
+            <a:lvl4pPr marL="1600200" indent="-228600" algn="l" defTabSz="914400" rtl="0" eaLnBrk="1" latinLnBrk="0" hangingPunct="1">
+              <a:lnSpc>
+                <a:spcPct val="90000"/>
+              </a:lnSpc>
+              <a:spcBef>
+                <a:spcPts val="500"/>
+              </a:spcBef>
+              <a:buFont typeface="Arial" panose="020B0604020202020204" pitchFamily="34" charset="0"/>
+              <a:buChar char="•"/>
+              <a:defRPr sz="1800" kern="1200">
+                <a:solidFill>
+                  <a:schemeClr val="tx1"/>
+                </a:solidFill>
+                <a:latin typeface="+mn-lt"/>
+                <a:ea typeface="+mn-ea"/>
+                <a:cs typeface="+mn-cs"/>
+              </a:defRPr>
+            </a:lvl4pPr>
+            <a:lvl5pPr marL="2057400" indent="-228600" algn="l" defTabSz="914400" rtl="0" eaLnBrk="1" latinLnBrk="0" hangingPunct="1">
+              <a:lnSpc>
+                <a:spcPct val="90000"/>
+              </a:lnSpc>
+              <a:spcBef>
+                <a:spcPts val="500"/>
+              </a:spcBef>
+              <a:buFont typeface="Arial" panose="020B0604020202020204" pitchFamily="34" charset="0"/>
+              <a:buChar char="•"/>
+              <a:defRPr sz="1800" kern="1200">
+                <a:solidFill>
+                  <a:schemeClr val="tx1"/>
+                </a:solidFill>
+                <a:latin typeface="+mn-lt"/>
+                <a:ea typeface="+mn-ea"/>
+                <a:cs typeface="+mn-cs"/>
+              </a:defRPr>
+            </a:lvl5pPr>
+            <a:lvl6pPr marL="2514600" indent="-228600" algn="l" defTabSz="914400" rtl="0" eaLnBrk="1" latinLnBrk="0" hangingPunct="1">
+              <a:lnSpc>
+                <a:spcPct val="90000"/>
+              </a:lnSpc>
+              <a:spcBef>
+                <a:spcPts val="500"/>
+              </a:spcBef>
+              <a:buFont typeface="Arial" panose="020B0604020202020204" pitchFamily="34" charset="0"/>
+              <a:buChar char="•"/>
+              <a:defRPr sz="1800" kern="1200">
+                <a:solidFill>
+                  <a:schemeClr val="tx1"/>
+                </a:solidFill>
+                <a:latin typeface="+mn-lt"/>
+                <a:ea typeface="+mn-ea"/>
+                <a:cs typeface="+mn-cs"/>
+              </a:defRPr>
+            </a:lvl6pPr>
+            <a:lvl7pPr marL="2971800" indent="-228600" algn="l" defTabSz="914400" rtl="0" eaLnBrk="1" latinLnBrk="0" hangingPunct="1">
+              <a:lnSpc>
+                <a:spcPct val="90000"/>
+              </a:lnSpc>
+              <a:spcBef>
+                <a:spcPts val="500"/>
+              </a:spcBef>
+              <a:buFont typeface="Arial" panose="020B0604020202020204" pitchFamily="34" charset="0"/>
+              <a:buChar char="•"/>
+              <a:defRPr sz="1800" kern="1200">
+                <a:solidFill>
+                  <a:schemeClr val="tx1"/>
+                </a:solidFill>
+                <a:latin typeface="+mn-lt"/>
+                <a:ea typeface="+mn-ea"/>
+                <a:cs typeface="+mn-cs"/>
+              </a:defRPr>
+            </a:lvl7pPr>
+            <a:lvl8pPr marL="3429000" indent="-228600" algn="l" defTabSz="914400" rtl="0" eaLnBrk="1" latinLnBrk="0" hangingPunct="1">
+              <a:lnSpc>
+                <a:spcPct val="90000"/>
+              </a:lnSpc>
+              <a:spcBef>
+                <a:spcPts val="500"/>
+              </a:spcBef>
+              <a:buFont typeface="Arial" panose="020B0604020202020204" pitchFamily="34" charset="0"/>
+              <a:buChar char="•"/>
+              <a:defRPr sz="1800" kern="1200">
+                <a:solidFill>
+                  <a:schemeClr val="tx1"/>
+                </a:solidFill>
+                <a:latin typeface="+mn-lt"/>
+                <a:ea typeface="+mn-ea"/>
+                <a:cs typeface="+mn-cs"/>
+              </a:defRPr>
+            </a:lvl8pPr>
+            <a:lvl9pPr marL="3886200" indent="-228600" algn="l" defTabSz="914400" rtl="0" eaLnBrk="1" latinLnBrk="0" hangingPunct="1">
+              <a:lnSpc>
+                <a:spcPct val="90000"/>
+              </a:lnSpc>
+              <a:spcBef>
+                <a:spcPts val="500"/>
+              </a:spcBef>
+              <a:buFont typeface="Arial" panose="020B0604020202020204" pitchFamily="34" charset="0"/>
+              <a:buChar char="•"/>
+              <a:defRPr sz="1800" kern="1200">
+                <a:solidFill>
+                  <a:schemeClr val="tx1"/>
+                </a:solidFill>
+                <a:latin typeface="+mn-lt"/>
+                <a:ea typeface="+mn-ea"/>
+                <a:cs typeface="+mn-cs"/>
+              </a:defRPr>
+            </a:lvl9pPr>
+          </a:lstStyle>
+          <a:p>
+            <a:pPr marL="0" indent="0">
+              <a:lnSpc>
+                <a:spcPct val="120000"/>
+              </a:lnSpc>
+              <a:buNone/>
             </a:pPr>
             <a:r>
-              <a:rPr lang="zh-TW" altLang="en-US" sz="2800" dirty="0">
-                <a:solidFill>
-                  <a:schemeClr val="bg1"/>
+              <a:rPr lang="en-US" altLang="zh-TW" sz="2400" dirty="0">
+                <a:ln w="3175">
+                  <a:noFill/>
+                </a:ln>
+                <a:solidFill>
+                  <a:srgbClr val="BBBEDB"/>
                 </a:solidFill>
                 <a:latin typeface="微軟正黑體" panose="020B0604030504040204" pitchFamily="34" charset="-120"/>
                 <a:ea typeface="微軟正黑體" panose="020B0604030504040204" pitchFamily="34" charset="-120"/>
                 <a:cs typeface="+mj-cs"/>
               </a:rPr>
-              <a:t>把連結放在英雄的頭像，可以快速尋找並點擊前往攻略</a:t>
-            </a:r>
-            <a:endParaRPr lang="en-US" sz="2800" dirty="0">
+              <a:t>RGB(187, 190, 219)</a:t>
+            </a:r>
+          </a:p>
+          <a:p>
+            <a:pPr marL="0" indent="0">
+              <a:lnSpc>
+                <a:spcPct val="120000"/>
+              </a:lnSpc>
+              <a:buFont typeface="Arial" panose="020B0604020202020204" pitchFamily="34" charset="0"/>
+              <a:buNone/>
+            </a:pPr>
+            <a:r>
+              <a:rPr lang="zh-TW" altLang="en-US" sz="2400" dirty="0">
+                <a:ln w="3175">
+                  <a:noFill/>
+                </a:ln>
+                <a:solidFill>
+                  <a:srgbClr val="BBBEDB"/>
+                </a:solidFill>
+                <a:latin typeface="微軟正黑體" panose="020B0604030504040204" pitchFamily="34" charset="-120"/>
+                <a:ea typeface="微軟正黑體" panose="020B0604030504040204" pitchFamily="34" charset="-120"/>
+                <a:cs typeface="+mj-cs"/>
+              </a:rPr>
+              <a:t>使用接近黑色的深藍色為背景色，讓主題符合遊戲介面的風格</a:t>
+            </a:r>
+            <a:endParaRPr lang="en-US" altLang="zh-TW" sz="2400" dirty="0">
+              <a:ln w="3175">
+                <a:noFill/>
+              </a:ln>
               <a:solidFill>
-                <a:schemeClr val="bg1"/>
+                <a:srgbClr val="BBBEDB"/>
               </a:solidFill>
               <a:latin typeface="微軟正黑體" panose="020B0604030504040204" pitchFamily="34" charset="-120"/>
               <a:ea typeface="微軟正黑體" panose="020B0604030504040204" pitchFamily="34" charset="-120"/>
               <a:cs typeface="+mj-cs"/>
             </a:endParaRPr>
+          </a:p>
+          <a:p>
+            <a:pPr marL="0" indent="0">
+              <a:buFont typeface="Arial" panose="020B0604020202020204" pitchFamily="34" charset="0"/>
+              <a:buNone/>
+            </a:pPr>
+            <a:endParaRPr lang="en-US" dirty="0"/>
           </a:p>
         </p:txBody>
       </p:sp>
@@ -4956,7 +5362,7 @@
         <p:spPr>
           <a:xfrm>
             <a:off x="224206" y="2143216"/>
-            <a:ext cx="5766932" cy="587661"/>
+            <a:ext cx="5766932" cy="1695657"/>
           </a:xfrm>
           <a:prstGeom prst="rect">
             <a:avLst/>
@@ -4994,6 +5400,48 @@
               <a:ea typeface="Noto Sans Mono CJK TC Regular" panose="020B0500000000000000" pitchFamily="34" charset="-120"/>
             </a:endParaRPr>
           </a:p>
+          <a:p>
+            <a:pPr marL="342900" indent="-342900">
+              <a:lnSpc>
+                <a:spcPct val="150000"/>
+              </a:lnSpc>
+              <a:buFont typeface="Arial" panose="020B0604020202020204" pitchFamily="34" charset="0"/>
+              <a:buChar char="•"/>
+            </a:pPr>
+            <a:endParaRPr lang="en-US" altLang="zh-TW" sz="2400" dirty="0">
+              <a:solidFill>
+                <a:schemeClr val="bg1"/>
+              </a:solidFill>
+              <a:latin typeface="Noto Sans Mono CJK TC Regular" panose="020B0500000000000000" pitchFamily="34" charset="-120"/>
+              <a:ea typeface="Noto Sans Mono CJK TC Regular" panose="020B0500000000000000" pitchFamily="34" charset="-120"/>
+            </a:endParaRPr>
+          </a:p>
+          <a:p>
+            <a:pPr marL="342900" indent="-342900">
+              <a:lnSpc>
+                <a:spcPct val="150000"/>
+              </a:lnSpc>
+              <a:buFont typeface="Arial" panose="020B0604020202020204" pitchFamily="34" charset="0"/>
+              <a:buChar char="•"/>
+            </a:pPr>
+            <a:r>
+              <a:rPr lang="zh-TW" altLang="en-US" sz="2400" dirty="0">
+                <a:solidFill>
+                  <a:schemeClr val="bg1"/>
+                </a:solidFill>
+                <a:latin typeface="Noto Sans Mono CJK TC Regular" panose="020B0500000000000000" pitchFamily="34" charset="-120"/>
+                <a:ea typeface="Noto Sans Mono CJK TC Regular" panose="020B0500000000000000" pitchFamily="34" charset="-120"/>
+              </a:rPr>
+              <a:t>兩行字之間行距過大</a:t>
+            </a:r>
+            <a:endParaRPr lang="en-US" altLang="zh-TW" sz="2400" dirty="0">
+              <a:solidFill>
+                <a:schemeClr val="bg1"/>
+              </a:solidFill>
+              <a:latin typeface="Noto Sans Mono CJK TC Regular" panose="020B0500000000000000" pitchFamily="34" charset="-120"/>
+              <a:ea typeface="Noto Sans Mono CJK TC Regular" panose="020B0500000000000000" pitchFamily="34" charset="-120"/>
+            </a:endParaRPr>
+          </a:p>
         </p:txBody>
       </p:sp>
       <p:sp>
@@ -5011,7 +5459,7 @@
         <p:spPr>
           <a:xfrm>
             <a:off x="6714803" y="2143215"/>
-            <a:ext cx="4906107" cy="587661"/>
+            <a:ext cx="4906107" cy="1695657"/>
           </a:xfrm>
           <a:prstGeom prst="rect">
             <a:avLst/>
@@ -5069,6 +5517,20 @@
               </a:rPr>
               <a:t>，中間物件置中</a:t>
             </a:r>
+            <a:endParaRPr lang="en-US" altLang="zh-TW" sz="2400" dirty="0">
+              <a:solidFill>
+                <a:schemeClr val="bg1"/>
+              </a:solidFill>
+              <a:latin typeface="Noto Sans Mono CJK TC Regular" panose="020B0500000000000000" pitchFamily="34" charset="-120"/>
+              <a:ea typeface="Noto Sans Mono CJK TC Regular" panose="020B0500000000000000" pitchFamily="34" charset="-120"/>
+            </a:endParaRPr>
+          </a:p>
+          <a:p>
+            <a:pPr>
+              <a:lnSpc>
+                <a:spcPct val="150000"/>
+              </a:lnSpc>
+            </a:pPr>
             <a:endParaRPr lang="en-US" sz="2400" dirty="0">
               <a:solidFill>
                 <a:schemeClr val="bg1"/>
@@ -5076,6 +5538,43 @@
               <a:latin typeface="Noto Sans Mono CJK TC Regular" panose="020B0500000000000000" pitchFamily="34" charset="-120"/>
               <a:ea typeface="Noto Sans Mono CJK TC Regular" panose="020B0500000000000000" pitchFamily="34" charset="-120"/>
             </a:endParaRPr>
+          </a:p>
+          <a:p>
+            <a:pPr>
+              <a:lnSpc>
+                <a:spcPct val="150000"/>
+              </a:lnSpc>
+            </a:pPr>
+            <a:r>
+              <a:rPr lang="en-US" altLang="zh-TW" sz="2400" dirty="0">
+                <a:solidFill>
+                  <a:schemeClr val="bg1"/>
+                </a:solidFill>
+                <a:latin typeface="Noto Sans Mono CJK TC Regular" panose="020B0500000000000000" pitchFamily="34" charset="-120"/>
+                <a:ea typeface="Noto Sans Mono CJK TC Regular" panose="020B0500000000000000" pitchFamily="34" charset="-120"/>
+              </a:rPr>
+              <a:t>:</a:t>
+            </a:r>
+            <a:r>
+              <a:rPr lang="zh-TW" altLang="en-US" sz="2400" dirty="0">
+                <a:solidFill>
+                  <a:schemeClr val="bg1"/>
+                </a:solidFill>
+                <a:latin typeface="Noto Sans Mono CJK TC Regular" panose="020B0500000000000000" pitchFamily="34" charset="-120"/>
+                <a:ea typeface="Noto Sans Mono CJK TC Regular" panose="020B0500000000000000" pitchFamily="34" charset="-120"/>
+              </a:rPr>
+              <a:t> 使用</a:t>
+            </a:r>
+            <a:r>
+              <a:rPr lang="en-US" sz="2400" dirty="0">
+                <a:solidFill>
+                  <a:schemeClr val="bg1"/>
+                </a:solidFill>
+                <a:latin typeface="Noto Sans Mono CJK TC Regular" panose="020B0500000000000000" pitchFamily="34" charset="-120"/>
+                <a:ea typeface="Noto Sans Mono CJK TC Regular" panose="020B0500000000000000" pitchFamily="34" charset="-120"/>
+              </a:rPr>
+              <a:t>margin:0 0</a:t>
+            </a:r>
           </a:p>
         </p:txBody>
       </p:sp>
@@ -6010,193 +6509,398 @@
           <a:chExt cx="0" cy="0"/>
         </a:xfrm>
       </p:grpSpPr>
-      <p:sp>
-        <p:nvSpPr>
-          <p:cNvPr id="5" name="文字方塊 4">
-            <a:extLst>
-              <a:ext uri="{FF2B5EF4-FFF2-40B4-BE49-F238E27FC236}">
-                <a16:creationId xmlns:a16="http://schemas.microsoft.com/office/drawing/2014/main" id="{1707FB4E-F33C-4524-8696-D0B662D0C9BC}"/>
-              </a:ext>
-            </a:extLst>
-          </p:cNvPr>
-          <p:cNvSpPr txBox="1"/>
+      <p:pic>
+        <p:nvPicPr>
+          <p:cNvPr id="6" name="圖片 5">
+            <a:extLst>
+              <a:ext uri="{FF2B5EF4-FFF2-40B4-BE49-F238E27FC236}">
+                <a16:creationId xmlns:a16="http://schemas.microsoft.com/office/drawing/2014/main" id="{4B767BE6-4B42-4DC0-8366-9E55B1E12D04}"/>
+              </a:ext>
+            </a:extLst>
+          </p:cNvPr>
+          <p:cNvPicPr>
+            <a:picLocks noChangeAspect="1"/>
+          </p:cNvPicPr>
           <p:nvPr/>
-        </p:nvSpPr>
+        </p:nvPicPr>
+        <p:blipFill>
+          <a:blip r:embed="rId2">
+            <a:extLst>
+              <a:ext uri="{28A0092B-C50C-407E-A947-70E740481C1C}">
+                <a14:useLocalDpi xmlns:a14="http://schemas.microsoft.com/office/drawing/2010/main" val="0"/>
+              </a:ext>
+            </a:extLst>
+          </a:blip>
+          <a:stretch>
+            <a:fillRect/>
+          </a:stretch>
+        </p:blipFill>
         <p:spPr>
           <a:xfrm>
-            <a:off x="193432" y="197346"/>
-            <a:ext cx="6093069" cy="6463308"/>
+            <a:off x="1391276" y="0"/>
+            <a:ext cx="3246391" cy="6858000"/>
+          </a:xfrm>
+          <a:prstGeom prst="rect">
+            <a:avLst/>
+          </a:prstGeom>
+        </p:spPr>
+      </p:pic>
+      <p:sp>
+        <p:nvSpPr>
+          <p:cNvPr id="8" name="矩形 7">
+            <a:extLst>
+              <a:ext uri="{FF2B5EF4-FFF2-40B4-BE49-F238E27FC236}">
+                <a16:creationId xmlns:a16="http://schemas.microsoft.com/office/drawing/2014/main" id="{72DE238D-40A6-4407-8B2E-36D812770151}"/>
+              </a:ext>
+            </a:extLst>
+          </p:cNvPr>
+          <p:cNvSpPr/>
+          <p:nvPr/>
+        </p:nvSpPr>
+        <p:spPr>
+          <a:xfrm>
+            <a:off x="1431916" y="0"/>
+            <a:ext cx="3246391" cy="210312"/>
           </a:xfrm>
           <a:prstGeom prst="rect">
             <a:avLst/>
           </a:prstGeom>
           <a:solidFill>
-            <a:srgbClr val="FFFFFF"/>
+            <a:srgbClr val="00FFFF">
+              <a:alpha val="20000"/>
+            </a:srgbClr>
           </a:solidFill>
-          <a:ln>
+          <a:ln w="6350">
             <a:solidFill>
-              <a:schemeClr val="tx1"/>
+              <a:srgbClr val="00FFFF"/>
             </a:solidFill>
           </a:ln>
         </p:spPr>
-        <p:txBody>
-          <a:bodyPr wrap="square" rtlCol="0">
-            <a:spAutoFit/>
-          </a:bodyPr>
-          <a:lstStyle/>
-          <a:p>
-            <a:endParaRPr lang="en-US" altLang="zh-TW" dirty="0"/>
-          </a:p>
-          <a:p>
-            <a:endParaRPr lang="en-US" altLang="zh-TW" dirty="0"/>
-          </a:p>
-          <a:p>
-            <a:endParaRPr lang="en-US" altLang="zh-TW" dirty="0"/>
-          </a:p>
-          <a:p>
-            <a:endParaRPr lang="en-US" altLang="zh-TW" dirty="0"/>
-          </a:p>
-          <a:p>
-            <a:endParaRPr lang="en-US" altLang="zh-TW" dirty="0"/>
-          </a:p>
-          <a:p>
-            <a:endParaRPr lang="en-US" altLang="zh-TW" dirty="0"/>
-          </a:p>
-          <a:p>
-            <a:endParaRPr lang="en-US" altLang="zh-TW" dirty="0"/>
-          </a:p>
-          <a:p>
-            <a:endParaRPr lang="en-US" altLang="zh-TW" dirty="0"/>
-          </a:p>
-          <a:p>
-            <a:endParaRPr lang="en-US" altLang="zh-TW" dirty="0"/>
-          </a:p>
-          <a:p>
-            <a:endParaRPr lang="en-US" altLang="zh-TW" dirty="0"/>
-          </a:p>
-          <a:p>
-            <a:r>
-              <a:rPr lang="en-US" altLang="zh-TW" dirty="0"/>
-              <a:t>			</a:t>
-            </a:r>
-            <a:r>
-              <a:rPr lang="zh-TW" altLang="en-US" dirty="0"/>
-              <a:t>  </a:t>
-            </a:r>
-            <a:r>
-              <a:rPr lang="zh-TW" altLang="en-US" b="1" dirty="0">
-                <a:latin typeface="+mj-ea"/>
-                <a:ea typeface="+mj-ea"/>
-              </a:rPr>
-              <a:t>圖</a:t>
-            </a:r>
-            <a:endParaRPr lang="en-US" altLang="zh-TW" b="1" dirty="0">
-              <a:latin typeface="+mj-ea"/>
-              <a:ea typeface="+mj-ea"/>
-            </a:endParaRPr>
-          </a:p>
-          <a:p>
-            <a:endParaRPr lang="en-US" dirty="0"/>
-          </a:p>
-          <a:p>
-            <a:endParaRPr lang="en-US" dirty="0"/>
-          </a:p>
-          <a:p>
-            <a:endParaRPr lang="en-US" dirty="0"/>
-          </a:p>
-          <a:p>
-            <a:endParaRPr lang="en-US" dirty="0"/>
-          </a:p>
-          <a:p>
-            <a:endParaRPr lang="en-US" dirty="0"/>
-          </a:p>
-          <a:p>
-            <a:endParaRPr lang="en-US" dirty="0"/>
-          </a:p>
-          <a:p>
-            <a:endParaRPr lang="en-US" dirty="0"/>
-          </a:p>
-          <a:p>
-            <a:endParaRPr lang="en-US" dirty="0"/>
-          </a:p>
-          <a:p>
-            <a:endParaRPr lang="en-US" dirty="0"/>
-          </a:p>
-          <a:p>
-            <a:endParaRPr lang="en-US" dirty="0"/>
-          </a:p>
-          <a:p>
-            <a:endParaRPr lang="en-US" dirty="0"/>
-          </a:p>
-          <a:p>
-            <a:endParaRPr lang="en-US" dirty="0"/>
-          </a:p>
-        </p:txBody>
-      </p:sp>
-      <p:sp>
-        <p:nvSpPr>
-          <p:cNvPr id="7" name="標題 1">
-            <a:extLst>
-              <a:ext uri="{FF2B5EF4-FFF2-40B4-BE49-F238E27FC236}">
-                <a16:creationId xmlns:a16="http://schemas.microsoft.com/office/drawing/2014/main" id="{43FDAD9A-32C1-4A52-9C7F-05CD2D0DB558}"/>
-              </a:ext>
-            </a:extLst>
-          </p:cNvPr>
-          <p:cNvSpPr txBox="1">
-            <a:spLocks/>
-          </p:cNvSpPr>
+        <p:style>
+          <a:lnRef idx="2">
+            <a:schemeClr val="accent1">
+              <a:shade val="50000"/>
+            </a:schemeClr>
+          </a:lnRef>
+          <a:fillRef idx="1">
+            <a:schemeClr val="accent1"/>
+          </a:fillRef>
+          <a:effectRef idx="0">
+            <a:schemeClr val="accent1"/>
+          </a:effectRef>
+          <a:fontRef idx="minor">
+            <a:schemeClr val="lt1"/>
+          </a:fontRef>
+        </p:style>
+        <p:txBody>
+          <a:bodyPr rtlCol="0" anchor="ctr"/>
+          <a:lstStyle/>
+          <a:p>
+            <a:pPr algn="ctr"/>
+            <a:endParaRPr lang="en-US"/>
+          </a:p>
+        </p:txBody>
+      </p:sp>
+      <p:sp>
+        <p:nvSpPr>
+          <p:cNvPr id="9" name="矩形 8">
+            <a:extLst>
+              <a:ext uri="{FF2B5EF4-FFF2-40B4-BE49-F238E27FC236}">
+                <a16:creationId xmlns:a16="http://schemas.microsoft.com/office/drawing/2014/main" id="{72761162-056D-46D2-ADDE-2AF7AB30B29A}"/>
+              </a:ext>
+            </a:extLst>
+          </p:cNvPr>
+          <p:cNvSpPr/>
           <p:nvPr/>
         </p:nvSpPr>
         <p:spPr>
           <a:xfrm>
-            <a:off x="7756280" y="197346"/>
-            <a:ext cx="3115408" cy="909760"/>
+            <a:off x="1350636" y="245872"/>
+            <a:ext cx="3246391" cy="4194048"/>
           </a:xfrm>
           <a:prstGeom prst="rect">
             <a:avLst/>
           </a:prstGeom>
+          <a:solidFill>
+            <a:srgbClr val="00B050">
+              <a:alpha val="20000"/>
+            </a:srgbClr>
+          </a:solidFill>
+          <a:ln w="6350">
+            <a:solidFill>
+              <a:srgbClr val="92D050"/>
+            </a:solidFill>
+          </a:ln>
         </p:spPr>
-        <p:txBody>
-          <a:bodyPr vert="horz" lIns="91440" tIns="45720" rIns="91440" bIns="45720" rtlCol="0" anchor="ctr">
-            <a:normAutofit/>
+        <p:style>
+          <a:lnRef idx="2">
+            <a:schemeClr val="accent1">
+              <a:shade val="50000"/>
+            </a:schemeClr>
+          </a:lnRef>
+          <a:fillRef idx="1">
+            <a:schemeClr val="accent1"/>
+          </a:fillRef>
+          <a:effectRef idx="0">
+            <a:schemeClr val="accent1"/>
+          </a:effectRef>
+          <a:fontRef idx="minor">
+            <a:schemeClr val="lt1"/>
+          </a:fontRef>
+        </p:style>
+        <p:txBody>
+          <a:bodyPr rtlCol="0" anchor="ctr"/>
+          <a:lstStyle/>
+          <a:p>
+            <a:pPr algn="ctr"/>
+            <a:endParaRPr lang="en-US" dirty="0"/>
+          </a:p>
+        </p:txBody>
+      </p:sp>
+      <p:sp>
+        <p:nvSpPr>
+          <p:cNvPr id="10" name="矩形 9">
+            <a:extLst>
+              <a:ext uri="{FF2B5EF4-FFF2-40B4-BE49-F238E27FC236}">
+                <a16:creationId xmlns:a16="http://schemas.microsoft.com/office/drawing/2014/main" id="{246AA9CD-B028-4CE7-BDD6-2BDD507E91FB}"/>
+              </a:ext>
+            </a:extLst>
+          </p:cNvPr>
+          <p:cNvSpPr/>
+          <p:nvPr/>
+        </p:nvSpPr>
+        <p:spPr>
+          <a:xfrm>
+            <a:off x="1431916" y="4475480"/>
+            <a:ext cx="3246391" cy="2136648"/>
+          </a:xfrm>
+          <a:prstGeom prst="rect">
+            <a:avLst/>
+          </a:prstGeom>
+          <a:solidFill>
+            <a:srgbClr val="FFC000">
+              <a:alpha val="20000"/>
+            </a:srgbClr>
+          </a:solidFill>
+          <a:ln w="6350">
+            <a:solidFill>
+              <a:srgbClr val="FFC000"/>
+            </a:solidFill>
+          </a:ln>
+        </p:spPr>
+        <p:style>
+          <a:lnRef idx="2">
+            <a:schemeClr val="accent1">
+              <a:shade val="50000"/>
+            </a:schemeClr>
+          </a:lnRef>
+          <a:fillRef idx="1">
+            <a:schemeClr val="accent1"/>
+          </a:fillRef>
+          <a:effectRef idx="0">
+            <a:schemeClr val="accent1"/>
+          </a:effectRef>
+          <a:fontRef idx="minor">
+            <a:schemeClr val="lt1"/>
+          </a:fontRef>
+        </p:style>
+        <p:txBody>
+          <a:bodyPr rtlCol="0" anchor="ctr"/>
+          <a:lstStyle/>
+          <a:p>
+            <a:pPr algn="ctr"/>
+            <a:endParaRPr lang="en-US"/>
+          </a:p>
+        </p:txBody>
+      </p:sp>
+      <p:sp>
+        <p:nvSpPr>
+          <p:cNvPr id="11" name="矩形 10">
+            <a:extLst>
+              <a:ext uri="{FF2B5EF4-FFF2-40B4-BE49-F238E27FC236}">
+                <a16:creationId xmlns:a16="http://schemas.microsoft.com/office/drawing/2014/main" id="{138C3214-8F55-4E06-8BCE-771BDA0FB19E}"/>
+              </a:ext>
+            </a:extLst>
+          </p:cNvPr>
+          <p:cNvSpPr/>
+          <p:nvPr/>
+        </p:nvSpPr>
+        <p:spPr>
+          <a:xfrm>
+            <a:off x="1350635" y="6630416"/>
+            <a:ext cx="3246391" cy="210312"/>
+          </a:xfrm>
+          <a:prstGeom prst="rect">
+            <a:avLst/>
+          </a:prstGeom>
+          <a:solidFill>
+            <a:srgbClr val="FF3399">
+              <a:alpha val="20000"/>
+            </a:srgbClr>
+          </a:solidFill>
+          <a:ln w="6350">
+            <a:solidFill>
+              <a:srgbClr val="FF3399"/>
+            </a:solidFill>
+          </a:ln>
+        </p:spPr>
+        <p:style>
+          <a:lnRef idx="2">
+            <a:schemeClr val="accent1">
+              <a:shade val="50000"/>
+            </a:schemeClr>
+          </a:lnRef>
+          <a:fillRef idx="1">
+            <a:schemeClr val="accent1"/>
+          </a:fillRef>
+          <a:effectRef idx="0">
+            <a:schemeClr val="accent1"/>
+          </a:effectRef>
+          <a:fontRef idx="minor">
+            <a:schemeClr val="lt1"/>
+          </a:fontRef>
+        </p:style>
+        <p:txBody>
+          <a:bodyPr rtlCol="0" anchor="ctr"/>
+          <a:lstStyle/>
+          <a:p>
+            <a:pPr algn="ctr"/>
+            <a:endParaRPr lang="en-US"/>
+          </a:p>
+        </p:txBody>
+      </p:sp>
+      <p:sp>
+        <p:nvSpPr>
+          <p:cNvPr id="17" name="文字方塊 16">
+            <a:extLst>
+              <a:ext uri="{FF2B5EF4-FFF2-40B4-BE49-F238E27FC236}">
+                <a16:creationId xmlns:a16="http://schemas.microsoft.com/office/drawing/2014/main" id="{59FB0BC2-9539-474F-8CCD-22624A5902D1}"/>
+              </a:ext>
+            </a:extLst>
+          </p:cNvPr>
+          <p:cNvSpPr txBox="1"/>
+          <p:nvPr/>
+        </p:nvSpPr>
+        <p:spPr>
+          <a:xfrm>
+            <a:off x="6686938" y="902577"/>
+            <a:ext cx="2831966" cy="461665"/>
+          </a:xfrm>
+          <a:prstGeom prst="rect">
+            <a:avLst/>
+          </a:prstGeom>
+          <a:noFill/>
+        </p:spPr>
+        <p:txBody>
+          <a:bodyPr wrap="square" rtlCol="0">
+            <a:spAutoFit/>
           </a:bodyPr>
-          <a:lstStyle>
-            <a:lvl1pPr algn="l" defTabSz="914400" rtl="0" eaLnBrk="1" latinLnBrk="0" hangingPunct="1">
-              <a:lnSpc>
-                <a:spcPct val="90000"/>
-              </a:lnSpc>
-              <a:spcBef>
-                <a:spcPct val="0"/>
-              </a:spcBef>
-              <a:buNone/>
-              <a:defRPr sz="4400" kern="1200">
-                <a:solidFill>
-                  <a:schemeClr val="tx1"/>
-                </a:solidFill>
-                <a:latin typeface="+mj-lt"/>
-                <a:ea typeface="+mj-ea"/>
-                <a:cs typeface="+mj-cs"/>
-              </a:defRPr>
-            </a:lvl1pPr>
-          </a:lstStyle>
-          <a:p>
-            <a:pPr algn="ctr"/>
-            <a:r>
-              <a:rPr lang="zh-TW" altLang="en-US" sz="5400" dirty="0">
-                <a:solidFill>
-                  <a:srgbClr val="BBBEDB"/>
-                </a:solidFill>
-                <a:latin typeface="Yu Gothic Medium" panose="020B0500000000000000" pitchFamily="34" charset="-128"/>
-                <a:ea typeface="Yu Gothic Medium" panose="020B0500000000000000" pitchFamily="34" charset="-128"/>
+          <a:lstStyle/>
+          <a:p>
+            <a:r>
+              <a:rPr lang="zh-TW" altLang="en-US" sz="2400" dirty="0">
+                <a:solidFill>
+                  <a:schemeClr val="bg1"/>
+                </a:solidFill>
+                <a:latin typeface="Noto Sans CJK TC Medium" panose="020B0600000000000000" pitchFamily="34" charset="-120"/>
+                <a:ea typeface="Noto Sans CJK TC Medium" panose="020B0600000000000000" pitchFamily="34" charset="-120"/>
               </a:rPr>
-              <a:t>框架圖</a:t>
-            </a:r>
-            <a:endParaRPr lang="en-US" sz="5400" dirty="0">
+              <a:t>網站</a:t>
+            </a:r>
+            <a:r>
+              <a:rPr lang="en-US" altLang="zh-TW" sz="2400" dirty="0">
+                <a:solidFill>
+                  <a:schemeClr val="bg1"/>
+                </a:solidFill>
+                <a:latin typeface="Noto Sans CJK TC Medium" panose="020B0600000000000000" pitchFamily="34" charset="-120"/>
+                <a:ea typeface="Noto Sans CJK TC Medium" panose="020B0600000000000000" pitchFamily="34" charset="-120"/>
+              </a:rPr>
+              <a:t>Logo</a:t>
+            </a:r>
+            <a:r>
+              <a:rPr lang="zh-TW" altLang="en-US" sz="2400" dirty="0">
+                <a:solidFill>
+                  <a:schemeClr val="bg1"/>
+                </a:solidFill>
+                <a:latin typeface="Noto Sans CJK TC Medium" panose="020B0600000000000000" pitchFamily="34" charset="-120"/>
+                <a:ea typeface="Noto Sans CJK TC Medium" panose="020B0600000000000000" pitchFamily="34" charset="-120"/>
+              </a:rPr>
+              <a:t>和導覽列</a:t>
+            </a:r>
+            <a:endParaRPr lang="en-US" altLang="zh-TW" sz="2400" dirty="0">
               <a:solidFill>
-                <a:srgbClr val="BBBEDB"/>
+                <a:schemeClr val="bg1"/>
               </a:solidFill>
-              <a:latin typeface="Yu Gothic Medium" panose="020B0500000000000000" pitchFamily="34" charset="-128"/>
-              <a:ea typeface="Yu Gothic Medium" panose="020B0500000000000000" pitchFamily="34" charset="-128"/>
+              <a:latin typeface="Noto Sans CJK TC Medium" panose="020B0600000000000000" pitchFamily="34" charset="-120"/>
+              <a:ea typeface="Noto Sans CJK TC Medium" panose="020B0600000000000000" pitchFamily="34" charset="-120"/>
+            </a:endParaRPr>
+          </a:p>
+        </p:txBody>
+      </p:sp>
+      <p:sp>
+        <p:nvSpPr>
+          <p:cNvPr id="18" name="文字方塊 17">
+            <a:extLst>
+              <a:ext uri="{FF2B5EF4-FFF2-40B4-BE49-F238E27FC236}">
+                <a16:creationId xmlns:a16="http://schemas.microsoft.com/office/drawing/2014/main" id="{C793EDAA-ECFC-4087-80E7-CA4C623FABAC}"/>
+              </a:ext>
+            </a:extLst>
+          </p:cNvPr>
+          <p:cNvSpPr txBox="1"/>
+          <p:nvPr/>
+        </p:nvSpPr>
+        <p:spPr>
+          <a:xfrm>
+            <a:off x="6686938" y="2018145"/>
+            <a:ext cx="2831966" cy="461665"/>
+          </a:xfrm>
+          <a:prstGeom prst="rect">
+            <a:avLst/>
+          </a:prstGeom>
+          <a:noFill/>
+        </p:spPr>
+        <p:txBody>
+          <a:bodyPr wrap="square" rtlCol="0">
+            <a:spAutoFit/>
+          </a:bodyPr>
+          <a:lstStyle/>
+          <a:p>
+            <a:r>
+              <a:rPr lang="zh-TW" altLang="en-US" sz="2400" dirty="0">
+                <a:solidFill>
+                  <a:schemeClr val="bg1"/>
+                </a:solidFill>
+                <a:latin typeface="Noto Sans CJK TC Medium" panose="020B0600000000000000" pitchFamily="34" charset="-120"/>
+                <a:ea typeface="Noto Sans CJK TC Medium" panose="020B0600000000000000" pitchFamily="34" charset="-120"/>
+              </a:rPr>
+              <a:t>網站</a:t>
+            </a:r>
+            <a:r>
+              <a:rPr lang="en-US" altLang="zh-TW" sz="2400" dirty="0">
+                <a:solidFill>
+                  <a:schemeClr val="bg1"/>
+                </a:solidFill>
+                <a:latin typeface="Noto Sans CJK TC Medium" panose="020B0600000000000000" pitchFamily="34" charset="-120"/>
+                <a:ea typeface="Noto Sans CJK TC Medium" panose="020B0600000000000000" pitchFamily="34" charset="-120"/>
+              </a:rPr>
+              <a:t>Logo</a:t>
+            </a:r>
+            <a:r>
+              <a:rPr lang="zh-TW" altLang="en-US" sz="2400" dirty="0">
+                <a:solidFill>
+                  <a:schemeClr val="bg1"/>
+                </a:solidFill>
+                <a:latin typeface="Noto Sans CJK TC Medium" panose="020B0600000000000000" pitchFamily="34" charset="-120"/>
+                <a:ea typeface="Noto Sans CJK TC Medium" panose="020B0600000000000000" pitchFamily="34" charset="-120"/>
+              </a:rPr>
+              <a:t>和導覽列</a:t>
+            </a:r>
+            <a:endParaRPr lang="en-US" altLang="zh-TW" sz="2400" dirty="0">
+              <a:solidFill>
+                <a:schemeClr val="bg1"/>
+              </a:solidFill>
+              <a:latin typeface="Noto Sans CJK TC Medium" panose="020B0600000000000000" pitchFamily="34" charset="-120"/>
+              <a:ea typeface="Noto Sans CJK TC Medium" panose="020B0600000000000000" pitchFamily="34" charset="-120"/>
             </a:endParaRPr>
           </a:p>
         </p:txBody>

--- a/企劃書.pptx
+++ b/企劃書.pptx
@@ -3976,12 +3976,470 @@
           <a:chExt cx="0" cy="0"/>
         </a:xfrm>
       </p:grpSpPr>
-      <p:sp>
-        <p:nvSpPr>
-          <p:cNvPr id="13" name="矩形 12">
-            <a:extLst>
-              <a:ext uri="{FF2B5EF4-FFF2-40B4-BE49-F238E27FC236}">
-                <a16:creationId xmlns:a16="http://schemas.microsoft.com/office/drawing/2014/main" id="{2D9DA06D-5AF0-4BA5-AAD5-42CFE6E838CB}"/>
+      <p:grpSp>
+        <p:nvGrpSpPr>
+          <p:cNvPr id="27" name="群組 26">
+            <a:extLst>
+              <a:ext uri="{FF2B5EF4-FFF2-40B4-BE49-F238E27FC236}">
+                <a16:creationId xmlns:a16="http://schemas.microsoft.com/office/drawing/2014/main" id="{4F40DC28-E9E9-4537-8A70-A004C08D570A}"/>
+              </a:ext>
+            </a:extLst>
+          </p:cNvPr>
+          <p:cNvGrpSpPr/>
+          <p:nvPr/>
+        </p:nvGrpSpPr>
+        <p:grpSpPr>
+          <a:xfrm>
+            <a:off x="6643986" y="214393"/>
+            <a:ext cx="4965941" cy="6489097"/>
+            <a:chOff x="6561691" y="214393"/>
+            <a:chExt cx="4965941" cy="6489097"/>
+          </a:xfrm>
+          <a:solidFill>
+            <a:schemeClr val="accent3">
+              <a:alpha val="37000"/>
+            </a:schemeClr>
+          </a:solidFill>
+        </p:grpSpPr>
+        <p:sp>
+          <p:nvSpPr>
+            <p:cNvPr id="13" name="矩形 12">
+              <a:extLst>
+                <a:ext uri="{FF2B5EF4-FFF2-40B4-BE49-F238E27FC236}">
+                  <a16:creationId xmlns:a16="http://schemas.microsoft.com/office/drawing/2014/main" id="{2D9DA06D-5AF0-4BA5-AAD5-42CFE6E838CB}"/>
+                </a:ext>
+              </a:extLst>
+            </p:cNvPr>
+            <p:cNvSpPr/>
+            <p:nvPr/>
+          </p:nvSpPr>
+          <p:spPr>
+            <a:xfrm>
+              <a:off x="6569580" y="3745964"/>
+              <a:ext cx="4958052" cy="1212071"/>
+            </a:xfrm>
+            <a:prstGeom prst="rect">
+              <a:avLst/>
+            </a:prstGeom>
+            <a:grpFill/>
+            <a:ln>
+              <a:noFill/>
+            </a:ln>
+          </p:spPr>
+          <p:style>
+            <a:lnRef idx="2">
+              <a:schemeClr val="accent1">
+                <a:shade val="50000"/>
+              </a:schemeClr>
+            </a:lnRef>
+            <a:fillRef idx="1">
+              <a:schemeClr val="accent1"/>
+            </a:fillRef>
+            <a:effectRef idx="0">
+              <a:schemeClr val="accent1"/>
+            </a:effectRef>
+            <a:fontRef idx="minor">
+              <a:schemeClr val="lt1"/>
+            </a:fontRef>
+          </p:style>
+          <p:txBody>
+            <a:bodyPr rtlCol="0" anchor="ctr"/>
+            <a:lstStyle/>
+            <a:p>
+              <a:pPr>
+                <a:lnSpc>
+                  <a:spcPct val="150000"/>
+                </a:lnSpc>
+                <a:spcBef>
+                  <a:spcPts val="1200"/>
+                </a:spcBef>
+              </a:pPr>
+              <a:r>
+                <a:rPr lang="en-US" altLang="zh-TW" sz="2000" b="1" dirty="0">
+                  <a:solidFill>
+                    <a:schemeClr val="bg1"/>
+                  </a:solidFill>
+                  <a:latin typeface="Noto Sans CJK TC DemiLight" panose="020B0400000000000000" pitchFamily="34" charset="-120"/>
+                  <a:ea typeface="Noto Sans CJK TC DemiLight" panose="020B0400000000000000" pitchFamily="34" charset="-120"/>
+                </a:rPr>
+                <a:t>RGB(255,255,255)</a:t>
+              </a:r>
+            </a:p>
+            <a:p>
+              <a:pPr>
+                <a:lnSpc>
+                  <a:spcPct val="150000"/>
+                </a:lnSpc>
+              </a:pPr>
+              <a:r>
+                <a:rPr lang="zh-TW" altLang="en-US" dirty="0">
+                  <a:solidFill>
+                    <a:schemeClr val="bg1"/>
+                  </a:solidFill>
+                  <a:latin typeface="Noto Sans CJK TC DemiLight" panose="020B0400000000000000" pitchFamily="34" charset="-120"/>
+                  <a:ea typeface="Noto Sans CJK TC DemiLight" panose="020B0400000000000000" pitchFamily="34" charset="-120"/>
+                </a:rPr>
+                <a:t>主要標題為純白色，在深色背景中可讀性高</a:t>
+              </a:r>
+              <a:endParaRPr lang="en-US" dirty="0">
+                <a:solidFill>
+                  <a:schemeClr val="bg1"/>
+                </a:solidFill>
+                <a:latin typeface="Noto Sans CJK TC DemiLight" panose="020B0400000000000000" pitchFamily="34" charset="-120"/>
+                <a:ea typeface="Noto Sans CJK TC DemiLight" panose="020B0400000000000000" pitchFamily="34" charset="-120"/>
+              </a:endParaRPr>
+            </a:p>
+            <a:p>
+              <a:pPr algn="ctr">
+                <a:lnSpc>
+                  <a:spcPct val="150000"/>
+                </a:lnSpc>
+              </a:pPr>
+              <a:endParaRPr lang="en-US" dirty="0"/>
+            </a:p>
+          </p:txBody>
+        </p:sp>
+        <p:sp>
+          <p:nvSpPr>
+            <p:cNvPr id="6" name="矩形 5">
+              <a:extLst>
+                <a:ext uri="{FF2B5EF4-FFF2-40B4-BE49-F238E27FC236}">
+                  <a16:creationId xmlns:a16="http://schemas.microsoft.com/office/drawing/2014/main" id="{023C50F1-87EC-426F-A549-5C8BB750F1F8}"/>
+                </a:ext>
+              </a:extLst>
+            </p:cNvPr>
+            <p:cNvSpPr/>
+            <p:nvPr/>
+          </p:nvSpPr>
+          <p:spPr>
+            <a:xfrm>
+              <a:off x="6561691" y="214393"/>
+              <a:ext cx="4965941" cy="1526202"/>
+            </a:xfrm>
+            <a:prstGeom prst="rect">
+              <a:avLst/>
+            </a:prstGeom>
+            <a:grpFill/>
+            <a:ln>
+              <a:noFill/>
+            </a:ln>
+          </p:spPr>
+          <p:style>
+            <a:lnRef idx="2">
+              <a:schemeClr val="accent1">
+                <a:shade val="50000"/>
+              </a:schemeClr>
+            </a:lnRef>
+            <a:fillRef idx="1">
+              <a:schemeClr val="accent1"/>
+            </a:fillRef>
+            <a:effectRef idx="0">
+              <a:schemeClr val="accent1"/>
+            </a:effectRef>
+            <a:fontRef idx="minor">
+              <a:schemeClr val="lt1"/>
+            </a:fontRef>
+          </p:style>
+          <p:txBody>
+            <a:bodyPr rtlCol="0" anchor="ctr"/>
+            <a:lstStyle/>
+            <a:p>
+              <a:pPr>
+                <a:lnSpc>
+                  <a:spcPct val="150000"/>
+                </a:lnSpc>
+              </a:pPr>
+              <a:r>
+                <a:rPr lang="en-US" altLang="zh-TW" sz="2000" b="1" dirty="0">
+                  <a:ln w="3175">
+                    <a:noFill/>
+                  </a:ln>
+                  <a:solidFill>
+                    <a:srgbClr val="070720"/>
+                  </a:solidFill>
+                  <a:latin typeface="Noto Sans CJK TC DemiLight" panose="020B0400000000000000" pitchFamily="34" charset="-120"/>
+                  <a:ea typeface="Noto Sans CJK TC DemiLight" panose="020B0400000000000000" pitchFamily="34" charset="-120"/>
+                </a:rPr>
+                <a:t>RGB(7,7,32)</a:t>
+              </a:r>
+            </a:p>
+            <a:p>
+              <a:pPr>
+                <a:lnSpc>
+                  <a:spcPct val="150000"/>
+                </a:lnSpc>
+              </a:pPr>
+              <a:r>
+                <a:rPr lang="zh-TW" altLang="en-US" dirty="0">
+                  <a:ln w="3175">
+                    <a:noFill/>
+                  </a:ln>
+                  <a:solidFill>
+                    <a:srgbClr val="070720"/>
+                  </a:solidFill>
+                  <a:latin typeface="Noto Sans CJK TC DemiLight" panose="020B0400000000000000" pitchFamily="34" charset="-120"/>
+                  <a:ea typeface="Noto Sans CJK TC DemiLight" panose="020B0400000000000000" pitchFamily="34" charset="-120"/>
+                </a:rPr>
+                <a:t>背景色為有點帶藍色的黑色，讓主題符合遊戲介面的風格</a:t>
+              </a:r>
+              <a:endParaRPr lang="en-US" altLang="zh-TW" dirty="0">
+                <a:ln w="3175">
+                  <a:noFill/>
+                </a:ln>
+                <a:solidFill>
+                  <a:srgbClr val="070720"/>
+                </a:solidFill>
+                <a:latin typeface="Noto Sans CJK TC DemiLight" panose="020B0400000000000000" pitchFamily="34" charset="-120"/>
+                <a:ea typeface="Noto Sans CJK TC DemiLight" panose="020B0400000000000000" pitchFamily="34" charset="-120"/>
+              </a:endParaRPr>
+            </a:p>
+            <a:p>
+              <a:pPr algn="ctr"/>
+              <a:endParaRPr lang="en-US" dirty="0"/>
+            </a:p>
+          </p:txBody>
+        </p:sp>
+        <p:sp>
+          <p:nvSpPr>
+            <p:cNvPr id="23" name="矩形 22">
+              <a:extLst>
+                <a:ext uri="{FF2B5EF4-FFF2-40B4-BE49-F238E27FC236}">
+                  <a16:creationId xmlns:a16="http://schemas.microsoft.com/office/drawing/2014/main" id="{9E26FB33-0150-4B8C-9AA5-DDBC0AF49F39}"/>
+                </a:ext>
+              </a:extLst>
+            </p:cNvPr>
+            <p:cNvSpPr/>
+            <p:nvPr/>
+          </p:nvSpPr>
+          <p:spPr>
+            <a:xfrm>
+              <a:off x="6561691" y="1973402"/>
+              <a:ext cx="4965941" cy="1526202"/>
+            </a:xfrm>
+            <a:prstGeom prst="rect">
+              <a:avLst/>
+            </a:prstGeom>
+            <a:grpFill/>
+            <a:ln>
+              <a:noFill/>
+            </a:ln>
+          </p:spPr>
+          <p:style>
+            <a:lnRef idx="2">
+              <a:schemeClr val="accent1">
+                <a:shade val="50000"/>
+              </a:schemeClr>
+            </a:lnRef>
+            <a:fillRef idx="1">
+              <a:schemeClr val="accent1"/>
+            </a:fillRef>
+            <a:effectRef idx="0">
+              <a:schemeClr val="accent1"/>
+            </a:effectRef>
+            <a:fontRef idx="minor">
+              <a:schemeClr val="lt1"/>
+            </a:fontRef>
+          </p:style>
+          <p:txBody>
+            <a:bodyPr rtlCol="0" anchor="ctr"/>
+            <a:lstStyle/>
+            <a:p>
+              <a:pPr>
+                <a:lnSpc>
+                  <a:spcPct val="150000"/>
+                </a:lnSpc>
+              </a:pPr>
+              <a:r>
+                <a:rPr lang="en-US" altLang="zh-TW" sz="2000" b="1" dirty="0">
+                  <a:ln w="3175">
+                    <a:noFill/>
+                  </a:ln>
+                  <a:solidFill>
+                    <a:srgbClr val="BBBEDB"/>
+                  </a:solidFill>
+                  <a:latin typeface="Noto Sans CJK TC DemiLight" panose="020B0400000000000000" pitchFamily="34" charset="-120"/>
+                  <a:ea typeface="Noto Sans CJK TC DemiLight" panose="020B0400000000000000" pitchFamily="34" charset="-120"/>
+                </a:rPr>
+                <a:t>RGB(187, 190, 219)</a:t>
+              </a:r>
+            </a:p>
+            <a:p>
+              <a:pPr>
+                <a:lnSpc>
+                  <a:spcPct val="150000"/>
+                </a:lnSpc>
+              </a:pPr>
+              <a:r>
+                <a:rPr lang="zh-TW" altLang="en-US" dirty="0">
+                  <a:ln w="3175">
+                    <a:noFill/>
+                  </a:ln>
+                  <a:solidFill>
+                    <a:srgbClr val="BBBEDB"/>
+                  </a:solidFill>
+                  <a:latin typeface="Noto Sans CJK TC DemiLight" panose="020B0400000000000000" pitchFamily="34" charset="-120"/>
+                  <a:ea typeface="Noto Sans CJK TC DemiLight" panose="020B0400000000000000" pitchFamily="34" charset="-120"/>
+                </a:rPr>
+                <a:t>內文為淡紫色，與標題區分，符合整體色系</a:t>
+              </a:r>
+              <a:endParaRPr lang="en-US" altLang="zh-TW" dirty="0">
+                <a:ln w="3175">
+                  <a:noFill/>
+                </a:ln>
+                <a:solidFill>
+                  <a:srgbClr val="BBBEDB"/>
+                </a:solidFill>
+                <a:latin typeface="Noto Sans CJK TC DemiLight" panose="020B0400000000000000" pitchFamily="34" charset="-120"/>
+                <a:ea typeface="Noto Sans CJK TC DemiLight" panose="020B0400000000000000" pitchFamily="34" charset="-120"/>
+              </a:endParaRPr>
+            </a:p>
+            <a:p>
+              <a:pPr algn="ctr">
+                <a:lnSpc>
+                  <a:spcPct val="150000"/>
+                </a:lnSpc>
+              </a:pPr>
+              <a:endParaRPr lang="en-US" dirty="0"/>
+            </a:p>
+          </p:txBody>
+        </p:sp>
+        <p:sp>
+          <p:nvSpPr>
+            <p:cNvPr id="25" name="矩形 24">
+              <a:extLst>
+                <a:ext uri="{FF2B5EF4-FFF2-40B4-BE49-F238E27FC236}">
+                  <a16:creationId xmlns:a16="http://schemas.microsoft.com/office/drawing/2014/main" id="{45674D06-C082-4EFB-8F21-29215570EA93}"/>
+                </a:ext>
+              </a:extLst>
+            </p:cNvPr>
+            <p:cNvSpPr/>
+            <p:nvPr/>
+          </p:nvSpPr>
+          <p:spPr>
+            <a:xfrm>
+              <a:off x="6561691" y="5177288"/>
+              <a:ext cx="4965941" cy="1526202"/>
+            </a:xfrm>
+            <a:prstGeom prst="rect">
+              <a:avLst/>
+            </a:prstGeom>
+            <a:grpFill/>
+            <a:ln>
+              <a:noFill/>
+            </a:ln>
+          </p:spPr>
+          <p:style>
+            <a:lnRef idx="2">
+              <a:schemeClr val="accent1">
+                <a:shade val="50000"/>
+              </a:schemeClr>
+            </a:lnRef>
+            <a:fillRef idx="1">
+              <a:schemeClr val="accent1"/>
+            </a:fillRef>
+            <a:effectRef idx="0">
+              <a:schemeClr val="accent1"/>
+            </a:effectRef>
+            <a:fontRef idx="minor">
+              <a:schemeClr val="lt1"/>
+            </a:fontRef>
+          </p:style>
+          <p:txBody>
+            <a:bodyPr rtlCol="0" anchor="ctr"/>
+            <a:lstStyle/>
+            <a:p>
+              <a:pPr>
+                <a:lnSpc>
+                  <a:spcPct val="150000"/>
+                </a:lnSpc>
+              </a:pPr>
+              <a:r>
+                <a:rPr lang="en-US" altLang="zh-TW" sz="2000" b="1" dirty="0">
+                  <a:ln w="3175">
+                    <a:noFill/>
+                  </a:ln>
+                  <a:solidFill>
+                    <a:srgbClr val="BDA168"/>
+                  </a:solidFill>
+                  <a:latin typeface="Noto Sans CJK TC DemiLight" panose="020B0400000000000000" pitchFamily="34" charset="-120"/>
+                  <a:ea typeface="Noto Sans CJK TC DemiLight" panose="020B0400000000000000" pitchFamily="34" charset="-120"/>
+                </a:rPr>
+                <a:t>RGB(189, 161, 104)</a:t>
+              </a:r>
+            </a:p>
+            <a:p>
+              <a:pPr>
+                <a:lnSpc>
+                  <a:spcPct val="150000"/>
+                </a:lnSpc>
+              </a:pPr>
+              <a:r>
+                <a:rPr lang="zh-TW" altLang="en-US" dirty="0">
+                  <a:ln w="3175">
+                    <a:noFill/>
+                  </a:ln>
+                  <a:solidFill>
+                    <a:srgbClr val="BDA168"/>
+                  </a:solidFill>
+                  <a:latin typeface="Noto Sans CJK TC DemiLight" panose="020B0400000000000000" pitchFamily="34" charset="-120"/>
+                  <a:ea typeface="Noto Sans CJK TC DemiLight" panose="020B0400000000000000" pitchFamily="34" charset="-120"/>
+                </a:rPr>
+                <a:t>在藍紫色系中醒目的暗黃色，只用在</a:t>
+              </a:r>
+              <a:r>
+                <a:rPr lang="en-US" altLang="zh-TW" dirty="0">
+                  <a:ln w="3175">
+                    <a:noFill/>
+                  </a:ln>
+                  <a:solidFill>
+                    <a:srgbClr val="BDA168"/>
+                  </a:solidFill>
+                  <a:latin typeface="Noto Sans CJK TC DemiLight" panose="020B0400000000000000" pitchFamily="34" charset="-120"/>
+                  <a:ea typeface="Noto Sans CJK TC DemiLight" panose="020B0400000000000000" pitchFamily="34" charset="-120"/>
+                </a:rPr>
+                <a:t>Logo</a:t>
+              </a:r>
+              <a:r>
+                <a:rPr lang="zh-TW" altLang="en-US" dirty="0">
+                  <a:ln w="3175">
+                    <a:noFill/>
+                  </a:ln>
+                  <a:solidFill>
+                    <a:srgbClr val="BDA168"/>
+                  </a:solidFill>
+                  <a:latin typeface="Noto Sans CJK TC DemiLight" panose="020B0400000000000000" pitchFamily="34" charset="-120"/>
+                  <a:ea typeface="Noto Sans CJK TC DemiLight" panose="020B0400000000000000" pitchFamily="34" charset="-120"/>
+                </a:rPr>
+                <a:t>上</a:t>
+              </a:r>
+              <a:endParaRPr lang="en-US" altLang="zh-TW" dirty="0">
+                <a:ln w="3175">
+                  <a:noFill/>
+                </a:ln>
+                <a:solidFill>
+                  <a:srgbClr val="BDA168"/>
+                </a:solidFill>
+                <a:latin typeface="Noto Sans CJK TC DemiLight" panose="020B0400000000000000" pitchFamily="34" charset="-120"/>
+                <a:ea typeface="Noto Sans CJK TC DemiLight" panose="020B0400000000000000" pitchFamily="34" charset="-120"/>
+              </a:endParaRPr>
+            </a:p>
+            <a:p>
+              <a:pPr algn="ctr">
+                <a:lnSpc>
+                  <a:spcPct val="150000"/>
+                </a:lnSpc>
+              </a:pPr>
+              <a:endParaRPr lang="en-US" dirty="0"/>
+            </a:p>
+          </p:txBody>
+        </p:sp>
+      </p:grpSp>
+      <p:sp>
+        <p:nvSpPr>
+          <p:cNvPr id="29" name="矩形 28">
+            <a:extLst>
+              <a:ext uri="{FF2B5EF4-FFF2-40B4-BE49-F238E27FC236}">
+                <a16:creationId xmlns:a16="http://schemas.microsoft.com/office/drawing/2014/main" id="{B35A103D-4E00-465C-A09B-0640DAFA9AA4}"/>
               </a:ext>
             </a:extLst>
           </p:cNvPr>
@@ -3990,20 +4448,27 @@
         </p:nvSpPr>
         <p:spPr>
           <a:xfrm>
-            <a:off x="6569580" y="214393"/>
-            <a:ext cx="4958052" cy="1669271"/>
+            <a:off x="2588798" y="-12714"/>
+            <a:ext cx="3190209" cy="6864357"/>
           </a:xfrm>
           <a:prstGeom prst="rect">
             <a:avLst/>
           </a:prstGeom>
           <a:solidFill>
-            <a:schemeClr val="accent1">
-              <a:lumMod val="50000"/>
+            <a:schemeClr val="bg1">
+              <a:lumMod val="65000"/>
             </a:schemeClr>
           </a:solidFill>
           <a:ln>
             <a:noFill/>
           </a:ln>
+          <a:effectLst>
+            <a:innerShdw blurRad="63500" dist="50800" dir="2700000">
+              <a:prstClr val="black">
+                <a:alpha val="50000"/>
+              </a:prstClr>
+            </a:innerShdw>
+          </a:effectLst>
         </p:spPr>
         <p:style>
           <a:lnRef idx="2">
@@ -4030,263 +4495,12 @@
           </a:p>
         </p:txBody>
       </p:sp>
-      <p:sp>
-        <p:nvSpPr>
-          <p:cNvPr id="6" name="矩形 5">
-            <a:extLst>
-              <a:ext uri="{FF2B5EF4-FFF2-40B4-BE49-F238E27FC236}">
-                <a16:creationId xmlns:a16="http://schemas.microsoft.com/office/drawing/2014/main" id="{023C50F1-87EC-426F-A549-5C8BB750F1F8}"/>
-              </a:ext>
-            </a:extLst>
-          </p:cNvPr>
-          <p:cNvSpPr/>
-          <p:nvPr/>
-        </p:nvSpPr>
-        <p:spPr>
-          <a:xfrm>
-            <a:off x="6553804" y="2149686"/>
-            <a:ext cx="4965941" cy="1771145"/>
-          </a:xfrm>
-          <a:prstGeom prst="rect">
-            <a:avLst/>
-          </a:prstGeom>
-          <a:solidFill>
-            <a:schemeClr val="accent1">
-              <a:lumMod val="50000"/>
-            </a:schemeClr>
-          </a:solidFill>
-          <a:ln>
-            <a:noFill/>
-          </a:ln>
-        </p:spPr>
-        <p:style>
-          <a:lnRef idx="2">
-            <a:schemeClr val="accent1">
-              <a:shade val="50000"/>
-            </a:schemeClr>
-          </a:lnRef>
-          <a:fillRef idx="1">
-            <a:schemeClr val="accent1"/>
-          </a:fillRef>
-          <a:effectRef idx="0">
-            <a:schemeClr val="accent1"/>
-          </a:effectRef>
-          <a:fontRef idx="minor">
-            <a:schemeClr val="lt1"/>
-          </a:fontRef>
-        </p:style>
-        <p:txBody>
-          <a:bodyPr rtlCol="0" anchor="ctr"/>
-          <a:lstStyle/>
-          <a:p>
-            <a:pPr algn="ctr"/>
-            <a:endParaRPr lang="en-US"/>
-          </a:p>
-        </p:txBody>
-      </p:sp>
-      <p:sp>
-        <p:nvSpPr>
-          <p:cNvPr id="3" name="內容版面配置區 2">
-            <a:extLst>
-              <a:ext uri="{FF2B5EF4-FFF2-40B4-BE49-F238E27FC236}">
-                <a16:creationId xmlns:a16="http://schemas.microsoft.com/office/drawing/2014/main" id="{38723026-DD27-4733-9ED0-4B23612444AA}"/>
-              </a:ext>
-            </a:extLst>
-          </p:cNvPr>
-          <p:cNvSpPr>
-            <a:spLocks noGrp="1"/>
-          </p:cNvSpPr>
-          <p:nvPr>
-            <p:ph idx="1"/>
-          </p:nvPr>
-        </p:nvSpPr>
-        <p:spPr>
-          <a:xfrm>
-            <a:off x="6149171" y="2251560"/>
-            <a:ext cx="5378461" cy="1669271"/>
-          </a:xfrm>
-          <a:noFill/>
-        </p:spPr>
-        <p:txBody>
-          <a:bodyPr>
-            <a:normAutofit/>
-          </a:bodyPr>
-          <a:lstStyle/>
-          <a:p>
-            <a:pPr marL="0" indent="0">
-              <a:lnSpc>
-                <a:spcPct val="120000"/>
-              </a:lnSpc>
-              <a:buNone/>
-            </a:pPr>
-            <a:r>
-              <a:rPr lang="en-US" altLang="zh-TW" sz="2400" dirty="0">
-                <a:ln w="3175">
-                  <a:noFill/>
-                </a:ln>
-                <a:solidFill>
-                  <a:srgbClr val="070720"/>
-                </a:solidFill>
-                <a:effectLst>
-                  <a:outerShdw blurRad="50800" dist="38100" dir="2700000" algn="tl" rotWithShape="0">
-                    <a:schemeClr val="tx1">
-                      <a:lumMod val="50000"/>
-                      <a:lumOff val="50000"/>
-                      <a:alpha val="40000"/>
-                    </a:schemeClr>
-                  </a:outerShdw>
-                </a:effectLst>
-                <a:latin typeface="微軟正黑體" panose="020B0604030504040204" pitchFamily="34" charset="-120"/>
-                <a:ea typeface="微軟正黑體" panose="020B0604030504040204" pitchFamily="34" charset="-120"/>
-                <a:cs typeface="+mj-cs"/>
-              </a:rPr>
-              <a:t>RGB(7,7,32)</a:t>
-            </a:r>
-          </a:p>
-          <a:p>
-            <a:pPr marL="0" indent="0">
-              <a:lnSpc>
-                <a:spcPct val="120000"/>
-              </a:lnSpc>
-              <a:buNone/>
-            </a:pPr>
-            <a:r>
-              <a:rPr lang="zh-TW" altLang="en-US" sz="2400" dirty="0">
-                <a:ln w="3175">
-                  <a:noFill/>
-                </a:ln>
-                <a:solidFill>
-                  <a:srgbClr val="070720"/>
-                </a:solidFill>
-                <a:effectLst>
-                  <a:outerShdw blurRad="50800" dist="38100" dir="2700000" algn="tl" rotWithShape="0">
-                    <a:schemeClr val="tx1">
-                      <a:lumMod val="50000"/>
-                      <a:lumOff val="50000"/>
-                      <a:alpha val="40000"/>
-                    </a:schemeClr>
-                  </a:outerShdw>
-                </a:effectLst>
-                <a:latin typeface="微軟正黑體" panose="020B0604030504040204" pitchFamily="34" charset="-120"/>
-                <a:ea typeface="微軟正黑體" panose="020B0604030504040204" pitchFamily="34" charset="-120"/>
-                <a:cs typeface="+mj-cs"/>
-              </a:rPr>
-              <a:t>使用接近黑色的深藍色為背景色，讓主題符合遊戲介面的風格</a:t>
-            </a:r>
-            <a:endParaRPr lang="en-US" altLang="zh-TW" sz="2400" dirty="0">
-              <a:ln w="3175">
-                <a:noFill/>
-              </a:ln>
-              <a:solidFill>
-                <a:srgbClr val="070720"/>
-              </a:solidFill>
-              <a:effectLst>
-                <a:outerShdw blurRad="50800" dist="38100" dir="2700000" algn="tl" rotWithShape="0">
-                  <a:schemeClr val="tx1">
-                    <a:lumMod val="50000"/>
-                    <a:lumOff val="50000"/>
-                    <a:alpha val="40000"/>
-                  </a:schemeClr>
-                </a:outerShdw>
-              </a:effectLst>
-              <a:latin typeface="微軟正黑體" panose="020B0604030504040204" pitchFamily="34" charset="-120"/>
-              <a:ea typeface="微軟正黑體" panose="020B0604030504040204" pitchFamily="34" charset="-120"/>
-              <a:cs typeface="+mj-cs"/>
-            </a:endParaRPr>
-          </a:p>
-          <a:p>
-            <a:pPr marL="0" indent="0">
-              <a:buNone/>
-            </a:pPr>
-            <a:endParaRPr lang="en-US" dirty="0"/>
-          </a:p>
-        </p:txBody>
-      </p:sp>
-      <p:sp>
-        <p:nvSpPr>
-          <p:cNvPr id="5" name="文字方塊 4">
-            <a:extLst>
-              <a:ext uri="{FF2B5EF4-FFF2-40B4-BE49-F238E27FC236}">
-                <a16:creationId xmlns:a16="http://schemas.microsoft.com/office/drawing/2014/main" id="{36DBAB21-D7D4-4C92-9671-0ED515AF0FC7}"/>
-              </a:ext>
-            </a:extLst>
-          </p:cNvPr>
-          <p:cNvSpPr txBox="1"/>
-          <p:nvPr/>
-        </p:nvSpPr>
-        <p:spPr>
-          <a:xfrm>
-            <a:off x="6096001" y="262035"/>
-            <a:ext cx="5378462" cy="1510029"/>
-          </a:xfrm>
-          <a:prstGeom prst="rect">
-            <a:avLst/>
-          </a:prstGeom>
-          <a:noFill/>
-        </p:spPr>
-        <p:txBody>
-          <a:bodyPr wrap="square" rtlCol="0">
-            <a:spAutoFit/>
-          </a:bodyPr>
-          <a:lstStyle/>
-          <a:p>
-            <a:pPr>
-              <a:lnSpc>
-                <a:spcPct val="120000"/>
-              </a:lnSpc>
-              <a:spcBef>
-                <a:spcPts val="1000"/>
-              </a:spcBef>
-            </a:pPr>
-            <a:r>
-              <a:rPr lang="en-US" altLang="zh-TW" sz="2400" dirty="0">
-                <a:solidFill>
-                  <a:schemeClr val="bg1"/>
-                </a:solidFill>
-                <a:latin typeface="微軟正黑體" panose="020B0604030504040204" pitchFamily="34" charset="-120"/>
-                <a:ea typeface="微軟正黑體" panose="020B0604030504040204" pitchFamily="34" charset="-120"/>
-                <a:cs typeface="+mj-cs"/>
-              </a:rPr>
-              <a:t>RGB(255,255,255)</a:t>
-            </a:r>
-          </a:p>
-          <a:p>
-            <a:pPr>
-              <a:lnSpc>
-                <a:spcPct val="120000"/>
-              </a:lnSpc>
-              <a:spcBef>
-                <a:spcPts val="1000"/>
-              </a:spcBef>
-            </a:pPr>
-            <a:r>
-              <a:rPr lang="zh-TW" altLang="en-US" sz="2400" dirty="0">
-                <a:solidFill>
-                  <a:schemeClr val="bg1"/>
-                </a:solidFill>
-                <a:latin typeface="微軟正黑體" panose="020B0604030504040204" pitchFamily="34" charset="-120"/>
-                <a:ea typeface="微軟正黑體" panose="020B0604030504040204" pitchFamily="34" charset="-120"/>
-                <a:cs typeface="+mj-cs"/>
-              </a:rPr>
-              <a:t>用白色當主要標題的顏色，在深色背景中可讀性高</a:t>
-            </a:r>
-            <a:endParaRPr lang="en-US" sz="2400" dirty="0">
-              <a:solidFill>
-                <a:schemeClr val="bg1"/>
-              </a:solidFill>
-              <a:latin typeface="微軟正黑體" panose="020B0604030504040204" pitchFamily="34" charset="-120"/>
-              <a:ea typeface="微軟正黑體" panose="020B0604030504040204" pitchFamily="34" charset="-120"/>
-              <a:cs typeface="+mj-cs"/>
-            </a:endParaRPr>
-          </a:p>
-        </p:txBody>
-      </p:sp>
       <p:grpSp>
         <p:nvGrpSpPr>
-          <p:cNvPr id="22" name="群組 21">
-            <a:extLst>
-              <a:ext uri="{FF2B5EF4-FFF2-40B4-BE49-F238E27FC236}">
-                <a16:creationId xmlns:a16="http://schemas.microsoft.com/office/drawing/2014/main" id="{2586A8F3-F35C-4C85-9718-7375DB51AB0E}"/>
+          <p:cNvPr id="30" name="群組 29">
+            <a:extLst>
+              <a:ext uri="{FF2B5EF4-FFF2-40B4-BE49-F238E27FC236}">
+                <a16:creationId xmlns:a16="http://schemas.microsoft.com/office/drawing/2014/main" id="{9258EBEB-372C-4B0E-B445-1DCB6E73D6B4}"/>
               </a:ext>
             </a:extLst>
           </p:cNvPr>
@@ -4296,9 +4510,9 @@
         <p:grpSpPr>
           <a:xfrm>
             <a:off x="3332196" y="214393"/>
-            <a:ext cx="2020824" cy="5010804"/>
-            <a:chOff x="4154983" y="214393"/>
-            <a:chExt cx="2020824" cy="5010804"/>
+            <a:ext cx="2020824" cy="6489097"/>
+            <a:chOff x="3332196" y="214393"/>
+            <a:chExt cx="2020824" cy="6489097"/>
           </a:xfrm>
         </p:grpSpPr>
         <p:sp>
@@ -4315,7 +4529,7 @@
           </p:nvSpPr>
           <p:spPr>
             <a:xfrm>
-              <a:off x="4154983" y="3422896"/>
+              <a:off x="3332196" y="4531615"/>
               <a:ext cx="2020824" cy="732801"/>
             </a:xfrm>
             <a:prstGeom prst="rect">
@@ -4367,7 +4581,7 @@
           </p:nvSpPr>
           <p:spPr>
             <a:xfrm>
-              <a:off x="4154983" y="2353395"/>
+              <a:off x="3332196" y="3092541"/>
               <a:ext cx="2020824" cy="732801"/>
             </a:xfrm>
             <a:prstGeom prst="rect">
@@ -4419,7 +4633,7 @@
           </p:nvSpPr>
           <p:spPr>
             <a:xfrm>
-              <a:off x="4154983" y="4492396"/>
+              <a:off x="3332196" y="5970689"/>
               <a:ext cx="2020824" cy="732801"/>
             </a:xfrm>
             <a:prstGeom prst="rect">
@@ -4471,7 +4685,7 @@
           </p:nvSpPr>
           <p:spPr>
             <a:xfrm>
-              <a:off x="4154983" y="214393"/>
+              <a:off x="3332196" y="214393"/>
               <a:ext cx="2020824" cy="732801"/>
             </a:xfrm>
             <a:prstGeom prst="rect">
@@ -4523,7 +4737,7 @@
           </p:nvSpPr>
           <p:spPr>
             <a:xfrm>
-              <a:off x="4154983" y="1283894"/>
+              <a:off x="3332196" y="1653467"/>
               <a:ext cx="2020824" cy="732801"/>
             </a:xfrm>
             <a:prstGeom prst="rect">
@@ -4590,8 +4804,8 @@
         </p:blipFill>
         <p:spPr>
           <a:xfrm>
-            <a:off x="582073" y="6357"/>
-            <a:ext cx="3246391" cy="6858000"/>
+            <a:off x="582073" y="-12715"/>
+            <a:ext cx="3258407" cy="6864357"/>
           </a:xfrm>
           <a:prstGeom prst="rect">
             <a:avLst/>
@@ -4605,317 +4819,6 @@
           </a:effectLst>
         </p:spPr>
       </p:pic>
-      <p:sp>
-        <p:nvSpPr>
-          <p:cNvPr id="23" name="矩形 22">
-            <a:extLst>
-              <a:ext uri="{FF2B5EF4-FFF2-40B4-BE49-F238E27FC236}">
-                <a16:creationId xmlns:a16="http://schemas.microsoft.com/office/drawing/2014/main" id="{9E26FB33-0150-4B8C-9AA5-DDBC0AF49F39}"/>
-              </a:ext>
-            </a:extLst>
-          </p:cNvPr>
-          <p:cNvSpPr/>
-          <p:nvPr/>
-        </p:nvSpPr>
-        <p:spPr>
-          <a:xfrm>
-            <a:off x="6553804" y="4186853"/>
-            <a:ext cx="4965941" cy="1771145"/>
-          </a:xfrm>
-          <a:prstGeom prst="rect">
-            <a:avLst/>
-          </a:prstGeom>
-          <a:solidFill>
-            <a:schemeClr val="accent1">
-              <a:lumMod val="50000"/>
-            </a:schemeClr>
-          </a:solidFill>
-          <a:ln>
-            <a:noFill/>
-          </a:ln>
-        </p:spPr>
-        <p:style>
-          <a:lnRef idx="2">
-            <a:schemeClr val="accent1">
-              <a:shade val="50000"/>
-            </a:schemeClr>
-          </a:lnRef>
-          <a:fillRef idx="1">
-            <a:schemeClr val="accent1"/>
-          </a:fillRef>
-          <a:effectRef idx="0">
-            <a:schemeClr val="accent1"/>
-          </a:effectRef>
-          <a:fontRef idx="minor">
-            <a:schemeClr val="lt1"/>
-          </a:fontRef>
-        </p:style>
-        <p:txBody>
-          <a:bodyPr rtlCol="0" anchor="ctr"/>
-          <a:lstStyle/>
-          <a:p>
-            <a:pPr algn="ctr"/>
-            <a:endParaRPr lang="en-US"/>
-          </a:p>
-        </p:txBody>
-      </p:sp>
-      <p:sp>
-        <p:nvSpPr>
-          <p:cNvPr id="24" name="內容版面配置區 2">
-            <a:extLst>
-              <a:ext uri="{FF2B5EF4-FFF2-40B4-BE49-F238E27FC236}">
-                <a16:creationId xmlns:a16="http://schemas.microsoft.com/office/drawing/2014/main" id="{131AD123-3750-4597-80F1-F00268BB2B12}"/>
-              </a:ext>
-            </a:extLst>
-          </p:cNvPr>
-          <p:cNvSpPr txBox="1">
-            <a:spLocks/>
-          </p:cNvSpPr>
-          <p:nvPr/>
-        </p:nvSpPr>
-        <p:spPr>
-          <a:xfrm>
-            <a:off x="6149171" y="4288727"/>
-            <a:ext cx="5378461" cy="1669271"/>
-          </a:xfrm>
-          <a:prstGeom prst="rect">
-            <a:avLst/>
-          </a:prstGeom>
-          <a:noFill/>
-        </p:spPr>
-        <p:txBody>
-          <a:bodyPr vert="horz" lIns="91440" tIns="45720" rIns="91440" bIns="45720" rtlCol="0">
-            <a:normAutofit/>
-          </a:bodyPr>
-          <a:lstStyle>
-            <a:lvl1pPr marL="228600" indent="-228600" algn="l" defTabSz="914400" rtl="0" eaLnBrk="1" latinLnBrk="0" hangingPunct="1">
-              <a:lnSpc>
-                <a:spcPct val="90000"/>
-              </a:lnSpc>
-              <a:spcBef>
-                <a:spcPts val="1000"/>
-              </a:spcBef>
-              <a:buFont typeface="Arial" panose="020B0604020202020204" pitchFamily="34" charset="0"/>
-              <a:buChar char="•"/>
-              <a:defRPr sz="2800" kern="1200">
-                <a:solidFill>
-                  <a:schemeClr val="tx1"/>
-                </a:solidFill>
-                <a:latin typeface="+mn-lt"/>
-                <a:ea typeface="+mn-ea"/>
-                <a:cs typeface="+mn-cs"/>
-              </a:defRPr>
-            </a:lvl1pPr>
-            <a:lvl2pPr marL="685800" indent="-228600" algn="l" defTabSz="914400" rtl="0" eaLnBrk="1" latinLnBrk="0" hangingPunct="1">
-              <a:lnSpc>
-                <a:spcPct val="90000"/>
-              </a:lnSpc>
-              <a:spcBef>
-                <a:spcPts val="500"/>
-              </a:spcBef>
-              <a:buFont typeface="Arial" panose="020B0604020202020204" pitchFamily="34" charset="0"/>
-              <a:buChar char="•"/>
-              <a:defRPr sz="2400" kern="1200">
-                <a:solidFill>
-                  <a:schemeClr val="tx1"/>
-                </a:solidFill>
-                <a:latin typeface="+mn-lt"/>
-                <a:ea typeface="+mn-ea"/>
-                <a:cs typeface="+mn-cs"/>
-              </a:defRPr>
-            </a:lvl2pPr>
-            <a:lvl3pPr marL="1143000" indent="-228600" algn="l" defTabSz="914400" rtl="0" eaLnBrk="1" latinLnBrk="0" hangingPunct="1">
-              <a:lnSpc>
-                <a:spcPct val="90000"/>
-              </a:lnSpc>
-              <a:spcBef>
-                <a:spcPts val="500"/>
-              </a:spcBef>
-              <a:buFont typeface="Arial" panose="020B0604020202020204" pitchFamily="34" charset="0"/>
-              <a:buChar char="•"/>
-              <a:defRPr sz="2000" kern="1200">
-                <a:solidFill>
-                  <a:schemeClr val="tx1"/>
-                </a:solidFill>
-                <a:latin typeface="+mn-lt"/>
-                <a:ea typeface="+mn-ea"/>
-                <a:cs typeface="+mn-cs"/>
-              </a:defRPr>
-            </a:lvl3pPr>
-            <a:lvl4pPr marL="1600200" indent="-228600" algn="l" defTabSz="914400" rtl="0" eaLnBrk="1" latinLnBrk="0" hangingPunct="1">
-              <a:lnSpc>
-                <a:spcPct val="90000"/>
-              </a:lnSpc>
-              <a:spcBef>
-                <a:spcPts val="500"/>
-              </a:spcBef>
-              <a:buFont typeface="Arial" panose="020B0604020202020204" pitchFamily="34" charset="0"/>
-              <a:buChar char="•"/>
-              <a:defRPr sz="1800" kern="1200">
-                <a:solidFill>
-                  <a:schemeClr val="tx1"/>
-                </a:solidFill>
-                <a:latin typeface="+mn-lt"/>
-                <a:ea typeface="+mn-ea"/>
-                <a:cs typeface="+mn-cs"/>
-              </a:defRPr>
-            </a:lvl4pPr>
-            <a:lvl5pPr marL="2057400" indent="-228600" algn="l" defTabSz="914400" rtl="0" eaLnBrk="1" latinLnBrk="0" hangingPunct="1">
-              <a:lnSpc>
-                <a:spcPct val="90000"/>
-              </a:lnSpc>
-              <a:spcBef>
-                <a:spcPts val="500"/>
-              </a:spcBef>
-              <a:buFont typeface="Arial" panose="020B0604020202020204" pitchFamily="34" charset="0"/>
-              <a:buChar char="•"/>
-              <a:defRPr sz="1800" kern="1200">
-                <a:solidFill>
-                  <a:schemeClr val="tx1"/>
-                </a:solidFill>
-                <a:latin typeface="+mn-lt"/>
-                <a:ea typeface="+mn-ea"/>
-                <a:cs typeface="+mn-cs"/>
-              </a:defRPr>
-            </a:lvl5pPr>
-            <a:lvl6pPr marL="2514600" indent="-228600" algn="l" defTabSz="914400" rtl="0" eaLnBrk="1" latinLnBrk="0" hangingPunct="1">
-              <a:lnSpc>
-                <a:spcPct val="90000"/>
-              </a:lnSpc>
-              <a:spcBef>
-                <a:spcPts val="500"/>
-              </a:spcBef>
-              <a:buFont typeface="Arial" panose="020B0604020202020204" pitchFamily="34" charset="0"/>
-              <a:buChar char="•"/>
-              <a:defRPr sz="1800" kern="1200">
-                <a:solidFill>
-                  <a:schemeClr val="tx1"/>
-                </a:solidFill>
-                <a:latin typeface="+mn-lt"/>
-                <a:ea typeface="+mn-ea"/>
-                <a:cs typeface="+mn-cs"/>
-              </a:defRPr>
-            </a:lvl6pPr>
-            <a:lvl7pPr marL="2971800" indent="-228600" algn="l" defTabSz="914400" rtl="0" eaLnBrk="1" latinLnBrk="0" hangingPunct="1">
-              <a:lnSpc>
-                <a:spcPct val="90000"/>
-              </a:lnSpc>
-              <a:spcBef>
-                <a:spcPts val="500"/>
-              </a:spcBef>
-              <a:buFont typeface="Arial" panose="020B0604020202020204" pitchFamily="34" charset="0"/>
-              <a:buChar char="•"/>
-              <a:defRPr sz="1800" kern="1200">
-                <a:solidFill>
-                  <a:schemeClr val="tx1"/>
-                </a:solidFill>
-                <a:latin typeface="+mn-lt"/>
-                <a:ea typeface="+mn-ea"/>
-                <a:cs typeface="+mn-cs"/>
-              </a:defRPr>
-            </a:lvl7pPr>
-            <a:lvl8pPr marL="3429000" indent="-228600" algn="l" defTabSz="914400" rtl="0" eaLnBrk="1" latinLnBrk="0" hangingPunct="1">
-              <a:lnSpc>
-                <a:spcPct val="90000"/>
-              </a:lnSpc>
-              <a:spcBef>
-                <a:spcPts val="500"/>
-              </a:spcBef>
-              <a:buFont typeface="Arial" panose="020B0604020202020204" pitchFamily="34" charset="0"/>
-              <a:buChar char="•"/>
-              <a:defRPr sz="1800" kern="1200">
-                <a:solidFill>
-                  <a:schemeClr val="tx1"/>
-                </a:solidFill>
-                <a:latin typeface="+mn-lt"/>
-                <a:ea typeface="+mn-ea"/>
-                <a:cs typeface="+mn-cs"/>
-              </a:defRPr>
-            </a:lvl8pPr>
-            <a:lvl9pPr marL="3886200" indent="-228600" algn="l" defTabSz="914400" rtl="0" eaLnBrk="1" latinLnBrk="0" hangingPunct="1">
-              <a:lnSpc>
-                <a:spcPct val="90000"/>
-              </a:lnSpc>
-              <a:spcBef>
-                <a:spcPts val="500"/>
-              </a:spcBef>
-              <a:buFont typeface="Arial" panose="020B0604020202020204" pitchFamily="34" charset="0"/>
-              <a:buChar char="•"/>
-              <a:defRPr sz="1800" kern="1200">
-                <a:solidFill>
-                  <a:schemeClr val="tx1"/>
-                </a:solidFill>
-                <a:latin typeface="+mn-lt"/>
-                <a:ea typeface="+mn-ea"/>
-                <a:cs typeface="+mn-cs"/>
-              </a:defRPr>
-            </a:lvl9pPr>
-          </a:lstStyle>
-          <a:p>
-            <a:pPr marL="0" indent="0">
-              <a:lnSpc>
-                <a:spcPct val="120000"/>
-              </a:lnSpc>
-              <a:buNone/>
-            </a:pPr>
-            <a:r>
-              <a:rPr lang="en-US" altLang="zh-TW" sz="2400" dirty="0">
-                <a:ln w="3175">
-                  <a:noFill/>
-                </a:ln>
-                <a:solidFill>
-                  <a:srgbClr val="BBBEDB"/>
-                </a:solidFill>
-                <a:latin typeface="微軟正黑體" panose="020B0604030504040204" pitchFamily="34" charset="-120"/>
-                <a:ea typeface="微軟正黑體" panose="020B0604030504040204" pitchFamily="34" charset="-120"/>
-                <a:cs typeface="+mj-cs"/>
-              </a:rPr>
-              <a:t>RGB(187, 190, 219)</a:t>
-            </a:r>
-          </a:p>
-          <a:p>
-            <a:pPr marL="0" indent="0">
-              <a:lnSpc>
-                <a:spcPct val="120000"/>
-              </a:lnSpc>
-              <a:buFont typeface="Arial" panose="020B0604020202020204" pitchFamily="34" charset="0"/>
-              <a:buNone/>
-            </a:pPr>
-            <a:r>
-              <a:rPr lang="zh-TW" altLang="en-US" sz="2400" dirty="0">
-                <a:ln w="3175">
-                  <a:noFill/>
-                </a:ln>
-                <a:solidFill>
-                  <a:srgbClr val="BBBEDB"/>
-                </a:solidFill>
-                <a:latin typeface="微軟正黑體" panose="020B0604030504040204" pitchFamily="34" charset="-120"/>
-                <a:ea typeface="微軟正黑體" panose="020B0604030504040204" pitchFamily="34" charset="-120"/>
-                <a:cs typeface="+mj-cs"/>
-              </a:rPr>
-              <a:t>使用接近黑色的深藍色為背景色，讓主題符合遊戲介面的風格</a:t>
-            </a:r>
-            <a:endParaRPr lang="en-US" altLang="zh-TW" sz="2400" dirty="0">
-              <a:ln w="3175">
-                <a:noFill/>
-              </a:ln>
-              <a:solidFill>
-                <a:srgbClr val="BBBEDB"/>
-              </a:solidFill>
-              <a:latin typeface="微軟正黑體" panose="020B0604030504040204" pitchFamily="34" charset="-120"/>
-              <a:ea typeface="微軟正黑體" panose="020B0604030504040204" pitchFamily="34" charset="-120"/>
-              <a:cs typeface="+mj-cs"/>
-            </a:endParaRPr>
-          </a:p>
-          <a:p>
-            <a:pPr marL="0" indent="0">
-              <a:buFont typeface="Arial" panose="020B0604020202020204" pitchFamily="34" charset="0"/>
-              <a:buNone/>
-            </a:pPr>
-            <a:endParaRPr lang="en-US" dirty="0"/>
-          </a:p>
-        </p:txBody>
-      </p:sp>
     </p:spTree>
     <p:extLst>
       <p:ext uri="{BB962C8B-B14F-4D97-AF65-F5344CB8AC3E}">
@@ -5703,7 +5606,7 @@
         </p:nvSpPr>
         <p:spPr>
           <a:xfrm>
-            <a:off x="175904" y="252210"/>
+            <a:off x="4538296" y="252210"/>
             <a:ext cx="3115408" cy="909760"/>
           </a:xfrm>
           <a:prstGeom prst="rect">
@@ -5769,8 +5672,8 @@
         </p:nvSpPr>
         <p:spPr>
           <a:xfrm>
-            <a:off x="5464302" y="252210"/>
-            <a:ext cx="1263396" cy="762774"/>
+            <a:off x="3935788" y="2134711"/>
+            <a:ext cx="1263396" cy="459862"/>
           </a:xfrm>
           <a:prstGeom prst="flowChartProcess">
             <a:avLst/>
@@ -5825,66 +5728,22 @@
           </a:p>
         </p:txBody>
       </p:sp>
-      <p:cxnSp>
-        <p:nvCxnSpPr>
-          <p:cNvPr id="7" name="直線接點 6">
-            <a:extLst>
-              <a:ext uri="{FF2B5EF4-FFF2-40B4-BE49-F238E27FC236}">
-                <a16:creationId xmlns:a16="http://schemas.microsoft.com/office/drawing/2014/main" id="{A3DBE899-D520-4046-A7A9-25E811C8830B}"/>
-              </a:ext>
-            </a:extLst>
-          </p:cNvPr>
-          <p:cNvCxnSpPr>
-            <a:cxnSpLocks/>
-            <a:stCxn id="3" idx="2"/>
-          </p:cNvCxnSpPr>
+      <p:sp>
+        <p:nvSpPr>
+          <p:cNvPr id="10" name="流程圖: 程序 9">
+            <a:extLst>
+              <a:ext uri="{FF2B5EF4-FFF2-40B4-BE49-F238E27FC236}">
+                <a16:creationId xmlns:a16="http://schemas.microsoft.com/office/drawing/2014/main" id="{511919DF-A70F-446B-8CB8-BCEA791DD3EC}"/>
+              </a:ext>
+            </a:extLst>
+          </p:cNvPr>
+          <p:cNvSpPr/>
           <p:nvPr/>
-        </p:nvCxnSpPr>
+        </p:nvSpPr>
         <p:spPr>
           <a:xfrm>
-            <a:off x="6096000" y="1014984"/>
-            <a:ext cx="0" cy="374904"/>
-          </a:xfrm>
-          <a:prstGeom prst="line">
-            <a:avLst/>
-          </a:prstGeom>
-          <a:ln w="57150">
-            <a:solidFill>
-              <a:srgbClr val="BDA168"/>
-            </a:solidFill>
-          </a:ln>
-        </p:spPr>
-        <p:style>
-          <a:lnRef idx="1">
-            <a:schemeClr val="accent1"/>
-          </a:lnRef>
-          <a:fillRef idx="0">
-            <a:schemeClr val="accent1"/>
-          </a:fillRef>
-          <a:effectRef idx="0">
-            <a:schemeClr val="accent1"/>
-          </a:effectRef>
-          <a:fontRef idx="minor">
-            <a:schemeClr val="tx1"/>
-          </a:fontRef>
-        </p:style>
-      </p:cxnSp>
-      <p:sp>
-        <p:nvSpPr>
-          <p:cNvPr id="10" name="流程圖: 程序 9">
-            <a:extLst>
-              <a:ext uri="{FF2B5EF4-FFF2-40B4-BE49-F238E27FC236}">
-                <a16:creationId xmlns:a16="http://schemas.microsoft.com/office/drawing/2014/main" id="{511919DF-A70F-446B-8CB8-BCEA791DD3EC}"/>
-              </a:ext>
-            </a:extLst>
-          </p:cNvPr>
-          <p:cNvSpPr/>
-          <p:nvPr/>
-        </p:nvSpPr>
-        <p:spPr>
-          <a:xfrm>
-            <a:off x="4200906" y="1706106"/>
-            <a:ext cx="1263396" cy="762774"/>
+            <a:off x="5199184" y="4868422"/>
+            <a:ext cx="1263396" cy="459861"/>
           </a:xfrm>
           <a:prstGeom prst="flowChartProcess">
             <a:avLst/>
@@ -5927,7 +5786,7 @@
                 <a:latin typeface="Noto Sans CJK TC Medium" panose="020B0600000000000000" pitchFamily="34" charset="-120"/>
                 <a:ea typeface="Noto Sans CJK TC Medium" panose="020B0600000000000000" pitchFamily="34" charset="-120"/>
               </a:rPr>
-              <a:t>排行</a:t>
+              <a:t>連技</a:t>
             </a:r>
             <a:endParaRPr lang="en-US" sz="2400" dirty="0">
               <a:solidFill>
@@ -5939,50 +5798,6 @@
           </a:p>
         </p:txBody>
       </p:sp>
-      <p:cxnSp>
-        <p:nvCxnSpPr>
-          <p:cNvPr id="17" name="接點: 肘形 16">
-            <a:extLst>
-              <a:ext uri="{FF2B5EF4-FFF2-40B4-BE49-F238E27FC236}">
-                <a16:creationId xmlns:a16="http://schemas.microsoft.com/office/drawing/2014/main" id="{880B63ED-DACC-4945-BA46-AA07AD026D90}"/>
-              </a:ext>
-            </a:extLst>
-          </p:cNvPr>
-          <p:cNvCxnSpPr>
-            <a:cxnSpLocks/>
-            <a:stCxn id="10" idx="0"/>
-          </p:cNvCxnSpPr>
-          <p:nvPr/>
-        </p:nvCxnSpPr>
-        <p:spPr>
-          <a:xfrm rot="5400000" flipH="1" flipV="1">
-            <a:off x="5306193" y="916299"/>
-            <a:ext cx="316218" cy="1263396"/>
-          </a:xfrm>
-          <a:prstGeom prst="bentConnector2">
-            <a:avLst/>
-          </a:prstGeom>
-          <a:ln w="57150">
-            <a:solidFill>
-              <a:srgbClr val="BDA168"/>
-            </a:solidFill>
-          </a:ln>
-        </p:spPr>
-        <p:style>
-          <a:lnRef idx="1">
-            <a:schemeClr val="accent1"/>
-          </a:lnRef>
-          <a:fillRef idx="0">
-            <a:schemeClr val="accent1"/>
-          </a:fillRef>
-          <a:effectRef idx="0">
-            <a:schemeClr val="accent1"/>
-          </a:effectRef>
-          <a:fontRef idx="minor">
-            <a:schemeClr val="tx1"/>
-          </a:fontRef>
-        </p:style>
-      </p:cxnSp>
       <p:sp>
         <p:nvSpPr>
           <p:cNvPr id="27" name="流程圖: 程序 26">
@@ -5997,8 +5812,8 @@
         </p:nvSpPr>
         <p:spPr>
           <a:xfrm>
-            <a:off x="7714488" y="1706106"/>
-            <a:ext cx="1263396" cy="762774"/>
+            <a:off x="5199184" y="3205889"/>
+            <a:ext cx="1263396" cy="459861"/>
           </a:xfrm>
           <a:prstGeom prst="flowChartProcess">
             <a:avLst/>
@@ -6053,50 +5868,6 @@
           </a:p>
         </p:txBody>
       </p:sp>
-      <p:cxnSp>
-        <p:nvCxnSpPr>
-          <p:cNvPr id="30" name="接點: 肘形 29">
-            <a:extLst>
-              <a:ext uri="{FF2B5EF4-FFF2-40B4-BE49-F238E27FC236}">
-                <a16:creationId xmlns:a16="http://schemas.microsoft.com/office/drawing/2014/main" id="{FE88C98C-32D8-4E4E-B3C4-84B272672147}"/>
-              </a:ext>
-            </a:extLst>
-          </p:cNvPr>
-          <p:cNvCxnSpPr>
-            <a:cxnSpLocks/>
-            <a:stCxn id="27" idx="0"/>
-          </p:cNvCxnSpPr>
-          <p:nvPr/>
-        </p:nvCxnSpPr>
-        <p:spPr>
-          <a:xfrm rot="16200000" flipV="1">
-            <a:off x="7062984" y="422904"/>
-            <a:ext cx="316218" cy="2250186"/>
-          </a:xfrm>
-          <a:prstGeom prst="bentConnector2">
-            <a:avLst/>
-          </a:prstGeom>
-          <a:ln w="57150">
-            <a:solidFill>
-              <a:srgbClr val="BDA168"/>
-            </a:solidFill>
-          </a:ln>
-        </p:spPr>
-        <p:style>
-          <a:lnRef idx="1">
-            <a:schemeClr val="accent1"/>
-          </a:lnRef>
-          <a:fillRef idx="0">
-            <a:schemeClr val="accent1"/>
-          </a:fillRef>
-          <a:effectRef idx="0">
-            <a:schemeClr val="accent1"/>
-          </a:effectRef>
-          <a:fontRef idx="minor">
-            <a:schemeClr val="tx1"/>
-          </a:fontRef>
-        </p:style>
-      </p:cxnSp>
       <p:sp>
         <p:nvSpPr>
           <p:cNvPr id="32" name="流程圖: 程序 31">
@@ -6111,8 +5882,8 @@
         </p:nvSpPr>
         <p:spPr>
           <a:xfrm>
-            <a:off x="7714488" y="2894826"/>
-            <a:ext cx="1263396" cy="762774"/>
+            <a:off x="7094277" y="4058942"/>
+            <a:ext cx="1263396" cy="459861"/>
           </a:xfrm>
           <a:prstGeom prst="flowChartProcess">
             <a:avLst/>
@@ -6181,8 +5952,8 @@
         </p:nvSpPr>
         <p:spPr>
           <a:xfrm>
-            <a:off x="9332976" y="2894826"/>
-            <a:ext cx="1438656" cy="762774"/>
+            <a:off x="7094277" y="2352834"/>
+            <a:ext cx="1438656" cy="459861"/>
           </a:xfrm>
           <a:prstGeom prst="flowChartProcess">
             <a:avLst/>
@@ -6251,8 +6022,8 @@
         </p:nvSpPr>
         <p:spPr>
           <a:xfrm>
-            <a:off x="6096000" y="2894826"/>
-            <a:ext cx="1263396" cy="762774"/>
+            <a:off x="7094277" y="3030780"/>
+            <a:ext cx="1263396" cy="810077"/>
           </a:xfrm>
           <a:prstGeom prst="flowChartProcess">
             <a:avLst/>
@@ -6349,23 +6120,22 @@
       </p:sp>
       <p:cxnSp>
         <p:nvCxnSpPr>
-          <p:cNvPr id="38" name="直線接點 37">
-            <a:extLst>
-              <a:ext uri="{FF2B5EF4-FFF2-40B4-BE49-F238E27FC236}">
-                <a16:creationId xmlns:a16="http://schemas.microsoft.com/office/drawing/2014/main" id="{64CADF53-D330-463B-8E88-6B1D5C56C373}"/>
+          <p:cNvPr id="39" name="直線接點 38">
+            <a:extLst>
+              <a:ext uri="{FF2B5EF4-FFF2-40B4-BE49-F238E27FC236}">
+                <a16:creationId xmlns:a16="http://schemas.microsoft.com/office/drawing/2014/main" id="{D75E2617-7FA4-4F77-825F-FB14625FE122}"/>
               </a:ext>
             </a:extLst>
           </p:cNvPr>
           <p:cNvCxnSpPr>
-            <a:stCxn id="32" idx="0"/>
-            <a:endCxn id="27" idx="2"/>
+            <a:cxnSpLocks/>
           </p:cNvCxnSpPr>
           <p:nvPr/>
         </p:nvCxnSpPr>
         <p:spPr>
-          <a:xfrm flipV="1">
-            <a:off x="8346186" y="2468880"/>
-            <a:ext cx="0" cy="425946"/>
+          <a:xfrm>
+            <a:off x="4567486" y="3435819"/>
+            <a:ext cx="631698" cy="0"/>
           </a:xfrm>
           <a:prstGeom prst="line">
             <a:avLst/>
@@ -6393,23 +6163,24 @@
       </p:cxnSp>
       <p:cxnSp>
         <p:nvCxnSpPr>
-          <p:cNvPr id="41" name="接點: 肘形 40">
-            <a:extLst>
-              <a:ext uri="{FF2B5EF4-FFF2-40B4-BE49-F238E27FC236}">
-                <a16:creationId xmlns:a16="http://schemas.microsoft.com/office/drawing/2014/main" id="{9C7A14DE-E31F-4E00-BAE5-BD96B001B5A0}"/>
+          <p:cNvPr id="44" name="接點: 肘形 43">
+            <a:extLst>
+              <a:ext uri="{FF2B5EF4-FFF2-40B4-BE49-F238E27FC236}">
+                <a16:creationId xmlns:a16="http://schemas.microsoft.com/office/drawing/2014/main" id="{3362BBDA-F1C0-41A5-BD90-42F8D34095E1}"/>
               </a:ext>
             </a:extLst>
           </p:cNvPr>
           <p:cNvCxnSpPr>
             <a:cxnSpLocks/>
-            <a:stCxn id="34" idx="0"/>
+            <a:stCxn id="3" idx="2"/>
+            <a:endCxn id="10" idx="1"/>
           </p:cNvCxnSpPr>
           <p:nvPr/>
         </p:nvCxnSpPr>
         <p:spPr>
-          <a:xfrm rot="5400000" flipH="1" flipV="1">
-            <a:off x="7410837" y="1959477"/>
-            <a:ext cx="252210" cy="1618488"/>
+          <a:xfrm rot="16200000" flipH="1">
+            <a:off x="3631445" y="3530614"/>
+            <a:ext cx="2503780" cy="631698"/>
           </a:xfrm>
           <a:prstGeom prst="bentConnector2">
             <a:avLst/>
@@ -6437,23 +6208,153 @@
       </p:cxnSp>
       <p:cxnSp>
         <p:nvCxnSpPr>
-          <p:cNvPr id="50" name="接點: 肘形 49">
-            <a:extLst>
-              <a:ext uri="{FF2B5EF4-FFF2-40B4-BE49-F238E27FC236}">
-                <a16:creationId xmlns:a16="http://schemas.microsoft.com/office/drawing/2014/main" id="{BDD4FFF8-90A3-4D66-BFCB-C3ABC5295B0A}"/>
+          <p:cNvPr id="47" name="直線接點 46">
+            <a:extLst>
+              <a:ext uri="{FF2B5EF4-FFF2-40B4-BE49-F238E27FC236}">
+                <a16:creationId xmlns:a16="http://schemas.microsoft.com/office/drawing/2014/main" id="{3C56C332-114E-4EE9-AF73-E1E6AADA3F4F}"/>
               </a:ext>
             </a:extLst>
           </p:cNvPr>
           <p:cNvCxnSpPr>
             <a:cxnSpLocks/>
-            <a:stCxn id="33" idx="0"/>
           </p:cNvCxnSpPr>
           <p:nvPr/>
         </p:nvCxnSpPr>
         <p:spPr>
-          <a:xfrm rot="16200000" flipV="1">
-            <a:off x="9073140" y="1915662"/>
-            <a:ext cx="252210" cy="1706118"/>
+          <a:xfrm>
+            <a:off x="6462580" y="3435819"/>
+            <a:ext cx="631698" cy="0"/>
+          </a:xfrm>
+          <a:prstGeom prst="line">
+            <a:avLst/>
+          </a:prstGeom>
+          <a:ln w="57150">
+            <a:solidFill>
+              <a:srgbClr val="BDA168"/>
+            </a:solidFill>
+          </a:ln>
+        </p:spPr>
+        <p:style>
+          <a:lnRef idx="1">
+            <a:schemeClr val="accent1"/>
+          </a:lnRef>
+          <a:fillRef idx="0">
+            <a:schemeClr val="accent1"/>
+          </a:fillRef>
+          <a:effectRef idx="0">
+            <a:schemeClr val="accent1"/>
+          </a:effectRef>
+          <a:fontRef idx="minor">
+            <a:schemeClr val="tx1"/>
+          </a:fontRef>
+        </p:style>
+      </p:cxnSp>
+      <p:cxnSp>
+        <p:nvCxnSpPr>
+          <p:cNvPr id="48" name="接點: 肘形 47">
+            <a:extLst>
+              <a:ext uri="{FF2B5EF4-FFF2-40B4-BE49-F238E27FC236}">
+                <a16:creationId xmlns:a16="http://schemas.microsoft.com/office/drawing/2014/main" id="{03344133-BBF7-4A05-9B71-056DF91A6869}"/>
+              </a:ext>
+            </a:extLst>
+          </p:cNvPr>
+          <p:cNvCxnSpPr>
+            <a:stCxn id="33" idx="1"/>
+          </p:cNvCxnSpPr>
+          <p:nvPr/>
+        </p:nvCxnSpPr>
+        <p:spPr>
+          <a:xfrm rot="10800000" flipV="1">
+            <a:off x="6756889" y="2582765"/>
+            <a:ext cx="337389" cy="853054"/>
+          </a:xfrm>
+          <a:prstGeom prst="bentConnector2">
+            <a:avLst/>
+          </a:prstGeom>
+          <a:ln w="57150">
+            <a:solidFill>
+              <a:srgbClr val="BDA168"/>
+            </a:solidFill>
+          </a:ln>
+        </p:spPr>
+        <p:style>
+          <a:lnRef idx="1">
+            <a:schemeClr val="accent1"/>
+          </a:lnRef>
+          <a:fillRef idx="0">
+            <a:schemeClr val="accent1"/>
+          </a:fillRef>
+          <a:effectRef idx="0">
+            <a:schemeClr val="accent1"/>
+          </a:effectRef>
+          <a:fontRef idx="minor">
+            <a:schemeClr val="tx1"/>
+          </a:fontRef>
+        </p:style>
+      </p:cxnSp>
+      <p:cxnSp>
+        <p:nvCxnSpPr>
+          <p:cNvPr id="51" name="接點: 肘形 50">
+            <a:extLst>
+              <a:ext uri="{FF2B5EF4-FFF2-40B4-BE49-F238E27FC236}">
+                <a16:creationId xmlns:a16="http://schemas.microsoft.com/office/drawing/2014/main" id="{DD19F507-94FE-4730-B04D-A91918436D56}"/>
+              </a:ext>
+            </a:extLst>
+          </p:cNvPr>
+          <p:cNvCxnSpPr>
+            <a:cxnSpLocks/>
+            <a:stCxn id="32" idx="1"/>
+          </p:cNvCxnSpPr>
+          <p:nvPr/>
+        </p:nvCxnSpPr>
+        <p:spPr>
+          <a:xfrm rot="10800000">
+            <a:off x="6756889" y="3435819"/>
+            <a:ext cx="337389" cy="853054"/>
+          </a:xfrm>
+          <a:prstGeom prst="bentConnector2">
+            <a:avLst/>
+          </a:prstGeom>
+          <a:ln w="57150">
+            <a:solidFill>
+              <a:srgbClr val="BDA168"/>
+            </a:solidFill>
+          </a:ln>
+        </p:spPr>
+        <p:style>
+          <a:lnRef idx="1">
+            <a:schemeClr val="accent1"/>
+          </a:lnRef>
+          <a:fillRef idx="0">
+            <a:schemeClr val="accent1"/>
+          </a:fillRef>
+          <a:effectRef idx="0">
+            <a:schemeClr val="accent1"/>
+          </a:effectRef>
+          <a:fontRef idx="minor">
+            <a:schemeClr val="tx1"/>
+          </a:fontRef>
+        </p:style>
+      </p:cxnSp>
+      <p:cxnSp>
+        <p:nvCxnSpPr>
+          <p:cNvPr id="55" name="接點: 肘形 54">
+            <a:extLst>
+              <a:ext uri="{FF2B5EF4-FFF2-40B4-BE49-F238E27FC236}">
+                <a16:creationId xmlns:a16="http://schemas.microsoft.com/office/drawing/2014/main" id="{CFEC5A33-43DA-4CF8-99F9-DC38836612D5}"/>
+              </a:ext>
+            </a:extLst>
+          </p:cNvPr>
+          <p:cNvCxnSpPr>
+            <a:stCxn id="10" idx="3"/>
+            <a:endCxn id="32" idx="2"/>
+          </p:cNvCxnSpPr>
+          <p:nvPr/>
+        </p:nvCxnSpPr>
+        <p:spPr>
+          <a:xfrm flipV="1">
+            <a:off x="6462580" y="4518803"/>
+            <a:ext cx="1263395" cy="579550"/>
           </a:xfrm>
           <a:prstGeom prst="bentConnector2">
             <a:avLst/>

--- a/企劃書.pptx
+++ b/企劃書.pptx
@@ -4050,19 +4050,16 @@
                 <a:lnSpc>
                   <a:spcPct val="150000"/>
                 </a:lnSpc>
-                <a:spcBef>
-                  <a:spcPts val="1200"/>
-                </a:spcBef>
               </a:pPr>
               <a:r>
-                <a:rPr lang="en-US" altLang="zh-TW" sz="2000" b="1" dirty="0">
+                <a:rPr lang="en-US" altLang="zh-TW" spc="300" dirty="0">
                   <a:solidFill>
                     <a:schemeClr val="bg1"/>
                   </a:solidFill>
                   <a:latin typeface="Noto Sans CJK TC DemiLight" panose="020B0400000000000000" pitchFamily="34" charset="-120"/>
                   <a:ea typeface="Noto Sans CJK TC DemiLight" panose="020B0400000000000000" pitchFamily="34" charset="-120"/>
                 </a:rPr>
-                <a:t>RGB(255,255,255)</a:t>
+                <a:t>#FFFFFF</a:t>
               </a:r>
             </a:p>
             <a:p>
@@ -4150,7 +4147,7 @@
                 </a:lnSpc>
               </a:pPr>
               <a:r>
-                <a:rPr lang="en-US" altLang="zh-TW" sz="2000" b="1" dirty="0">
+                <a:rPr lang="en-US" altLang="zh-TW" sz="2000" b="1" spc="300" dirty="0">
                   <a:ln w="3175">
                     <a:noFill/>
                   </a:ln>
@@ -4160,7 +4157,7 @@
                   <a:latin typeface="Noto Sans CJK TC DemiLight" panose="020B0400000000000000" pitchFamily="34" charset="-120"/>
                   <a:ea typeface="Noto Sans CJK TC DemiLight" panose="020B0400000000000000" pitchFamily="34" charset="-120"/>
                 </a:rPr>
-                <a:t>RGB(7,7,32)</a:t>
+                <a:t>#070720</a:t>
               </a:r>
             </a:p>
             <a:p>
@@ -4250,17 +4247,14 @@
                 </a:lnSpc>
               </a:pPr>
               <a:r>
-                <a:rPr lang="en-US" altLang="zh-TW" sz="2000" b="1" dirty="0">
-                  <a:ln w="3175">
-                    <a:noFill/>
-                  </a:ln>
+                <a:rPr lang="en-US" altLang="zh-TW" sz="2000" b="1" spc="300" dirty="0">
                   <a:solidFill>
-                    <a:srgbClr val="BBBEDB"/>
+                    <a:srgbClr val="CCDBFD"/>
                   </a:solidFill>
                   <a:latin typeface="Noto Sans CJK TC DemiLight" panose="020B0400000000000000" pitchFamily="34" charset="-120"/>
                   <a:ea typeface="Noto Sans CJK TC DemiLight" panose="020B0400000000000000" pitchFamily="34" charset="-120"/>
                 </a:rPr>
-                <a:t>RGB(187, 190, 219)</a:t>
+                <a:t>#CCDBFD</a:t>
               </a:r>
             </a:p>
             <a:p>
@@ -4275,19 +4269,19 @@
                     <a:noFill/>
                   </a:ln>
                   <a:solidFill>
-                    <a:srgbClr val="BBBEDB"/>
+                    <a:srgbClr val="CCDBFD"/>
                   </a:solidFill>
                   <a:latin typeface="Noto Sans CJK TC DemiLight" panose="020B0400000000000000" pitchFamily="34" charset="-120"/>
                   <a:ea typeface="Noto Sans CJK TC DemiLight" panose="020B0400000000000000" pitchFamily="34" charset="-120"/>
                 </a:rPr>
-                <a:t>內文為淡紫色，與標題區分，符合整體色系</a:t>
+                <a:t>內文為淺藍，與標題區分，符合整體色系</a:t>
               </a:r>
               <a:endParaRPr lang="en-US" altLang="zh-TW" dirty="0">
                 <a:ln w="3175">
                   <a:noFill/>
                 </a:ln>
                 <a:solidFill>
-                  <a:srgbClr val="BBBEDB"/>
+                  <a:srgbClr val="CCDBFD"/>
                 </a:solidFill>
                 <a:latin typeface="Noto Sans CJK TC DemiLight" panose="020B0400000000000000" pitchFamily="34" charset="-120"/>
                 <a:ea typeface="Noto Sans CJK TC DemiLight" panose="020B0400000000000000" pitchFamily="34" charset="-120"/>
@@ -4299,7 +4293,11 @@
                   <a:spcPct val="150000"/>
                 </a:lnSpc>
               </a:pPr>
-              <a:endParaRPr lang="en-US" dirty="0"/>
+              <a:endParaRPr lang="en-US" dirty="0">
+                <a:solidFill>
+                  <a:srgbClr val="CCDBFD"/>
+                </a:solidFill>
+              </a:endParaRPr>
             </a:p>
           </p:txBody>
         </p:sp>
@@ -4354,17 +4352,17 @@
                 </a:lnSpc>
               </a:pPr>
               <a:r>
-                <a:rPr lang="en-US" altLang="zh-TW" sz="2000" b="1" dirty="0">
+                <a:rPr lang="en-US" altLang="zh-TW" sz="2000" b="1" spc="300" dirty="0">
                   <a:ln w="3175">
                     <a:noFill/>
                   </a:ln>
                   <a:solidFill>
-                    <a:srgbClr val="BDA168"/>
+                    <a:srgbClr val="C4A76C"/>
                   </a:solidFill>
                   <a:latin typeface="Noto Sans CJK TC DemiLight" panose="020B0400000000000000" pitchFamily="34" charset="-120"/>
                   <a:ea typeface="Noto Sans CJK TC DemiLight" panose="020B0400000000000000" pitchFamily="34" charset="-120"/>
                 </a:rPr>
-                <a:t>RGB(189, 161, 104)</a:t>
+                <a:t>#C4A76C</a:t>
               </a:r>
             </a:p>
             <a:p>
@@ -4379,7 +4377,7 @@
                     <a:noFill/>
                   </a:ln>
                   <a:solidFill>
-                    <a:srgbClr val="BDA168"/>
+                    <a:srgbClr val="C4A76C"/>
                   </a:solidFill>
                   <a:latin typeface="Noto Sans CJK TC DemiLight" panose="020B0400000000000000" pitchFamily="34" charset="-120"/>
                   <a:ea typeface="Noto Sans CJK TC DemiLight" panose="020B0400000000000000" pitchFamily="34" charset="-120"/>
@@ -4392,7 +4390,7 @@
                     <a:noFill/>
                   </a:ln>
                   <a:solidFill>
-                    <a:srgbClr val="BDA168"/>
+                    <a:srgbClr val="C4A76C"/>
                   </a:solidFill>
                   <a:latin typeface="Noto Sans CJK TC DemiLight" panose="020B0400000000000000" pitchFamily="34" charset="-120"/>
                   <a:ea typeface="Noto Sans CJK TC DemiLight" panose="020B0400000000000000" pitchFamily="34" charset="-120"/>
@@ -4405,7 +4403,7 @@
                     <a:noFill/>
                   </a:ln>
                   <a:solidFill>
-                    <a:srgbClr val="BDA168"/>
+                    <a:srgbClr val="C4A76C"/>
                   </a:solidFill>
                   <a:latin typeface="Noto Sans CJK TC DemiLight" panose="020B0400000000000000" pitchFamily="34" charset="-120"/>
                   <a:ea typeface="Noto Sans CJK TC DemiLight" panose="020B0400000000000000" pitchFamily="34" charset="-120"/>
@@ -4417,7 +4415,7 @@
                   <a:noFill/>
                 </a:ln>
                 <a:solidFill>
-                  <a:srgbClr val="BDA168"/>
+                  <a:srgbClr val="C4A76C"/>
                 </a:solidFill>
                 <a:latin typeface="Noto Sans CJK TC DemiLight" panose="020B0400000000000000" pitchFamily="34" charset="-120"/>
                 <a:ea typeface="Noto Sans CJK TC DemiLight" panose="020B0400000000000000" pitchFamily="34" charset="-120"/>
@@ -4588,7 +4586,7 @@
               <a:avLst/>
             </a:prstGeom>
             <a:solidFill>
-              <a:srgbClr val="BBBEDB"/>
+              <a:srgbClr val="CCDBFD"/>
             </a:solidFill>
             <a:ln>
               <a:noFill/>
@@ -4771,7 +4769,11 @@
             <a:lstStyle/>
             <a:p>
               <a:pPr algn="ctr"/>
-              <a:endParaRPr lang="en-US"/>
+              <a:endParaRPr lang="en-US">
+                <a:solidFill>
+                  <a:srgbClr val="17172E"/>
+                </a:solidFill>
+              </a:endParaRPr>
             </a:p>
           </p:txBody>
         </p:sp>
@@ -4881,7 +4883,7 @@
             <a:r>
               <a:rPr lang="zh-TW" altLang="en-US" sz="7200" dirty="0">
                 <a:solidFill>
-                  <a:srgbClr val="BBBEDB"/>
+                  <a:srgbClr val="CCDBFD"/>
                 </a:solidFill>
                 <a:latin typeface="Noto Sans CJK TC Bold" panose="020B0800000000000000" pitchFamily="34" charset="-120"/>
                 <a:ea typeface="Noto Sans CJK TC Bold" panose="020B0800000000000000" pitchFamily="34" charset="-120"/>
@@ -4890,7 +4892,7 @@
             </a:r>
             <a:endParaRPr lang="en-US" sz="7200" dirty="0">
               <a:solidFill>
-                <a:srgbClr val="BBBEDB"/>
+                <a:srgbClr val="CCDBFD"/>
               </a:solidFill>
               <a:latin typeface="Noto Sans CJK TC Bold" panose="020B0800000000000000" pitchFamily="34" charset="-120"/>
               <a:ea typeface="Noto Sans CJK TC Bold" panose="020B0800000000000000" pitchFamily="34" charset="-120"/>
@@ -4960,7 +4962,7 @@
             <a:r>
               <a:rPr lang="zh-TW" altLang="en-US" sz="5400" dirty="0">
                 <a:solidFill>
-                  <a:srgbClr val="BBBEDB"/>
+                  <a:srgbClr val="CCDBFD"/>
                 </a:solidFill>
                 <a:latin typeface="Noto Sans CJK TC DemiLight" panose="020B0400000000000000" pitchFamily="34" charset="-120"/>
                 <a:ea typeface="Noto Sans CJK TC DemiLight" panose="020B0400000000000000" pitchFamily="34" charset="-120"/>
@@ -4969,7 +4971,7 @@
             </a:r>
             <a:endParaRPr lang="en-US" sz="5400" dirty="0">
               <a:solidFill>
-                <a:srgbClr val="BBBEDB"/>
+                <a:srgbClr val="CCDBFD"/>
               </a:solidFill>
               <a:latin typeface="Noto Sans CJK TC DemiLight" panose="020B0400000000000000" pitchFamily="34" charset="-120"/>
               <a:ea typeface="Noto Sans CJK TC DemiLight" panose="020B0400000000000000" pitchFamily="34" charset="-120"/>
@@ -4991,8 +4993,8 @@
         </p:nvSpPr>
         <p:spPr>
           <a:xfrm>
-            <a:off x="3805296" y="2149317"/>
-            <a:ext cx="5567304" cy="2203488"/>
+            <a:off x="3499626" y="2327256"/>
+            <a:ext cx="5998938" cy="2203488"/>
           </a:xfrm>
           <a:prstGeom prst="rect">
             <a:avLst/>
@@ -5013,7 +5015,7 @@
               <a:buChar char="•"/>
             </a:pPr>
             <a:r>
-              <a:rPr lang="zh-TW" altLang="en-US" sz="2400" dirty="0">
+              <a:rPr lang="zh-TW" altLang="en-US" sz="2400" spc="300" dirty="0">
                 <a:solidFill>
                   <a:schemeClr val="bg1"/>
                 </a:solidFill>
@@ -5022,7 +5024,7 @@
               </a:rPr>
               <a:t>根據平常玩的遊戲做出攻略網</a:t>
             </a:r>
-            <a:endParaRPr lang="en-US" altLang="zh-TW" sz="2400" dirty="0">
+            <a:endParaRPr lang="en-US" altLang="zh-TW" sz="2400" spc="300" dirty="0">
               <a:solidFill>
                 <a:schemeClr val="bg1"/>
               </a:solidFill>
@@ -5039,7 +5041,7 @@
               <a:buChar char="•"/>
             </a:pPr>
             <a:r>
-              <a:rPr lang="zh-TW" altLang="en-US" sz="2400" dirty="0">
+              <a:rPr lang="zh-TW" altLang="en-US" sz="2400" spc="300" dirty="0">
                 <a:solidFill>
                   <a:schemeClr val="bg1"/>
                 </a:solidFill>
@@ -5048,7 +5050,7 @@
               </a:rPr>
               <a:t>從版面設計到視覺設計練習製作網頁</a:t>
             </a:r>
-            <a:endParaRPr lang="en-US" altLang="zh-TW" sz="2400" dirty="0">
+            <a:endParaRPr lang="en-US" altLang="zh-TW" sz="2400" spc="300" dirty="0">
               <a:solidFill>
                 <a:schemeClr val="bg1"/>
               </a:solidFill>
@@ -5065,7 +5067,7 @@
               <a:buChar char="•"/>
             </a:pPr>
             <a:r>
-              <a:rPr lang="zh-TW" altLang="en-US" sz="2400" dirty="0">
+              <a:rPr lang="zh-TW" altLang="en-US" sz="2400" spc="300" dirty="0">
                 <a:solidFill>
                   <a:schemeClr val="bg1"/>
                 </a:solidFill>
@@ -5074,7 +5076,7 @@
               </a:rPr>
               <a:t>做一個網頁來實習專題課程</a:t>
             </a:r>
-            <a:endParaRPr lang="en-US" altLang="zh-TW" sz="2400" dirty="0">
+            <a:endParaRPr lang="en-US" altLang="zh-TW" sz="2400" spc="300" dirty="0">
               <a:solidFill>
                 <a:schemeClr val="bg1"/>
               </a:solidFill>
@@ -5165,7 +5167,7 @@
             <a:r>
               <a:rPr lang="zh-TW" altLang="en-US" sz="5400" dirty="0">
                 <a:solidFill>
-                  <a:srgbClr val="BBBEDB"/>
+                  <a:srgbClr val="CCDBFD"/>
                 </a:solidFill>
                 <a:latin typeface="Noto Sans CJK TC DemiLight" panose="020B0400000000000000" pitchFamily="34" charset="-120"/>
                 <a:ea typeface="Noto Sans CJK TC DemiLight" panose="020B0400000000000000" pitchFamily="34" charset="-120"/>
@@ -5174,7 +5176,7 @@
             </a:r>
             <a:endParaRPr lang="en-US" sz="5400" dirty="0">
               <a:solidFill>
-                <a:srgbClr val="BBBEDB"/>
+                <a:srgbClr val="CCDBFD"/>
               </a:solidFill>
               <a:latin typeface="Noto Sans CJK TC DemiLight" panose="020B0400000000000000" pitchFamily="34" charset="-120"/>
               <a:ea typeface="Noto Sans CJK TC DemiLight" panose="020B0400000000000000" pitchFamily="34" charset="-120"/>
@@ -5233,7 +5235,7 @@
             <a:r>
               <a:rPr lang="zh-TW" altLang="en-US" sz="4900" dirty="0">
                 <a:solidFill>
-                  <a:srgbClr val="BBBEDB"/>
+                  <a:srgbClr val="CCDBFD"/>
                 </a:solidFill>
                 <a:latin typeface="Noto Sans CJK TC DemiLight" panose="020B0400000000000000" pitchFamily="34" charset="-120"/>
                 <a:ea typeface="Noto Sans CJK TC DemiLight" panose="020B0400000000000000" pitchFamily="34" charset="-120"/>
@@ -5242,7 +5244,7 @@
             </a:r>
             <a:endParaRPr lang="en-US" sz="4900" dirty="0">
               <a:solidFill>
-                <a:srgbClr val="BBBEDB"/>
+                <a:srgbClr val="CCDBFD"/>
               </a:solidFill>
               <a:latin typeface="Noto Sans CJK TC DemiLight" panose="020B0400000000000000" pitchFamily="34" charset="-120"/>
               <a:ea typeface="Noto Sans CJK TC DemiLight" panose="020B0400000000000000" pitchFamily="34" charset="-120"/>
@@ -5264,8 +5266,8 @@
         </p:nvSpPr>
         <p:spPr>
           <a:xfrm>
-            <a:off x="224206" y="2143216"/>
-            <a:ext cx="5766932" cy="1695657"/>
+            <a:off x="571090" y="2143215"/>
+            <a:ext cx="5390064" cy="2249655"/>
           </a:xfrm>
           <a:prstGeom prst="rect">
             <a:avLst/>
@@ -5286,7 +5288,7 @@
               <a:buChar char="•"/>
             </a:pPr>
             <a:r>
-              <a:rPr lang="zh-TW" altLang="en-US" sz="2400" dirty="0">
+              <a:rPr lang="zh-TW" altLang="en-US" sz="2400" spc="300" dirty="0">
                 <a:solidFill>
                   <a:schemeClr val="bg1"/>
                 </a:solidFill>
@@ -5295,7 +5297,7 @@
               </a:rPr>
               <a:t>網頁放在電腦版瀏覽器上看起來很單調</a:t>
             </a:r>
-            <a:endParaRPr lang="en-US" altLang="zh-TW" sz="2400" dirty="0">
+            <a:endParaRPr lang="en-US" altLang="zh-TW" sz="2400" spc="300" dirty="0">
               <a:solidFill>
                 <a:schemeClr val="bg1"/>
               </a:solidFill>
@@ -5311,7 +5313,7 @@
               <a:buFont typeface="Arial" panose="020B0604020202020204" pitchFamily="34" charset="0"/>
               <a:buChar char="•"/>
             </a:pPr>
-            <a:endParaRPr lang="en-US" altLang="zh-TW" sz="2400" dirty="0">
+            <a:endParaRPr lang="en-US" altLang="zh-TW" sz="2400" spc="300" dirty="0">
               <a:solidFill>
                 <a:schemeClr val="bg1"/>
               </a:solidFill>
@@ -5328,7 +5330,7 @@
               <a:buChar char="•"/>
             </a:pPr>
             <a:r>
-              <a:rPr lang="zh-TW" altLang="en-US" sz="2400" dirty="0">
+              <a:rPr lang="zh-TW" altLang="en-US" sz="2400" spc="300" dirty="0">
                 <a:solidFill>
                   <a:schemeClr val="bg1"/>
                 </a:solidFill>
@@ -5337,7 +5339,7 @@
               </a:rPr>
               <a:t>兩行字之間行距過大</a:t>
             </a:r>
-            <a:endParaRPr lang="en-US" altLang="zh-TW" sz="2400" dirty="0">
+            <a:endParaRPr lang="en-US" altLang="zh-TW" sz="2400" spc="300" dirty="0">
               <a:solidFill>
                 <a:schemeClr val="bg1"/>
               </a:solidFill>
@@ -5361,8 +5363,8 @@
         </p:nvSpPr>
         <p:spPr>
           <a:xfrm>
-            <a:off x="6714803" y="2143215"/>
-            <a:ext cx="4906107" cy="1695657"/>
+            <a:off x="6334770" y="2143215"/>
+            <a:ext cx="5666173" cy="2249655"/>
           </a:xfrm>
           <a:prstGeom prst="rect">
             <a:avLst/>
@@ -5381,7 +5383,7 @@
               </a:lnSpc>
             </a:pPr>
             <a:r>
-              <a:rPr lang="en-US" altLang="zh-TW" sz="2400" dirty="0">
+              <a:rPr lang="en-US" altLang="zh-TW" sz="2400" spc="300" dirty="0">
                 <a:solidFill>
                   <a:schemeClr val="bg1"/>
                 </a:solidFill>
@@ -5391,7 +5393,7 @@
               <a:t>:</a:t>
             </a:r>
             <a:r>
-              <a:rPr lang="zh-TW" altLang="en-US" sz="2400" dirty="0">
+              <a:rPr lang="zh-TW" altLang="en-US" sz="2400" spc="300" dirty="0">
                 <a:solidFill>
                   <a:schemeClr val="bg1"/>
                 </a:solidFill>
@@ -5401,7 +5403,7 @@
               <a:t> 寬度拉到</a:t>
             </a:r>
             <a:r>
-              <a:rPr lang="en-US" altLang="zh-TW" sz="2400" dirty="0">
+              <a:rPr lang="en-US" altLang="zh-TW" sz="2400" spc="300" dirty="0">
                 <a:solidFill>
                   <a:schemeClr val="bg1"/>
                 </a:solidFill>
@@ -5411,7 +5413,7 @@
               <a:t>1920px</a:t>
             </a:r>
             <a:r>
-              <a:rPr lang="zh-TW" altLang="en-US" sz="2400" dirty="0">
+              <a:rPr lang="zh-TW" altLang="en-US" sz="2400" spc="300" dirty="0">
                 <a:solidFill>
                   <a:schemeClr val="bg1"/>
                 </a:solidFill>
@@ -5420,7 +5422,7 @@
               </a:rPr>
               <a:t>，中間物件置中</a:t>
             </a:r>
-            <a:endParaRPr lang="en-US" altLang="zh-TW" sz="2400" dirty="0">
+            <a:endParaRPr lang="en-US" altLang="zh-TW" sz="2400" spc="300" dirty="0">
               <a:solidFill>
                 <a:schemeClr val="bg1"/>
               </a:solidFill>
@@ -5434,7 +5436,7 @@
                 <a:spcPct val="150000"/>
               </a:lnSpc>
             </a:pPr>
-            <a:endParaRPr lang="en-US" sz="2400" dirty="0">
+            <a:endParaRPr lang="en-US" sz="2400" spc="300" dirty="0">
               <a:solidFill>
                 <a:schemeClr val="bg1"/>
               </a:solidFill>
@@ -5448,8 +5450,22 @@
                 <a:spcPct val="150000"/>
               </a:lnSpc>
             </a:pPr>
-            <a:r>
-              <a:rPr lang="en-US" altLang="zh-TW" sz="2400" dirty="0">
+            <a:endParaRPr lang="en-US" sz="2400" spc="300" dirty="0">
+              <a:solidFill>
+                <a:schemeClr val="bg1"/>
+              </a:solidFill>
+              <a:latin typeface="Noto Sans Mono CJK TC Regular" panose="020B0500000000000000" pitchFamily="34" charset="-120"/>
+              <a:ea typeface="Noto Sans Mono CJK TC Regular" panose="020B0500000000000000" pitchFamily="34" charset="-120"/>
+            </a:endParaRPr>
+          </a:p>
+          <a:p>
+            <a:pPr>
+              <a:lnSpc>
+                <a:spcPct val="150000"/>
+              </a:lnSpc>
+            </a:pPr>
+            <a:r>
+              <a:rPr lang="en-US" altLang="zh-TW" sz="2400" spc="300" dirty="0">
                 <a:solidFill>
                   <a:schemeClr val="bg1"/>
                 </a:solidFill>
@@ -5459,7 +5475,7 @@
               <a:t>:</a:t>
             </a:r>
             <a:r>
-              <a:rPr lang="zh-TW" altLang="en-US" sz="2400" dirty="0">
+              <a:rPr lang="zh-TW" altLang="en-US" sz="2400" spc="300" dirty="0">
                 <a:solidFill>
                   <a:schemeClr val="bg1"/>
                 </a:solidFill>
@@ -5469,7 +5485,7 @@
               <a:t> 使用</a:t>
             </a:r>
             <a:r>
-              <a:rPr lang="en-US" sz="2400" dirty="0">
+              <a:rPr lang="en-US" sz="2400" spc="300" dirty="0">
                 <a:solidFill>
                   <a:schemeClr val="bg1"/>
                 </a:solidFill>
@@ -5543,7 +5559,7 @@
             <a:r>
               <a:rPr lang="zh-TW" altLang="en-US" sz="7200" dirty="0">
                 <a:solidFill>
-                  <a:srgbClr val="BBBEDB"/>
+                  <a:srgbClr val="CCDBFD"/>
                 </a:solidFill>
                 <a:latin typeface="Yu Gothic UI Semibold" panose="020B0700000000000000" pitchFamily="34" charset="-128"/>
                 <a:ea typeface="Yu Gothic UI Semibold" panose="020B0700000000000000" pitchFamily="34" charset="-128"/>
@@ -5552,7 +5568,7 @@
             </a:r>
             <a:endParaRPr lang="en-US" sz="7200" dirty="0">
               <a:solidFill>
-                <a:srgbClr val="BBBEDB"/>
+                <a:srgbClr val="CCDBFD"/>
               </a:solidFill>
               <a:latin typeface="Yu Gothic UI Semibold" panose="020B0700000000000000" pitchFamily="34" charset="-128"/>
               <a:ea typeface="Yu Gothic UI Semibold" panose="020B0700000000000000" pitchFamily="34" charset="-128"/>
@@ -5641,7 +5657,7 @@
             <a:r>
               <a:rPr lang="zh-TW" altLang="en-US" sz="5400" dirty="0">
                 <a:solidFill>
-                  <a:srgbClr val="BBBEDB"/>
+                  <a:srgbClr val="CCDBFD"/>
                 </a:solidFill>
                 <a:latin typeface="Yu Gothic Medium" panose="020B0500000000000000" pitchFamily="34" charset="-128"/>
                 <a:ea typeface="Yu Gothic Medium" panose="020B0500000000000000" pitchFamily="34" charset="-128"/>
@@ -5650,7 +5666,7 @@
             </a:r>
             <a:endParaRPr lang="en-US" sz="5400" dirty="0">
               <a:solidFill>
-                <a:srgbClr val="BBBEDB"/>
+                <a:srgbClr val="CCDBFD"/>
               </a:solidFill>
               <a:latin typeface="Yu Gothic Medium" panose="020B0500000000000000" pitchFamily="34" charset="-128"/>
               <a:ea typeface="Yu Gothic Medium" panose="020B0500000000000000" pitchFamily="34" charset="-128"/>
@@ -6439,7 +6455,7 @@
         <p:spPr>
           <a:xfrm>
             <a:off x="1391276" y="0"/>
-            <a:ext cx="3246391" cy="6858000"/>
+            <a:ext cx="3246390" cy="6858000"/>
           </a:xfrm>
           <a:prstGeom prst="rect">
             <a:avLst/>
@@ -6460,7 +6476,7 @@
         </p:nvSpPr>
         <p:spPr>
           <a:xfrm>
-            <a:off x="1431916" y="0"/>
+            <a:off x="1514211" y="17780"/>
             <a:ext cx="3246391" cy="210312"/>
           </a:xfrm>
           <a:prstGeom prst="rect">
@@ -6516,8 +6532,8 @@
         </p:nvSpPr>
         <p:spPr>
           <a:xfrm>
-            <a:off x="1350636" y="245872"/>
-            <a:ext cx="3246391" cy="4194048"/>
+            <a:off x="1259196" y="310896"/>
+            <a:ext cx="3246391" cy="4129024"/>
           </a:xfrm>
           <a:prstGeom prst="rect">
             <a:avLst/>
@@ -6572,8 +6588,8 @@
         </p:nvSpPr>
         <p:spPr>
           <a:xfrm>
-            <a:off x="1431916" y="4475480"/>
-            <a:ext cx="3246391" cy="2136648"/>
+            <a:off x="1505067" y="4522724"/>
+            <a:ext cx="3246391" cy="2089404"/>
           </a:xfrm>
           <a:prstGeom prst="rect">
             <a:avLst/>
@@ -6628,7 +6644,7 @@
         </p:nvSpPr>
         <p:spPr>
           <a:xfrm>
-            <a:off x="1350635" y="6630416"/>
+            <a:off x="1279515" y="6629908"/>
             <a:ext cx="3246391" cy="210312"/>
           </a:xfrm>
           <a:prstGeom prst="rect">
@@ -6691,6 +6707,11 @@
             <a:avLst/>
           </a:prstGeom>
           <a:noFill/>
+          <a:ln>
+            <a:solidFill>
+              <a:srgbClr val="00FFFF"/>
+            </a:solidFill>
+          </a:ln>
         </p:spPr>
         <p:txBody>
           <a:bodyPr wrap="square" rtlCol="0">
@@ -6698,6 +6719,7 @@
           </a:bodyPr>
           <a:lstStyle/>
           <a:p>
+            <a:pPr algn="ctr"/>
             <a:r>
               <a:rPr lang="zh-TW" altLang="en-US" sz="2400" dirty="0">
                 <a:solidFill>
@@ -6752,13 +6774,18 @@
         </p:nvSpPr>
         <p:spPr>
           <a:xfrm>
-            <a:off x="6686938" y="2018145"/>
+            <a:off x="6686938" y="2342779"/>
             <a:ext cx="2831966" cy="461665"/>
           </a:xfrm>
           <a:prstGeom prst="rect">
             <a:avLst/>
           </a:prstGeom>
           <a:noFill/>
+          <a:ln>
+            <a:solidFill>
+              <a:srgbClr val="92D050"/>
+            </a:solidFill>
+          </a:ln>
         </p:spPr>
         <p:txBody>
           <a:bodyPr wrap="square" rtlCol="0">
@@ -6766,6 +6793,7 @@
           </a:bodyPr>
           <a:lstStyle/>
           <a:p>
+            <a:pPr algn="ctr"/>
             <a:r>
               <a:rPr lang="zh-TW" altLang="en-US" sz="2400" dirty="0">
                 <a:solidFill>
@@ -6774,18 +6802,143 @@
                 <a:latin typeface="Noto Sans CJK TC Medium" panose="020B0600000000000000" pitchFamily="34" charset="-120"/>
                 <a:ea typeface="Noto Sans CJK TC Medium" panose="020B0600000000000000" pitchFamily="34" charset="-120"/>
               </a:rPr>
-              <a:t>網站</a:t>
-            </a:r>
-            <a:r>
-              <a:rPr lang="en-US" altLang="zh-TW" sz="2400" dirty="0">
-                <a:solidFill>
-                  <a:schemeClr val="bg1"/>
-                </a:solidFill>
-                <a:latin typeface="Noto Sans CJK TC Medium" panose="020B0600000000000000" pitchFamily="34" charset="-120"/>
-                <a:ea typeface="Noto Sans CJK TC Medium" panose="020B0600000000000000" pitchFamily="34" charset="-120"/>
-              </a:rPr>
-              <a:t>Logo</a:t>
-            </a:r>
+              <a:t>主要資訊欄</a:t>
+            </a:r>
+            <a:endParaRPr lang="en-US" altLang="zh-TW" sz="2400" dirty="0">
+              <a:solidFill>
+                <a:schemeClr val="bg1"/>
+              </a:solidFill>
+              <a:latin typeface="Noto Sans CJK TC Medium" panose="020B0600000000000000" pitchFamily="34" charset="-120"/>
+              <a:ea typeface="Noto Sans CJK TC Medium" panose="020B0600000000000000" pitchFamily="34" charset="-120"/>
+            </a:endParaRPr>
+          </a:p>
+        </p:txBody>
+      </p:sp>
+      <p:cxnSp>
+        <p:nvCxnSpPr>
+          <p:cNvPr id="20" name="直線單箭頭接點 19">
+            <a:extLst>
+              <a:ext uri="{FF2B5EF4-FFF2-40B4-BE49-F238E27FC236}">
+                <a16:creationId xmlns:a16="http://schemas.microsoft.com/office/drawing/2014/main" id="{737685B8-B79C-46EC-AE9D-E44C60F4492E}"/>
+              </a:ext>
+            </a:extLst>
+          </p:cNvPr>
+          <p:cNvCxnSpPr>
+            <a:stCxn id="8" idx="3"/>
+            <a:endCxn id="17" idx="1"/>
+          </p:cNvCxnSpPr>
+          <p:nvPr/>
+        </p:nvCxnSpPr>
+        <p:spPr>
+          <a:xfrm>
+            <a:off x="4760602" y="122936"/>
+            <a:ext cx="1926336" cy="1010474"/>
+          </a:xfrm>
+          <a:prstGeom prst="straightConnector1">
+            <a:avLst/>
+          </a:prstGeom>
+          <a:ln>
+            <a:solidFill>
+              <a:srgbClr val="00FFFF"/>
+            </a:solidFill>
+            <a:tailEnd type="triangle"/>
+          </a:ln>
+        </p:spPr>
+        <p:style>
+          <a:lnRef idx="1">
+            <a:schemeClr val="accent1"/>
+          </a:lnRef>
+          <a:fillRef idx="0">
+            <a:schemeClr val="accent1"/>
+          </a:fillRef>
+          <a:effectRef idx="0">
+            <a:schemeClr val="accent1"/>
+          </a:effectRef>
+          <a:fontRef idx="minor">
+            <a:schemeClr val="tx1"/>
+          </a:fontRef>
+        </p:style>
+      </p:cxnSp>
+      <p:cxnSp>
+        <p:nvCxnSpPr>
+          <p:cNvPr id="22" name="直線單箭頭接點 21">
+            <a:extLst>
+              <a:ext uri="{FF2B5EF4-FFF2-40B4-BE49-F238E27FC236}">
+                <a16:creationId xmlns:a16="http://schemas.microsoft.com/office/drawing/2014/main" id="{E8C5A369-1738-4831-B754-C69ED8542541}"/>
+              </a:ext>
+            </a:extLst>
+          </p:cNvPr>
+          <p:cNvCxnSpPr>
+            <a:cxnSpLocks/>
+            <a:stCxn id="9" idx="3"/>
+            <a:endCxn id="18" idx="1"/>
+          </p:cNvCxnSpPr>
+          <p:nvPr/>
+        </p:nvCxnSpPr>
+        <p:spPr>
+          <a:xfrm>
+            <a:off x="4505587" y="2375408"/>
+            <a:ext cx="2181351" cy="198204"/>
+          </a:xfrm>
+          <a:prstGeom prst="straightConnector1">
+            <a:avLst/>
+          </a:prstGeom>
+          <a:ln>
+            <a:solidFill>
+              <a:srgbClr val="92D050"/>
+            </a:solidFill>
+            <a:tailEnd type="triangle"/>
+          </a:ln>
+        </p:spPr>
+        <p:style>
+          <a:lnRef idx="1">
+            <a:schemeClr val="accent1"/>
+          </a:lnRef>
+          <a:fillRef idx="0">
+            <a:schemeClr val="accent1"/>
+          </a:fillRef>
+          <a:effectRef idx="0">
+            <a:schemeClr val="accent1"/>
+          </a:effectRef>
+          <a:fontRef idx="minor">
+            <a:schemeClr val="tx1"/>
+          </a:fontRef>
+        </p:style>
+      </p:cxnSp>
+      <p:sp>
+        <p:nvSpPr>
+          <p:cNvPr id="25" name="文字方塊 24">
+            <a:extLst>
+              <a:ext uri="{FF2B5EF4-FFF2-40B4-BE49-F238E27FC236}">
+                <a16:creationId xmlns:a16="http://schemas.microsoft.com/office/drawing/2014/main" id="{FBDF043F-B54F-4EEF-A71F-1BB90F2B9846}"/>
+              </a:ext>
+            </a:extLst>
+          </p:cNvPr>
+          <p:cNvSpPr txBox="1"/>
+          <p:nvPr/>
+        </p:nvSpPr>
+        <p:spPr>
+          <a:xfrm>
+            <a:off x="6686938" y="3782981"/>
+            <a:ext cx="2831966" cy="461665"/>
+          </a:xfrm>
+          <a:prstGeom prst="rect">
+            <a:avLst/>
+          </a:prstGeom>
+          <a:noFill/>
+          <a:ln>
+            <a:solidFill>
+              <a:srgbClr val="FFC000"/>
+            </a:solidFill>
+          </a:ln>
+        </p:spPr>
+        <p:txBody>
+          <a:bodyPr wrap="square" rtlCol="0">
+            <a:spAutoFit/>
+          </a:bodyPr>
+          <a:lstStyle/>
+          <a:p>
+            <a:pPr algn="ctr"/>
             <a:r>
               <a:rPr lang="zh-TW" altLang="en-US" sz="2400" dirty="0">
                 <a:solidFill>
@@ -6794,7 +6947,7 @@
                 <a:latin typeface="Noto Sans CJK TC Medium" panose="020B0600000000000000" pitchFamily="34" charset="-120"/>
                 <a:ea typeface="Noto Sans CJK TC Medium" panose="020B0600000000000000" pitchFamily="34" charset="-120"/>
               </a:rPr>
-              <a:t>和導覽列</a:t>
+              <a:t>次要資訊欄</a:t>
             </a:r>
             <a:endParaRPr lang="en-US" altLang="zh-TW" sz="2400" dirty="0">
               <a:solidFill>
@@ -6806,6 +6959,152 @@
           </a:p>
         </p:txBody>
       </p:sp>
+      <p:cxnSp>
+        <p:nvCxnSpPr>
+          <p:cNvPr id="26" name="直線單箭頭接點 25">
+            <a:extLst>
+              <a:ext uri="{FF2B5EF4-FFF2-40B4-BE49-F238E27FC236}">
+                <a16:creationId xmlns:a16="http://schemas.microsoft.com/office/drawing/2014/main" id="{DB7D20AB-091A-466A-AB6B-5E05114CD789}"/>
+              </a:ext>
+            </a:extLst>
+          </p:cNvPr>
+          <p:cNvCxnSpPr>
+            <a:cxnSpLocks/>
+            <a:stCxn id="10" idx="3"/>
+            <a:endCxn id="25" idx="1"/>
+          </p:cNvCxnSpPr>
+          <p:nvPr/>
+        </p:nvCxnSpPr>
+        <p:spPr>
+          <a:xfrm flipV="1">
+            <a:off x="4751458" y="4013814"/>
+            <a:ext cx="1935480" cy="1553612"/>
+          </a:xfrm>
+          <a:prstGeom prst="straightConnector1">
+            <a:avLst/>
+          </a:prstGeom>
+          <a:ln>
+            <a:solidFill>
+              <a:srgbClr val="FFC000"/>
+            </a:solidFill>
+            <a:tailEnd type="triangle"/>
+          </a:ln>
+        </p:spPr>
+        <p:style>
+          <a:lnRef idx="1">
+            <a:schemeClr val="accent1"/>
+          </a:lnRef>
+          <a:fillRef idx="0">
+            <a:schemeClr val="accent1"/>
+          </a:fillRef>
+          <a:effectRef idx="0">
+            <a:schemeClr val="accent1"/>
+          </a:effectRef>
+          <a:fontRef idx="minor">
+            <a:schemeClr val="tx1"/>
+          </a:fontRef>
+        </p:style>
+      </p:cxnSp>
+      <p:sp>
+        <p:nvSpPr>
+          <p:cNvPr id="31" name="文字方塊 30">
+            <a:extLst>
+              <a:ext uri="{FF2B5EF4-FFF2-40B4-BE49-F238E27FC236}">
+                <a16:creationId xmlns:a16="http://schemas.microsoft.com/office/drawing/2014/main" id="{C5465B55-FBE4-4F26-B478-D7AEA9EC1450}"/>
+              </a:ext>
+            </a:extLst>
+          </p:cNvPr>
+          <p:cNvSpPr txBox="1"/>
+          <p:nvPr/>
+        </p:nvSpPr>
+        <p:spPr>
+          <a:xfrm>
+            <a:off x="6686938" y="5847133"/>
+            <a:ext cx="2831966" cy="461665"/>
+          </a:xfrm>
+          <a:prstGeom prst="rect">
+            <a:avLst/>
+          </a:prstGeom>
+          <a:noFill/>
+          <a:ln>
+            <a:solidFill>
+              <a:srgbClr val="FF3399"/>
+            </a:solidFill>
+          </a:ln>
+        </p:spPr>
+        <p:txBody>
+          <a:bodyPr wrap="square" rtlCol="0">
+            <a:spAutoFit/>
+          </a:bodyPr>
+          <a:lstStyle/>
+          <a:p>
+            <a:pPr algn="ctr"/>
+            <a:r>
+              <a:rPr lang="zh-TW" altLang="en-US" sz="2400" dirty="0">
+                <a:solidFill>
+                  <a:schemeClr val="bg1"/>
+                </a:solidFill>
+                <a:latin typeface="Noto Sans CJK TC Medium" panose="020B0600000000000000" pitchFamily="34" charset="-120"/>
+                <a:ea typeface="Noto Sans CJK TC Medium" panose="020B0600000000000000" pitchFamily="34" charset="-120"/>
+              </a:rPr>
+              <a:t>次要導覽列</a:t>
+            </a:r>
+            <a:endParaRPr lang="en-US" altLang="zh-TW" sz="2400" dirty="0">
+              <a:solidFill>
+                <a:schemeClr val="bg1"/>
+              </a:solidFill>
+              <a:latin typeface="Noto Sans CJK TC Medium" panose="020B0600000000000000" pitchFamily="34" charset="-120"/>
+              <a:ea typeface="Noto Sans CJK TC Medium" panose="020B0600000000000000" pitchFamily="34" charset="-120"/>
+            </a:endParaRPr>
+          </a:p>
+        </p:txBody>
+      </p:sp>
+      <p:cxnSp>
+        <p:nvCxnSpPr>
+          <p:cNvPr id="32" name="直線單箭頭接點 31">
+            <a:extLst>
+              <a:ext uri="{FF2B5EF4-FFF2-40B4-BE49-F238E27FC236}">
+                <a16:creationId xmlns:a16="http://schemas.microsoft.com/office/drawing/2014/main" id="{C8411A55-A705-4284-848B-E79477A126AE}"/>
+              </a:ext>
+            </a:extLst>
+          </p:cNvPr>
+          <p:cNvCxnSpPr>
+            <a:cxnSpLocks/>
+            <a:stCxn id="11" idx="3"/>
+            <a:endCxn id="31" idx="1"/>
+          </p:cNvCxnSpPr>
+          <p:nvPr/>
+        </p:nvCxnSpPr>
+        <p:spPr>
+          <a:xfrm flipV="1">
+            <a:off x="4525906" y="6077966"/>
+            <a:ext cx="2161032" cy="657098"/>
+          </a:xfrm>
+          <a:prstGeom prst="straightConnector1">
+            <a:avLst/>
+          </a:prstGeom>
+          <a:ln>
+            <a:solidFill>
+              <a:srgbClr val="FF3399"/>
+            </a:solidFill>
+            <a:tailEnd type="triangle"/>
+          </a:ln>
+        </p:spPr>
+        <p:style>
+          <a:lnRef idx="1">
+            <a:schemeClr val="accent1"/>
+          </a:lnRef>
+          <a:fillRef idx="0">
+            <a:schemeClr val="accent1"/>
+          </a:fillRef>
+          <a:effectRef idx="0">
+            <a:schemeClr val="accent1"/>
+          </a:effectRef>
+          <a:fontRef idx="minor">
+            <a:schemeClr val="tx1"/>
+          </a:fontRef>
+        </p:style>
+      </p:cxnSp>
     </p:spTree>
     <p:extLst>
       <p:ext uri="{BB962C8B-B14F-4D97-AF65-F5344CB8AC3E}">
@@ -6868,7 +7167,7 @@
             <a:r>
               <a:rPr lang="zh-TW" altLang="en-US" sz="7200" dirty="0">
                 <a:solidFill>
-                  <a:srgbClr val="BBBEDB"/>
+                  <a:srgbClr val="CCDBFD"/>
                 </a:solidFill>
                 <a:latin typeface="Yu Gothic UI Semibold" panose="020B0700000000000000" pitchFamily="34" charset="-128"/>
                 <a:ea typeface="Yu Gothic UI Semibold" panose="020B0700000000000000" pitchFamily="34" charset="-128"/>
@@ -6877,7 +7176,7 @@
             </a:r>
             <a:endParaRPr lang="en-US" sz="7200" dirty="0">
               <a:solidFill>
-                <a:srgbClr val="BBBEDB"/>
+                <a:srgbClr val="CCDBFD"/>
               </a:solidFill>
               <a:latin typeface="Yu Gothic UI Semibold" panose="020B0700000000000000" pitchFamily="34" charset="-128"/>
               <a:ea typeface="Yu Gothic UI Semibold" panose="020B0700000000000000" pitchFamily="34" charset="-128"/>
@@ -6966,7 +7265,7 @@
             <a:r>
               <a:rPr lang="zh-TW" altLang="en-US" sz="4900" dirty="0">
                 <a:solidFill>
-                  <a:srgbClr val="BBBEDB"/>
+                  <a:srgbClr val="CCDBFD"/>
                 </a:solidFill>
                 <a:latin typeface="Noto Sans CJK TC Medium" panose="020B0600000000000000" pitchFamily="34" charset="-120"/>
                 <a:ea typeface="Noto Sans CJK TC Medium" panose="020B0600000000000000" pitchFamily="34" charset="-120"/>
@@ -6975,10 +7274,63 @@
             </a:r>
             <a:endParaRPr lang="en-US" sz="4900" dirty="0">
               <a:solidFill>
-                <a:srgbClr val="BBBEDB"/>
+                <a:srgbClr val="CCDBFD"/>
               </a:solidFill>
               <a:latin typeface="Noto Sans CJK TC Medium" panose="020B0600000000000000" pitchFamily="34" charset="-120"/>
               <a:ea typeface="Noto Sans CJK TC Medium" panose="020B0600000000000000" pitchFamily="34" charset="-120"/>
+            </a:endParaRPr>
+          </a:p>
+        </p:txBody>
+      </p:sp>
+      <p:sp>
+        <p:nvSpPr>
+          <p:cNvPr id="2" name="文字方塊 1">
+            <a:extLst>
+              <a:ext uri="{FF2B5EF4-FFF2-40B4-BE49-F238E27FC236}">
+                <a16:creationId xmlns:a16="http://schemas.microsoft.com/office/drawing/2014/main" id="{032AFB84-F78F-4F3C-9071-0A990831DEE6}"/>
+              </a:ext>
+            </a:extLst>
+          </p:cNvPr>
+          <p:cNvSpPr txBox="1"/>
+          <p:nvPr/>
+        </p:nvSpPr>
+        <p:spPr>
+          <a:xfrm>
+            <a:off x="2412087" y="2256702"/>
+            <a:ext cx="7722388" cy="1695657"/>
+          </a:xfrm>
+          <a:prstGeom prst="rect">
+            <a:avLst/>
+          </a:prstGeom>
+          <a:noFill/>
+        </p:spPr>
+        <p:txBody>
+          <a:bodyPr wrap="square" rtlCol="0">
+            <a:spAutoFit/>
+          </a:bodyPr>
+          <a:lstStyle/>
+          <a:p>
+            <a:pPr>
+              <a:lnSpc>
+                <a:spcPct val="150000"/>
+              </a:lnSpc>
+            </a:pPr>
+            <a:r>
+              <a:rPr lang="zh-TW" altLang="en-US" sz="2400" spc="300" dirty="0">
+                <a:solidFill>
+                  <a:schemeClr val="bg1"/>
+                </a:solidFill>
+                <a:latin typeface="Noto Sans Mono CJK TC Regular" panose="020B0500000000000000" pitchFamily="34" charset="-120"/>
+                <a:ea typeface="Noto Sans Mono CJK TC Regular" panose="020B0500000000000000" pitchFamily="34" charset="-120"/>
+              </a:rPr>
+              <a:t>構想為玩家能在遊戲和攻略網間無縫切換，以英雄聯盟中常見到的風格及配色來製作網頁，讓玩家能更沉浸在遊戲世界裡。</a:t>
+            </a:r>
+            <a:endParaRPr lang="en-US" sz="2400" spc="300" dirty="0">
+              <a:solidFill>
+                <a:schemeClr val="bg1"/>
+              </a:solidFill>
+              <a:latin typeface="Noto Sans Mono CJK TC Regular" panose="020B0500000000000000" pitchFamily="34" charset="-120"/>
+              <a:ea typeface="Noto Sans Mono CJK TC Regular" panose="020B0500000000000000" pitchFamily="34" charset="-120"/>
             </a:endParaRPr>
           </a:p>
         </p:txBody>

--- a/企劃書.pptx
+++ b/企劃書.pptx
@@ -4015,8 +4015,8 @@
           </p:nvSpPr>
           <p:spPr>
             <a:xfrm>
-              <a:off x="6569580" y="3745964"/>
-              <a:ext cx="4958052" cy="1212071"/>
+              <a:off x="6569580" y="3704066"/>
+              <a:ext cx="4958052" cy="1295868"/>
             </a:xfrm>
             <a:prstGeom prst="rect">
               <a:avLst/>
@@ -4043,7 +4043,9 @@
             </a:fontRef>
           </p:style>
           <p:txBody>
-            <a:bodyPr rtlCol="0" anchor="ctr"/>
+            <a:bodyPr tIns="411480" rtlCol="0" anchor="ctr" anchorCtr="0">
+              <a:normAutofit/>
+            </a:bodyPr>
             <a:lstStyle/>
             <a:p>
               <a:pPr>
@@ -4138,7 +4140,7 @@
             </a:fontRef>
           </p:style>
           <p:txBody>
-            <a:bodyPr rtlCol="0" anchor="ctr"/>
+            <a:bodyPr tIns="91440" rtlCol="0" anchor="t"/>
             <a:lstStyle/>
             <a:p>
               <a:pPr>
@@ -4238,7 +4240,7 @@
             </a:fontRef>
           </p:style>
           <p:txBody>
-            <a:bodyPr rtlCol="0" anchor="ctr"/>
+            <a:bodyPr rtlCol="0" anchor="t"/>
             <a:lstStyle/>
             <a:p>
               <a:pPr>
@@ -4256,6 +4258,20 @@
                 </a:rPr>
                 <a:t>#CCDBFD</a:t>
               </a:r>
+            </a:p>
+            <a:p>
+              <a:pPr>
+                <a:lnSpc>
+                  <a:spcPct val="150000"/>
+                </a:lnSpc>
+              </a:pPr>
+              <a:endParaRPr lang="en-US" altLang="zh-TW" sz="2000" b="1" spc="300" dirty="0">
+                <a:solidFill>
+                  <a:srgbClr val="CCDBFD"/>
+                </a:solidFill>
+                <a:latin typeface="Noto Sans CJK TC DemiLight" panose="020B0400000000000000" pitchFamily="34" charset="-120"/>
+                <a:ea typeface="Noto Sans CJK TC DemiLight" panose="020B0400000000000000" pitchFamily="34" charset="-120"/>
+              </a:endParaRPr>
             </a:p>
             <a:p>
               <a:pPr>
@@ -4343,7 +4359,7 @@
             </a:fontRef>
           </p:style>
           <p:txBody>
-            <a:bodyPr rtlCol="0" anchor="ctr"/>
+            <a:bodyPr tIns="320040" rtlCol="0" anchor="t"/>
             <a:lstStyle/>
             <a:p>
               <a:pPr>
@@ -7267,8 +7283,8 @@
                 <a:solidFill>
                   <a:srgbClr val="CCDBFD"/>
                 </a:solidFill>
-                <a:latin typeface="Noto Sans CJK TC Medium" panose="020B0600000000000000" pitchFamily="34" charset="-120"/>
-                <a:ea typeface="Noto Sans CJK TC Medium" panose="020B0600000000000000" pitchFamily="34" charset="-120"/>
+                <a:latin typeface="Noto Sans CJK TC DemiLight" panose="020B0400000000000000" pitchFamily="34" charset="-120"/>
+                <a:ea typeface="Noto Sans CJK TC DemiLight" panose="020B0400000000000000" pitchFamily="34" charset="-120"/>
               </a:rPr>
               <a:t>創作發想描述</a:t>
             </a:r>
@@ -7276,8 +7292,8 @@
               <a:solidFill>
                 <a:srgbClr val="CCDBFD"/>
               </a:solidFill>
-              <a:latin typeface="Noto Sans CJK TC Medium" panose="020B0600000000000000" pitchFamily="34" charset="-120"/>
-              <a:ea typeface="Noto Sans CJK TC Medium" panose="020B0600000000000000" pitchFamily="34" charset="-120"/>
+              <a:latin typeface="Noto Sans CJK TC DemiLight" panose="020B0400000000000000" pitchFamily="34" charset="-120"/>
+              <a:ea typeface="Noto Sans CJK TC DemiLight" panose="020B0400000000000000" pitchFamily="34" charset="-120"/>
             </a:endParaRPr>
           </a:p>
         </p:txBody>
@@ -7297,7 +7313,7 @@
         <p:spPr>
           <a:xfrm>
             <a:off x="2412087" y="2256702"/>
-            <a:ext cx="7722388" cy="1695657"/>
+            <a:ext cx="7317129" cy="2249655"/>
           </a:xfrm>
           <a:prstGeom prst="rect">
             <a:avLst/>
@@ -7323,7 +7339,7 @@
                 <a:latin typeface="Noto Sans Mono CJK TC Regular" panose="020B0500000000000000" pitchFamily="34" charset="-120"/>
                 <a:ea typeface="Noto Sans Mono CJK TC Regular" panose="020B0500000000000000" pitchFamily="34" charset="-120"/>
               </a:rPr>
-              <a:t>構想為玩家能在遊戲和攻略網間無縫切換，以英雄聯盟中常見到的風格及配色來製作網頁，讓玩家能更沉浸在遊戲世界裡。</a:t>
+              <a:t>構想為玩家在遊戲和攻略網間可以不影響遊戲體驗下無縫切換，以英雄聯盟中常見到的配色及風格來製作攻略網，讓玩家能更沉浸在遊戲世界裡。</a:t>
             </a:r>
             <a:endParaRPr lang="en-US" sz="2400" spc="300" dirty="0">
               <a:solidFill>

--- a/企劃書.pptx
+++ b/企劃書.pptx
@@ -15,6 +15,8 @@
     <p:sldId id="263" r:id="rId9"/>
     <p:sldId id="264" r:id="rId10"/>
     <p:sldId id="257" r:id="rId11"/>
+    <p:sldId id="267" r:id="rId12"/>
+    <p:sldId id="268" r:id="rId13"/>
   </p:sldIdLst>
   <p:sldSz cx="12192000" cy="6858000"/>
   <p:notesSz cx="6858000" cy="9144000"/>
@@ -4850,6 +4852,212 @@
 </p:sld>
 </file>
 
+<file path=ppt/slides/slide11.xml><?xml version="1.0" encoding="utf-8"?>
+<p:sld xmlns:a="http://schemas.openxmlformats.org/drawingml/2006/main" xmlns:r="http://schemas.openxmlformats.org/officeDocument/2006/relationships" xmlns:p="http://schemas.openxmlformats.org/presentationml/2006/main">
+  <p:cSld>
+    <p:spTree>
+      <p:nvGrpSpPr>
+        <p:cNvPr id="1" name=""/>
+        <p:cNvGrpSpPr/>
+        <p:nvPr/>
+      </p:nvGrpSpPr>
+      <p:grpSpPr>
+        <a:xfrm>
+          <a:off x="0" y="0"/>
+          <a:ext cx="0" cy="0"/>
+          <a:chOff x="0" y="0"/>
+          <a:chExt cx="0" cy="0"/>
+        </a:xfrm>
+      </p:grpSpPr>
+      <p:sp>
+        <p:nvSpPr>
+          <p:cNvPr id="6" name="標題 1">
+            <a:extLst>
+              <a:ext uri="{FF2B5EF4-FFF2-40B4-BE49-F238E27FC236}">
+                <a16:creationId xmlns:a16="http://schemas.microsoft.com/office/drawing/2014/main" id="{09EEAF82-EDFA-40C8-938D-B5DE3E4A05F6}"/>
+              </a:ext>
+            </a:extLst>
+          </p:cNvPr>
+          <p:cNvSpPr txBox="1">
+            <a:spLocks/>
+          </p:cNvSpPr>
+          <p:nvPr/>
+        </p:nvSpPr>
+        <p:spPr>
+          <a:xfrm>
+            <a:off x="4144840" y="334298"/>
+            <a:ext cx="3902319" cy="1095123"/>
+          </a:xfrm>
+          <a:prstGeom prst="rect">
+            <a:avLst/>
+          </a:prstGeom>
+        </p:spPr>
+        <p:txBody>
+          <a:bodyPr vert="horz" lIns="91440" tIns="45720" rIns="91440" bIns="45720" rtlCol="0" anchor="ctr">
+            <a:normAutofit fontScale="92500"/>
+          </a:bodyPr>
+          <a:lstStyle>
+            <a:lvl1pPr algn="l" defTabSz="914400" rtl="0" eaLnBrk="1" latinLnBrk="0" hangingPunct="1">
+              <a:lnSpc>
+                <a:spcPct val="90000"/>
+              </a:lnSpc>
+              <a:spcBef>
+                <a:spcPct val="0"/>
+              </a:spcBef>
+              <a:buNone/>
+              <a:defRPr sz="4400" kern="1200">
+                <a:solidFill>
+                  <a:schemeClr val="tx1"/>
+                </a:solidFill>
+                <a:latin typeface="+mj-lt"/>
+                <a:ea typeface="+mj-ea"/>
+                <a:cs typeface="+mj-cs"/>
+              </a:defRPr>
+            </a:lvl1pPr>
+          </a:lstStyle>
+          <a:p>
+            <a:pPr algn="ctr"/>
+            <a:r>
+              <a:rPr lang="zh-TW" altLang="en-US" sz="4900" dirty="0">
+                <a:solidFill>
+                  <a:srgbClr val="CCDBFD"/>
+                </a:solidFill>
+                <a:latin typeface="Noto Sans CJK TC DemiLight" panose="020B0400000000000000" pitchFamily="34" charset="-120"/>
+                <a:ea typeface="Noto Sans CJK TC DemiLight" panose="020B0400000000000000" pitchFamily="34" charset="-120"/>
+              </a:rPr>
+              <a:t>技術使用 </a:t>
+            </a:r>
+            <a:r>
+              <a:rPr lang="en-US" altLang="zh-TW" sz="4900" dirty="0">
+                <a:solidFill>
+                  <a:srgbClr val="CCDBFD"/>
+                </a:solidFill>
+                <a:latin typeface="Noto Sans CJK TC DemiLight" panose="020B0400000000000000" pitchFamily="34" charset="-120"/>
+                <a:ea typeface="Noto Sans CJK TC DemiLight" panose="020B0400000000000000" pitchFamily="34" charset="-120"/>
+              </a:rPr>
+              <a:t>: Git</a:t>
+            </a:r>
+            <a:endParaRPr lang="en-US" sz="4900" dirty="0">
+              <a:solidFill>
+                <a:srgbClr val="CCDBFD"/>
+              </a:solidFill>
+              <a:latin typeface="Noto Sans CJK TC DemiLight" panose="020B0400000000000000" pitchFamily="34" charset="-120"/>
+              <a:ea typeface="Noto Sans CJK TC DemiLight" panose="020B0400000000000000" pitchFamily="34" charset="-120"/>
+            </a:endParaRPr>
+          </a:p>
+        </p:txBody>
+      </p:sp>
+      <p:pic>
+        <p:nvPicPr>
+          <p:cNvPr id="7" name="圖片 6">
+            <a:extLst>
+              <a:ext uri="{FF2B5EF4-FFF2-40B4-BE49-F238E27FC236}">
+                <a16:creationId xmlns:a16="http://schemas.microsoft.com/office/drawing/2014/main" id="{0987AF65-79A0-4F86-97F0-040A3B26520E}"/>
+              </a:ext>
+            </a:extLst>
+          </p:cNvPr>
+          <p:cNvPicPr>
+            <a:picLocks noChangeAspect="1"/>
+          </p:cNvPicPr>
+          <p:nvPr/>
+        </p:nvPicPr>
+        <p:blipFill>
+          <a:blip r:embed="rId2"/>
+          <a:stretch>
+            <a:fillRect/>
+          </a:stretch>
+        </p:blipFill>
+        <p:spPr>
+          <a:xfrm>
+            <a:off x="2577150" y="1429421"/>
+            <a:ext cx="7037699" cy="5094281"/>
+          </a:xfrm>
+          <a:prstGeom prst="rect">
+            <a:avLst/>
+          </a:prstGeom>
+        </p:spPr>
+      </p:pic>
+    </p:spTree>
+    <p:extLst>
+      <p:ext uri="{BB962C8B-B14F-4D97-AF65-F5344CB8AC3E}">
+        <p14:creationId xmlns:p14="http://schemas.microsoft.com/office/powerpoint/2010/main" val="1892940700"/>
+      </p:ext>
+    </p:extLst>
+  </p:cSld>
+  <p:clrMapOvr>
+    <a:masterClrMapping/>
+  </p:clrMapOvr>
+</p:sld>
+</file>
+
+<file path=ppt/slides/slide12.xml><?xml version="1.0" encoding="utf-8"?>
+<p:sld xmlns:a="http://schemas.openxmlformats.org/drawingml/2006/main" xmlns:r="http://schemas.openxmlformats.org/officeDocument/2006/relationships" xmlns:p="http://schemas.openxmlformats.org/presentationml/2006/main">
+  <p:cSld>
+    <p:spTree>
+      <p:nvGrpSpPr>
+        <p:cNvPr id="1" name=""/>
+        <p:cNvGrpSpPr/>
+        <p:nvPr/>
+      </p:nvGrpSpPr>
+      <p:grpSpPr>
+        <a:xfrm>
+          <a:off x="0" y="0"/>
+          <a:ext cx="0" cy="0"/>
+          <a:chOff x="0" y="0"/>
+          <a:chExt cx="0" cy="0"/>
+        </a:xfrm>
+      </p:grpSpPr>
+      <p:sp>
+        <p:nvSpPr>
+          <p:cNvPr id="2" name="標題 1">
+            <a:extLst>
+              <a:ext uri="{FF2B5EF4-FFF2-40B4-BE49-F238E27FC236}">
+                <a16:creationId xmlns:a16="http://schemas.microsoft.com/office/drawing/2014/main" id="{74EFE9D5-6EA7-4022-BD8B-A0E773A5A037}"/>
+              </a:ext>
+            </a:extLst>
+          </p:cNvPr>
+          <p:cNvSpPr>
+            <a:spLocks noGrp="1"/>
+          </p:cNvSpPr>
+          <p:nvPr>
+            <p:ph type="title"/>
+          </p:nvPr>
+        </p:nvSpPr>
+        <p:spPr>
+          <a:xfrm>
+            <a:off x="2591414" y="2766218"/>
+            <a:ext cx="7009171" cy="1325563"/>
+          </a:xfrm>
+        </p:spPr>
+        <p:txBody>
+          <a:bodyPr/>
+          <a:lstStyle/>
+          <a:p>
+            <a:r>
+              <a:rPr lang="en-US" dirty="0">
+                <a:solidFill>
+                  <a:srgbClr val="C4A76C"/>
+                </a:solidFill>
+                <a:latin typeface="Friz Quadrata Std" panose="020E0602040504020404" pitchFamily="34" charset="0"/>
+              </a:rPr>
+              <a:t>THANK YOU FOR WATCH !</a:t>
+            </a:r>
+          </a:p>
+        </p:txBody>
+      </p:sp>
+    </p:spTree>
+    <p:extLst>
+      <p:ext uri="{BB962C8B-B14F-4D97-AF65-F5344CB8AC3E}">
+        <p14:creationId xmlns:p14="http://schemas.microsoft.com/office/powerpoint/2010/main" val="3478756482"/>
+      </p:ext>
+    </p:extLst>
+  </p:cSld>
+  <p:clrMapOvr>
+    <a:masterClrMapping/>
+  </p:clrMapOvr>
+</p:sld>
+</file>
+
 <file path=ppt/slides/slide2.xml><?xml version="1.0" encoding="utf-8"?>
 <p:sld xmlns:a="http://schemas.openxmlformats.org/drawingml/2006/main" xmlns:r="http://schemas.openxmlformats.org/officeDocument/2006/relationships" xmlns:p="http://schemas.openxmlformats.org/presentationml/2006/main">
   <p:cSld>

--- a/企劃書.pptx
+++ b/企劃書.pptx
@@ -5356,7 +5356,7 @@
         </p:nvSpPr>
         <p:spPr>
           <a:xfrm>
-            <a:off x="343224" y="665473"/>
+            <a:off x="501674" y="665473"/>
             <a:ext cx="5528896" cy="909760"/>
           </a:xfrm>
           <a:prstGeom prst="rect">
@@ -5424,7 +5424,7 @@
         </p:nvSpPr>
         <p:spPr>
           <a:xfrm>
-            <a:off x="6798330" y="665473"/>
+            <a:off x="6709840" y="665473"/>
             <a:ext cx="4739054" cy="909760"/>
           </a:xfrm>
           <a:prstGeom prst="rect">
@@ -7520,8 +7520,8 @@
         </p:nvSpPr>
         <p:spPr>
           <a:xfrm>
-            <a:off x="2412087" y="2256702"/>
-            <a:ext cx="7317129" cy="2249655"/>
+            <a:off x="3277327" y="2441824"/>
+            <a:ext cx="5935500" cy="2249655"/>
           </a:xfrm>
           <a:prstGeom prst="rect">
             <a:avLst/>

--- a/企劃書.pptx
+++ b/企劃書.pptx
@@ -15,8 +15,9 @@
     <p:sldId id="263" r:id="rId9"/>
     <p:sldId id="264" r:id="rId10"/>
     <p:sldId id="257" r:id="rId11"/>
-    <p:sldId id="267" r:id="rId12"/>
-    <p:sldId id="268" r:id="rId13"/>
+    <p:sldId id="269" r:id="rId12"/>
+    <p:sldId id="267" r:id="rId13"/>
+    <p:sldId id="268" r:id="rId14"/>
   </p:sldIdLst>
   <p:sldSz cx="12192000" cy="6858000"/>
   <p:notesSz cx="6858000" cy="9144000"/>
@@ -3417,10 +3418,27 @@
                     </a:prstClr>
                   </a:innerShdw>
                 </a:effectLst>
+                <a:latin typeface="Friz Quadrata Std" panose="020E0602040504020404" pitchFamily="34" charset="0"/>
+                <a:ea typeface="Noto Sans CJK TC Medium" panose="020B0600000000000000" pitchFamily="34" charset="-120"/>
+              </a:rPr>
+              <a:t>107590005</a:t>
+            </a:r>
+            <a:r>
+              <a:rPr lang="en-US" dirty="0">
+                <a:solidFill>
+                  <a:schemeClr val="bg1"/>
+                </a:solidFill>
+                <a:effectLst>
+                  <a:innerShdw blurRad="63500" dist="50800" dir="13500000">
+                    <a:prstClr val="black">
+                      <a:alpha val="50000"/>
+                    </a:prstClr>
+                  </a:innerShdw>
+                </a:effectLst>
                 <a:latin typeface="Noto Sans CJK TC Medium" panose="020B0600000000000000" pitchFamily="34" charset="-120"/>
                 <a:ea typeface="Noto Sans CJK TC Medium" panose="020B0600000000000000" pitchFamily="34" charset="-120"/>
               </a:rPr>
-              <a:t>107590005 </a:t>
+              <a:t> </a:t>
             </a:r>
             <a:r>
               <a:rPr lang="zh-TW" altLang="en-US" dirty="0">
@@ -3756,7 +3774,7 @@
                     </a:prstClr>
                   </a:innerShdw>
                 </a:effectLst>
-                <a:latin typeface="Noto Sans CJK TC Medium" panose="020B0600000000000000" pitchFamily="34" charset="-120"/>
+                <a:latin typeface="Friz Quadrata Std" panose="020E0602040504020404" pitchFamily="34" charset="0"/>
                 <a:ea typeface="Noto Sans CJK TC Medium" panose="020B0600000000000000" pitchFamily="34" charset="-120"/>
                 <a:cs typeface="+mj-cs"/>
               </a:rPr>
@@ -3832,7 +3850,7 @@
                     </a:prstClr>
                   </a:innerShdw>
                 </a:effectLst>
-                <a:latin typeface="Noto Sans CJK TC Medium" panose="020B0600000000000000" pitchFamily="34" charset="-120"/>
+                <a:latin typeface="Friz Quadrata Std" panose="020E0602040504020404" pitchFamily="34" charset="0"/>
                 <a:ea typeface="Noto Sans CJK TC Medium" panose="020B0600000000000000" pitchFamily="34" charset="-120"/>
               </a:rPr>
               <a:t>107590007</a:t>
@@ -3906,7 +3924,7 @@
                     </a:prstClr>
                   </a:innerShdw>
                 </a:effectLst>
-                <a:latin typeface="Noto Sans CJK TC Medium" panose="020B0600000000000000" pitchFamily="34" charset="-120"/>
+                <a:latin typeface="Friz Quadrata Std" panose="020E0602040504020404" pitchFamily="34" charset="0"/>
                 <a:ea typeface="Noto Sans CJK TC Medium" panose="020B0600000000000000" pitchFamily="34" charset="-120"/>
               </a:rPr>
               <a:t>107590028</a:t>
@@ -4242,7 +4260,7 @@
             </a:fontRef>
           </p:style>
           <p:txBody>
-            <a:bodyPr rtlCol="0" anchor="t"/>
+            <a:bodyPr tIns="274320" rtlCol="0" anchor="t"/>
             <a:lstStyle/>
             <a:p>
               <a:pPr>
@@ -4260,20 +4278,6 @@
                 </a:rPr>
                 <a:t>#CCDBFD</a:t>
               </a:r>
-            </a:p>
-            <a:p>
-              <a:pPr>
-                <a:lnSpc>
-                  <a:spcPct val="150000"/>
-                </a:lnSpc>
-              </a:pPr>
-              <a:endParaRPr lang="en-US" altLang="zh-TW" sz="2000" b="1" spc="300" dirty="0">
-                <a:solidFill>
-                  <a:srgbClr val="CCDBFD"/>
-                </a:solidFill>
-                <a:latin typeface="Noto Sans CJK TC DemiLight" panose="020B0400000000000000" pitchFamily="34" charset="-120"/>
-                <a:ea typeface="Noto Sans CJK TC DemiLight" panose="020B0400000000000000" pitchFamily="34" charset="-120"/>
-              </a:endParaRPr>
             </a:p>
             <a:p>
               <a:pPr>
@@ -4871,6 +4875,1018 @@
       </p:grpSpPr>
       <p:sp>
         <p:nvSpPr>
+          <p:cNvPr id="4" name="標題 1">
+            <a:extLst>
+              <a:ext uri="{FF2B5EF4-FFF2-40B4-BE49-F238E27FC236}">
+                <a16:creationId xmlns:a16="http://schemas.microsoft.com/office/drawing/2014/main" id="{8A2B8A1A-EDBE-4FBD-9895-E38EE3735A34}"/>
+              </a:ext>
+            </a:extLst>
+          </p:cNvPr>
+          <p:cNvSpPr txBox="1">
+            <a:spLocks/>
+          </p:cNvSpPr>
+          <p:nvPr/>
+        </p:nvSpPr>
+        <p:spPr>
+          <a:xfrm>
+            <a:off x="4144840" y="327194"/>
+            <a:ext cx="3902319" cy="1095123"/>
+          </a:xfrm>
+          <a:prstGeom prst="rect">
+            <a:avLst/>
+          </a:prstGeom>
+        </p:spPr>
+        <p:txBody>
+          <a:bodyPr vert="horz" lIns="91440" tIns="45720" rIns="91440" bIns="45720" rtlCol="0" anchor="ctr">
+            <a:normAutofit/>
+          </a:bodyPr>
+          <a:lstStyle>
+            <a:lvl1pPr algn="l" defTabSz="914400" rtl="0" eaLnBrk="1" latinLnBrk="0" hangingPunct="1">
+              <a:lnSpc>
+                <a:spcPct val="90000"/>
+              </a:lnSpc>
+              <a:spcBef>
+                <a:spcPct val="0"/>
+              </a:spcBef>
+              <a:buNone/>
+              <a:defRPr sz="4400" kern="1200">
+                <a:solidFill>
+                  <a:schemeClr val="tx1"/>
+                </a:solidFill>
+                <a:latin typeface="+mj-lt"/>
+                <a:ea typeface="+mj-ea"/>
+                <a:cs typeface="+mj-cs"/>
+              </a:defRPr>
+            </a:lvl1pPr>
+          </a:lstStyle>
+          <a:p>
+            <a:pPr algn="ctr"/>
+            <a:r>
+              <a:rPr lang="en-US" altLang="zh-TW" sz="4900" dirty="0">
+                <a:solidFill>
+                  <a:srgbClr val="CCDBFD"/>
+                </a:solidFill>
+                <a:latin typeface="Friz Quadrata Std" panose="020E0602040504020404" pitchFamily="34" charset="0"/>
+                <a:ea typeface="Noto Sans CJK TC DemiLight" panose="020B0400000000000000" pitchFamily="34" charset="-120"/>
+              </a:rPr>
+              <a:t>Nav</a:t>
+            </a:r>
+            <a:r>
+              <a:rPr lang="zh-TW" altLang="en-US" sz="4900" dirty="0">
+                <a:solidFill>
+                  <a:srgbClr val="CCDBFD"/>
+                </a:solidFill>
+                <a:latin typeface="Noto Sans CJK TC DemiLight" panose="020B0400000000000000" pitchFamily="34" charset="-120"/>
+                <a:ea typeface="Noto Sans CJK TC DemiLight" panose="020B0400000000000000" pitchFamily="34" charset="-120"/>
+              </a:rPr>
+              <a:t>視覺回饋</a:t>
+            </a:r>
+            <a:endParaRPr lang="en-US" sz="4900" dirty="0">
+              <a:solidFill>
+                <a:srgbClr val="CCDBFD"/>
+              </a:solidFill>
+              <a:latin typeface="Noto Sans CJK TC DemiLight" panose="020B0400000000000000" pitchFamily="34" charset="-120"/>
+              <a:ea typeface="Noto Sans CJK TC DemiLight" panose="020B0400000000000000" pitchFamily="34" charset="-120"/>
+            </a:endParaRPr>
+          </a:p>
+        </p:txBody>
+      </p:sp>
+      <p:grpSp>
+        <p:nvGrpSpPr>
+          <p:cNvPr id="21" name="群組 20">
+            <a:extLst>
+              <a:ext uri="{FF2B5EF4-FFF2-40B4-BE49-F238E27FC236}">
+                <a16:creationId xmlns:a16="http://schemas.microsoft.com/office/drawing/2014/main" id="{A2C82CC2-6050-4756-904C-1C1BCB35F384}"/>
+              </a:ext>
+            </a:extLst>
+          </p:cNvPr>
+          <p:cNvGrpSpPr/>
+          <p:nvPr/>
+        </p:nvGrpSpPr>
+        <p:grpSpPr>
+          <a:xfrm>
+            <a:off x="7853491" y="3157438"/>
+            <a:ext cx="2790656" cy="3099121"/>
+            <a:chOff x="6726969" y="3429000"/>
+            <a:chExt cx="2790656" cy="3099121"/>
+          </a:xfrm>
+        </p:grpSpPr>
+        <p:sp>
+          <p:nvSpPr>
+            <p:cNvPr id="11" name="矩形: 圓角 10">
+              <a:extLst>
+                <a:ext uri="{FF2B5EF4-FFF2-40B4-BE49-F238E27FC236}">
+                  <a16:creationId xmlns:a16="http://schemas.microsoft.com/office/drawing/2014/main" id="{B68455BE-594D-4A0B-8E87-FE410F9927C4}"/>
+                </a:ext>
+              </a:extLst>
+            </p:cNvPr>
+            <p:cNvSpPr/>
+            <p:nvPr/>
+          </p:nvSpPr>
+          <p:spPr>
+            <a:xfrm>
+              <a:off x="6726969" y="3429000"/>
+              <a:ext cx="2790656" cy="3099121"/>
+            </a:xfrm>
+            <a:prstGeom prst="roundRect">
+              <a:avLst>
+                <a:gd name="adj" fmla="val 3252"/>
+              </a:avLst>
+            </a:prstGeom>
+            <a:solidFill>
+              <a:srgbClr val="A6A6A6"/>
+            </a:solidFill>
+            <a:ln>
+              <a:noFill/>
+            </a:ln>
+          </p:spPr>
+          <p:style>
+            <a:lnRef idx="2">
+              <a:schemeClr val="accent1">
+                <a:shade val="50000"/>
+              </a:schemeClr>
+            </a:lnRef>
+            <a:fillRef idx="1">
+              <a:schemeClr val="accent1"/>
+            </a:fillRef>
+            <a:effectRef idx="0">
+              <a:schemeClr val="accent1"/>
+            </a:effectRef>
+            <a:fontRef idx="minor">
+              <a:schemeClr val="lt1"/>
+            </a:fontRef>
+          </p:style>
+          <p:txBody>
+            <a:bodyPr rtlCol="0" anchor="t"/>
+            <a:lstStyle/>
+            <a:p>
+              <a:pPr algn="ctr"/>
+              <a:endParaRPr lang="en-US" altLang="zh-TW" sz="2000" dirty="0">
+                <a:latin typeface="Noto Sans CJK TC Medium" panose="020B0600000000000000" pitchFamily="34" charset="-120"/>
+                <a:ea typeface="Noto Sans CJK TC Medium" panose="020B0600000000000000" pitchFamily="34" charset="-120"/>
+              </a:endParaRPr>
+            </a:p>
+            <a:p>
+              <a:pPr algn="ctr"/>
+              <a:r>
+                <a:rPr lang="zh-TW" altLang="en-US" sz="2000" dirty="0">
+                  <a:latin typeface="Noto Sans CJK TC Medium" panose="020B0600000000000000" pitchFamily="34" charset="-120"/>
+                  <a:ea typeface="Noto Sans CJK TC Medium" panose="020B0600000000000000" pitchFamily="34" charset="-120"/>
+                </a:rPr>
+                <a:t>未選取</a:t>
+              </a:r>
+              <a:r>
+                <a:rPr lang="en-US" altLang="zh-TW" sz="2000" dirty="0">
+                  <a:latin typeface="Noto Sans CJK TC Medium" panose="020B0600000000000000" pitchFamily="34" charset="-120"/>
+                  <a:ea typeface="Noto Sans CJK TC Medium" panose="020B0600000000000000" pitchFamily="34" charset="-120"/>
+                </a:rPr>
+                <a:t>(</a:t>
+              </a:r>
+              <a:r>
+                <a:rPr lang="zh-TW" altLang="en-US" sz="2000" dirty="0">
+                  <a:latin typeface="Noto Sans CJK TC Medium" panose="020B0600000000000000" pitchFamily="34" charset="-120"/>
+                  <a:ea typeface="Noto Sans CJK TC Medium" panose="020B0600000000000000" pitchFamily="34" charset="-120"/>
+                </a:rPr>
+                <a:t>無鼠標</a:t>
+              </a:r>
+              <a:r>
+                <a:rPr lang="en-US" altLang="zh-TW" sz="2000" dirty="0">
+                  <a:latin typeface="Noto Sans CJK TC Medium" panose="020B0600000000000000" pitchFamily="34" charset="-120"/>
+                  <a:ea typeface="Noto Sans CJK TC Medium" panose="020B0600000000000000" pitchFamily="34" charset="-120"/>
+                </a:rPr>
+                <a:t>)</a:t>
+              </a:r>
+              <a:endParaRPr lang="en-US" sz="2000" dirty="0">
+                <a:latin typeface="Noto Sans CJK TC Medium" panose="020B0600000000000000" pitchFamily="34" charset="-120"/>
+                <a:ea typeface="Noto Sans CJK TC Medium" panose="020B0600000000000000" pitchFamily="34" charset="-120"/>
+              </a:endParaRPr>
+            </a:p>
+          </p:txBody>
+        </p:sp>
+        <p:grpSp>
+          <p:nvGrpSpPr>
+            <p:cNvPr id="10" name="群組 9">
+              <a:extLst>
+                <a:ext uri="{FF2B5EF4-FFF2-40B4-BE49-F238E27FC236}">
+                  <a16:creationId xmlns:a16="http://schemas.microsoft.com/office/drawing/2014/main" id="{73B66350-734D-45CB-8DF9-17ACA4466411}"/>
+                </a:ext>
+              </a:extLst>
+            </p:cNvPr>
+            <p:cNvGrpSpPr/>
+            <p:nvPr/>
+          </p:nvGrpSpPr>
+          <p:grpSpPr>
+            <a:xfrm>
+              <a:off x="7128748" y="4252573"/>
+              <a:ext cx="2026714" cy="1728442"/>
+              <a:chOff x="4092038" y="3230556"/>
+              <a:chExt cx="2026714" cy="1728442"/>
+            </a:xfrm>
+          </p:grpSpPr>
+          <p:sp>
+            <p:nvSpPr>
+              <p:cNvPr id="5" name="矩形 4">
+                <a:extLst>
+                  <a:ext uri="{FF2B5EF4-FFF2-40B4-BE49-F238E27FC236}">
+                    <a16:creationId xmlns:a16="http://schemas.microsoft.com/office/drawing/2014/main" id="{91EA9A19-039A-49D1-AEB6-8E756CCD3BAE}"/>
+                  </a:ext>
+                </a:extLst>
+              </p:cNvPr>
+              <p:cNvSpPr/>
+              <p:nvPr/>
+            </p:nvSpPr>
+            <p:spPr>
+              <a:xfrm>
+                <a:off x="4092038" y="3230556"/>
+                <a:ext cx="2020824" cy="817131"/>
+              </a:xfrm>
+              <a:prstGeom prst="rect">
+                <a:avLst/>
+              </a:prstGeom>
+              <a:solidFill>
+                <a:srgbClr val="CCCCCC"/>
+              </a:solidFill>
+              <a:ln>
+                <a:noFill/>
+              </a:ln>
+            </p:spPr>
+            <p:style>
+              <a:lnRef idx="2">
+                <a:schemeClr val="accent1">
+                  <a:shade val="50000"/>
+                </a:schemeClr>
+              </a:lnRef>
+              <a:fillRef idx="1">
+                <a:schemeClr val="accent1"/>
+              </a:fillRef>
+              <a:effectRef idx="0">
+                <a:schemeClr val="accent1"/>
+              </a:effectRef>
+              <a:fontRef idx="minor">
+                <a:schemeClr val="lt1"/>
+              </a:fontRef>
+            </p:style>
+            <p:txBody>
+              <a:bodyPr rtlCol="0" anchor="ctr"/>
+              <a:lstStyle/>
+              <a:p>
+                <a:pPr algn="ctr"/>
+                <a:r>
+                  <a:rPr lang="en-US" sz="2400" dirty="0">
+                    <a:solidFill>
+                      <a:schemeClr val="tx1"/>
+                    </a:solidFill>
+                    <a:latin typeface="Noto Sans CJK TC DemiLight" panose="020B0400000000000000" pitchFamily="34" charset="-120"/>
+                    <a:ea typeface="Noto Sans CJK TC DemiLight" panose="020B0400000000000000" pitchFamily="34" charset="-120"/>
+                  </a:rPr>
+                  <a:t>font</a:t>
+                </a:r>
+                <a:endParaRPr lang="en-US" sz="2400" dirty="0">
+                  <a:solidFill>
+                    <a:srgbClr val="CCCCCC"/>
+                  </a:solidFill>
+                </a:endParaRPr>
+              </a:p>
+            </p:txBody>
+          </p:sp>
+          <p:sp>
+            <p:nvSpPr>
+              <p:cNvPr id="7" name="矩形 6">
+                <a:extLst>
+                  <a:ext uri="{FF2B5EF4-FFF2-40B4-BE49-F238E27FC236}">
+                    <a16:creationId xmlns:a16="http://schemas.microsoft.com/office/drawing/2014/main" id="{D4948D82-D655-45B7-93E8-8FC6EEA2CEB8}"/>
+                  </a:ext>
+                </a:extLst>
+              </p:cNvPr>
+              <p:cNvSpPr/>
+              <p:nvPr/>
+            </p:nvSpPr>
+            <p:spPr>
+              <a:xfrm>
+                <a:off x="4097928" y="4141867"/>
+                <a:ext cx="2020824" cy="817131"/>
+              </a:xfrm>
+              <a:prstGeom prst="rect">
+                <a:avLst/>
+              </a:prstGeom>
+              <a:solidFill>
+                <a:srgbClr val="17172E"/>
+              </a:solidFill>
+              <a:ln>
+                <a:noFill/>
+              </a:ln>
+            </p:spPr>
+            <p:style>
+              <a:lnRef idx="2">
+                <a:schemeClr val="accent1">
+                  <a:shade val="50000"/>
+                </a:schemeClr>
+              </a:lnRef>
+              <a:fillRef idx="1">
+                <a:schemeClr val="accent1"/>
+              </a:fillRef>
+              <a:effectRef idx="0">
+                <a:schemeClr val="accent1"/>
+              </a:effectRef>
+              <a:fontRef idx="minor">
+                <a:schemeClr val="lt1"/>
+              </a:fontRef>
+            </p:style>
+            <p:txBody>
+              <a:bodyPr rtlCol="0" anchor="ctr"/>
+              <a:lstStyle/>
+              <a:p>
+                <a:pPr algn="ctr"/>
+                <a:r>
+                  <a:rPr lang="en-US" dirty="0">
+                    <a:solidFill>
+                      <a:schemeClr val="bg1"/>
+                    </a:solidFill>
+                    <a:latin typeface="Noto Sans CJK TC DemiLight" panose="020B0400000000000000" pitchFamily="34" charset="-120"/>
+                    <a:ea typeface="Noto Sans CJK TC DemiLight" panose="020B0400000000000000" pitchFamily="34" charset="-120"/>
+                  </a:rPr>
+                  <a:t>background</a:t>
+                </a:r>
+              </a:p>
+            </p:txBody>
+          </p:sp>
+        </p:grpSp>
+      </p:grpSp>
+      <p:pic>
+        <p:nvPicPr>
+          <p:cNvPr id="8" name="圖片 7">
+            <a:extLst>
+              <a:ext uri="{FF2B5EF4-FFF2-40B4-BE49-F238E27FC236}">
+                <a16:creationId xmlns:a16="http://schemas.microsoft.com/office/drawing/2014/main" id="{8E19B8EE-9CFA-4935-941B-8E84D627C39C}"/>
+              </a:ext>
+            </a:extLst>
+          </p:cNvPr>
+          <p:cNvPicPr>
+            <a:picLocks noChangeAspect="1"/>
+          </p:cNvPicPr>
+          <p:nvPr/>
+        </p:nvPicPr>
+        <p:blipFill rotWithShape="1">
+          <a:blip r:embed="rId2"/>
+          <a:srcRect l="23952" t="8769" r="57167" b="78496"/>
+          <a:stretch/>
+        </p:blipFill>
+        <p:spPr>
+          <a:xfrm>
+            <a:off x="1769456" y="1913626"/>
+            <a:ext cx="2301944" cy="873399"/>
+          </a:xfrm>
+          <a:prstGeom prst="rect">
+            <a:avLst/>
+          </a:prstGeom>
+        </p:spPr>
+      </p:pic>
+      <p:grpSp>
+        <p:nvGrpSpPr>
+          <p:cNvPr id="20" name="群組 19">
+            <a:extLst>
+              <a:ext uri="{FF2B5EF4-FFF2-40B4-BE49-F238E27FC236}">
+                <a16:creationId xmlns:a16="http://schemas.microsoft.com/office/drawing/2014/main" id="{9555AB8C-318D-4533-B876-C7C23BD97485}"/>
+              </a:ext>
+            </a:extLst>
+          </p:cNvPr>
+          <p:cNvGrpSpPr/>
+          <p:nvPr/>
+        </p:nvGrpSpPr>
+        <p:grpSpPr>
+          <a:xfrm>
+            <a:off x="4700672" y="3157437"/>
+            <a:ext cx="2790656" cy="3099121"/>
+            <a:chOff x="2674373" y="3428999"/>
+            <a:chExt cx="2790656" cy="3099121"/>
+          </a:xfrm>
+        </p:grpSpPr>
+        <p:sp>
+          <p:nvSpPr>
+            <p:cNvPr id="12" name="矩形: 圓角 11">
+              <a:extLst>
+                <a:ext uri="{FF2B5EF4-FFF2-40B4-BE49-F238E27FC236}">
+                  <a16:creationId xmlns:a16="http://schemas.microsoft.com/office/drawing/2014/main" id="{F7BF0571-271F-4B47-8806-C1098C522F6B}"/>
+                </a:ext>
+              </a:extLst>
+            </p:cNvPr>
+            <p:cNvSpPr/>
+            <p:nvPr/>
+          </p:nvSpPr>
+          <p:spPr>
+            <a:xfrm>
+              <a:off x="2674373" y="3428999"/>
+              <a:ext cx="2790656" cy="3099121"/>
+            </a:xfrm>
+            <a:prstGeom prst="roundRect">
+              <a:avLst>
+                <a:gd name="adj" fmla="val 3252"/>
+              </a:avLst>
+            </a:prstGeom>
+            <a:solidFill>
+              <a:srgbClr val="A6A6A6"/>
+            </a:solidFill>
+            <a:ln>
+              <a:noFill/>
+            </a:ln>
+          </p:spPr>
+          <p:style>
+            <a:lnRef idx="2">
+              <a:schemeClr val="accent1">
+                <a:shade val="50000"/>
+              </a:schemeClr>
+            </a:lnRef>
+            <a:fillRef idx="1">
+              <a:schemeClr val="accent1"/>
+            </a:fillRef>
+            <a:effectRef idx="0">
+              <a:schemeClr val="accent1"/>
+            </a:effectRef>
+            <a:fontRef idx="minor">
+              <a:schemeClr val="lt1"/>
+            </a:fontRef>
+          </p:style>
+          <p:txBody>
+            <a:bodyPr rtlCol="0" anchor="t"/>
+            <a:lstStyle/>
+            <a:p>
+              <a:pPr algn="ctr"/>
+              <a:endParaRPr lang="en-US" altLang="zh-TW" sz="2000" dirty="0">
+                <a:latin typeface="Noto Sans CJK TC Medium" panose="020B0600000000000000" pitchFamily="34" charset="-120"/>
+                <a:ea typeface="Noto Sans CJK TC Medium" panose="020B0600000000000000" pitchFamily="34" charset="-120"/>
+              </a:endParaRPr>
+            </a:p>
+            <a:p>
+              <a:pPr algn="ctr"/>
+              <a:r>
+                <a:rPr lang="zh-TW" altLang="en-US" sz="2000" dirty="0">
+                  <a:latin typeface="Noto Sans CJK TC Medium" panose="020B0600000000000000" pitchFamily="34" charset="-120"/>
+                  <a:ea typeface="Noto Sans CJK TC Medium" panose="020B0600000000000000" pitchFamily="34" charset="-120"/>
+                </a:rPr>
+                <a:t>未選取 </a:t>
+              </a:r>
+              <a:r>
+                <a:rPr lang="en-US" altLang="zh-TW" sz="2000" dirty="0">
+                  <a:latin typeface="Noto Sans CJK TC Medium" panose="020B0600000000000000" pitchFamily="34" charset="-120"/>
+                  <a:ea typeface="Noto Sans CJK TC Medium" panose="020B0600000000000000" pitchFamily="34" charset="-120"/>
+                </a:rPr>
+                <a:t>(</a:t>
+              </a:r>
+              <a:r>
+                <a:rPr lang="zh-TW" altLang="en-US" sz="2000" dirty="0">
+                  <a:latin typeface="Noto Sans CJK TC Medium" panose="020B0600000000000000" pitchFamily="34" charset="-120"/>
+                  <a:ea typeface="Noto Sans CJK TC Medium" panose="020B0600000000000000" pitchFamily="34" charset="-120"/>
+                </a:rPr>
+                <a:t>有鼠標</a:t>
+              </a:r>
+              <a:r>
+                <a:rPr lang="en-US" altLang="zh-TW" sz="2000" dirty="0">
+                  <a:latin typeface="Noto Sans CJK TC Medium" panose="020B0600000000000000" pitchFamily="34" charset="-120"/>
+                  <a:ea typeface="Noto Sans CJK TC Medium" panose="020B0600000000000000" pitchFamily="34" charset="-120"/>
+                </a:rPr>
+                <a:t>)</a:t>
+              </a:r>
+              <a:endParaRPr lang="en-US" sz="2000" dirty="0">
+                <a:latin typeface="Noto Sans CJK TC Medium" panose="020B0600000000000000" pitchFamily="34" charset="-120"/>
+                <a:ea typeface="Noto Sans CJK TC Medium" panose="020B0600000000000000" pitchFamily="34" charset="-120"/>
+              </a:endParaRPr>
+            </a:p>
+          </p:txBody>
+        </p:sp>
+        <p:sp>
+          <p:nvSpPr>
+            <p:cNvPr id="6" name="矩形 5">
+              <a:extLst>
+                <a:ext uri="{FF2B5EF4-FFF2-40B4-BE49-F238E27FC236}">
+                  <a16:creationId xmlns:a16="http://schemas.microsoft.com/office/drawing/2014/main" id="{BF8E4218-528C-4164-B082-D840AC2BBB47}"/>
+                </a:ext>
+              </a:extLst>
+            </p:cNvPr>
+            <p:cNvSpPr/>
+            <p:nvPr/>
+          </p:nvSpPr>
+          <p:spPr>
+            <a:xfrm>
+              <a:off x="3059289" y="4254910"/>
+              <a:ext cx="2020824" cy="814794"/>
+            </a:xfrm>
+            <a:prstGeom prst="rect">
+              <a:avLst/>
+            </a:prstGeom>
+            <a:solidFill>
+              <a:schemeClr val="bg1"/>
+            </a:solidFill>
+            <a:ln>
+              <a:noFill/>
+            </a:ln>
+          </p:spPr>
+          <p:style>
+            <a:lnRef idx="2">
+              <a:schemeClr val="accent1">
+                <a:shade val="50000"/>
+              </a:schemeClr>
+            </a:lnRef>
+            <a:fillRef idx="1">
+              <a:schemeClr val="accent1"/>
+            </a:fillRef>
+            <a:effectRef idx="0">
+              <a:schemeClr val="accent1"/>
+            </a:effectRef>
+            <a:fontRef idx="minor">
+              <a:schemeClr val="lt1"/>
+            </a:fontRef>
+          </p:style>
+          <p:txBody>
+            <a:bodyPr rtlCol="0" anchor="ctr"/>
+            <a:lstStyle/>
+            <a:p>
+              <a:pPr algn="ctr"/>
+              <a:r>
+                <a:rPr lang="en-US" sz="2400" dirty="0">
+                  <a:solidFill>
+                    <a:schemeClr val="tx1"/>
+                  </a:solidFill>
+                  <a:latin typeface="Noto Sans CJK TC DemiLight" panose="020B0400000000000000" pitchFamily="34" charset="-120"/>
+                  <a:ea typeface="Noto Sans CJK TC DemiLight" panose="020B0400000000000000" pitchFamily="34" charset="-120"/>
+                </a:rPr>
+                <a:t>font</a:t>
+              </a:r>
+            </a:p>
+          </p:txBody>
+        </p:sp>
+        <p:sp>
+          <p:nvSpPr>
+            <p:cNvPr id="19" name="矩形 18">
+              <a:extLst>
+                <a:ext uri="{FF2B5EF4-FFF2-40B4-BE49-F238E27FC236}">
+                  <a16:creationId xmlns:a16="http://schemas.microsoft.com/office/drawing/2014/main" id="{9A93881B-2D98-4A31-A949-523E751544B4}"/>
+                </a:ext>
+              </a:extLst>
+            </p:cNvPr>
+            <p:cNvSpPr/>
+            <p:nvPr/>
+          </p:nvSpPr>
+          <p:spPr>
+            <a:xfrm>
+              <a:off x="3059289" y="5166222"/>
+              <a:ext cx="2020824" cy="814794"/>
+            </a:xfrm>
+            <a:prstGeom prst="rect">
+              <a:avLst/>
+            </a:prstGeom>
+            <a:solidFill>
+              <a:srgbClr val="17172E"/>
+            </a:solidFill>
+            <a:ln>
+              <a:noFill/>
+            </a:ln>
+          </p:spPr>
+          <p:style>
+            <a:lnRef idx="2">
+              <a:schemeClr val="accent1">
+                <a:shade val="50000"/>
+              </a:schemeClr>
+            </a:lnRef>
+            <a:fillRef idx="1">
+              <a:schemeClr val="accent1"/>
+            </a:fillRef>
+            <a:effectRef idx="0">
+              <a:schemeClr val="accent1"/>
+            </a:effectRef>
+            <a:fontRef idx="minor">
+              <a:schemeClr val="lt1"/>
+            </a:fontRef>
+          </p:style>
+          <p:txBody>
+            <a:bodyPr rtlCol="0" anchor="ctr"/>
+            <a:lstStyle/>
+            <a:p>
+              <a:pPr algn="ctr"/>
+              <a:r>
+                <a:rPr lang="en-US" dirty="0">
+                  <a:solidFill>
+                    <a:schemeClr val="bg1"/>
+                  </a:solidFill>
+                  <a:latin typeface="Noto Sans CJK TC DemiLight" panose="020B0400000000000000" pitchFamily="34" charset="-120"/>
+                  <a:ea typeface="Noto Sans CJK TC DemiLight" panose="020B0400000000000000" pitchFamily="34" charset="-120"/>
+                </a:rPr>
+                <a:t>background</a:t>
+              </a:r>
+            </a:p>
+          </p:txBody>
+        </p:sp>
+      </p:grpSp>
+      <p:grpSp>
+        <p:nvGrpSpPr>
+          <p:cNvPr id="27" name="群組 26">
+            <a:extLst>
+              <a:ext uri="{FF2B5EF4-FFF2-40B4-BE49-F238E27FC236}">
+                <a16:creationId xmlns:a16="http://schemas.microsoft.com/office/drawing/2014/main" id="{8F865849-C415-4E12-BD67-57FE82A09C50}"/>
+              </a:ext>
+            </a:extLst>
+          </p:cNvPr>
+          <p:cNvGrpSpPr/>
+          <p:nvPr/>
+        </p:nvGrpSpPr>
+        <p:grpSpPr>
+          <a:xfrm>
+            <a:off x="1525100" y="3157437"/>
+            <a:ext cx="2790656" cy="3099121"/>
+            <a:chOff x="1665308" y="3503941"/>
+            <a:chExt cx="2790656" cy="3099121"/>
+          </a:xfrm>
+        </p:grpSpPr>
+        <p:grpSp>
+          <p:nvGrpSpPr>
+            <p:cNvPr id="22" name="群組 21">
+              <a:extLst>
+                <a:ext uri="{FF2B5EF4-FFF2-40B4-BE49-F238E27FC236}">
+                  <a16:creationId xmlns:a16="http://schemas.microsoft.com/office/drawing/2014/main" id="{EF643B6C-2600-4986-A486-CEB1D5196975}"/>
+                </a:ext>
+              </a:extLst>
+            </p:cNvPr>
+            <p:cNvGrpSpPr/>
+            <p:nvPr/>
+          </p:nvGrpSpPr>
+          <p:grpSpPr>
+            <a:xfrm>
+              <a:off x="1665308" y="3503941"/>
+              <a:ext cx="2790656" cy="3099121"/>
+              <a:chOff x="2674373" y="3428999"/>
+              <a:chExt cx="2790656" cy="3099121"/>
+            </a:xfrm>
+          </p:grpSpPr>
+          <p:sp>
+            <p:nvSpPr>
+              <p:cNvPr id="23" name="矩形: 圓角 22">
+                <a:extLst>
+                  <a:ext uri="{FF2B5EF4-FFF2-40B4-BE49-F238E27FC236}">
+                    <a16:creationId xmlns:a16="http://schemas.microsoft.com/office/drawing/2014/main" id="{C6D451C3-FE03-4A80-AF14-93B77B21BE17}"/>
+                  </a:ext>
+                </a:extLst>
+              </p:cNvPr>
+              <p:cNvSpPr/>
+              <p:nvPr/>
+            </p:nvSpPr>
+            <p:spPr>
+              <a:xfrm>
+                <a:off x="2674373" y="3428999"/>
+                <a:ext cx="2790656" cy="3099121"/>
+              </a:xfrm>
+              <a:prstGeom prst="roundRect">
+                <a:avLst>
+                  <a:gd name="adj" fmla="val 3252"/>
+                </a:avLst>
+              </a:prstGeom>
+              <a:solidFill>
+                <a:srgbClr val="A6A6A6"/>
+              </a:solidFill>
+              <a:ln>
+                <a:noFill/>
+              </a:ln>
+            </p:spPr>
+            <p:style>
+              <a:lnRef idx="2">
+                <a:schemeClr val="accent1">
+                  <a:shade val="50000"/>
+                </a:schemeClr>
+              </a:lnRef>
+              <a:fillRef idx="1">
+                <a:schemeClr val="accent1"/>
+              </a:fillRef>
+              <a:effectRef idx="0">
+                <a:schemeClr val="accent1"/>
+              </a:effectRef>
+              <a:fontRef idx="minor">
+                <a:schemeClr val="lt1"/>
+              </a:fontRef>
+            </p:style>
+            <p:txBody>
+              <a:bodyPr rtlCol="0" anchor="t"/>
+              <a:lstStyle/>
+              <a:p>
+                <a:pPr algn="ctr"/>
+                <a:endParaRPr lang="en-US" altLang="zh-TW" sz="2000" dirty="0">
+                  <a:latin typeface="Noto Sans CJK TC Medium" panose="020B0600000000000000" pitchFamily="34" charset="-120"/>
+                  <a:ea typeface="Noto Sans CJK TC Medium" panose="020B0600000000000000" pitchFamily="34" charset="-120"/>
+                </a:endParaRPr>
+              </a:p>
+              <a:p>
+                <a:pPr algn="ctr"/>
+                <a:r>
+                  <a:rPr lang="zh-TW" altLang="en-US" sz="2000" dirty="0">
+                    <a:latin typeface="Noto Sans CJK TC Medium" panose="020B0600000000000000" pitchFamily="34" charset="-120"/>
+                    <a:ea typeface="Noto Sans CJK TC Medium" panose="020B0600000000000000" pitchFamily="34" charset="-120"/>
+                  </a:rPr>
+                  <a:t>已選取</a:t>
+                </a:r>
+                <a:r>
+                  <a:rPr lang="en-US" altLang="zh-TW" sz="2000" dirty="0">
+                    <a:latin typeface="Noto Sans CJK TC Medium" panose="020B0600000000000000" pitchFamily="34" charset="-120"/>
+                    <a:ea typeface="Noto Sans CJK TC Medium" panose="020B0600000000000000" pitchFamily="34" charset="-120"/>
+                  </a:rPr>
+                  <a:t>(</a:t>
+                </a:r>
+                <a:r>
+                  <a:rPr lang="zh-TW" altLang="en-US" sz="2000" dirty="0">
+                    <a:latin typeface="Noto Sans CJK TC Medium" panose="020B0600000000000000" pitchFamily="34" charset="-120"/>
+                    <a:ea typeface="Noto Sans CJK TC Medium" panose="020B0600000000000000" pitchFamily="34" charset="-120"/>
+                  </a:rPr>
+                  <a:t>不論有無鼠標</a:t>
+                </a:r>
+                <a:r>
+                  <a:rPr lang="en-US" altLang="zh-TW" sz="2000" dirty="0">
+                    <a:latin typeface="Noto Sans CJK TC Medium" panose="020B0600000000000000" pitchFamily="34" charset="-120"/>
+                    <a:ea typeface="Noto Sans CJK TC Medium" panose="020B0600000000000000" pitchFamily="34" charset="-120"/>
+                  </a:rPr>
+                  <a:t>)</a:t>
+                </a:r>
+                <a:endParaRPr lang="en-US" sz="2000" dirty="0">
+                  <a:latin typeface="Noto Sans CJK TC Medium" panose="020B0600000000000000" pitchFamily="34" charset="-120"/>
+                  <a:ea typeface="Noto Sans CJK TC Medium" panose="020B0600000000000000" pitchFamily="34" charset="-120"/>
+                </a:endParaRPr>
+              </a:p>
+            </p:txBody>
+          </p:sp>
+          <p:sp>
+            <p:nvSpPr>
+              <p:cNvPr id="25" name="矩形 24">
+                <a:extLst>
+                  <a:ext uri="{FF2B5EF4-FFF2-40B4-BE49-F238E27FC236}">
+                    <a16:creationId xmlns:a16="http://schemas.microsoft.com/office/drawing/2014/main" id="{44380EDA-814E-4B1B-B8C0-523ADDF3BD50}"/>
+                  </a:ext>
+                </a:extLst>
+              </p:cNvPr>
+              <p:cNvSpPr/>
+              <p:nvPr/>
+            </p:nvSpPr>
+            <p:spPr>
+              <a:xfrm>
+                <a:off x="3059289" y="4860077"/>
+                <a:ext cx="2020824" cy="520873"/>
+              </a:xfrm>
+              <a:prstGeom prst="rect">
+                <a:avLst/>
+              </a:prstGeom>
+              <a:solidFill>
+                <a:srgbClr val="31334A"/>
+              </a:solidFill>
+              <a:ln>
+                <a:noFill/>
+              </a:ln>
+            </p:spPr>
+            <p:style>
+              <a:lnRef idx="2">
+                <a:schemeClr val="accent1">
+                  <a:shade val="50000"/>
+                </a:schemeClr>
+              </a:lnRef>
+              <a:fillRef idx="1">
+                <a:schemeClr val="accent1"/>
+              </a:fillRef>
+              <a:effectRef idx="0">
+                <a:schemeClr val="accent1"/>
+              </a:effectRef>
+              <a:fontRef idx="minor">
+                <a:schemeClr val="lt1"/>
+              </a:fontRef>
+            </p:style>
+            <p:txBody>
+              <a:bodyPr rtlCol="0" anchor="ctr"/>
+              <a:lstStyle/>
+              <a:p>
+                <a:pPr algn="ctr"/>
+                <a:r>
+                  <a:rPr lang="en-US" dirty="0">
+                    <a:solidFill>
+                      <a:schemeClr val="bg1"/>
+                    </a:solidFill>
+                    <a:latin typeface="Noto Sans CJK TC DemiLight" panose="020B0400000000000000" pitchFamily="34" charset="-120"/>
+                    <a:ea typeface="Noto Sans CJK TC DemiLight" panose="020B0400000000000000" pitchFamily="34" charset="-120"/>
+                  </a:rPr>
+                  <a:t>background</a:t>
+                </a:r>
+              </a:p>
+            </p:txBody>
+          </p:sp>
+        </p:grpSp>
+        <p:sp>
+          <p:nvSpPr>
+            <p:cNvPr id="26" name="矩形 25">
+              <a:extLst>
+                <a:ext uri="{FF2B5EF4-FFF2-40B4-BE49-F238E27FC236}">
+                  <a16:creationId xmlns:a16="http://schemas.microsoft.com/office/drawing/2014/main" id="{9A283F16-D100-4D7D-9E65-53DD3B5D05EC}"/>
+                </a:ext>
+              </a:extLst>
+            </p:cNvPr>
+            <p:cNvSpPr/>
+            <p:nvPr/>
+          </p:nvSpPr>
+          <p:spPr>
+            <a:xfrm>
+              <a:off x="2050224" y="4333801"/>
+              <a:ext cx="2020824" cy="520873"/>
+            </a:xfrm>
+            <a:prstGeom prst="rect">
+              <a:avLst/>
+            </a:prstGeom>
+            <a:solidFill>
+              <a:srgbClr val="CCCCCC"/>
+            </a:solidFill>
+            <a:ln>
+              <a:noFill/>
+            </a:ln>
+          </p:spPr>
+          <p:style>
+            <a:lnRef idx="2">
+              <a:schemeClr val="accent1">
+                <a:shade val="50000"/>
+              </a:schemeClr>
+            </a:lnRef>
+            <a:fillRef idx="1">
+              <a:schemeClr val="accent1"/>
+            </a:fillRef>
+            <a:effectRef idx="0">
+              <a:schemeClr val="accent1"/>
+            </a:effectRef>
+            <a:fontRef idx="minor">
+              <a:schemeClr val="lt1"/>
+            </a:fontRef>
+          </p:style>
+          <p:txBody>
+            <a:bodyPr rtlCol="0" anchor="ctr"/>
+            <a:lstStyle/>
+            <a:p>
+              <a:pPr algn="ctr"/>
+              <a:r>
+                <a:rPr lang="en-US" sz="2000" dirty="0">
+                  <a:solidFill>
+                    <a:schemeClr val="tx1"/>
+                  </a:solidFill>
+                  <a:latin typeface="Noto Sans CJK TC DemiLight" panose="020B0400000000000000" pitchFamily="34" charset="-120"/>
+                  <a:ea typeface="Noto Sans CJK TC DemiLight" panose="020B0400000000000000" pitchFamily="34" charset="-120"/>
+                </a:rPr>
+                <a:t>font</a:t>
+              </a:r>
+              <a:endParaRPr lang="en-US" sz="2400" dirty="0">
+                <a:solidFill>
+                  <a:schemeClr val="tx1"/>
+                </a:solidFill>
+                <a:latin typeface="Noto Sans CJK TC DemiLight" panose="020B0400000000000000" pitchFamily="34" charset="-120"/>
+                <a:ea typeface="Noto Sans CJK TC DemiLight" panose="020B0400000000000000" pitchFamily="34" charset="-120"/>
+              </a:endParaRPr>
+            </a:p>
+          </p:txBody>
+        </p:sp>
+        <p:sp>
+          <p:nvSpPr>
+            <p:cNvPr id="42" name="矩形 41">
+              <a:extLst>
+                <a:ext uri="{FF2B5EF4-FFF2-40B4-BE49-F238E27FC236}">
+                  <a16:creationId xmlns:a16="http://schemas.microsoft.com/office/drawing/2014/main" id="{CC4DD22D-1174-46E5-B981-92D0066809BC}"/>
+                </a:ext>
+              </a:extLst>
+            </p:cNvPr>
+            <p:cNvSpPr/>
+            <p:nvPr/>
+          </p:nvSpPr>
+          <p:spPr>
+            <a:xfrm>
+              <a:off x="2050224" y="5536237"/>
+              <a:ext cx="2020824" cy="520873"/>
+            </a:xfrm>
+            <a:prstGeom prst="rect">
+              <a:avLst/>
+            </a:prstGeom>
+            <a:solidFill>
+              <a:srgbClr val="096FB2"/>
+            </a:solidFill>
+            <a:ln>
+              <a:noFill/>
+            </a:ln>
+          </p:spPr>
+          <p:style>
+            <a:lnRef idx="2">
+              <a:schemeClr val="accent1">
+                <a:shade val="50000"/>
+              </a:schemeClr>
+            </a:lnRef>
+            <a:fillRef idx="1">
+              <a:schemeClr val="accent1"/>
+            </a:fillRef>
+            <a:effectRef idx="0">
+              <a:schemeClr val="accent1"/>
+            </a:effectRef>
+            <a:fontRef idx="minor">
+              <a:schemeClr val="lt1"/>
+            </a:fontRef>
+          </p:style>
+          <p:txBody>
+            <a:bodyPr rtlCol="0" anchor="ctr"/>
+            <a:lstStyle/>
+            <a:p>
+              <a:pPr algn="ctr"/>
+              <a:r>
+                <a:rPr lang="en-US" dirty="0">
+                  <a:latin typeface="Noto Sans CJK TC DemiLight" panose="020B0400000000000000" pitchFamily="34" charset="-120"/>
+                  <a:ea typeface="Noto Sans CJK TC DemiLight" panose="020B0400000000000000" pitchFamily="34" charset="-120"/>
+                </a:rPr>
+                <a:t>border</a:t>
+              </a:r>
+            </a:p>
+          </p:txBody>
+        </p:sp>
+      </p:grpSp>
+      <p:pic>
+        <p:nvPicPr>
+          <p:cNvPr id="44" name="圖片 43">
+            <a:extLst>
+              <a:ext uri="{FF2B5EF4-FFF2-40B4-BE49-F238E27FC236}">
+                <a16:creationId xmlns:a16="http://schemas.microsoft.com/office/drawing/2014/main" id="{B508735C-8FF1-423C-9BD7-9009DC12B2B8}"/>
+              </a:ext>
+            </a:extLst>
+          </p:cNvPr>
+          <p:cNvPicPr>
+            <a:picLocks noChangeAspect="1"/>
+          </p:cNvPicPr>
+          <p:nvPr/>
+        </p:nvPicPr>
+        <p:blipFill rotWithShape="1">
+          <a:blip r:embed="rId2"/>
+          <a:srcRect l="43145" t="9072" r="37661" b="77888"/>
+          <a:stretch/>
+        </p:blipFill>
+        <p:spPr>
+          <a:xfrm>
+            <a:off x="4925961" y="1892798"/>
+            <a:ext cx="2340077" cy="894227"/>
+          </a:xfrm>
+          <a:prstGeom prst="rect">
+            <a:avLst/>
+          </a:prstGeom>
+        </p:spPr>
+      </p:pic>
+      <p:pic>
+        <p:nvPicPr>
+          <p:cNvPr id="45" name="圖片 44">
+            <a:extLst>
+              <a:ext uri="{FF2B5EF4-FFF2-40B4-BE49-F238E27FC236}">
+                <a16:creationId xmlns:a16="http://schemas.microsoft.com/office/drawing/2014/main" id="{436FD5DB-4785-4BBD-A38C-27569ED2AAED}"/>
+              </a:ext>
+            </a:extLst>
+          </p:cNvPr>
+          <p:cNvPicPr>
+            <a:picLocks noChangeAspect="1"/>
+          </p:cNvPicPr>
+          <p:nvPr/>
+        </p:nvPicPr>
+        <p:blipFill rotWithShape="1">
+          <a:blip r:embed="rId2"/>
+          <a:srcRect l="62258" t="8769" r="17903" b="78495"/>
+          <a:stretch/>
+        </p:blipFill>
+        <p:spPr>
+          <a:xfrm>
+            <a:off x="8056314" y="1913627"/>
+            <a:ext cx="2418736" cy="873398"/>
+          </a:xfrm>
+          <a:prstGeom prst="rect">
+            <a:avLst/>
+          </a:prstGeom>
+        </p:spPr>
+      </p:pic>
+    </p:spTree>
+    <p:extLst>
+      <p:ext uri="{BB962C8B-B14F-4D97-AF65-F5344CB8AC3E}">
+        <p14:creationId xmlns:p14="http://schemas.microsoft.com/office/powerpoint/2010/main" val="4213330628"/>
+      </p:ext>
+    </p:extLst>
+  </p:cSld>
+  <p:clrMapOvr>
+    <a:masterClrMapping/>
+  </p:clrMapOvr>
+</p:sld>
+</file>
+
+<file path=ppt/slides/slide12.xml><?xml version="1.0" encoding="utf-8"?>
+<p:sld xmlns:a="http://schemas.openxmlformats.org/drawingml/2006/main" xmlns:r="http://schemas.openxmlformats.org/officeDocument/2006/relationships" xmlns:p="http://schemas.openxmlformats.org/presentationml/2006/main">
+  <p:cSld>
+    <p:spTree>
+      <p:nvGrpSpPr>
+        <p:cNvPr id="1" name=""/>
+        <p:cNvGrpSpPr/>
+        <p:nvPr/>
+      </p:nvGrpSpPr>
+      <p:grpSpPr>
+        <a:xfrm>
+          <a:off x="0" y="0"/>
+          <a:ext cx="0" cy="0"/>
+          <a:chOff x="0" y="0"/>
+          <a:chExt cx="0" cy="0"/>
+        </a:xfrm>
+      </p:grpSpPr>
+      <p:sp>
+        <p:nvSpPr>
           <p:cNvPr id="6" name="標題 1">
             <a:extLst>
               <a:ext uri="{FF2B5EF4-FFF2-40B4-BE49-F238E27FC236}">
@@ -4990,7 +6006,7 @@
 </p:sld>
 </file>
 
-<file path=ppt/slides/slide12.xml><?xml version="1.0" encoding="utf-8"?>
+<file path=ppt/slides/slide13.xml><?xml version="1.0" encoding="utf-8"?>
 <p:sld xmlns:a="http://schemas.openxmlformats.org/drawingml/2006/main" xmlns:r="http://schemas.openxmlformats.org/officeDocument/2006/relationships" xmlns:p="http://schemas.openxmlformats.org/presentationml/2006/main">
   <p:cSld>
     <p:spTree>
@@ -5846,7 +6862,7 @@
         </p:nvSpPr>
         <p:spPr>
           <a:xfrm>
-            <a:off x="4538296" y="252210"/>
+            <a:off x="4538296" y="332726"/>
             <a:ext cx="3115408" cy="909760"/>
           </a:xfrm>
           <a:prstGeom prst="rect">
@@ -5879,747 +6895,382 @@
           <a:p>
             <a:pPr algn="ctr"/>
             <a:r>
-              <a:rPr lang="zh-TW" altLang="en-US" sz="5400" dirty="0">
+              <a:rPr lang="en-US" sz="5400" dirty="0">
                 <a:solidFill>
                   <a:srgbClr val="CCDBFD"/>
                 </a:solidFill>
-                <a:latin typeface="Yu Gothic Medium" panose="020B0500000000000000" pitchFamily="34" charset="-128"/>
+                <a:latin typeface="Friz Quadrata Std" panose="020E0602040504020404" pitchFamily="34" charset="0"/>
                 <a:ea typeface="Yu Gothic Medium" panose="020B0500000000000000" pitchFamily="34" charset="-128"/>
               </a:rPr>
-              <a:t>網站架構</a:t>
-            </a:r>
-            <a:endParaRPr lang="en-US" sz="5400" dirty="0">
+              <a:t>Sitemap</a:t>
+            </a:r>
+          </a:p>
+        </p:txBody>
+      </p:sp>
+      <p:grpSp>
+        <p:nvGrpSpPr>
+          <p:cNvPr id="29" name="群組 28">
+            <a:extLst>
+              <a:ext uri="{FF2B5EF4-FFF2-40B4-BE49-F238E27FC236}">
+                <a16:creationId xmlns:a16="http://schemas.microsoft.com/office/drawing/2014/main" id="{41CBC207-2D18-4702-8A21-FF9DE0FB5044}"/>
+              </a:ext>
+            </a:extLst>
+          </p:cNvPr>
+          <p:cNvGrpSpPr/>
+          <p:nvPr/>
+        </p:nvGrpSpPr>
+        <p:grpSpPr>
+          <a:xfrm>
+            <a:off x="4299227" y="2085722"/>
+            <a:ext cx="3790188" cy="2686555"/>
+            <a:chOff x="3935788" y="2134711"/>
+            <a:chExt cx="3790188" cy="2686555"/>
+          </a:xfrm>
+        </p:grpSpPr>
+        <p:sp>
+          <p:nvSpPr>
+            <p:cNvPr id="3" name="流程圖: 程序 2">
+              <a:extLst>
+                <a:ext uri="{FF2B5EF4-FFF2-40B4-BE49-F238E27FC236}">
+                  <a16:creationId xmlns:a16="http://schemas.microsoft.com/office/drawing/2014/main" id="{08DCE139-F0E7-489E-B82E-EEBF72739E5D}"/>
+                </a:ext>
+              </a:extLst>
+            </p:cNvPr>
+            <p:cNvSpPr/>
+            <p:nvPr/>
+          </p:nvSpPr>
+          <p:spPr>
+            <a:xfrm>
+              <a:off x="3935788" y="2134711"/>
+              <a:ext cx="1263396" cy="459862"/>
+            </a:xfrm>
+            <a:prstGeom prst="flowChartProcess">
+              <a:avLst/>
+            </a:prstGeom>
+            <a:solidFill>
+              <a:srgbClr val="FFFFFF"/>
+            </a:solidFill>
+            <a:ln w="19050">
               <a:solidFill>
-                <a:srgbClr val="CCDBFD"/>
+                <a:srgbClr val="BDA168"/>
               </a:solidFill>
-              <a:latin typeface="Yu Gothic Medium" panose="020B0500000000000000" pitchFamily="34" charset="-128"/>
-              <a:ea typeface="Yu Gothic Medium" panose="020B0500000000000000" pitchFamily="34" charset="-128"/>
-            </a:endParaRPr>
-          </a:p>
-        </p:txBody>
-      </p:sp>
-      <p:sp>
-        <p:nvSpPr>
-          <p:cNvPr id="3" name="流程圖: 程序 2">
-            <a:extLst>
-              <a:ext uri="{FF2B5EF4-FFF2-40B4-BE49-F238E27FC236}">
-                <a16:creationId xmlns:a16="http://schemas.microsoft.com/office/drawing/2014/main" id="{08DCE139-F0E7-489E-B82E-EEBF72739E5D}"/>
-              </a:ext>
-            </a:extLst>
-          </p:cNvPr>
-          <p:cNvSpPr/>
-          <p:nvPr/>
-        </p:nvSpPr>
-        <p:spPr>
-          <a:xfrm>
-            <a:off x="3935788" y="2134711"/>
-            <a:ext cx="1263396" cy="459862"/>
-          </a:xfrm>
-          <a:prstGeom prst="flowChartProcess">
-            <a:avLst/>
-          </a:prstGeom>
-          <a:solidFill>
-            <a:srgbClr val="FFFFFF"/>
-          </a:solidFill>
-          <a:ln w="19050">
-            <a:solidFill>
-              <a:srgbClr val="BDA168"/>
-            </a:solidFill>
-          </a:ln>
-        </p:spPr>
-        <p:style>
-          <a:lnRef idx="2">
-            <a:schemeClr val="accent1">
-              <a:shade val="50000"/>
-            </a:schemeClr>
-          </a:lnRef>
-          <a:fillRef idx="1">
-            <a:schemeClr val="accent1"/>
-          </a:fillRef>
-          <a:effectRef idx="0">
-            <a:schemeClr val="accent1"/>
-          </a:effectRef>
-          <a:fontRef idx="minor">
-            <a:schemeClr val="lt1"/>
-          </a:fontRef>
-        </p:style>
-        <p:txBody>
-          <a:bodyPr rtlCol="0" anchor="ctr"/>
-          <a:lstStyle/>
-          <a:p>
-            <a:pPr algn="ctr"/>
-            <a:r>
-              <a:rPr lang="zh-TW" altLang="en-US" sz="2400" dirty="0">
+            </a:ln>
+          </p:spPr>
+          <p:style>
+            <a:lnRef idx="2">
+              <a:schemeClr val="accent1">
+                <a:shade val="50000"/>
+              </a:schemeClr>
+            </a:lnRef>
+            <a:fillRef idx="1">
+              <a:schemeClr val="accent1"/>
+            </a:fillRef>
+            <a:effectRef idx="0">
+              <a:schemeClr val="accent1"/>
+            </a:effectRef>
+            <a:fontRef idx="minor">
+              <a:schemeClr val="lt1"/>
+            </a:fontRef>
+          </p:style>
+          <p:txBody>
+            <a:bodyPr rtlCol="0" anchor="ctr"/>
+            <a:lstStyle/>
+            <a:p>
+              <a:pPr algn="ctr"/>
+              <a:r>
+                <a:rPr lang="zh-TW" altLang="en-US" sz="2400" dirty="0">
+                  <a:solidFill>
+                    <a:schemeClr val="tx1"/>
+                  </a:solidFill>
+                  <a:latin typeface="Noto Sans CJK TC Medium" panose="020B0600000000000000" pitchFamily="34" charset="-120"/>
+                  <a:ea typeface="Noto Sans CJK TC Medium" panose="020B0600000000000000" pitchFamily="34" charset="-120"/>
+                </a:rPr>
+                <a:t>主頁</a:t>
+              </a:r>
+              <a:endParaRPr lang="en-US" sz="2400" dirty="0">
                 <a:solidFill>
                   <a:schemeClr val="tx1"/>
                 </a:solidFill>
                 <a:latin typeface="Noto Sans CJK TC Medium" panose="020B0600000000000000" pitchFamily="34" charset="-120"/>
                 <a:ea typeface="Noto Sans CJK TC Medium" panose="020B0600000000000000" pitchFamily="34" charset="-120"/>
-              </a:rPr>
-              <a:t>主頁</a:t>
-            </a:r>
-            <a:endParaRPr lang="en-US" sz="2400" dirty="0">
+              </a:endParaRPr>
+            </a:p>
+          </p:txBody>
+        </p:sp>
+        <p:sp>
+          <p:nvSpPr>
+            <p:cNvPr id="27" name="流程圖: 程序 26">
+              <a:extLst>
+                <a:ext uri="{FF2B5EF4-FFF2-40B4-BE49-F238E27FC236}">
+                  <a16:creationId xmlns:a16="http://schemas.microsoft.com/office/drawing/2014/main" id="{48F05695-70F8-4683-BE7F-DD952B7BC0BD}"/>
+                </a:ext>
+              </a:extLst>
+            </p:cNvPr>
+            <p:cNvSpPr/>
+            <p:nvPr/>
+          </p:nvSpPr>
+          <p:spPr>
+            <a:xfrm>
+              <a:off x="5199184" y="3205888"/>
+              <a:ext cx="1263396" cy="459861"/>
+            </a:xfrm>
+            <a:prstGeom prst="flowChartProcess">
+              <a:avLst/>
+            </a:prstGeom>
+            <a:solidFill>
+              <a:srgbClr val="FFFFFF"/>
+            </a:solidFill>
+            <a:ln w="19050">
               <a:solidFill>
-                <a:schemeClr val="tx1"/>
+                <a:srgbClr val="BDA168"/>
               </a:solidFill>
-              <a:latin typeface="Noto Sans CJK TC Medium" panose="020B0600000000000000" pitchFamily="34" charset="-120"/>
-              <a:ea typeface="Noto Sans CJK TC Medium" panose="020B0600000000000000" pitchFamily="34" charset="-120"/>
-            </a:endParaRPr>
-          </a:p>
-        </p:txBody>
-      </p:sp>
-      <p:sp>
-        <p:nvSpPr>
-          <p:cNvPr id="10" name="流程圖: 程序 9">
-            <a:extLst>
-              <a:ext uri="{FF2B5EF4-FFF2-40B4-BE49-F238E27FC236}">
-                <a16:creationId xmlns:a16="http://schemas.microsoft.com/office/drawing/2014/main" id="{511919DF-A70F-446B-8CB8-BCEA791DD3EC}"/>
-              </a:ext>
-            </a:extLst>
-          </p:cNvPr>
-          <p:cNvSpPr/>
-          <p:nvPr/>
-        </p:nvSpPr>
-        <p:spPr>
-          <a:xfrm>
-            <a:off x="5199184" y="4868422"/>
-            <a:ext cx="1263396" cy="459861"/>
-          </a:xfrm>
-          <a:prstGeom prst="flowChartProcess">
-            <a:avLst/>
-          </a:prstGeom>
-          <a:solidFill>
-            <a:srgbClr val="FFFFFF"/>
-          </a:solidFill>
-          <a:ln w="19050">
-            <a:solidFill>
-              <a:srgbClr val="BDA168"/>
-            </a:solidFill>
-          </a:ln>
-        </p:spPr>
-        <p:style>
-          <a:lnRef idx="2">
-            <a:schemeClr val="accent1">
-              <a:shade val="50000"/>
-            </a:schemeClr>
-          </a:lnRef>
-          <a:fillRef idx="1">
-            <a:schemeClr val="accent1"/>
-          </a:fillRef>
-          <a:effectRef idx="0">
-            <a:schemeClr val="accent1"/>
-          </a:effectRef>
-          <a:fontRef idx="minor">
-            <a:schemeClr val="lt1"/>
-          </a:fontRef>
-        </p:style>
-        <p:txBody>
-          <a:bodyPr rtlCol="0" anchor="ctr"/>
-          <a:lstStyle/>
-          <a:p>
-            <a:pPr algn="ctr"/>
-            <a:r>
-              <a:rPr lang="zh-TW" altLang="en-US" sz="2400" dirty="0">
+            </a:ln>
+          </p:spPr>
+          <p:style>
+            <a:lnRef idx="2">
+              <a:schemeClr val="accent1">
+                <a:shade val="50000"/>
+              </a:schemeClr>
+            </a:lnRef>
+            <a:fillRef idx="1">
+              <a:schemeClr val="accent1"/>
+            </a:fillRef>
+            <a:effectRef idx="0">
+              <a:schemeClr val="accent1"/>
+            </a:effectRef>
+            <a:fontRef idx="minor">
+              <a:schemeClr val="lt1"/>
+            </a:fontRef>
+          </p:style>
+          <p:txBody>
+            <a:bodyPr rtlCol="0" anchor="ctr"/>
+            <a:lstStyle/>
+            <a:p>
+              <a:pPr algn="ctr"/>
+              <a:r>
+                <a:rPr lang="zh-TW" altLang="en-US" sz="2400" dirty="0">
+                  <a:solidFill>
+                    <a:schemeClr val="tx1"/>
+                  </a:solidFill>
+                  <a:latin typeface="Noto Sans CJK TC Medium" panose="020B0600000000000000" pitchFamily="34" charset="-120"/>
+                  <a:ea typeface="Noto Sans CJK TC Medium" panose="020B0600000000000000" pitchFamily="34" charset="-120"/>
+                </a:rPr>
+                <a:t>英雄</a:t>
+              </a:r>
+              <a:endParaRPr lang="en-US" sz="2400" dirty="0">
                 <a:solidFill>
                   <a:schemeClr val="tx1"/>
                 </a:solidFill>
                 <a:latin typeface="Noto Sans CJK TC Medium" panose="020B0600000000000000" pitchFamily="34" charset="-120"/>
                 <a:ea typeface="Noto Sans CJK TC Medium" panose="020B0600000000000000" pitchFamily="34" charset="-120"/>
-              </a:rPr>
-              <a:t>連技</a:t>
-            </a:r>
-            <a:endParaRPr lang="en-US" sz="2400" dirty="0">
+              </a:endParaRPr>
+            </a:p>
+          </p:txBody>
+        </p:sp>
+        <p:sp>
+          <p:nvSpPr>
+            <p:cNvPr id="32" name="流程圖: 程序 31">
+              <a:extLst>
+                <a:ext uri="{FF2B5EF4-FFF2-40B4-BE49-F238E27FC236}">
+                  <a16:creationId xmlns:a16="http://schemas.microsoft.com/office/drawing/2014/main" id="{EECE8DE9-6AA0-4547-900E-92A393F8658C}"/>
+                </a:ext>
+              </a:extLst>
+            </p:cNvPr>
+            <p:cNvSpPr/>
+            <p:nvPr/>
+          </p:nvSpPr>
+          <p:spPr>
+            <a:xfrm>
+              <a:off x="6462580" y="4361405"/>
+              <a:ext cx="1263396" cy="459861"/>
+            </a:xfrm>
+            <a:prstGeom prst="flowChartProcess">
+              <a:avLst/>
+            </a:prstGeom>
+            <a:solidFill>
+              <a:srgbClr val="FFFFFF"/>
+            </a:solidFill>
+            <a:ln w="19050">
               <a:solidFill>
-                <a:schemeClr val="tx1"/>
+                <a:srgbClr val="BDA168"/>
               </a:solidFill>
-              <a:latin typeface="Noto Sans CJK TC Medium" panose="020B0600000000000000" pitchFamily="34" charset="-120"/>
-              <a:ea typeface="Noto Sans CJK TC Medium" panose="020B0600000000000000" pitchFamily="34" charset="-120"/>
-            </a:endParaRPr>
-          </a:p>
-        </p:txBody>
-      </p:sp>
-      <p:sp>
-        <p:nvSpPr>
-          <p:cNvPr id="27" name="流程圖: 程序 26">
-            <a:extLst>
-              <a:ext uri="{FF2B5EF4-FFF2-40B4-BE49-F238E27FC236}">
-                <a16:creationId xmlns:a16="http://schemas.microsoft.com/office/drawing/2014/main" id="{48F05695-70F8-4683-BE7F-DD952B7BC0BD}"/>
-              </a:ext>
-            </a:extLst>
-          </p:cNvPr>
-          <p:cNvSpPr/>
-          <p:nvPr/>
-        </p:nvSpPr>
-        <p:spPr>
-          <a:xfrm>
-            <a:off x="5199184" y="3205889"/>
-            <a:ext cx="1263396" cy="459861"/>
-          </a:xfrm>
-          <a:prstGeom prst="flowChartProcess">
-            <a:avLst/>
-          </a:prstGeom>
-          <a:solidFill>
-            <a:srgbClr val="FFFFFF"/>
-          </a:solidFill>
-          <a:ln w="19050">
-            <a:solidFill>
-              <a:srgbClr val="BDA168"/>
-            </a:solidFill>
-          </a:ln>
-        </p:spPr>
-        <p:style>
-          <a:lnRef idx="2">
-            <a:schemeClr val="accent1">
-              <a:shade val="50000"/>
-            </a:schemeClr>
-          </a:lnRef>
-          <a:fillRef idx="1">
-            <a:schemeClr val="accent1"/>
-          </a:fillRef>
-          <a:effectRef idx="0">
-            <a:schemeClr val="accent1"/>
-          </a:effectRef>
-          <a:fontRef idx="minor">
-            <a:schemeClr val="lt1"/>
-          </a:fontRef>
-        </p:style>
-        <p:txBody>
-          <a:bodyPr rtlCol="0" anchor="ctr"/>
-          <a:lstStyle/>
-          <a:p>
-            <a:pPr algn="ctr"/>
-            <a:r>
-              <a:rPr lang="zh-TW" altLang="en-US" sz="2400" dirty="0">
+            </a:ln>
+          </p:spPr>
+          <p:style>
+            <a:lnRef idx="2">
+              <a:schemeClr val="accent1">
+                <a:shade val="50000"/>
+              </a:schemeClr>
+            </a:lnRef>
+            <a:fillRef idx="1">
+              <a:schemeClr val="accent1"/>
+            </a:fillRef>
+            <a:effectRef idx="0">
+              <a:schemeClr val="accent1"/>
+            </a:effectRef>
+            <a:fontRef idx="minor">
+              <a:schemeClr val="lt1"/>
+            </a:fontRef>
+          </p:style>
+          <p:txBody>
+            <a:bodyPr rtlCol="0" anchor="ctr"/>
+            <a:lstStyle/>
+            <a:p>
+              <a:pPr algn="ctr"/>
+              <a:r>
+                <a:rPr lang="zh-TW" altLang="en-US" sz="2400" dirty="0">
+                  <a:solidFill>
+                    <a:schemeClr val="tx1"/>
+                  </a:solidFill>
+                  <a:latin typeface="Noto Sans CJK TC Medium" panose="020B0600000000000000" pitchFamily="34" charset="-120"/>
+                  <a:ea typeface="Noto Sans CJK TC Medium" panose="020B0600000000000000" pitchFamily="34" charset="-120"/>
+                </a:rPr>
+                <a:t>連技</a:t>
+              </a:r>
+              <a:endParaRPr lang="en-US" sz="2400" dirty="0">
                 <a:solidFill>
                   <a:schemeClr val="tx1"/>
                 </a:solidFill>
                 <a:latin typeface="Noto Sans CJK TC Medium" panose="020B0600000000000000" pitchFamily="34" charset="-120"/>
                 <a:ea typeface="Noto Sans CJK TC Medium" panose="020B0600000000000000" pitchFamily="34" charset="-120"/>
-              </a:rPr>
-              <a:t>英雄</a:t>
-            </a:r>
-            <a:endParaRPr lang="en-US" sz="2400" dirty="0">
+              </a:endParaRPr>
+            </a:p>
+          </p:txBody>
+        </p:sp>
+        <p:cxnSp>
+          <p:nvCxnSpPr>
+            <p:cNvPr id="39" name="直線接點 38">
+              <a:extLst>
+                <a:ext uri="{FF2B5EF4-FFF2-40B4-BE49-F238E27FC236}">
+                  <a16:creationId xmlns:a16="http://schemas.microsoft.com/office/drawing/2014/main" id="{D75E2617-7FA4-4F77-825F-FB14625FE122}"/>
+                </a:ext>
+              </a:extLst>
+            </p:cNvPr>
+            <p:cNvCxnSpPr>
+              <a:cxnSpLocks/>
+            </p:cNvCxnSpPr>
+            <p:nvPr/>
+          </p:nvCxnSpPr>
+          <p:spPr>
+            <a:xfrm>
+              <a:off x="4567486" y="3435819"/>
+              <a:ext cx="631698" cy="0"/>
+            </a:xfrm>
+            <a:prstGeom prst="line">
+              <a:avLst/>
+            </a:prstGeom>
+            <a:ln w="57150">
               <a:solidFill>
-                <a:schemeClr val="tx1"/>
+                <a:srgbClr val="BDA168"/>
               </a:solidFill>
-              <a:latin typeface="Noto Sans CJK TC Medium" panose="020B0600000000000000" pitchFamily="34" charset="-120"/>
-              <a:ea typeface="Noto Sans CJK TC Medium" panose="020B0600000000000000" pitchFamily="34" charset="-120"/>
-            </a:endParaRPr>
-          </a:p>
-        </p:txBody>
-      </p:sp>
-      <p:sp>
-        <p:nvSpPr>
-          <p:cNvPr id="32" name="流程圖: 程序 31">
-            <a:extLst>
-              <a:ext uri="{FF2B5EF4-FFF2-40B4-BE49-F238E27FC236}">
-                <a16:creationId xmlns:a16="http://schemas.microsoft.com/office/drawing/2014/main" id="{EECE8DE9-6AA0-4547-900E-92A393F8658C}"/>
-              </a:ext>
-            </a:extLst>
-          </p:cNvPr>
-          <p:cNvSpPr/>
-          <p:nvPr/>
-        </p:nvSpPr>
-        <p:spPr>
-          <a:xfrm>
-            <a:off x="7094277" y="4058942"/>
-            <a:ext cx="1263396" cy="459861"/>
-          </a:xfrm>
-          <a:prstGeom prst="flowChartProcess">
-            <a:avLst/>
-          </a:prstGeom>
-          <a:solidFill>
-            <a:srgbClr val="FFFFFF"/>
-          </a:solidFill>
-          <a:ln w="19050">
-            <a:solidFill>
-              <a:srgbClr val="BDA168"/>
-            </a:solidFill>
-          </a:ln>
-        </p:spPr>
-        <p:style>
-          <a:lnRef idx="2">
-            <a:schemeClr val="accent1">
-              <a:shade val="50000"/>
-            </a:schemeClr>
-          </a:lnRef>
-          <a:fillRef idx="1">
-            <a:schemeClr val="accent1"/>
-          </a:fillRef>
-          <a:effectRef idx="0">
-            <a:schemeClr val="accent1"/>
-          </a:effectRef>
-          <a:fontRef idx="minor">
-            <a:schemeClr val="lt1"/>
-          </a:fontRef>
-        </p:style>
-        <p:txBody>
-          <a:bodyPr rtlCol="0" anchor="ctr"/>
-          <a:lstStyle/>
-          <a:p>
-            <a:pPr algn="ctr"/>
-            <a:r>
-              <a:rPr lang="zh-TW" altLang="en-US" sz="2400" dirty="0">
-                <a:solidFill>
-                  <a:schemeClr val="tx1"/>
-                </a:solidFill>
-                <a:latin typeface="Noto Sans CJK TC Medium" panose="020B0600000000000000" pitchFamily="34" charset="-120"/>
-                <a:ea typeface="Noto Sans CJK TC Medium" panose="020B0600000000000000" pitchFamily="34" charset="-120"/>
-              </a:rPr>
-              <a:t>連技</a:t>
-            </a:r>
-            <a:endParaRPr lang="en-US" sz="2400" dirty="0">
+            </a:ln>
+          </p:spPr>
+          <p:style>
+            <a:lnRef idx="1">
+              <a:schemeClr val="accent1"/>
+            </a:lnRef>
+            <a:fillRef idx="0">
+              <a:schemeClr val="accent1"/>
+            </a:fillRef>
+            <a:effectRef idx="0">
+              <a:schemeClr val="accent1"/>
+            </a:effectRef>
+            <a:fontRef idx="minor">
+              <a:schemeClr val="tx1"/>
+            </a:fontRef>
+          </p:style>
+        </p:cxnSp>
+        <p:cxnSp>
+          <p:nvCxnSpPr>
+            <p:cNvPr id="44" name="接點: 肘形 43">
+              <a:extLst>
+                <a:ext uri="{FF2B5EF4-FFF2-40B4-BE49-F238E27FC236}">
+                  <a16:creationId xmlns:a16="http://schemas.microsoft.com/office/drawing/2014/main" id="{3362BBDA-F1C0-41A5-BD90-42F8D34095E1}"/>
+                </a:ext>
+              </a:extLst>
+            </p:cNvPr>
+            <p:cNvCxnSpPr>
+              <a:cxnSpLocks/>
+              <a:stCxn id="3" idx="2"/>
+              <a:endCxn id="32" idx="1"/>
+            </p:cNvCxnSpPr>
+            <p:nvPr/>
+          </p:nvCxnSpPr>
+          <p:spPr>
+            <a:xfrm rot="16200000" flipH="1">
+              <a:off x="4516652" y="2645407"/>
+              <a:ext cx="1996763" cy="1895094"/>
+            </a:xfrm>
+            <a:prstGeom prst="bentConnector2">
+              <a:avLst/>
+            </a:prstGeom>
+            <a:ln w="57150">
               <a:solidFill>
-                <a:schemeClr val="tx1"/>
+                <a:srgbClr val="BDA168"/>
               </a:solidFill>
-              <a:latin typeface="Noto Sans CJK TC Medium" panose="020B0600000000000000" pitchFamily="34" charset="-120"/>
-              <a:ea typeface="Noto Sans CJK TC Medium" panose="020B0600000000000000" pitchFamily="34" charset="-120"/>
-            </a:endParaRPr>
-          </a:p>
-        </p:txBody>
-      </p:sp>
-      <p:sp>
-        <p:nvSpPr>
-          <p:cNvPr id="33" name="流程圖: 程序 32">
-            <a:extLst>
-              <a:ext uri="{FF2B5EF4-FFF2-40B4-BE49-F238E27FC236}">
-                <a16:creationId xmlns:a16="http://schemas.microsoft.com/office/drawing/2014/main" id="{7D1FD595-2D32-4EC4-A8DC-F5D27BC0A3A6}"/>
-              </a:ext>
-            </a:extLst>
-          </p:cNvPr>
-          <p:cNvSpPr/>
-          <p:nvPr/>
-        </p:nvSpPr>
-        <p:spPr>
-          <a:xfrm>
-            <a:off x="7094277" y="2352834"/>
-            <a:ext cx="1438656" cy="459861"/>
-          </a:xfrm>
-          <a:prstGeom prst="flowChartProcess">
-            <a:avLst/>
-          </a:prstGeom>
-          <a:solidFill>
-            <a:srgbClr val="FFFFFF"/>
-          </a:solidFill>
-          <a:ln w="19050">
-            <a:solidFill>
-              <a:srgbClr val="BDA168"/>
-            </a:solidFill>
-          </a:ln>
-        </p:spPr>
-        <p:style>
-          <a:lnRef idx="2">
-            <a:schemeClr val="accent1">
-              <a:shade val="50000"/>
-            </a:schemeClr>
-          </a:lnRef>
-          <a:fillRef idx="1">
-            <a:schemeClr val="accent1"/>
-          </a:fillRef>
-          <a:effectRef idx="0">
-            <a:schemeClr val="accent1"/>
-          </a:effectRef>
-          <a:fontRef idx="minor">
-            <a:schemeClr val="lt1"/>
-          </a:fontRef>
-        </p:style>
-        <p:txBody>
-          <a:bodyPr rtlCol="0" anchor="ctr"/>
-          <a:lstStyle/>
-          <a:p>
-            <a:pPr algn="ctr"/>
-            <a:r>
-              <a:rPr lang="zh-TW" altLang="en-US" sz="2400" dirty="0">
-                <a:solidFill>
-                  <a:schemeClr val="tx1"/>
-                </a:solidFill>
-                <a:latin typeface="Noto Sans CJK TC Medium" panose="020B0600000000000000" pitchFamily="34" charset="-120"/>
-                <a:ea typeface="Noto Sans CJK TC Medium" panose="020B0600000000000000" pitchFamily="34" charset="-120"/>
-              </a:rPr>
-              <a:t>菁英配置</a:t>
-            </a:r>
-            <a:endParaRPr lang="en-US" sz="2400" dirty="0">
+            </a:ln>
+          </p:spPr>
+          <p:style>
+            <a:lnRef idx="1">
+              <a:schemeClr val="accent1"/>
+            </a:lnRef>
+            <a:fillRef idx="0">
+              <a:schemeClr val="accent1"/>
+            </a:fillRef>
+            <a:effectRef idx="0">
+              <a:schemeClr val="accent1"/>
+            </a:effectRef>
+            <a:fontRef idx="minor">
+              <a:schemeClr val="tx1"/>
+            </a:fontRef>
+          </p:style>
+        </p:cxnSp>
+        <p:cxnSp>
+          <p:nvCxnSpPr>
+            <p:cNvPr id="25" name="接點: 肘形 24">
+              <a:extLst>
+                <a:ext uri="{FF2B5EF4-FFF2-40B4-BE49-F238E27FC236}">
+                  <a16:creationId xmlns:a16="http://schemas.microsoft.com/office/drawing/2014/main" id="{31598A64-B874-4B5A-A4BD-517A3A09319D}"/>
+                </a:ext>
+              </a:extLst>
+            </p:cNvPr>
+            <p:cNvCxnSpPr>
+              <a:cxnSpLocks/>
+              <a:stCxn id="27" idx="3"/>
+              <a:endCxn id="32" idx="0"/>
+            </p:cNvCxnSpPr>
+            <p:nvPr/>
+          </p:nvCxnSpPr>
+          <p:spPr>
+            <a:xfrm>
+              <a:off x="6462580" y="3435819"/>
+              <a:ext cx="631698" cy="925586"/>
+            </a:xfrm>
+            <a:prstGeom prst="bentConnector2">
+              <a:avLst/>
+            </a:prstGeom>
+            <a:ln w="57150">
               <a:solidFill>
-                <a:schemeClr val="tx1"/>
+                <a:srgbClr val="C4A76C"/>
               </a:solidFill>
-              <a:latin typeface="Noto Sans CJK TC Medium" panose="020B0600000000000000" pitchFamily="34" charset="-120"/>
-              <a:ea typeface="Noto Sans CJK TC Medium" panose="020B0600000000000000" pitchFamily="34" charset="-120"/>
-            </a:endParaRPr>
-          </a:p>
-        </p:txBody>
-      </p:sp>
-      <p:sp>
-        <p:nvSpPr>
-          <p:cNvPr id="34" name="流程圖: 程序 33">
-            <a:extLst>
-              <a:ext uri="{FF2B5EF4-FFF2-40B4-BE49-F238E27FC236}">
-                <a16:creationId xmlns:a16="http://schemas.microsoft.com/office/drawing/2014/main" id="{E462EEA5-CEC6-4286-8E9F-C0632D158280}"/>
-              </a:ext>
-            </a:extLst>
-          </p:cNvPr>
-          <p:cNvSpPr/>
-          <p:nvPr/>
-        </p:nvSpPr>
-        <p:spPr>
-          <a:xfrm>
-            <a:off x="7094277" y="3030780"/>
-            <a:ext cx="1263396" cy="810077"/>
-          </a:xfrm>
-          <a:prstGeom prst="flowChartProcess">
-            <a:avLst/>
-          </a:prstGeom>
-          <a:solidFill>
-            <a:srgbClr val="FFFFFF"/>
-          </a:solidFill>
-          <a:ln w="19050">
-            <a:solidFill>
-              <a:srgbClr val="BDA168"/>
-            </a:solidFill>
-          </a:ln>
-        </p:spPr>
-        <p:style>
-          <a:lnRef idx="2">
-            <a:schemeClr val="accent1">
-              <a:shade val="50000"/>
-            </a:schemeClr>
-          </a:lnRef>
-          <a:fillRef idx="1">
-            <a:schemeClr val="accent1"/>
-          </a:fillRef>
-          <a:effectRef idx="0">
-            <a:schemeClr val="accent1"/>
-          </a:effectRef>
-          <a:fontRef idx="minor">
-            <a:schemeClr val="lt1"/>
-          </a:fontRef>
-        </p:style>
-        <p:txBody>
-          <a:bodyPr rtlCol="0" anchor="ctr"/>
-          <a:lstStyle/>
-          <a:p>
-            <a:pPr algn="ctr"/>
-            <a:r>
-              <a:rPr lang="zh-TW" altLang="en-US" sz="2400" dirty="0">
-                <a:solidFill>
-                  <a:schemeClr val="tx1"/>
-                </a:solidFill>
-                <a:latin typeface="Noto Sans CJK TC Medium" panose="020B0600000000000000" pitchFamily="34" charset="-120"/>
-                <a:ea typeface="Noto Sans CJK TC Medium" panose="020B0600000000000000" pitchFamily="34" charset="-120"/>
-              </a:rPr>
-              <a:t>裝備</a:t>
-            </a:r>
-            <a:r>
-              <a:rPr lang="en-US" altLang="zh-TW" sz="2400" dirty="0">
-                <a:solidFill>
-                  <a:schemeClr val="tx1"/>
-                </a:solidFill>
-                <a:latin typeface="Noto Sans CJK TC Medium" panose="020B0600000000000000" pitchFamily="34" charset="-120"/>
-                <a:ea typeface="Noto Sans CJK TC Medium" panose="020B0600000000000000" pitchFamily="34" charset="-120"/>
-              </a:rPr>
-              <a:t>&amp;</a:t>
-            </a:r>
-            <a:r>
-              <a:rPr lang="zh-TW" altLang="en-US" sz="2400" dirty="0">
-                <a:solidFill>
-                  <a:schemeClr val="tx1"/>
-                </a:solidFill>
-                <a:latin typeface="Noto Sans CJK TC Medium" panose="020B0600000000000000" pitchFamily="34" charset="-120"/>
-                <a:ea typeface="Noto Sans CJK TC Medium" panose="020B0600000000000000" pitchFamily="34" charset="-120"/>
-              </a:rPr>
-              <a:t> </a:t>
-            </a:r>
-            <a:endParaRPr lang="en-US" altLang="zh-TW" sz="2400" dirty="0">
-              <a:solidFill>
-                <a:schemeClr val="tx1"/>
-              </a:solidFill>
-              <a:latin typeface="Noto Sans CJK TC Medium" panose="020B0600000000000000" pitchFamily="34" charset="-120"/>
-              <a:ea typeface="Noto Sans CJK TC Medium" panose="020B0600000000000000" pitchFamily="34" charset="-120"/>
-            </a:endParaRPr>
-          </a:p>
-          <a:p>
-            <a:pPr algn="ctr"/>
-            <a:r>
-              <a:rPr lang="zh-TW" altLang="en-US" sz="2400" dirty="0">
-                <a:solidFill>
-                  <a:schemeClr val="tx1"/>
-                </a:solidFill>
-                <a:latin typeface="Noto Sans CJK TC Medium" panose="020B0600000000000000" pitchFamily="34" charset="-120"/>
-                <a:ea typeface="Noto Sans CJK TC Medium" panose="020B0600000000000000" pitchFamily="34" charset="-120"/>
-              </a:rPr>
-              <a:t> 符文</a:t>
-            </a:r>
-            <a:endParaRPr lang="en-US" altLang="zh-TW" sz="2400" dirty="0">
-              <a:solidFill>
-                <a:schemeClr val="tx1"/>
-              </a:solidFill>
-              <a:latin typeface="Noto Sans CJK TC Medium" panose="020B0600000000000000" pitchFamily="34" charset="-120"/>
-              <a:ea typeface="Noto Sans CJK TC Medium" panose="020B0600000000000000" pitchFamily="34" charset="-120"/>
-            </a:endParaRPr>
-          </a:p>
-        </p:txBody>
-      </p:sp>
-      <p:cxnSp>
-        <p:nvCxnSpPr>
-          <p:cNvPr id="39" name="直線接點 38">
-            <a:extLst>
-              <a:ext uri="{FF2B5EF4-FFF2-40B4-BE49-F238E27FC236}">
-                <a16:creationId xmlns:a16="http://schemas.microsoft.com/office/drawing/2014/main" id="{D75E2617-7FA4-4F77-825F-FB14625FE122}"/>
-              </a:ext>
-            </a:extLst>
-          </p:cNvPr>
-          <p:cNvCxnSpPr>
-            <a:cxnSpLocks/>
-          </p:cNvCxnSpPr>
-          <p:nvPr/>
-        </p:nvCxnSpPr>
-        <p:spPr>
-          <a:xfrm>
-            <a:off x="4567486" y="3435819"/>
-            <a:ext cx="631698" cy="0"/>
-          </a:xfrm>
-          <a:prstGeom prst="line">
-            <a:avLst/>
-          </a:prstGeom>
-          <a:ln w="57150">
-            <a:solidFill>
-              <a:srgbClr val="BDA168"/>
-            </a:solidFill>
-          </a:ln>
-        </p:spPr>
-        <p:style>
-          <a:lnRef idx="1">
-            <a:schemeClr val="accent1"/>
-          </a:lnRef>
-          <a:fillRef idx="0">
-            <a:schemeClr val="accent1"/>
-          </a:fillRef>
-          <a:effectRef idx="0">
-            <a:schemeClr val="accent1"/>
-          </a:effectRef>
-          <a:fontRef idx="minor">
-            <a:schemeClr val="tx1"/>
-          </a:fontRef>
-        </p:style>
-      </p:cxnSp>
-      <p:cxnSp>
-        <p:nvCxnSpPr>
-          <p:cNvPr id="44" name="接點: 肘形 43">
-            <a:extLst>
-              <a:ext uri="{FF2B5EF4-FFF2-40B4-BE49-F238E27FC236}">
-                <a16:creationId xmlns:a16="http://schemas.microsoft.com/office/drawing/2014/main" id="{3362BBDA-F1C0-41A5-BD90-42F8D34095E1}"/>
-              </a:ext>
-            </a:extLst>
-          </p:cNvPr>
-          <p:cNvCxnSpPr>
-            <a:cxnSpLocks/>
-            <a:stCxn id="3" idx="2"/>
-            <a:endCxn id="10" idx="1"/>
-          </p:cNvCxnSpPr>
-          <p:nvPr/>
-        </p:nvCxnSpPr>
-        <p:spPr>
-          <a:xfrm rot="16200000" flipH="1">
-            <a:off x="3631445" y="3530614"/>
-            <a:ext cx="2503780" cy="631698"/>
-          </a:xfrm>
-          <a:prstGeom prst="bentConnector2">
-            <a:avLst/>
-          </a:prstGeom>
-          <a:ln w="57150">
-            <a:solidFill>
-              <a:srgbClr val="BDA168"/>
-            </a:solidFill>
-          </a:ln>
-        </p:spPr>
-        <p:style>
-          <a:lnRef idx="1">
-            <a:schemeClr val="accent1"/>
-          </a:lnRef>
-          <a:fillRef idx="0">
-            <a:schemeClr val="accent1"/>
-          </a:fillRef>
-          <a:effectRef idx="0">
-            <a:schemeClr val="accent1"/>
-          </a:effectRef>
-          <a:fontRef idx="minor">
-            <a:schemeClr val="tx1"/>
-          </a:fontRef>
-        </p:style>
-      </p:cxnSp>
-      <p:cxnSp>
-        <p:nvCxnSpPr>
-          <p:cNvPr id="47" name="直線接點 46">
-            <a:extLst>
-              <a:ext uri="{FF2B5EF4-FFF2-40B4-BE49-F238E27FC236}">
-                <a16:creationId xmlns:a16="http://schemas.microsoft.com/office/drawing/2014/main" id="{3C56C332-114E-4EE9-AF73-E1E6AADA3F4F}"/>
-              </a:ext>
-            </a:extLst>
-          </p:cNvPr>
-          <p:cNvCxnSpPr>
-            <a:cxnSpLocks/>
-          </p:cNvCxnSpPr>
-          <p:nvPr/>
-        </p:nvCxnSpPr>
-        <p:spPr>
-          <a:xfrm>
-            <a:off x="6462580" y="3435819"/>
-            <a:ext cx="631698" cy="0"/>
-          </a:xfrm>
-          <a:prstGeom prst="line">
-            <a:avLst/>
-          </a:prstGeom>
-          <a:ln w="57150">
-            <a:solidFill>
-              <a:srgbClr val="BDA168"/>
-            </a:solidFill>
-          </a:ln>
-        </p:spPr>
-        <p:style>
-          <a:lnRef idx="1">
-            <a:schemeClr val="accent1"/>
-          </a:lnRef>
-          <a:fillRef idx="0">
-            <a:schemeClr val="accent1"/>
-          </a:fillRef>
-          <a:effectRef idx="0">
-            <a:schemeClr val="accent1"/>
-          </a:effectRef>
-          <a:fontRef idx="minor">
-            <a:schemeClr val="tx1"/>
-          </a:fontRef>
-        </p:style>
-      </p:cxnSp>
-      <p:cxnSp>
-        <p:nvCxnSpPr>
-          <p:cNvPr id="48" name="接點: 肘形 47">
-            <a:extLst>
-              <a:ext uri="{FF2B5EF4-FFF2-40B4-BE49-F238E27FC236}">
-                <a16:creationId xmlns:a16="http://schemas.microsoft.com/office/drawing/2014/main" id="{03344133-BBF7-4A05-9B71-056DF91A6869}"/>
-              </a:ext>
-            </a:extLst>
-          </p:cNvPr>
-          <p:cNvCxnSpPr>
-            <a:stCxn id="33" idx="1"/>
-          </p:cNvCxnSpPr>
-          <p:nvPr/>
-        </p:nvCxnSpPr>
-        <p:spPr>
-          <a:xfrm rot="10800000" flipV="1">
-            <a:off x="6756889" y="2582765"/>
-            <a:ext cx="337389" cy="853054"/>
-          </a:xfrm>
-          <a:prstGeom prst="bentConnector2">
-            <a:avLst/>
-          </a:prstGeom>
-          <a:ln w="57150">
-            <a:solidFill>
-              <a:srgbClr val="BDA168"/>
-            </a:solidFill>
-          </a:ln>
-        </p:spPr>
-        <p:style>
-          <a:lnRef idx="1">
-            <a:schemeClr val="accent1"/>
-          </a:lnRef>
-          <a:fillRef idx="0">
-            <a:schemeClr val="accent1"/>
-          </a:fillRef>
-          <a:effectRef idx="0">
-            <a:schemeClr val="accent1"/>
-          </a:effectRef>
-          <a:fontRef idx="minor">
-            <a:schemeClr val="tx1"/>
-          </a:fontRef>
-        </p:style>
-      </p:cxnSp>
-      <p:cxnSp>
-        <p:nvCxnSpPr>
-          <p:cNvPr id="51" name="接點: 肘形 50">
-            <a:extLst>
-              <a:ext uri="{FF2B5EF4-FFF2-40B4-BE49-F238E27FC236}">
-                <a16:creationId xmlns:a16="http://schemas.microsoft.com/office/drawing/2014/main" id="{DD19F507-94FE-4730-B04D-A91918436D56}"/>
-              </a:ext>
-            </a:extLst>
-          </p:cNvPr>
-          <p:cNvCxnSpPr>
-            <a:cxnSpLocks/>
-            <a:stCxn id="32" idx="1"/>
-          </p:cNvCxnSpPr>
-          <p:nvPr/>
-        </p:nvCxnSpPr>
-        <p:spPr>
-          <a:xfrm rot="10800000">
-            <a:off x="6756889" y="3435819"/>
-            <a:ext cx="337389" cy="853054"/>
-          </a:xfrm>
-          <a:prstGeom prst="bentConnector2">
-            <a:avLst/>
-          </a:prstGeom>
-          <a:ln w="57150">
-            <a:solidFill>
-              <a:srgbClr val="BDA168"/>
-            </a:solidFill>
-          </a:ln>
-        </p:spPr>
-        <p:style>
-          <a:lnRef idx="1">
-            <a:schemeClr val="accent1"/>
-          </a:lnRef>
-          <a:fillRef idx="0">
-            <a:schemeClr val="accent1"/>
-          </a:fillRef>
-          <a:effectRef idx="0">
-            <a:schemeClr val="accent1"/>
-          </a:effectRef>
-          <a:fontRef idx="minor">
-            <a:schemeClr val="tx1"/>
-          </a:fontRef>
-        </p:style>
-      </p:cxnSp>
-      <p:cxnSp>
-        <p:nvCxnSpPr>
-          <p:cNvPr id="55" name="接點: 肘形 54">
-            <a:extLst>
-              <a:ext uri="{FF2B5EF4-FFF2-40B4-BE49-F238E27FC236}">
-                <a16:creationId xmlns:a16="http://schemas.microsoft.com/office/drawing/2014/main" id="{CFEC5A33-43DA-4CF8-99F9-DC38836612D5}"/>
-              </a:ext>
-            </a:extLst>
-          </p:cNvPr>
-          <p:cNvCxnSpPr>
-            <a:stCxn id="10" idx="3"/>
-            <a:endCxn id="32" idx="2"/>
-          </p:cNvCxnSpPr>
-          <p:nvPr/>
-        </p:nvCxnSpPr>
-        <p:spPr>
-          <a:xfrm flipV="1">
-            <a:off x="6462580" y="4518803"/>
-            <a:ext cx="1263395" cy="579550"/>
-          </a:xfrm>
-          <a:prstGeom prst="bentConnector2">
-            <a:avLst/>
-          </a:prstGeom>
-          <a:ln w="57150">
-            <a:solidFill>
-              <a:srgbClr val="BDA168"/>
-            </a:solidFill>
-          </a:ln>
-        </p:spPr>
-        <p:style>
-          <a:lnRef idx="1">
-            <a:schemeClr val="accent1"/>
-          </a:lnRef>
-          <a:fillRef idx="0">
-            <a:schemeClr val="accent1"/>
-          </a:fillRef>
-          <a:effectRef idx="0">
-            <a:schemeClr val="accent1"/>
-          </a:effectRef>
-          <a:fontRef idx="minor">
-            <a:schemeClr val="tx1"/>
-          </a:fontRef>
-        </p:style>
-      </p:cxnSp>
+            </a:ln>
+          </p:spPr>
+          <p:style>
+            <a:lnRef idx="1">
+              <a:schemeClr val="accent1"/>
+            </a:lnRef>
+            <a:fillRef idx="0">
+              <a:schemeClr val="accent1"/>
+            </a:fillRef>
+            <a:effectRef idx="0">
+              <a:schemeClr val="accent1"/>
+            </a:effectRef>
+            <a:fontRef idx="minor">
+              <a:schemeClr val="tx1"/>
+            </a:fontRef>
+          </p:style>
+        </p:cxnSp>
+      </p:grpSp>
     </p:spTree>
     <p:extLst>
       <p:ext uri="{BB962C8B-B14F-4D97-AF65-F5344CB8AC3E}">

--- a/企劃書.pptx
+++ b/企劃書.pptx
@@ -4953,10 +4953,10 @@
       </p:sp>
       <p:grpSp>
         <p:nvGrpSpPr>
-          <p:cNvPr id="21" name="群組 20">
-            <a:extLst>
-              <a:ext uri="{FF2B5EF4-FFF2-40B4-BE49-F238E27FC236}">
-                <a16:creationId xmlns:a16="http://schemas.microsoft.com/office/drawing/2014/main" id="{A2C82CC2-6050-4756-904C-1C1BCB35F384}"/>
+          <p:cNvPr id="52" name="群組 51">
+            <a:extLst>
+              <a:ext uri="{FF2B5EF4-FFF2-40B4-BE49-F238E27FC236}">
+                <a16:creationId xmlns:a16="http://schemas.microsoft.com/office/drawing/2014/main" id="{D6E58CF7-1A67-47E7-AB6F-D9F8FF501C79}"/>
               </a:ext>
             </a:extLst>
           </p:cNvPr>
@@ -4965,9 +4965,9 @@
         </p:nvGrpSpPr>
         <p:grpSpPr>
           <a:xfrm>
-            <a:off x="7853491" y="3157438"/>
-            <a:ext cx="2790656" cy="3099121"/>
-            <a:chOff x="6726969" y="3429000"/>
+            <a:off x="8080554" y="3165567"/>
+            <a:ext cx="3715987" cy="3099121"/>
+            <a:chOff x="8972492" y="3157436"/>
             <a:chExt cx="2790656" cy="3099121"/>
           </a:xfrm>
         </p:grpSpPr>
@@ -4985,7 +4985,7 @@
           </p:nvSpPr>
           <p:spPr>
             <a:xfrm>
-              <a:off x="6726969" y="3429000"/>
+              <a:off x="8972492" y="3157436"/>
               <a:ext cx="2790656" cy="3099121"/>
             </a:xfrm>
             <a:prstGeom prst="roundRect">
@@ -5063,154 +5063,128 @@
             </a:p>
           </p:txBody>
         </p:sp>
-        <p:grpSp>
-          <p:nvGrpSpPr>
-            <p:cNvPr id="10" name="群組 9">
+        <p:sp>
+          <p:nvSpPr>
+            <p:cNvPr id="5" name="矩形 4">
               <a:extLst>
                 <a:ext uri="{FF2B5EF4-FFF2-40B4-BE49-F238E27FC236}">
-                  <a16:creationId xmlns:a16="http://schemas.microsoft.com/office/drawing/2014/main" id="{73B66350-734D-45CB-8DF9-17ACA4466411}"/>
+                  <a16:creationId xmlns:a16="http://schemas.microsoft.com/office/drawing/2014/main" id="{91EA9A19-039A-49D1-AEB6-8E756CCD3BAE}"/>
                 </a:ext>
               </a:extLst>
             </p:cNvPr>
-            <p:cNvGrpSpPr/>
+            <p:cNvSpPr/>
             <p:nvPr/>
-          </p:nvGrpSpPr>
-          <p:grpSpPr>
+          </p:nvSpPr>
+          <p:spPr>
             <a:xfrm>
-              <a:off x="7128748" y="4252573"/>
-              <a:ext cx="2026714" cy="1728442"/>
-              <a:chOff x="4092038" y="3230556"/>
-              <a:chExt cx="2026714" cy="1728442"/>
+              <a:off x="9750467" y="3981009"/>
+              <a:ext cx="1644628" cy="817131"/>
             </a:xfrm>
-          </p:grpSpPr>
-          <p:sp>
-            <p:nvSpPr>
-              <p:cNvPr id="5" name="矩形 4">
-                <a:extLst>
-                  <a:ext uri="{FF2B5EF4-FFF2-40B4-BE49-F238E27FC236}">
-                    <a16:creationId xmlns:a16="http://schemas.microsoft.com/office/drawing/2014/main" id="{91EA9A19-039A-49D1-AEB6-8E756CCD3BAE}"/>
-                  </a:ext>
-                </a:extLst>
-              </p:cNvPr>
-              <p:cNvSpPr/>
-              <p:nvPr/>
-            </p:nvSpPr>
-            <p:spPr>
-              <a:xfrm>
-                <a:off x="4092038" y="3230556"/>
-                <a:ext cx="2020824" cy="817131"/>
-              </a:xfrm>
-              <a:prstGeom prst="rect">
-                <a:avLst/>
-              </a:prstGeom>
-              <a:solidFill>
-                <a:srgbClr val="CCCCCC"/>
-              </a:solidFill>
-              <a:ln>
-                <a:noFill/>
-              </a:ln>
-            </p:spPr>
-            <p:style>
-              <a:lnRef idx="2">
-                <a:schemeClr val="accent1">
-                  <a:shade val="50000"/>
-                </a:schemeClr>
-              </a:lnRef>
-              <a:fillRef idx="1">
-                <a:schemeClr val="accent1"/>
-              </a:fillRef>
-              <a:effectRef idx="0">
-                <a:schemeClr val="accent1"/>
-              </a:effectRef>
-              <a:fontRef idx="minor">
-                <a:schemeClr val="lt1"/>
-              </a:fontRef>
-            </p:style>
-            <p:txBody>
-              <a:bodyPr rtlCol="0" anchor="ctr"/>
-              <a:lstStyle/>
-              <a:p>
-                <a:pPr algn="ctr"/>
-                <a:r>
-                  <a:rPr lang="en-US" sz="2400" dirty="0">
-                    <a:solidFill>
-                      <a:schemeClr val="tx1"/>
-                    </a:solidFill>
-                    <a:latin typeface="Noto Sans CJK TC DemiLight" panose="020B0400000000000000" pitchFamily="34" charset="-120"/>
-                    <a:ea typeface="Noto Sans CJK TC DemiLight" panose="020B0400000000000000" pitchFamily="34" charset="-120"/>
-                  </a:rPr>
-                  <a:t>font</a:t>
-                </a:r>
-                <a:endParaRPr lang="en-US" sz="2400" dirty="0">
+            <a:prstGeom prst="rect">
+              <a:avLst/>
+            </a:prstGeom>
+            <a:solidFill>
+              <a:srgbClr val="CCCCCC"/>
+            </a:solidFill>
+            <a:ln>
+              <a:noFill/>
+            </a:ln>
+          </p:spPr>
+          <p:style>
+            <a:lnRef idx="2">
+              <a:schemeClr val="accent1">
+                <a:shade val="50000"/>
+              </a:schemeClr>
+            </a:lnRef>
+            <a:fillRef idx="1">
+              <a:schemeClr val="accent1"/>
+            </a:fillRef>
+            <a:effectRef idx="0">
+              <a:schemeClr val="accent1"/>
+            </a:effectRef>
+            <a:fontRef idx="minor">
+              <a:schemeClr val="lt1"/>
+            </a:fontRef>
+          </p:style>
+          <p:txBody>
+            <a:bodyPr rtlCol="0" anchor="ctr"/>
+            <a:lstStyle/>
+            <a:p>
+              <a:pPr algn="ctr"/>
+              <a:r>
+                <a:rPr lang="en-US" sz="2400" dirty="0">
                   <a:solidFill>
-                    <a:srgbClr val="CCCCCC"/>
+                    <a:schemeClr val="tx1"/>
                   </a:solidFill>
-                </a:endParaRPr>
-              </a:p>
-            </p:txBody>
-          </p:sp>
-          <p:sp>
-            <p:nvSpPr>
-              <p:cNvPr id="7" name="矩形 6">
-                <a:extLst>
-                  <a:ext uri="{FF2B5EF4-FFF2-40B4-BE49-F238E27FC236}">
-                    <a16:creationId xmlns:a16="http://schemas.microsoft.com/office/drawing/2014/main" id="{D4948D82-D655-45B7-93E8-8FC6EEA2CEB8}"/>
-                  </a:ext>
-                </a:extLst>
-              </p:cNvPr>
-              <p:cNvSpPr/>
-              <p:nvPr/>
-            </p:nvSpPr>
-            <p:spPr>
-              <a:xfrm>
-                <a:off x="4097928" y="4141867"/>
-                <a:ext cx="2020824" cy="817131"/>
-              </a:xfrm>
-              <a:prstGeom prst="rect">
-                <a:avLst/>
-              </a:prstGeom>
-              <a:solidFill>
-                <a:srgbClr val="17172E"/>
-              </a:solidFill>
-              <a:ln>
-                <a:noFill/>
-              </a:ln>
-            </p:spPr>
-            <p:style>
-              <a:lnRef idx="2">
-                <a:schemeClr val="accent1">
-                  <a:shade val="50000"/>
-                </a:schemeClr>
-              </a:lnRef>
-              <a:fillRef idx="1">
-                <a:schemeClr val="accent1"/>
-              </a:fillRef>
-              <a:effectRef idx="0">
-                <a:schemeClr val="accent1"/>
-              </a:effectRef>
-              <a:fontRef idx="minor">
-                <a:schemeClr val="lt1"/>
-              </a:fontRef>
-            </p:style>
-            <p:txBody>
-              <a:bodyPr rtlCol="0" anchor="ctr"/>
-              <a:lstStyle/>
-              <a:p>
-                <a:pPr algn="ctr"/>
-                <a:r>
-                  <a:rPr lang="en-US" dirty="0">
-                    <a:solidFill>
-                      <a:schemeClr val="bg1"/>
-                    </a:solidFill>
-                    <a:latin typeface="Noto Sans CJK TC DemiLight" panose="020B0400000000000000" pitchFamily="34" charset="-120"/>
-                    <a:ea typeface="Noto Sans CJK TC DemiLight" panose="020B0400000000000000" pitchFamily="34" charset="-120"/>
-                  </a:rPr>
-                  <a:t>background</a:t>
-                </a:r>
-              </a:p>
-            </p:txBody>
-          </p:sp>
-        </p:grpSp>
+                  <a:latin typeface="Noto Sans CJK TC DemiLight" panose="020B0400000000000000" pitchFamily="34" charset="-120"/>
+                  <a:ea typeface="Noto Sans CJK TC DemiLight" panose="020B0400000000000000" pitchFamily="34" charset="-120"/>
+                </a:rPr>
+                <a:t>#CCCCCC</a:t>
+              </a:r>
+            </a:p>
+          </p:txBody>
+        </p:sp>
+        <p:sp>
+          <p:nvSpPr>
+            <p:cNvPr id="7" name="矩形 6">
+              <a:extLst>
+                <a:ext uri="{FF2B5EF4-FFF2-40B4-BE49-F238E27FC236}">
+                  <a16:creationId xmlns:a16="http://schemas.microsoft.com/office/drawing/2014/main" id="{D4948D82-D655-45B7-93E8-8FC6EEA2CEB8}"/>
+                </a:ext>
+              </a:extLst>
+            </p:cNvPr>
+            <p:cNvSpPr/>
+            <p:nvPr/>
+          </p:nvSpPr>
+          <p:spPr>
+            <a:xfrm>
+              <a:off x="9756357" y="4892320"/>
+              <a:ext cx="1644628" cy="817131"/>
+            </a:xfrm>
+            <a:prstGeom prst="rect">
+              <a:avLst/>
+            </a:prstGeom>
+            <a:solidFill>
+              <a:srgbClr val="17172E"/>
+            </a:solidFill>
+            <a:ln>
+              <a:noFill/>
+            </a:ln>
+          </p:spPr>
+          <p:style>
+            <a:lnRef idx="2">
+              <a:schemeClr val="accent1">
+                <a:shade val="50000"/>
+              </a:schemeClr>
+            </a:lnRef>
+            <a:fillRef idx="1">
+              <a:schemeClr val="accent1"/>
+            </a:fillRef>
+            <a:effectRef idx="0">
+              <a:schemeClr val="accent1"/>
+            </a:effectRef>
+            <a:fontRef idx="minor">
+              <a:schemeClr val="lt1"/>
+            </a:fontRef>
+          </p:style>
+          <p:txBody>
+            <a:bodyPr rtlCol="0" anchor="ctr"/>
+            <a:lstStyle/>
+            <a:p>
+              <a:pPr algn="ctr"/>
+              <a:r>
+                <a:rPr lang="en-US" sz="2400" dirty="0">
+                  <a:solidFill>
+                    <a:schemeClr val="bg1"/>
+                  </a:solidFill>
+                  <a:latin typeface="Noto Sans CJK TC DemiLight" panose="020B0400000000000000" pitchFamily="34" charset="-120"/>
+                  <a:ea typeface="Noto Sans CJK TC DemiLight" panose="020B0400000000000000" pitchFamily="34" charset="-120"/>
+                </a:rPr>
+                <a:t>#17172E</a:t>
+              </a:r>
+            </a:p>
+          </p:txBody>
+        </p:sp>
       </p:grpSp>
       <p:pic>
         <p:nvPicPr>
@@ -5233,7 +5207,7 @@
         </p:blipFill>
         <p:spPr>
           <a:xfrm>
-            <a:off x="1769456" y="1913626"/>
+            <a:off x="1135874" y="1931468"/>
             <a:ext cx="2301944" cy="873399"/>
           </a:xfrm>
           <a:prstGeom prst="rect">
@@ -5255,8 +5229,8 @@
         </p:nvGrpSpPr>
         <p:grpSpPr>
           <a:xfrm>
-            <a:off x="4700672" y="3157437"/>
-            <a:ext cx="2790656" cy="3099121"/>
+            <a:off x="4212158" y="3165567"/>
+            <a:ext cx="3715987" cy="3099121"/>
             <a:chOff x="2674373" y="3428999"/>
             <a:chExt cx="2790656" cy="3099121"/>
           </a:xfrm>
@@ -5367,8 +5341,8 @@
           </p:nvSpPr>
           <p:spPr>
             <a:xfrm>
-              <a:off x="3059289" y="4254910"/>
-              <a:ext cx="2020824" cy="814794"/>
+              <a:off x="3424563" y="4254910"/>
+              <a:ext cx="1655550" cy="814794"/>
             </a:xfrm>
             <a:prstGeom prst="rect">
               <a:avLst/>
@@ -5409,7 +5383,7 @@
                   <a:latin typeface="Noto Sans CJK TC DemiLight" panose="020B0400000000000000" pitchFamily="34" charset="-120"/>
                   <a:ea typeface="Noto Sans CJK TC DemiLight" panose="020B0400000000000000" pitchFamily="34" charset="-120"/>
                 </a:rPr>
-                <a:t>font</a:t>
+                <a:t>#FFFFFF</a:t>
               </a:r>
             </a:p>
           </p:txBody>
@@ -5428,8 +5402,8 @@
           </p:nvSpPr>
           <p:spPr>
             <a:xfrm>
-              <a:off x="3059289" y="5166222"/>
-              <a:ext cx="2020824" cy="814794"/>
+              <a:off x="3424563" y="5166222"/>
+              <a:ext cx="1655550" cy="814794"/>
             </a:xfrm>
             <a:prstGeom prst="rect">
               <a:avLst/>
@@ -5463,25 +5437,83 @@
             <a:p>
               <a:pPr algn="ctr"/>
               <a:r>
-                <a:rPr lang="en-US" dirty="0">
+                <a:rPr lang="en-US" sz="2400" dirty="0">
                   <a:solidFill>
                     <a:schemeClr val="bg1"/>
                   </a:solidFill>
                   <a:latin typeface="Noto Sans CJK TC DemiLight" panose="020B0400000000000000" pitchFamily="34" charset="-120"/>
                   <a:ea typeface="Noto Sans CJK TC DemiLight" panose="020B0400000000000000" pitchFamily="34" charset="-120"/>
                 </a:rPr>
-                <a:t>background</a:t>
+                <a:t>#17172E</a:t>
               </a:r>
             </a:p>
           </p:txBody>
         </p:sp>
       </p:grpSp>
+      <p:pic>
+        <p:nvPicPr>
+          <p:cNvPr id="44" name="圖片 43">
+            <a:extLst>
+              <a:ext uri="{FF2B5EF4-FFF2-40B4-BE49-F238E27FC236}">
+                <a16:creationId xmlns:a16="http://schemas.microsoft.com/office/drawing/2014/main" id="{B508735C-8FF1-423C-9BD7-9009DC12B2B8}"/>
+              </a:ext>
+            </a:extLst>
+          </p:cNvPr>
+          <p:cNvPicPr>
+            <a:picLocks noChangeAspect="1"/>
+          </p:cNvPicPr>
+          <p:nvPr/>
+        </p:nvPicPr>
+        <p:blipFill rotWithShape="1">
+          <a:blip r:embed="rId2"/>
+          <a:srcRect l="43145" t="9072" r="37661" b="77888"/>
+          <a:stretch/>
+        </p:blipFill>
+        <p:spPr>
+          <a:xfrm>
+            <a:off x="4925961" y="1931468"/>
+            <a:ext cx="2340077" cy="894227"/>
+          </a:xfrm>
+          <a:prstGeom prst="rect">
+            <a:avLst/>
+          </a:prstGeom>
+        </p:spPr>
+      </p:pic>
+      <p:pic>
+        <p:nvPicPr>
+          <p:cNvPr id="45" name="圖片 44">
+            <a:extLst>
+              <a:ext uri="{FF2B5EF4-FFF2-40B4-BE49-F238E27FC236}">
+                <a16:creationId xmlns:a16="http://schemas.microsoft.com/office/drawing/2014/main" id="{436FD5DB-4785-4BBD-A38C-27569ED2AAED}"/>
+              </a:ext>
+            </a:extLst>
+          </p:cNvPr>
+          <p:cNvPicPr>
+            <a:picLocks noChangeAspect="1"/>
+          </p:cNvPicPr>
+          <p:nvPr/>
+        </p:nvPicPr>
+        <p:blipFill rotWithShape="1">
+          <a:blip r:embed="rId2"/>
+          <a:srcRect l="62258" t="8769" r="17903" b="78495"/>
+          <a:stretch/>
+        </p:blipFill>
+        <p:spPr>
+          <a:xfrm>
+            <a:off x="8759477" y="1941882"/>
+            <a:ext cx="2418736" cy="873398"/>
+          </a:xfrm>
+          <a:prstGeom prst="rect">
+            <a:avLst/>
+          </a:prstGeom>
+        </p:spPr>
+      </p:pic>
       <p:grpSp>
         <p:nvGrpSpPr>
-          <p:cNvPr id="27" name="群組 26">
-            <a:extLst>
-              <a:ext uri="{FF2B5EF4-FFF2-40B4-BE49-F238E27FC236}">
-                <a16:creationId xmlns:a16="http://schemas.microsoft.com/office/drawing/2014/main" id="{8F865849-C415-4E12-BD67-57FE82A09C50}"/>
+          <p:cNvPr id="49" name="群組 48">
+            <a:extLst>
+              <a:ext uri="{FF2B5EF4-FFF2-40B4-BE49-F238E27FC236}">
+                <a16:creationId xmlns:a16="http://schemas.microsoft.com/office/drawing/2014/main" id="{1CB5C59E-773B-478D-B7D4-97D8D3982540}"/>
               </a:ext>
             </a:extLst>
           </p:cNvPr>
@@ -5490,186 +5522,161 @@
         </p:nvGrpSpPr>
         <p:grpSpPr>
           <a:xfrm>
-            <a:off x="1525100" y="3157437"/>
-            <a:ext cx="2790656" cy="3099121"/>
-            <a:chOff x="1665308" y="3503941"/>
-            <a:chExt cx="2790656" cy="3099121"/>
+            <a:off x="343762" y="3165567"/>
+            <a:ext cx="3715988" cy="3099121"/>
+            <a:chOff x="599768" y="3157437"/>
+            <a:chExt cx="3715988" cy="3099121"/>
           </a:xfrm>
         </p:grpSpPr>
-        <p:grpSp>
-          <p:nvGrpSpPr>
-            <p:cNvPr id="22" name="群組 21">
+        <p:sp>
+          <p:nvSpPr>
+            <p:cNvPr id="23" name="矩形: 圓角 22">
               <a:extLst>
                 <a:ext uri="{FF2B5EF4-FFF2-40B4-BE49-F238E27FC236}">
-                  <a16:creationId xmlns:a16="http://schemas.microsoft.com/office/drawing/2014/main" id="{EF643B6C-2600-4986-A486-CEB1D5196975}"/>
+                  <a16:creationId xmlns:a16="http://schemas.microsoft.com/office/drawing/2014/main" id="{C6D451C3-FE03-4A80-AF14-93B77B21BE17}"/>
                 </a:ext>
               </a:extLst>
             </p:cNvPr>
-            <p:cNvGrpSpPr/>
+            <p:cNvSpPr/>
             <p:nvPr/>
-          </p:nvGrpSpPr>
-          <p:grpSpPr>
+          </p:nvSpPr>
+          <p:spPr>
             <a:xfrm>
-              <a:off x="1665308" y="3503941"/>
-              <a:ext cx="2790656" cy="3099121"/>
-              <a:chOff x="2674373" y="3428999"/>
-              <a:chExt cx="2790656" cy="3099121"/>
+              <a:off x="599768" y="3157437"/>
+              <a:ext cx="3715988" cy="3099121"/>
             </a:xfrm>
-          </p:grpSpPr>
-          <p:sp>
-            <p:nvSpPr>
-              <p:cNvPr id="23" name="矩形: 圓角 22">
-                <a:extLst>
-                  <a:ext uri="{FF2B5EF4-FFF2-40B4-BE49-F238E27FC236}">
-                    <a16:creationId xmlns:a16="http://schemas.microsoft.com/office/drawing/2014/main" id="{C6D451C3-FE03-4A80-AF14-93B77B21BE17}"/>
-                  </a:ext>
-                </a:extLst>
-              </p:cNvPr>
-              <p:cNvSpPr/>
-              <p:nvPr/>
-            </p:nvSpPr>
-            <p:spPr>
-              <a:xfrm>
-                <a:off x="2674373" y="3428999"/>
-                <a:ext cx="2790656" cy="3099121"/>
-              </a:xfrm>
-              <a:prstGeom prst="roundRect">
-                <a:avLst>
-                  <a:gd name="adj" fmla="val 3252"/>
-                </a:avLst>
-              </a:prstGeom>
-              <a:solidFill>
-                <a:srgbClr val="A6A6A6"/>
-              </a:solidFill>
-              <a:ln>
-                <a:noFill/>
-              </a:ln>
-            </p:spPr>
-            <p:style>
-              <a:lnRef idx="2">
-                <a:schemeClr val="accent1">
-                  <a:shade val="50000"/>
-                </a:schemeClr>
-              </a:lnRef>
-              <a:fillRef idx="1">
-                <a:schemeClr val="accent1"/>
-              </a:fillRef>
-              <a:effectRef idx="0">
-                <a:schemeClr val="accent1"/>
-              </a:effectRef>
-              <a:fontRef idx="minor">
-                <a:schemeClr val="lt1"/>
-              </a:fontRef>
-            </p:style>
-            <p:txBody>
-              <a:bodyPr rtlCol="0" anchor="t"/>
-              <a:lstStyle/>
-              <a:p>
-                <a:pPr algn="ctr"/>
-                <a:endParaRPr lang="en-US" altLang="zh-TW" sz="2000" dirty="0">
+            <a:prstGeom prst="roundRect">
+              <a:avLst>
+                <a:gd name="adj" fmla="val 3252"/>
+              </a:avLst>
+            </a:prstGeom>
+            <a:solidFill>
+              <a:srgbClr val="A6A6A6"/>
+            </a:solidFill>
+            <a:ln>
+              <a:noFill/>
+            </a:ln>
+          </p:spPr>
+          <p:style>
+            <a:lnRef idx="2">
+              <a:schemeClr val="accent1">
+                <a:shade val="50000"/>
+              </a:schemeClr>
+            </a:lnRef>
+            <a:fillRef idx="1">
+              <a:schemeClr val="accent1"/>
+            </a:fillRef>
+            <a:effectRef idx="0">
+              <a:schemeClr val="accent1"/>
+            </a:effectRef>
+            <a:fontRef idx="minor">
+              <a:schemeClr val="lt1"/>
+            </a:fontRef>
+          </p:style>
+          <p:txBody>
+            <a:bodyPr rtlCol="0" anchor="t"/>
+            <a:lstStyle/>
+            <a:p>
+              <a:pPr algn="ctr"/>
+              <a:endParaRPr lang="en-US" altLang="zh-TW" sz="2000" dirty="0">
+                <a:latin typeface="Noto Sans CJK TC Medium" panose="020B0600000000000000" pitchFamily="34" charset="-120"/>
+                <a:ea typeface="Noto Sans CJK TC Medium" panose="020B0600000000000000" pitchFamily="34" charset="-120"/>
+              </a:endParaRPr>
+            </a:p>
+            <a:p>
+              <a:pPr algn="ctr"/>
+              <a:r>
+                <a:rPr lang="zh-TW" altLang="en-US" sz="2000" dirty="0">
                   <a:latin typeface="Noto Sans CJK TC Medium" panose="020B0600000000000000" pitchFamily="34" charset="-120"/>
                   <a:ea typeface="Noto Sans CJK TC Medium" panose="020B0600000000000000" pitchFamily="34" charset="-120"/>
-                </a:endParaRPr>
-              </a:p>
-              <a:p>
-                <a:pPr algn="ctr"/>
-                <a:r>
-                  <a:rPr lang="zh-TW" altLang="en-US" sz="2000" dirty="0">
-                    <a:latin typeface="Noto Sans CJK TC Medium" panose="020B0600000000000000" pitchFamily="34" charset="-120"/>
-                    <a:ea typeface="Noto Sans CJK TC Medium" panose="020B0600000000000000" pitchFamily="34" charset="-120"/>
-                  </a:rPr>
-                  <a:t>已選取</a:t>
-                </a:r>
-                <a:r>
-                  <a:rPr lang="en-US" altLang="zh-TW" sz="2000" dirty="0">
-                    <a:latin typeface="Noto Sans CJK TC Medium" panose="020B0600000000000000" pitchFamily="34" charset="-120"/>
-                    <a:ea typeface="Noto Sans CJK TC Medium" panose="020B0600000000000000" pitchFamily="34" charset="-120"/>
-                  </a:rPr>
-                  <a:t>(</a:t>
-                </a:r>
-                <a:r>
-                  <a:rPr lang="zh-TW" altLang="en-US" sz="2000" dirty="0">
-                    <a:latin typeface="Noto Sans CJK TC Medium" panose="020B0600000000000000" pitchFamily="34" charset="-120"/>
-                    <a:ea typeface="Noto Sans CJK TC Medium" panose="020B0600000000000000" pitchFamily="34" charset="-120"/>
-                  </a:rPr>
-                  <a:t>不論有無鼠標</a:t>
-                </a:r>
-                <a:r>
-                  <a:rPr lang="en-US" altLang="zh-TW" sz="2000" dirty="0">
-                    <a:latin typeface="Noto Sans CJK TC Medium" panose="020B0600000000000000" pitchFamily="34" charset="-120"/>
-                    <a:ea typeface="Noto Sans CJK TC Medium" panose="020B0600000000000000" pitchFamily="34" charset="-120"/>
-                  </a:rPr>
-                  <a:t>)</a:t>
-                </a:r>
-                <a:endParaRPr lang="en-US" sz="2000" dirty="0">
+                </a:rPr>
+                <a:t>已選取</a:t>
+              </a:r>
+              <a:r>
+                <a:rPr lang="en-US" altLang="zh-TW" sz="2000" dirty="0">
                   <a:latin typeface="Noto Sans CJK TC Medium" panose="020B0600000000000000" pitchFamily="34" charset="-120"/>
                   <a:ea typeface="Noto Sans CJK TC Medium" panose="020B0600000000000000" pitchFamily="34" charset="-120"/>
-                </a:endParaRPr>
-              </a:p>
-            </p:txBody>
-          </p:sp>
-          <p:sp>
-            <p:nvSpPr>
-              <p:cNvPr id="25" name="矩形 24">
-                <a:extLst>
-                  <a:ext uri="{FF2B5EF4-FFF2-40B4-BE49-F238E27FC236}">
-                    <a16:creationId xmlns:a16="http://schemas.microsoft.com/office/drawing/2014/main" id="{44380EDA-814E-4B1B-B8C0-523ADDF3BD50}"/>
-                  </a:ext>
-                </a:extLst>
-              </p:cNvPr>
-              <p:cNvSpPr/>
-              <p:nvPr/>
-            </p:nvSpPr>
-            <p:spPr>
-              <a:xfrm>
-                <a:off x="3059289" y="4860077"/>
-                <a:ext cx="2020824" cy="520873"/>
-              </a:xfrm>
-              <a:prstGeom prst="rect">
-                <a:avLst/>
-              </a:prstGeom>
-              <a:solidFill>
-                <a:srgbClr val="31334A"/>
-              </a:solidFill>
-              <a:ln>
-                <a:noFill/>
-              </a:ln>
-            </p:spPr>
-            <p:style>
-              <a:lnRef idx="2">
-                <a:schemeClr val="accent1">
-                  <a:shade val="50000"/>
-                </a:schemeClr>
-              </a:lnRef>
-              <a:fillRef idx="1">
-                <a:schemeClr val="accent1"/>
-              </a:fillRef>
-              <a:effectRef idx="0">
-                <a:schemeClr val="accent1"/>
-              </a:effectRef>
-              <a:fontRef idx="minor">
-                <a:schemeClr val="lt1"/>
-              </a:fontRef>
-            </p:style>
-            <p:txBody>
-              <a:bodyPr rtlCol="0" anchor="ctr"/>
-              <a:lstStyle/>
-              <a:p>
-                <a:pPr algn="ctr"/>
-                <a:r>
-                  <a:rPr lang="en-US" dirty="0">
-                    <a:solidFill>
-                      <a:schemeClr val="bg1"/>
-                    </a:solidFill>
-                    <a:latin typeface="Noto Sans CJK TC DemiLight" panose="020B0400000000000000" pitchFamily="34" charset="-120"/>
-                    <a:ea typeface="Noto Sans CJK TC DemiLight" panose="020B0400000000000000" pitchFamily="34" charset="-120"/>
-                  </a:rPr>
-                  <a:t>background</a:t>
-                </a:r>
-              </a:p>
-            </p:txBody>
-          </p:sp>
-        </p:grpSp>
+                </a:rPr>
+                <a:t>(</a:t>
+              </a:r>
+              <a:r>
+                <a:rPr lang="zh-TW" altLang="en-US" sz="2000" dirty="0">
+                  <a:latin typeface="Noto Sans CJK TC Medium" panose="020B0600000000000000" pitchFamily="34" charset="-120"/>
+                  <a:ea typeface="Noto Sans CJK TC Medium" panose="020B0600000000000000" pitchFamily="34" charset="-120"/>
+                </a:rPr>
+                <a:t>不論有無鼠標</a:t>
+              </a:r>
+              <a:r>
+                <a:rPr lang="en-US" altLang="zh-TW" sz="2000" dirty="0">
+                  <a:latin typeface="Noto Sans CJK TC Medium" panose="020B0600000000000000" pitchFamily="34" charset="-120"/>
+                  <a:ea typeface="Noto Sans CJK TC Medium" panose="020B0600000000000000" pitchFamily="34" charset="-120"/>
+                </a:rPr>
+                <a:t>)</a:t>
+              </a:r>
+            </a:p>
+          </p:txBody>
+        </p:sp>
+        <p:sp>
+          <p:nvSpPr>
+            <p:cNvPr id="25" name="矩形 24">
+              <a:extLst>
+                <a:ext uri="{FF2B5EF4-FFF2-40B4-BE49-F238E27FC236}">
+                  <a16:creationId xmlns:a16="http://schemas.microsoft.com/office/drawing/2014/main" id="{44380EDA-814E-4B1B-B8C0-523ADDF3BD50}"/>
+                </a:ext>
+              </a:extLst>
+            </p:cNvPr>
+            <p:cNvSpPr/>
+            <p:nvPr/>
+          </p:nvSpPr>
+          <p:spPr>
+            <a:xfrm>
+              <a:off x="1910016" y="4588515"/>
+              <a:ext cx="2020824" cy="520873"/>
+            </a:xfrm>
+            <a:prstGeom prst="rect">
+              <a:avLst/>
+            </a:prstGeom>
+            <a:solidFill>
+              <a:srgbClr val="31334A"/>
+            </a:solidFill>
+            <a:ln>
+              <a:noFill/>
+            </a:ln>
+          </p:spPr>
+          <p:style>
+            <a:lnRef idx="2">
+              <a:schemeClr val="accent1">
+                <a:shade val="50000"/>
+              </a:schemeClr>
+            </a:lnRef>
+            <a:fillRef idx="1">
+              <a:schemeClr val="accent1"/>
+            </a:fillRef>
+            <a:effectRef idx="0">
+              <a:schemeClr val="accent1"/>
+            </a:effectRef>
+            <a:fontRef idx="minor">
+              <a:schemeClr val="lt1"/>
+            </a:fontRef>
+          </p:style>
+          <p:txBody>
+            <a:bodyPr rtlCol="0" anchor="ctr"/>
+            <a:lstStyle/>
+            <a:p>
+              <a:pPr algn="ctr"/>
+              <a:r>
+                <a:rPr lang="en-US" sz="2400" dirty="0">
+                  <a:solidFill>
+                    <a:schemeClr val="bg1"/>
+                  </a:solidFill>
+                  <a:latin typeface="Noto Sans CJK TC DemiLight" panose="020B0400000000000000" pitchFamily="34" charset="-120"/>
+                  <a:ea typeface="Noto Sans CJK TC DemiLight" panose="020B0400000000000000" pitchFamily="34" charset="-120"/>
+                </a:rPr>
+                <a:t>#31334A</a:t>
+              </a:r>
+            </a:p>
+          </p:txBody>
+        </p:sp>
         <p:sp>
           <p:nvSpPr>
             <p:cNvPr id="26" name="矩形 25">
@@ -5684,7 +5691,7 @@
           </p:nvSpPr>
           <p:spPr>
             <a:xfrm>
-              <a:off x="2050224" y="4333801"/>
+              <a:off x="1910016" y="3987297"/>
               <a:ext cx="2020824" cy="520873"/>
             </a:xfrm>
             <a:prstGeom prst="rect">
@@ -5719,22 +5726,15 @@
             <a:p>
               <a:pPr algn="ctr"/>
               <a:r>
-                <a:rPr lang="en-US" sz="2000" dirty="0">
+                <a:rPr lang="en-US" sz="2400" dirty="0">
                   <a:solidFill>
                     <a:schemeClr val="tx1"/>
                   </a:solidFill>
                   <a:latin typeface="Noto Sans CJK TC DemiLight" panose="020B0400000000000000" pitchFamily="34" charset="-120"/>
                   <a:ea typeface="Noto Sans CJK TC DemiLight" panose="020B0400000000000000" pitchFamily="34" charset="-120"/>
                 </a:rPr>
-                <a:t>font</a:t>
+                <a:t>#CCCCCC</a:t>
               </a:r>
-              <a:endParaRPr lang="en-US" sz="2400" dirty="0">
-                <a:solidFill>
-                  <a:schemeClr val="tx1"/>
-                </a:solidFill>
-                <a:latin typeface="Noto Sans CJK TC DemiLight" panose="020B0400000000000000" pitchFamily="34" charset="-120"/>
-                <a:ea typeface="Noto Sans CJK TC DemiLight" panose="020B0400000000000000" pitchFamily="34" charset="-120"/>
-              </a:endParaRPr>
             </a:p>
           </p:txBody>
         </p:sp>
@@ -5752,7 +5752,7 @@
           </p:nvSpPr>
           <p:spPr>
             <a:xfrm>
-              <a:off x="2050224" y="5536237"/>
+              <a:off x="1910016" y="5189733"/>
               <a:ext cx="2020824" cy="520873"/>
             </a:xfrm>
             <a:prstGeom prst="rect">
@@ -5787,74 +5787,311 @@
             <a:p>
               <a:pPr algn="ctr"/>
               <a:r>
-                <a:rPr lang="en-US" dirty="0">
+                <a:rPr lang="en-US" altLang="zh-TW" sz="2400" dirty="0">
                   <a:latin typeface="Noto Sans CJK TC DemiLight" panose="020B0400000000000000" pitchFamily="34" charset="-120"/>
                   <a:ea typeface="Noto Sans CJK TC DemiLight" panose="020B0400000000000000" pitchFamily="34" charset="-120"/>
                 </a:rPr>
-                <a:t>border</a:t>
+                <a:t>#</a:t>
+              </a:r>
+              <a:r>
+                <a:rPr lang="en-US" sz="2400" dirty="0">
+                  <a:latin typeface="Noto Sans CJK TC DemiLight" panose="020B0400000000000000" pitchFamily="34" charset="-120"/>
+                  <a:ea typeface="Noto Sans CJK TC DemiLight" panose="020B0400000000000000" pitchFamily="34" charset="-120"/>
+                </a:rPr>
+                <a:t>096FB2</a:t>
               </a:r>
             </a:p>
           </p:txBody>
         </p:sp>
+        <p:sp>
+          <p:nvSpPr>
+            <p:cNvPr id="46" name="文字方塊 45">
+              <a:extLst>
+                <a:ext uri="{FF2B5EF4-FFF2-40B4-BE49-F238E27FC236}">
+                  <a16:creationId xmlns:a16="http://schemas.microsoft.com/office/drawing/2014/main" id="{EB646016-3F59-4744-A897-59CF0B7B56CA}"/>
+                </a:ext>
+              </a:extLst>
+            </p:cNvPr>
+            <p:cNvSpPr txBox="1"/>
+            <p:nvPr/>
+          </p:nvSpPr>
+          <p:spPr>
+            <a:xfrm>
+              <a:off x="1113948" y="4051356"/>
+              <a:ext cx="856029" cy="400110"/>
+            </a:xfrm>
+            <a:prstGeom prst="rect">
+              <a:avLst/>
+            </a:prstGeom>
+            <a:noFill/>
+          </p:spPr>
+          <p:txBody>
+            <a:bodyPr wrap="square" rtlCol="0">
+              <a:spAutoFit/>
+            </a:bodyPr>
+            <a:lstStyle/>
+            <a:p>
+              <a:r>
+                <a:rPr lang="zh-TW" altLang="en-US" sz="2000" dirty="0">
+                  <a:latin typeface="Noto Sans CJK TC DemiLight" panose="020B0400000000000000" pitchFamily="34" charset="-120"/>
+                  <a:ea typeface="Noto Sans CJK TC DemiLight" panose="020B0400000000000000" pitchFamily="34" charset="-120"/>
+                </a:rPr>
+                <a:t>字體</a:t>
+              </a:r>
+              <a:endParaRPr lang="en-US" sz="2400" dirty="0">
+                <a:latin typeface="Noto Sans CJK TC DemiLight" panose="020B0400000000000000" pitchFamily="34" charset="-120"/>
+                <a:ea typeface="Noto Sans CJK TC DemiLight" panose="020B0400000000000000" pitchFamily="34" charset="-120"/>
+              </a:endParaRPr>
+            </a:p>
+          </p:txBody>
+        </p:sp>
+        <p:sp>
+          <p:nvSpPr>
+            <p:cNvPr id="47" name="文字方塊 46">
+              <a:extLst>
+                <a:ext uri="{FF2B5EF4-FFF2-40B4-BE49-F238E27FC236}">
+                  <a16:creationId xmlns:a16="http://schemas.microsoft.com/office/drawing/2014/main" id="{FEF15D7D-929F-4AC8-BD10-9A0909891731}"/>
+                </a:ext>
+              </a:extLst>
+            </p:cNvPr>
+            <p:cNvSpPr txBox="1"/>
+            <p:nvPr/>
+          </p:nvSpPr>
+          <p:spPr>
+            <a:xfrm>
+              <a:off x="872491" y="4648896"/>
+              <a:ext cx="1147901" cy="400110"/>
+            </a:xfrm>
+            <a:prstGeom prst="rect">
+              <a:avLst/>
+            </a:prstGeom>
+            <a:noFill/>
+          </p:spPr>
+          <p:txBody>
+            <a:bodyPr wrap="square" rtlCol="0">
+              <a:spAutoFit/>
+            </a:bodyPr>
+            <a:lstStyle/>
+            <a:p>
+              <a:r>
+                <a:rPr lang="zh-TW" altLang="en-US" sz="2000" dirty="0">
+                  <a:latin typeface="Noto Sans CJK TC DemiLight" panose="020B0400000000000000" pitchFamily="34" charset="-120"/>
+                  <a:ea typeface="Noto Sans CJK TC DemiLight" panose="020B0400000000000000" pitchFamily="34" charset="-120"/>
+                </a:rPr>
+                <a:t>背景色</a:t>
+              </a:r>
+              <a:endParaRPr lang="en-US" dirty="0"/>
+            </a:p>
+          </p:txBody>
+        </p:sp>
+        <p:sp>
+          <p:nvSpPr>
+            <p:cNvPr id="48" name="文字方塊 47">
+              <a:extLst>
+                <a:ext uri="{FF2B5EF4-FFF2-40B4-BE49-F238E27FC236}">
+                  <a16:creationId xmlns:a16="http://schemas.microsoft.com/office/drawing/2014/main" id="{8E9682B5-50E2-450F-B26F-ABF57CF68543}"/>
+                </a:ext>
+              </a:extLst>
+            </p:cNvPr>
+            <p:cNvSpPr txBox="1"/>
+            <p:nvPr/>
+          </p:nvSpPr>
+          <p:spPr>
+            <a:xfrm>
+              <a:off x="1113948" y="5250114"/>
+              <a:ext cx="715469" cy="400110"/>
+            </a:xfrm>
+            <a:prstGeom prst="rect">
+              <a:avLst/>
+            </a:prstGeom>
+            <a:noFill/>
+          </p:spPr>
+          <p:txBody>
+            <a:bodyPr wrap="square" rtlCol="0">
+              <a:spAutoFit/>
+            </a:bodyPr>
+            <a:lstStyle/>
+            <a:p>
+              <a:r>
+                <a:rPr lang="zh-TW" altLang="en-US" sz="2000" dirty="0">
+                  <a:latin typeface="Noto Sans CJK TC DemiLight" panose="020B0400000000000000" pitchFamily="34" charset="-120"/>
+                  <a:ea typeface="Noto Sans CJK TC DemiLight" panose="020B0400000000000000" pitchFamily="34" charset="-120"/>
+                </a:rPr>
+                <a:t>底線</a:t>
+              </a:r>
+              <a:endParaRPr lang="en-US" dirty="0"/>
+            </a:p>
+          </p:txBody>
+        </p:sp>
       </p:grpSp>
-      <p:pic>
-        <p:nvPicPr>
-          <p:cNvPr id="44" name="圖片 43">
-            <a:extLst>
-              <a:ext uri="{FF2B5EF4-FFF2-40B4-BE49-F238E27FC236}">
-                <a16:creationId xmlns:a16="http://schemas.microsoft.com/office/drawing/2014/main" id="{B508735C-8FF1-423C-9BD7-9009DC12B2B8}"/>
-              </a:ext>
-            </a:extLst>
-          </p:cNvPr>
-          <p:cNvPicPr>
-            <a:picLocks noChangeAspect="1"/>
-          </p:cNvPicPr>
+      <p:sp>
+        <p:nvSpPr>
+          <p:cNvPr id="54" name="文字方塊 53">
+            <a:extLst>
+              <a:ext uri="{FF2B5EF4-FFF2-40B4-BE49-F238E27FC236}">
+                <a16:creationId xmlns:a16="http://schemas.microsoft.com/office/drawing/2014/main" id="{90331822-A0D0-46C5-8FC6-B6F1C32C2A2C}"/>
+              </a:ext>
+            </a:extLst>
+          </p:cNvPr>
+          <p:cNvSpPr txBox="1"/>
           <p:nvPr/>
-        </p:nvPicPr>
-        <p:blipFill rotWithShape="1">
-          <a:blip r:embed="rId2"/>
-          <a:srcRect l="43145" t="9072" r="37661" b="77888"/>
-          <a:stretch/>
-        </p:blipFill>
+        </p:nvSpPr>
         <p:spPr>
           <a:xfrm>
-            <a:off x="4925961" y="1892798"/>
-            <a:ext cx="2340077" cy="894227"/>
+            <a:off x="4459752" y="4255863"/>
+            <a:ext cx="697627" cy="400110"/>
           </a:xfrm>
           <a:prstGeom prst="rect">
             <a:avLst/>
           </a:prstGeom>
+          <a:noFill/>
         </p:spPr>
-      </p:pic>
-      <p:pic>
-        <p:nvPicPr>
-          <p:cNvPr id="45" name="圖片 44">
-            <a:extLst>
-              <a:ext uri="{FF2B5EF4-FFF2-40B4-BE49-F238E27FC236}">
-                <a16:creationId xmlns:a16="http://schemas.microsoft.com/office/drawing/2014/main" id="{436FD5DB-4785-4BBD-A38C-27569ED2AAED}"/>
-              </a:ext>
-            </a:extLst>
-          </p:cNvPr>
-          <p:cNvPicPr>
-            <a:picLocks noChangeAspect="1"/>
-          </p:cNvPicPr>
+        <p:txBody>
+          <a:bodyPr wrap="none" rtlCol="0">
+            <a:spAutoFit/>
+          </a:bodyPr>
+          <a:lstStyle/>
+          <a:p>
+            <a:r>
+              <a:rPr lang="zh-TW" altLang="en-US" sz="2000" dirty="0">
+                <a:latin typeface="Noto Sans CJK TC DemiLight" panose="020B0400000000000000" pitchFamily="34" charset="-120"/>
+                <a:ea typeface="Noto Sans CJK TC DemiLight" panose="020B0400000000000000" pitchFamily="34" charset="-120"/>
+              </a:rPr>
+              <a:t>字體</a:t>
+            </a:r>
+            <a:endParaRPr lang="en-US" sz="2000" dirty="0">
+              <a:latin typeface="Noto Sans CJK TC DemiLight" panose="020B0400000000000000" pitchFamily="34" charset="-120"/>
+              <a:ea typeface="Noto Sans CJK TC DemiLight" panose="020B0400000000000000" pitchFamily="34" charset="-120"/>
+            </a:endParaRPr>
+          </a:p>
+        </p:txBody>
+      </p:sp>
+      <p:sp>
+        <p:nvSpPr>
+          <p:cNvPr id="55" name="文字方塊 54">
+            <a:extLst>
+              <a:ext uri="{FF2B5EF4-FFF2-40B4-BE49-F238E27FC236}">
+                <a16:creationId xmlns:a16="http://schemas.microsoft.com/office/drawing/2014/main" id="{0A6A265F-BAD1-4458-8B09-370E57EF8696}"/>
+              </a:ext>
+            </a:extLst>
+          </p:cNvPr>
+          <p:cNvSpPr txBox="1"/>
           <p:nvPr/>
-        </p:nvPicPr>
-        <p:blipFill rotWithShape="1">
-          <a:blip r:embed="rId2"/>
-          <a:srcRect l="62258" t="8769" r="17903" b="78495"/>
-          <a:stretch/>
-        </p:blipFill>
+        </p:nvSpPr>
         <p:spPr>
           <a:xfrm>
-            <a:off x="8056314" y="1913627"/>
-            <a:ext cx="2418736" cy="873398"/>
+            <a:off x="4257252" y="5146144"/>
+            <a:ext cx="954107" cy="400110"/>
           </a:xfrm>
           <a:prstGeom prst="rect">
             <a:avLst/>
           </a:prstGeom>
+          <a:noFill/>
         </p:spPr>
-      </p:pic>
+        <p:txBody>
+          <a:bodyPr wrap="none" rtlCol="0">
+            <a:spAutoFit/>
+          </a:bodyPr>
+          <a:lstStyle/>
+          <a:p>
+            <a:r>
+              <a:rPr lang="zh-TW" altLang="en-US" sz="2000" dirty="0">
+                <a:latin typeface="Noto Sans CJK TC DemiLight" panose="020B0400000000000000" pitchFamily="34" charset="-120"/>
+                <a:ea typeface="Noto Sans CJK TC DemiLight" panose="020B0400000000000000" pitchFamily="34" charset="-120"/>
+              </a:rPr>
+              <a:t>背景色</a:t>
+            </a:r>
+            <a:endParaRPr lang="en-US" sz="2000" dirty="0">
+              <a:latin typeface="Noto Sans CJK TC DemiLight" panose="020B0400000000000000" pitchFamily="34" charset="-120"/>
+              <a:ea typeface="Noto Sans CJK TC DemiLight" panose="020B0400000000000000" pitchFamily="34" charset="-120"/>
+            </a:endParaRPr>
+          </a:p>
+        </p:txBody>
+      </p:sp>
+      <p:sp>
+        <p:nvSpPr>
+          <p:cNvPr id="56" name="文字方塊 55">
+            <a:extLst>
+              <a:ext uri="{FF2B5EF4-FFF2-40B4-BE49-F238E27FC236}">
+                <a16:creationId xmlns:a16="http://schemas.microsoft.com/office/drawing/2014/main" id="{79F0B872-D52C-4362-BA63-59BC2BA433EE}"/>
+              </a:ext>
+            </a:extLst>
+          </p:cNvPr>
+          <p:cNvSpPr txBox="1"/>
+          <p:nvPr/>
+        </p:nvSpPr>
+        <p:spPr>
+          <a:xfrm>
+            <a:off x="8393955" y="4237091"/>
+            <a:ext cx="697627" cy="400110"/>
+          </a:xfrm>
+          <a:prstGeom prst="rect">
+            <a:avLst/>
+          </a:prstGeom>
+          <a:noFill/>
+        </p:spPr>
+        <p:txBody>
+          <a:bodyPr wrap="none" rtlCol="0">
+            <a:spAutoFit/>
+          </a:bodyPr>
+          <a:lstStyle/>
+          <a:p>
+            <a:r>
+              <a:rPr lang="zh-TW" altLang="en-US" sz="2000" dirty="0">
+                <a:latin typeface="Noto Sans CJK TC DemiLight" panose="020B0400000000000000" pitchFamily="34" charset="-120"/>
+                <a:ea typeface="Noto Sans CJK TC DemiLight" panose="020B0400000000000000" pitchFamily="34" charset="-120"/>
+              </a:rPr>
+              <a:t>字體</a:t>
+            </a:r>
+            <a:endParaRPr lang="en-US" sz="2000" dirty="0">
+              <a:latin typeface="Noto Sans CJK TC DemiLight" panose="020B0400000000000000" pitchFamily="34" charset="-120"/>
+              <a:ea typeface="Noto Sans CJK TC DemiLight" panose="020B0400000000000000" pitchFamily="34" charset="-120"/>
+            </a:endParaRPr>
+          </a:p>
+        </p:txBody>
+      </p:sp>
+      <p:sp>
+        <p:nvSpPr>
+          <p:cNvPr id="57" name="文字方塊 56">
+            <a:extLst>
+              <a:ext uri="{FF2B5EF4-FFF2-40B4-BE49-F238E27FC236}">
+                <a16:creationId xmlns:a16="http://schemas.microsoft.com/office/drawing/2014/main" id="{7A640B4E-9C4A-43F1-8A56-20B3308C1DC6}"/>
+              </a:ext>
+            </a:extLst>
+          </p:cNvPr>
+          <p:cNvSpPr txBox="1"/>
+          <p:nvPr/>
+        </p:nvSpPr>
+        <p:spPr>
+          <a:xfrm>
+            <a:off x="8157139" y="5108961"/>
+            <a:ext cx="954107" cy="400110"/>
+          </a:xfrm>
+          <a:prstGeom prst="rect">
+            <a:avLst/>
+          </a:prstGeom>
+          <a:noFill/>
+        </p:spPr>
+        <p:txBody>
+          <a:bodyPr wrap="none" rtlCol="0">
+            <a:spAutoFit/>
+          </a:bodyPr>
+          <a:lstStyle/>
+          <a:p>
+            <a:r>
+              <a:rPr lang="zh-TW" altLang="en-US" sz="2000" dirty="0">
+                <a:latin typeface="Noto Sans CJK TC DemiLight" panose="020B0400000000000000" pitchFamily="34" charset="-120"/>
+                <a:ea typeface="Noto Sans CJK TC DemiLight" panose="020B0400000000000000" pitchFamily="34" charset="-120"/>
+              </a:rPr>
+              <a:t>背景色</a:t>
+            </a:r>
+            <a:endParaRPr lang="en-US" sz="2000" dirty="0">
+              <a:latin typeface="Noto Sans CJK TC DemiLight" panose="020B0400000000000000" pitchFamily="34" charset="-120"/>
+              <a:ea typeface="Noto Sans CJK TC DemiLight" panose="020B0400000000000000" pitchFamily="34" charset="-120"/>
+            </a:endParaRPr>
+          </a:p>
+        </p:txBody>
+      </p:sp>
     </p:spTree>
     <p:extLst>
       <p:ext uri="{BB962C8B-B14F-4D97-AF65-F5344CB8AC3E}">

--- a/企劃書.pptx
+++ b/企劃書.pptx
@@ -16,8 +16,12 @@
     <p:sldId id="264" r:id="rId10"/>
     <p:sldId id="257" r:id="rId11"/>
     <p:sldId id="269" r:id="rId12"/>
-    <p:sldId id="267" r:id="rId13"/>
-    <p:sldId id="268" r:id="rId14"/>
+    <p:sldId id="270" r:id="rId13"/>
+    <p:sldId id="267" r:id="rId14"/>
+    <p:sldId id="271" r:id="rId15"/>
+    <p:sldId id="272" r:id="rId16"/>
+    <p:sldId id="273" r:id="rId17"/>
+    <p:sldId id="268" r:id="rId18"/>
   </p:sldIdLst>
   <p:sldSz cx="12192000" cy="6858000"/>
   <p:notesSz cx="6858000" cy="9144000"/>
@@ -3996,464 +4000,351 @@
           <a:chExt cx="0" cy="0"/>
         </a:xfrm>
       </p:grpSpPr>
-      <p:grpSp>
-        <p:nvGrpSpPr>
-          <p:cNvPr id="27" name="群組 26">
-            <a:extLst>
-              <a:ext uri="{FF2B5EF4-FFF2-40B4-BE49-F238E27FC236}">
-                <a16:creationId xmlns:a16="http://schemas.microsoft.com/office/drawing/2014/main" id="{4F40DC28-E9E9-4537-8A70-A004C08D570A}"/>
-              </a:ext>
-            </a:extLst>
-          </p:cNvPr>
-          <p:cNvGrpSpPr/>
+      <p:sp>
+        <p:nvSpPr>
+          <p:cNvPr id="13" name="矩形 12">
+            <a:extLst>
+              <a:ext uri="{FF2B5EF4-FFF2-40B4-BE49-F238E27FC236}">
+                <a16:creationId xmlns:a16="http://schemas.microsoft.com/office/drawing/2014/main" id="{2D9DA06D-5AF0-4BA5-AAD5-42CFE6E838CB}"/>
+              </a:ext>
+            </a:extLst>
+          </p:cNvPr>
+          <p:cNvSpPr/>
           <p:nvPr/>
-        </p:nvGrpSpPr>
-        <p:grpSpPr>
+        </p:nvSpPr>
+        <p:spPr>
           <a:xfrm>
-            <a:off x="6643986" y="214393"/>
-            <a:ext cx="4965941" cy="6489097"/>
-            <a:chOff x="6561691" y="214393"/>
-            <a:chExt cx="4965941" cy="6489097"/>
+            <a:off x="5353019" y="3632071"/>
+            <a:ext cx="6256907" cy="732801"/>
           </a:xfrm>
+          <a:prstGeom prst="rect">
+            <a:avLst/>
+          </a:prstGeom>
           <a:solidFill>
             <a:schemeClr val="accent3">
               <a:alpha val="37000"/>
             </a:schemeClr>
           </a:solidFill>
-        </p:grpSpPr>
-        <p:sp>
-          <p:nvSpPr>
-            <p:cNvPr id="13" name="矩形 12">
-              <a:extLst>
-                <a:ext uri="{FF2B5EF4-FFF2-40B4-BE49-F238E27FC236}">
-                  <a16:creationId xmlns:a16="http://schemas.microsoft.com/office/drawing/2014/main" id="{2D9DA06D-5AF0-4BA5-AAD5-42CFE6E838CB}"/>
-                </a:ext>
-              </a:extLst>
-            </p:cNvPr>
-            <p:cNvSpPr/>
-            <p:nvPr/>
-          </p:nvSpPr>
-          <p:spPr>
-            <a:xfrm>
-              <a:off x="6569580" y="3704066"/>
-              <a:ext cx="4958052" cy="1295868"/>
-            </a:xfrm>
-            <a:prstGeom prst="rect">
-              <a:avLst/>
-            </a:prstGeom>
-            <a:grpFill/>
-            <a:ln>
-              <a:noFill/>
-            </a:ln>
-          </p:spPr>
-          <p:style>
-            <a:lnRef idx="2">
-              <a:schemeClr val="accent1">
-                <a:shade val="50000"/>
-              </a:schemeClr>
-            </a:lnRef>
-            <a:fillRef idx="1">
-              <a:schemeClr val="accent1"/>
-            </a:fillRef>
-            <a:effectRef idx="0">
-              <a:schemeClr val="accent1"/>
-            </a:effectRef>
-            <a:fontRef idx="minor">
-              <a:schemeClr val="lt1"/>
-            </a:fontRef>
-          </p:style>
-          <p:txBody>
-            <a:bodyPr tIns="411480" rtlCol="0" anchor="ctr" anchorCtr="0">
-              <a:normAutofit/>
-            </a:bodyPr>
-            <a:lstStyle/>
-            <a:p>
-              <a:pPr>
-                <a:lnSpc>
-                  <a:spcPct val="150000"/>
-                </a:lnSpc>
-              </a:pPr>
-              <a:r>
-                <a:rPr lang="en-US" altLang="zh-TW" spc="300" dirty="0">
-                  <a:solidFill>
-                    <a:schemeClr val="bg1"/>
-                  </a:solidFill>
-                  <a:latin typeface="Noto Sans CJK TC DemiLight" panose="020B0400000000000000" pitchFamily="34" charset="-120"/>
-                  <a:ea typeface="Noto Sans CJK TC DemiLight" panose="020B0400000000000000" pitchFamily="34" charset="-120"/>
-                </a:rPr>
-                <a:t>#FFFFFF</a:t>
-              </a:r>
-            </a:p>
-            <a:p>
-              <a:pPr>
-                <a:lnSpc>
-                  <a:spcPct val="150000"/>
-                </a:lnSpc>
-              </a:pPr>
-              <a:r>
-                <a:rPr lang="zh-TW" altLang="en-US" dirty="0">
-                  <a:solidFill>
-                    <a:schemeClr val="bg1"/>
-                  </a:solidFill>
-                  <a:latin typeface="Noto Sans CJK TC DemiLight" panose="020B0400000000000000" pitchFamily="34" charset="-120"/>
-                  <a:ea typeface="Noto Sans CJK TC DemiLight" panose="020B0400000000000000" pitchFamily="34" charset="-120"/>
-                </a:rPr>
-                <a:t>主要標題為純白色，在深色背景中可讀性高</a:t>
-              </a:r>
-              <a:endParaRPr lang="en-US" dirty="0">
+          <a:ln>
+            <a:noFill/>
+          </a:ln>
+        </p:spPr>
+        <p:style>
+          <a:lnRef idx="2">
+            <a:schemeClr val="accent1">
+              <a:shade val="50000"/>
+            </a:schemeClr>
+          </a:lnRef>
+          <a:fillRef idx="1">
+            <a:schemeClr val="accent1"/>
+          </a:fillRef>
+          <a:effectRef idx="0">
+            <a:schemeClr val="accent1"/>
+          </a:effectRef>
+          <a:fontRef idx="minor">
+            <a:schemeClr val="lt1"/>
+          </a:fontRef>
+        </p:style>
+        <p:txBody>
+          <a:bodyPr tIns="0" rtlCol="0" anchor="ctr" anchorCtr="1">
+            <a:noAutofit/>
+          </a:bodyPr>
+          <a:lstStyle/>
+          <a:p>
+            <a:pPr algn="ctr">
+              <a:lnSpc>
+                <a:spcPct val="150000"/>
+              </a:lnSpc>
+            </a:pPr>
+            <a:r>
+              <a:rPr lang="zh-TW" altLang="en-US" dirty="0">
+                <a:ln w="3175">
+                  <a:noFill/>
+                </a:ln>
                 <a:solidFill>
                   <a:schemeClr val="bg1"/>
                 </a:solidFill>
                 <a:latin typeface="Noto Sans CJK TC DemiLight" panose="020B0400000000000000" pitchFamily="34" charset="-120"/>
                 <a:ea typeface="Noto Sans CJK TC DemiLight" panose="020B0400000000000000" pitchFamily="34" charset="-120"/>
-              </a:endParaRPr>
-            </a:p>
-            <a:p>
-              <a:pPr algn="ctr">
-                <a:lnSpc>
-                  <a:spcPct val="150000"/>
-                </a:lnSpc>
-              </a:pPr>
-              <a:endParaRPr lang="en-US" dirty="0"/>
-            </a:p>
-          </p:txBody>
-        </p:sp>
-        <p:sp>
-          <p:nvSpPr>
-            <p:cNvPr id="6" name="矩形 5">
-              <a:extLst>
-                <a:ext uri="{FF2B5EF4-FFF2-40B4-BE49-F238E27FC236}">
-                  <a16:creationId xmlns:a16="http://schemas.microsoft.com/office/drawing/2014/main" id="{023C50F1-87EC-426F-A549-5C8BB750F1F8}"/>
-                </a:ext>
-              </a:extLst>
-            </p:cNvPr>
-            <p:cNvSpPr/>
-            <p:nvPr/>
-          </p:nvSpPr>
-          <p:spPr>
-            <a:xfrm>
-              <a:off x="6561691" y="214393"/>
-              <a:ext cx="4965941" cy="1526202"/>
-            </a:xfrm>
-            <a:prstGeom prst="rect">
-              <a:avLst/>
-            </a:prstGeom>
-            <a:grpFill/>
-            <a:ln>
-              <a:noFill/>
-            </a:ln>
-          </p:spPr>
-          <p:style>
-            <a:lnRef idx="2">
-              <a:schemeClr val="accent1">
-                <a:shade val="50000"/>
-              </a:schemeClr>
-            </a:lnRef>
-            <a:fillRef idx="1">
-              <a:schemeClr val="accent1"/>
-            </a:fillRef>
-            <a:effectRef idx="0">
-              <a:schemeClr val="accent1"/>
-            </a:effectRef>
-            <a:fontRef idx="minor">
-              <a:schemeClr val="lt1"/>
-            </a:fontRef>
-          </p:style>
-          <p:txBody>
-            <a:bodyPr tIns="91440" rtlCol="0" anchor="t"/>
-            <a:lstStyle/>
-            <a:p>
-              <a:pPr>
-                <a:lnSpc>
-                  <a:spcPct val="150000"/>
-                </a:lnSpc>
-              </a:pPr>
-              <a:r>
-                <a:rPr lang="en-US" altLang="zh-TW" sz="2000" b="1" spc="300" dirty="0">
-                  <a:ln w="3175">
-                    <a:noFill/>
-                  </a:ln>
-                  <a:solidFill>
-                    <a:srgbClr val="070720"/>
-                  </a:solidFill>
-                  <a:latin typeface="Noto Sans CJK TC DemiLight" panose="020B0400000000000000" pitchFamily="34" charset="-120"/>
-                  <a:ea typeface="Noto Sans CJK TC DemiLight" panose="020B0400000000000000" pitchFamily="34" charset="-120"/>
-                </a:rPr>
-                <a:t>#070720</a:t>
-              </a:r>
-            </a:p>
-            <a:p>
-              <a:pPr>
-                <a:lnSpc>
-                  <a:spcPct val="150000"/>
-                </a:lnSpc>
-              </a:pPr>
-              <a:r>
-                <a:rPr lang="zh-TW" altLang="en-US" dirty="0">
-                  <a:ln w="3175">
-                    <a:noFill/>
-                  </a:ln>
-                  <a:solidFill>
-                    <a:srgbClr val="070720"/>
-                  </a:solidFill>
-                  <a:latin typeface="Noto Sans CJK TC DemiLight" panose="020B0400000000000000" pitchFamily="34" charset="-120"/>
-                  <a:ea typeface="Noto Sans CJK TC DemiLight" panose="020B0400000000000000" pitchFamily="34" charset="-120"/>
-                </a:rPr>
-                <a:t>背景色為有點帶藍色的黑色，讓主題符合遊戲介面的風格</a:t>
-              </a:r>
-              <a:endParaRPr lang="en-US" altLang="zh-TW" dirty="0">
+              </a:rPr>
+              <a:t>提供主要資訊的大標題為純白色，深色背景中較顯眼</a:t>
+            </a:r>
+            <a:endParaRPr lang="en-US" dirty="0">
+              <a:solidFill>
+                <a:schemeClr val="bg1"/>
+              </a:solidFill>
+            </a:endParaRPr>
+          </a:p>
+        </p:txBody>
+      </p:sp>
+      <p:sp>
+        <p:nvSpPr>
+          <p:cNvPr id="6" name="矩形 5">
+            <a:extLst>
+              <a:ext uri="{FF2B5EF4-FFF2-40B4-BE49-F238E27FC236}">
+                <a16:creationId xmlns:a16="http://schemas.microsoft.com/office/drawing/2014/main" id="{023C50F1-87EC-426F-A549-5C8BB750F1F8}"/>
+              </a:ext>
+            </a:extLst>
+          </p:cNvPr>
+          <p:cNvSpPr/>
+          <p:nvPr/>
+        </p:nvSpPr>
+        <p:spPr>
+          <a:xfrm>
+            <a:off x="5353019" y="214393"/>
+            <a:ext cx="6256907" cy="732801"/>
+          </a:xfrm>
+          <a:prstGeom prst="rect">
+            <a:avLst/>
+          </a:prstGeom>
+          <a:solidFill>
+            <a:schemeClr val="accent3">
+              <a:alpha val="37000"/>
+            </a:schemeClr>
+          </a:solidFill>
+          <a:ln>
+            <a:noFill/>
+          </a:ln>
+        </p:spPr>
+        <p:style>
+          <a:lnRef idx="2">
+            <a:schemeClr val="accent1">
+              <a:shade val="50000"/>
+            </a:schemeClr>
+          </a:lnRef>
+          <a:fillRef idx="1">
+            <a:schemeClr val="accent1"/>
+          </a:fillRef>
+          <a:effectRef idx="0">
+            <a:schemeClr val="accent1"/>
+          </a:effectRef>
+          <a:fontRef idx="minor">
+            <a:schemeClr val="lt1"/>
+          </a:fontRef>
+        </p:style>
+        <p:txBody>
+          <a:bodyPr tIns="0" rtlCol="0" anchor="ctr" anchorCtr="0"/>
+          <a:lstStyle/>
+          <a:p>
+            <a:pPr algn="ctr">
+              <a:lnSpc>
+                <a:spcPct val="150000"/>
+              </a:lnSpc>
+            </a:pPr>
+            <a:r>
+              <a:rPr lang="zh-TW" altLang="en-US" dirty="0">
                 <a:ln w="3175">
                   <a:noFill/>
                 </a:ln>
                 <a:solidFill>
-                  <a:srgbClr val="070720"/>
+                  <a:schemeClr val="bg1"/>
                 </a:solidFill>
                 <a:latin typeface="Noto Sans CJK TC DemiLight" panose="020B0400000000000000" pitchFamily="34" charset="-120"/>
                 <a:ea typeface="Noto Sans CJK TC DemiLight" panose="020B0400000000000000" pitchFamily="34" charset="-120"/>
-              </a:endParaRPr>
-            </a:p>
-            <a:p>
-              <a:pPr algn="ctr"/>
-              <a:endParaRPr lang="en-US" dirty="0"/>
-            </a:p>
-          </p:txBody>
-        </p:sp>
-        <p:sp>
-          <p:nvSpPr>
-            <p:cNvPr id="23" name="矩形 22">
-              <a:extLst>
-                <a:ext uri="{FF2B5EF4-FFF2-40B4-BE49-F238E27FC236}">
-                  <a16:creationId xmlns:a16="http://schemas.microsoft.com/office/drawing/2014/main" id="{9E26FB33-0150-4B8C-9AA5-DDBC0AF49F39}"/>
-                </a:ext>
-              </a:extLst>
-            </p:cNvPr>
-            <p:cNvSpPr/>
-            <p:nvPr/>
-          </p:nvSpPr>
-          <p:spPr>
-            <a:xfrm>
-              <a:off x="6561691" y="1973402"/>
-              <a:ext cx="4965941" cy="1526202"/>
-            </a:xfrm>
-            <a:prstGeom prst="rect">
-              <a:avLst/>
-            </a:prstGeom>
-            <a:grpFill/>
-            <a:ln>
-              <a:noFill/>
-            </a:ln>
-          </p:spPr>
-          <p:style>
-            <a:lnRef idx="2">
-              <a:schemeClr val="accent1">
-                <a:shade val="50000"/>
-              </a:schemeClr>
-            </a:lnRef>
-            <a:fillRef idx="1">
-              <a:schemeClr val="accent1"/>
-            </a:fillRef>
-            <a:effectRef idx="0">
-              <a:schemeClr val="accent1"/>
-            </a:effectRef>
-            <a:fontRef idx="minor">
-              <a:schemeClr val="lt1"/>
-            </a:fontRef>
-          </p:style>
-          <p:txBody>
-            <a:bodyPr tIns="274320" rtlCol="0" anchor="t"/>
-            <a:lstStyle/>
-            <a:p>
-              <a:pPr>
-                <a:lnSpc>
-                  <a:spcPct val="150000"/>
-                </a:lnSpc>
-              </a:pPr>
-              <a:r>
-                <a:rPr lang="en-US" altLang="zh-TW" sz="2000" b="1" spc="300" dirty="0">
-                  <a:solidFill>
-                    <a:srgbClr val="CCDBFD"/>
-                  </a:solidFill>
-                  <a:latin typeface="Noto Sans CJK TC DemiLight" panose="020B0400000000000000" pitchFamily="34" charset="-120"/>
-                  <a:ea typeface="Noto Sans CJK TC DemiLight" panose="020B0400000000000000" pitchFamily="34" charset="-120"/>
-                </a:rPr>
-                <a:t>#CCDBFD</a:t>
-              </a:r>
-            </a:p>
-            <a:p>
-              <a:pPr>
-                <a:lnSpc>
-                  <a:spcPct val="150000"/>
-                </a:lnSpc>
-              </a:pPr>
-              <a:r>
-                <a:rPr lang="zh-TW" altLang="en-US" dirty="0">
-                  <a:ln w="3175">
-                    <a:noFill/>
-                  </a:ln>
-                  <a:solidFill>
-                    <a:srgbClr val="CCDBFD"/>
-                  </a:solidFill>
-                  <a:latin typeface="Noto Sans CJK TC DemiLight" panose="020B0400000000000000" pitchFamily="34" charset="-120"/>
-                  <a:ea typeface="Noto Sans CJK TC DemiLight" panose="020B0400000000000000" pitchFamily="34" charset="-120"/>
-                </a:rPr>
-                <a:t>內文為淺藍，與標題區分，符合整體色系</a:t>
-              </a:r>
-              <a:endParaRPr lang="en-US" altLang="zh-TW" dirty="0">
+              </a:rPr>
+              <a:t>主要背景色為深藍黑色，讓主題符合遊戲介面的風格</a:t>
+            </a:r>
+            <a:endParaRPr lang="en-US" altLang="zh-TW" dirty="0">
+              <a:ln w="3175">
+                <a:noFill/>
+              </a:ln>
+              <a:solidFill>
+                <a:schemeClr val="bg1"/>
+              </a:solidFill>
+              <a:latin typeface="Noto Sans CJK TC DemiLight" panose="020B0400000000000000" pitchFamily="34" charset="-120"/>
+              <a:ea typeface="Noto Sans CJK TC DemiLight" panose="020B0400000000000000" pitchFamily="34" charset="-120"/>
+            </a:endParaRPr>
+          </a:p>
+        </p:txBody>
+      </p:sp>
+      <p:sp>
+        <p:nvSpPr>
+          <p:cNvPr id="23" name="矩形 22">
+            <a:extLst>
+              <a:ext uri="{FF2B5EF4-FFF2-40B4-BE49-F238E27FC236}">
+                <a16:creationId xmlns:a16="http://schemas.microsoft.com/office/drawing/2014/main" id="{9E26FB33-0150-4B8C-9AA5-DDBC0AF49F39}"/>
+              </a:ext>
+            </a:extLst>
+          </p:cNvPr>
+          <p:cNvSpPr/>
+          <p:nvPr/>
+        </p:nvSpPr>
+        <p:spPr>
+          <a:xfrm>
+            <a:off x="5353019" y="2492844"/>
+            <a:ext cx="6256907" cy="732801"/>
+          </a:xfrm>
+          <a:prstGeom prst="rect">
+            <a:avLst/>
+          </a:prstGeom>
+          <a:solidFill>
+            <a:schemeClr val="accent3">
+              <a:alpha val="37000"/>
+            </a:schemeClr>
+          </a:solidFill>
+          <a:ln>
+            <a:noFill/>
+          </a:ln>
+        </p:spPr>
+        <p:style>
+          <a:lnRef idx="2">
+            <a:schemeClr val="accent1">
+              <a:shade val="50000"/>
+            </a:schemeClr>
+          </a:lnRef>
+          <a:fillRef idx="1">
+            <a:schemeClr val="accent1"/>
+          </a:fillRef>
+          <a:effectRef idx="0">
+            <a:schemeClr val="accent1"/>
+          </a:effectRef>
+          <a:fontRef idx="minor">
+            <a:schemeClr val="lt1"/>
+          </a:fontRef>
+        </p:style>
+        <p:txBody>
+          <a:bodyPr tIns="0" rtlCol="0" anchor="ctr" anchorCtr="1">
+            <a:noAutofit/>
+          </a:bodyPr>
+          <a:lstStyle/>
+          <a:p>
+            <a:pPr>
+              <a:lnSpc>
+                <a:spcPct val="150000"/>
+              </a:lnSpc>
+            </a:pPr>
+            <a:r>
+              <a:rPr lang="zh-TW" altLang="en-US" dirty="0">
                 <a:ln w="3175">
                   <a:noFill/>
                 </a:ln>
                 <a:solidFill>
-                  <a:srgbClr val="CCDBFD"/>
+                  <a:schemeClr val="bg1"/>
                 </a:solidFill>
                 <a:latin typeface="Noto Sans CJK TC DemiLight" panose="020B0400000000000000" pitchFamily="34" charset="-120"/>
                 <a:ea typeface="Noto Sans CJK TC DemiLight" panose="020B0400000000000000" pitchFamily="34" charset="-120"/>
-              </a:endParaRPr>
-            </a:p>
-            <a:p>
-              <a:pPr algn="ctr">
-                <a:lnSpc>
-                  <a:spcPct val="150000"/>
-                </a:lnSpc>
-              </a:pPr>
-              <a:endParaRPr lang="en-US" dirty="0">
-                <a:solidFill>
-                  <a:srgbClr val="CCDBFD"/>
-                </a:solidFill>
-              </a:endParaRPr>
-            </a:p>
-          </p:txBody>
-        </p:sp>
-        <p:sp>
-          <p:nvSpPr>
-            <p:cNvPr id="25" name="矩形 24">
-              <a:extLst>
-                <a:ext uri="{FF2B5EF4-FFF2-40B4-BE49-F238E27FC236}">
-                  <a16:creationId xmlns:a16="http://schemas.microsoft.com/office/drawing/2014/main" id="{45674D06-C082-4EFB-8F21-29215570EA93}"/>
-                </a:ext>
-              </a:extLst>
-            </p:cNvPr>
-            <p:cNvSpPr/>
-            <p:nvPr/>
-          </p:nvSpPr>
-          <p:spPr>
-            <a:xfrm>
-              <a:off x="6561691" y="5177288"/>
-              <a:ext cx="4965941" cy="1526202"/>
-            </a:xfrm>
-            <a:prstGeom prst="rect">
-              <a:avLst/>
-            </a:prstGeom>
-            <a:grpFill/>
-            <a:ln>
-              <a:noFill/>
-            </a:ln>
-          </p:spPr>
-          <p:style>
-            <a:lnRef idx="2">
-              <a:schemeClr val="accent1">
-                <a:shade val="50000"/>
-              </a:schemeClr>
-            </a:lnRef>
-            <a:fillRef idx="1">
-              <a:schemeClr val="accent1"/>
-            </a:fillRef>
-            <a:effectRef idx="0">
-              <a:schemeClr val="accent1"/>
-            </a:effectRef>
-            <a:fontRef idx="minor">
-              <a:schemeClr val="lt1"/>
-            </a:fontRef>
-          </p:style>
-          <p:txBody>
-            <a:bodyPr tIns="320040" rtlCol="0" anchor="t"/>
-            <a:lstStyle/>
-            <a:p>
-              <a:pPr>
-                <a:lnSpc>
-                  <a:spcPct val="150000"/>
-                </a:lnSpc>
-              </a:pPr>
-              <a:r>
-                <a:rPr lang="en-US" altLang="zh-TW" sz="2000" b="1" spc="300" dirty="0">
-                  <a:ln w="3175">
-                    <a:noFill/>
-                  </a:ln>
-                  <a:solidFill>
-                    <a:srgbClr val="C4A76C"/>
-                  </a:solidFill>
-                  <a:latin typeface="Noto Sans CJK TC DemiLight" panose="020B0400000000000000" pitchFamily="34" charset="-120"/>
-                  <a:ea typeface="Noto Sans CJK TC DemiLight" panose="020B0400000000000000" pitchFamily="34" charset="-120"/>
-                </a:rPr>
-                <a:t>#C4A76C</a:t>
-              </a:r>
-            </a:p>
-            <a:p>
-              <a:pPr>
-                <a:lnSpc>
-                  <a:spcPct val="150000"/>
-                </a:lnSpc>
-              </a:pPr>
-              <a:r>
-                <a:rPr lang="zh-TW" altLang="en-US" dirty="0">
-                  <a:ln w="3175">
-                    <a:noFill/>
-                  </a:ln>
-                  <a:solidFill>
-                    <a:srgbClr val="C4A76C"/>
-                  </a:solidFill>
-                  <a:latin typeface="Noto Sans CJK TC DemiLight" panose="020B0400000000000000" pitchFamily="34" charset="-120"/>
-                  <a:ea typeface="Noto Sans CJK TC DemiLight" panose="020B0400000000000000" pitchFamily="34" charset="-120"/>
-                </a:rPr>
-                <a:t>在藍紫色系中醒目的暗黃色，只用在</a:t>
-              </a:r>
-              <a:r>
-                <a:rPr lang="en-US" altLang="zh-TW" dirty="0">
-                  <a:ln w="3175">
-                    <a:noFill/>
-                  </a:ln>
-                  <a:solidFill>
-                    <a:srgbClr val="C4A76C"/>
-                  </a:solidFill>
-                  <a:latin typeface="Noto Sans CJK TC DemiLight" panose="020B0400000000000000" pitchFamily="34" charset="-120"/>
-                  <a:ea typeface="Noto Sans CJK TC DemiLight" panose="020B0400000000000000" pitchFamily="34" charset="-120"/>
-                </a:rPr>
-                <a:t>Logo</a:t>
-              </a:r>
-              <a:r>
-                <a:rPr lang="zh-TW" altLang="en-US" dirty="0">
-                  <a:ln w="3175">
-                    <a:noFill/>
-                  </a:ln>
-                  <a:solidFill>
-                    <a:srgbClr val="C4A76C"/>
-                  </a:solidFill>
-                  <a:latin typeface="Noto Sans CJK TC DemiLight" panose="020B0400000000000000" pitchFamily="34" charset="-120"/>
-                  <a:ea typeface="Noto Sans CJK TC DemiLight" panose="020B0400000000000000" pitchFamily="34" charset="-120"/>
-                </a:rPr>
-                <a:t>上</a:t>
-              </a:r>
-              <a:endParaRPr lang="en-US" altLang="zh-TW" dirty="0">
+              </a:rPr>
+              <a:t>內文為淺藍，與標題區分，符合整體色系</a:t>
+            </a:r>
+            <a:endParaRPr lang="en-US" altLang="zh-TW" dirty="0">
+              <a:ln w="3175">
+                <a:noFill/>
+              </a:ln>
+              <a:solidFill>
+                <a:schemeClr val="bg1"/>
+              </a:solidFill>
+              <a:latin typeface="Noto Sans CJK TC DemiLight" panose="020B0400000000000000" pitchFamily="34" charset="-120"/>
+              <a:ea typeface="Noto Sans CJK TC DemiLight" panose="020B0400000000000000" pitchFamily="34" charset="-120"/>
+            </a:endParaRPr>
+          </a:p>
+        </p:txBody>
+      </p:sp>
+      <p:sp>
+        <p:nvSpPr>
+          <p:cNvPr id="25" name="矩形 24">
+            <a:extLst>
+              <a:ext uri="{FF2B5EF4-FFF2-40B4-BE49-F238E27FC236}">
+                <a16:creationId xmlns:a16="http://schemas.microsoft.com/office/drawing/2014/main" id="{45674D06-C082-4EFB-8F21-29215570EA93}"/>
+              </a:ext>
+            </a:extLst>
+          </p:cNvPr>
+          <p:cNvSpPr/>
+          <p:nvPr/>
+        </p:nvSpPr>
+        <p:spPr>
+          <a:xfrm>
+            <a:off x="5353018" y="4771295"/>
+            <a:ext cx="6256908" cy="732801"/>
+          </a:xfrm>
+          <a:prstGeom prst="rect">
+            <a:avLst/>
+          </a:prstGeom>
+          <a:solidFill>
+            <a:schemeClr val="accent3">
+              <a:alpha val="37000"/>
+            </a:schemeClr>
+          </a:solidFill>
+          <a:ln>
+            <a:noFill/>
+          </a:ln>
+        </p:spPr>
+        <p:style>
+          <a:lnRef idx="2">
+            <a:schemeClr val="accent1">
+              <a:shade val="50000"/>
+            </a:schemeClr>
+          </a:lnRef>
+          <a:fillRef idx="1">
+            <a:schemeClr val="accent1"/>
+          </a:fillRef>
+          <a:effectRef idx="0">
+            <a:schemeClr val="accent1"/>
+          </a:effectRef>
+          <a:fontRef idx="minor">
+            <a:schemeClr val="lt1"/>
+          </a:fontRef>
+        </p:style>
+        <p:txBody>
+          <a:bodyPr tIns="0" rtlCol="0" anchor="ctr" anchorCtr="1"/>
+          <a:lstStyle/>
+          <a:p>
+            <a:pPr>
+              <a:lnSpc>
+                <a:spcPct val="150000"/>
+              </a:lnSpc>
+            </a:pPr>
+            <a:r>
+              <a:rPr lang="zh-TW" altLang="en-US" dirty="0">
                 <a:ln w="3175">
                   <a:noFill/>
                 </a:ln>
                 <a:solidFill>
-                  <a:srgbClr val="C4A76C"/>
+                  <a:schemeClr val="bg1"/>
                 </a:solidFill>
                 <a:latin typeface="Noto Sans CJK TC DemiLight" panose="020B0400000000000000" pitchFamily="34" charset="-120"/>
                 <a:ea typeface="Noto Sans CJK TC DemiLight" panose="020B0400000000000000" pitchFamily="34" charset="-120"/>
-              </a:endParaRPr>
-            </a:p>
-            <a:p>
-              <a:pPr algn="ctr">
-                <a:lnSpc>
-                  <a:spcPct val="150000"/>
-                </a:lnSpc>
-              </a:pPr>
-              <a:endParaRPr lang="en-US" dirty="0"/>
-            </a:p>
-          </p:txBody>
-        </p:sp>
-      </p:grpSp>
+              </a:rPr>
+              <a:t>在藍紫色系中醒目的褐色，只用在</a:t>
+            </a:r>
+            <a:r>
+              <a:rPr lang="en-US" altLang="zh-TW" dirty="0">
+                <a:ln w="3175">
+                  <a:noFill/>
+                </a:ln>
+                <a:solidFill>
+                  <a:schemeClr val="bg1"/>
+                </a:solidFill>
+                <a:latin typeface="Noto Sans CJK TC DemiLight" panose="020B0400000000000000" pitchFamily="34" charset="-120"/>
+                <a:ea typeface="Noto Sans CJK TC DemiLight" panose="020B0400000000000000" pitchFamily="34" charset="-120"/>
+              </a:rPr>
+              <a:t>Logo</a:t>
+            </a:r>
+            <a:r>
+              <a:rPr lang="zh-TW" altLang="en-US" dirty="0">
+                <a:ln w="3175">
+                  <a:noFill/>
+                </a:ln>
+                <a:solidFill>
+                  <a:schemeClr val="bg1"/>
+                </a:solidFill>
+                <a:latin typeface="Noto Sans CJK TC DemiLight" panose="020B0400000000000000" pitchFamily="34" charset="-120"/>
+                <a:ea typeface="Noto Sans CJK TC DemiLight" panose="020B0400000000000000" pitchFamily="34" charset="-120"/>
+              </a:rPr>
+              <a:t>上</a:t>
+            </a:r>
+            <a:endParaRPr lang="en-US" altLang="zh-TW" dirty="0">
+              <a:ln w="3175">
+                <a:noFill/>
+              </a:ln>
+              <a:solidFill>
+                <a:schemeClr val="bg1"/>
+              </a:solidFill>
+              <a:latin typeface="Noto Sans CJK TC DemiLight" panose="020B0400000000000000" pitchFamily="34" charset="-120"/>
+              <a:ea typeface="Noto Sans CJK TC DemiLight" panose="020B0400000000000000" pitchFamily="34" charset="-120"/>
+            </a:endParaRPr>
+          </a:p>
+        </p:txBody>
+      </p:sp>
       <p:sp>
         <p:nvSpPr>
           <p:cNvPr id="29" name="矩形 28">
@@ -4475,9 +4366,7 @@
             <a:avLst/>
           </a:prstGeom>
           <a:solidFill>
-            <a:schemeClr val="bg1">
-              <a:lumMod val="65000"/>
-            </a:schemeClr>
+            <a:srgbClr val="CCCCCC"/>
           </a:solidFill>
           <a:ln>
             <a:noFill/>
@@ -4530,9 +4419,9 @@
         <p:grpSpPr>
           <a:xfrm>
             <a:off x="3332196" y="214393"/>
-            <a:ext cx="2020824" cy="6489097"/>
+            <a:ext cx="2020824" cy="6428930"/>
             <a:chOff x="3332196" y="214393"/>
-            <a:chExt cx="2020824" cy="6489097"/>
+            <a:chExt cx="2020824" cy="6428930"/>
           </a:xfrm>
         </p:grpSpPr>
         <p:sp>
@@ -4549,7 +4438,7 @@
           </p:nvSpPr>
           <p:spPr>
             <a:xfrm>
-              <a:off x="3332196" y="4531615"/>
+              <a:off x="3332196" y="3632071"/>
               <a:ext cx="2020824" cy="732801"/>
             </a:xfrm>
             <a:prstGeom prst="rect">
@@ -4582,8 +4471,17 @@
             <a:bodyPr rtlCol="0" anchor="ctr"/>
             <a:lstStyle/>
             <a:p>
-              <a:pPr algn="ctr"/>
-              <a:endParaRPr lang="en-US"/>
+              <a:pPr algn="r"/>
+              <a:r>
+                <a:rPr lang="en-US" altLang="zh-TW" spc="300" dirty="0">
+                  <a:solidFill>
+                    <a:schemeClr val="tx1"/>
+                  </a:solidFill>
+                  <a:latin typeface="Noto Sans CJK TC DemiLight" panose="020B0400000000000000" pitchFamily="34" charset="-120"/>
+                  <a:ea typeface="Noto Sans CJK TC DemiLight" panose="020B0400000000000000" pitchFamily="34" charset="-120"/>
+                </a:rPr>
+                <a:t>#FFFFFF</a:t>
+              </a:r>
             </a:p>
           </p:txBody>
         </p:sp>
@@ -4601,7 +4499,7 @@
           </p:nvSpPr>
           <p:spPr>
             <a:xfrm>
-              <a:off x="3332196" y="3092541"/>
+              <a:off x="3332196" y="2492845"/>
               <a:ext cx="2020824" cy="732801"/>
             </a:xfrm>
             <a:prstGeom prst="rect">
@@ -4634,8 +4532,17 @@
             <a:bodyPr rtlCol="0" anchor="ctr"/>
             <a:lstStyle/>
             <a:p>
-              <a:pPr algn="ctr"/>
-              <a:endParaRPr lang="en-US"/>
+              <a:pPr algn="r"/>
+              <a:r>
+                <a:rPr lang="en-US" altLang="zh-TW" b="1" spc="300" dirty="0">
+                  <a:solidFill>
+                    <a:schemeClr val="tx1"/>
+                  </a:solidFill>
+                  <a:latin typeface="Noto Sans CJK TC DemiLight" panose="020B0400000000000000" pitchFamily="34" charset="-120"/>
+                  <a:ea typeface="Noto Sans CJK TC DemiLight" panose="020B0400000000000000" pitchFamily="34" charset="-120"/>
+                </a:rPr>
+                <a:t>#CCDBFD</a:t>
+              </a:r>
             </a:p>
           </p:txBody>
         </p:sp>
@@ -4653,7 +4560,7 @@
           </p:nvSpPr>
           <p:spPr>
             <a:xfrm>
-              <a:off x="3332196" y="5970689"/>
+              <a:off x="3332196" y="4771297"/>
               <a:ext cx="2020824" cy="732801"/>
             </a:xfrm>
             <a:prstGeom prst="rect">
@@ -4686,8 +4593,20 @@
             <a:bodyPr rtlCol="0" anchor="ctr"/>
             <a:lstStyle/>
             <a:p>
-              <a:pPr algn="ctr"/>
-              <a:endParaRPr lang="en-US"/>
+              <a:pPr algn="r"/>
+              <a:r>
+                <a:rPr lang="en-US" altLang="zh-TW" b="1" spc="300" dirty="0">
+                  <a:ln w="3175">
+                    <a:noFill/>
+                  </a:ln>
+                  <a:solidFill>
+                    <a:schemeClr val="tx1"/>
+                  </a:solidFill>
+                  <a:latin typeface="Noto Sans CJK TC DemiLight" panose="020B0400000000000000" pitchFamily="34" charset="-120"/>
+                  <a:ea typeface="Noto Sans CJK TC DemiLight" panose="020B0400000000000000" pitchFamily="34" charset="-120"/>
+                </a:rPr>
+                <a:t>#C4A76C</a:t>
+              </a:r>
             </a:p>
           </p:txBody>
         </p:sp>
@@ -4738,8 +4657,20 @@
             <a:bodyPr rtlCol="0" anchor="ctr"/>
             <a:lstStyle/>
             <a:p>
-              <a:pPr algn="ctr"/>
-              <a:endParaRPr lang="en-US"/>
+              <a:pPr algn="r"/>
+              <a:r>
+                <a:rPr lang="en-US" altLang="zh-TW" b="1" spc="300" dirty="0">
+                  <a:ln w="3175">
+                    <a:noFill/>
+                  </a:ln>
+                  <a:solidFill>
+                    <a:schemeClr val="bg1"/>
+                  </a:solidFill>
+                  <a:latin typeface="Noto Sans CJK TC DemiLight" panose="020B0400000000000000" pitchFamily="34" charset="-120"/>
+                  <a:ea typeface="Noto Sans CJK TC DemiLight" panose="020B0400000000000000" pitchFamily="34" charset="-120"/>
+                </a:rPr>
+                <a:t>#070720</a:t>
+              </a:r>
             </a:p>
           </p:txBody>
         </p:sp>
@@ -4757,7 +4688,7 @@
           </p:nvSpPr>
           <p:spPr>
             <a:xfrm>
-              <a:off x="3332196" y="1653467"/>
+              <a:off x="3332196" y="1353619"/>
               <a:ext cx="2020824" cy="732801"/>
             </a:xfrm>
             <a:prstGeom prst="rect">
@@ -4790,12 +4721,81 @@
             <a:bodyPr rtlCol="0" anchor="ctr"/>
             <a:lstStyle/>
             <a:p>
-              <a:pPr algn="ctr"/>
-              <a:endParaRPr lang="en-US">
-                <a:solidFill>
-                  <a:srgbClr val="17172E"/>
-                </a:solidFill>
-              </a:endParaRPr>
+              <a:pPr algn="r"/>
+              <a:r>
+                <a:rPr lang="en-US" b="1" spc="300" dirty="0">
+                  <a:ln w="3175">
+                    <a:noFill/>
+                  </a:ln>
+                  <a:solidFill>
+                    <a:schemeClr val="bg1"/>
+                  </a:solidFill>
+                  <a:latin typeface="Noto Sans CJK TC DemiLight" panose="020B0400000000000000" pitchFamily="34" charset="-120"/>
+                  <a:ea typeface="Noto Sans CJK TC DemiLight" panose="020B0400000000000000" pitchFamily="34" charset="-120"/>
+                </a:rPr>
+                <a:t>#17172E</a:t>
+              </a:r>
+            </a:p>
+          </p:txBody>
+        </p:sp>
+        <p:sp>
+          <p:nvSpPr>
+            <p:cNvPr id="18" name="矩形 17">
+              <a:extLst>
+                <a:ext uri="{FF2B5EF4-FFF2-40B4-BE49-F238E27FC236}">
+                  <a16:creationId xmlns:a16="http://schemas.microsoft.com/office/drawing/2014/main" id="{9CE9004C-680E-4F20-A53C-6F8DF4598D86}"/>
+                </a:ext>
+              </a:extLst>
+            </p:cNvPr>
+            <p:cNvSpPr/>
+            <p:nvPr/>
+          </p:nvSpPr>
+          <p:spPr>
+            <a:xfrm>
+              <a:off x="3332196" y="5910522"/>
+              <a:ext cx="2020824" cy="732801"/>
+            </a:xfrm>
+            <a:prstGeom prst="rect">
+              <a:avLst/>
+            </a:prstGeom>
+            <a:solidFill>
+              <a:srgbClr val="FF9B00"/>
+            </a:solidFill>
+            <a:ln>
+              <a:noFill/>
+            </a:ln>
+          </p:spPr>
+          <p:style>
+            <a:lnRef idx="2">
+              <a:schemeClr val="accent1">
+                <a:shade val="50000"/>
+              </a:schemeClr>
+            </a:lnRef>
+            <a:fillRef idx="1">
+              <a:schemeClr val="accent1"/>
+            </a:fillRef>
+            <a:effectRef idx="0">
+              <a:schemeClr val="accent1"/>
+            </a:effectRef>
+            <a:fontRef idx="minor">
+              <a:schemeClr val="lt1"/>
+            </a:fontRef>
+          </p:style>
+          <p:txBody>
+            <a:bodyPr rtlCol="0" anchor="ctr"/>
+            <a:lstStyle/>
+            <a:p>
+              <a:pPr algn="r"/>
+              <a:r>
+                <a:rPr lang="en-US" altLang="zh-TW" spc="300" dirty="0">
+                  <a:solidFill>
+                    <a:schemeClr val="tx1"/>
+                  </a:solidFill>
+                  <a:latin typeface="Noto Sans CJK TC DemiLight" panose="020B0400000000000000" pitchFamily="34" charset="-120"/>
+                  <a:ea typeface="Noto Sans CJK TC DemiLight" panose="020B0400000000000000" pitchFamily="34" charset="-120"/>
+                </a:rPr>
+                <a:t>#FFFFFF</a:t>
+              </a:r>
             </a:p>
           </p:txBody>
         </p:sp>
@@ -4843,6 +4843,168 @@
           </a:effectLst>
         </p:spPr>
       </p:pic>
+      <p:sp>
+        <p:nvSpPr>
+          <p:cNvPr id="16" name="矩形 15">
+            <a:extLst>
+              <a:ext uri="{FF2B5EF4-FFF2-40B4-BE49-F238E27FC236}">
+                <a16:creationId xmlns:a16="http://schemas.microsoft.com/office/drawing/2014/main" id="{CFD8FBD4-A77F-4D02-BE1B-F76C8CE65607}"/>
+              </a:ext>
+            </a:extLst>
+          </p:cNvPr>
+          <p:cNvSpPr/>
+          <p:nvPr/>
+        </p:nvSpPr>
+        <p:spPr>
+          <a:xfrm>
+            <a:off x="5353019" y="1364209"/>
+            <a:ext cx="6256907" cy="722209"/>
+          </a:xfrm>
+          <a:prstGeom prst="rect">
+            <a:avLst/>
+          </a:prstGeom>
+          <a:solidFill>
+            <a:schemeClr val="accent3">
+              <a:alpha val="37000"/>
+            </a:schemeClr>
+          </a:solidFill>
+          <a:ln>
+            <a:noFill/>
+          </a:ln>
+        </p:spPr>
+        <p:style>
+          <a:lnRef idx="2">
+            <a:schemeClr val="accent1">
+              <a:shade val="50000"/>
+            </a:schemeClr>
+          </a:lnRef>
+          <a:fillRef idx="1">
+            <a:schemeClr val="accent1"/>
+          </a:fillRef>
+          <a:effectRef idx="0">
+            <a:schemeClr val="accent1"/>
+          </a:effectRef>
+          <a:fontRef idx="minor">
+            <a:schemeClr val="lt1"/>
+          </a:fontRef>
+        </p:style>
+        <p:txBody>
+          <a:bodyPr tIns="0" rtlCol="0" anchor="ctr" anchorCtr="1">
+            <a:noAutofit/>
+          </a:bodyPr>
+          <a:lstStyle/>
+          <a:p>
+            <a:pPr algn="r">
+              <a:lnSpc>
+                <a:spcPct val="150000"/>
+              </a:lnSpc>
+            </a:pPr>
+            <a:r>
+              <a:rPr lang="zh-TW" altLang="en-US" dirty="0">
+                <a:ln w="3175">
+                  <a:noFill/>
+                </a:ln>
+                <a:solidFill>
+                  <a:schemeClr val="bg1"/>
+                </a:solidFill>
+                <a:latin typeface="Noto Sans CJK TC DemiLight" panose="020B0400000000000000" pitchFamily="34" charset="-120"/>
+                <a:ea typeface="Noto Sans CJK TC DemiLight" panose="020B0400000000000000" pitchFamily="34" charset="-120"/>
+              </a:rPr>
+              <a:t>      主要導覽列和次要導覽列與背景作區別，使用較淺的深藍</a:t>
+            </a:r>
+            <a:endParaRPr lang="en-US" altLang="zh-TW" dirty="0">
+              <a:ln w="3175">
+                <a:noFill/>
+              </a:ln>
+              <a:solidFill>
+                <a:schemeClr val="bg1"/>
+              </a:solidFill>
+              <a:latin typeface="Noto Sans CJK TC DemiLight" panose="020B0400000000000000" pitchFamily="34" charset="-120"/>
+              <a:ea typeface="Noto Sans CJK TC DemiLight" panose="020B0400000000000000" pitchFamily="34" charset="-120"/>
+            </a:endParaRPr>
+          </a:p>
+        </p:txBody>
+      </p:sp>
+      <p:sp>
+        <p:nvSpPr>
+          <p:cNvPr id="19" name="矩形 18">
+            <a:extLst>
+              <a:ext uri="{FF2B5EF4-FFF2-40B4-BE49-F238E27FC236}">
+                <a16:creationId xmlns:a16="http://schemas.microsoft.com/office/drawing/2014/main" id="{6ACA7384-3455-439A-900B-1A81C341A317}"/>
+              </a:ext>
+            </a:extLst>
+          </p:cNvPr>
+          <p:cNvSpPr/>
+          <p:nvPr/>
+        </p:nvSpPr>
+        <p:spPr>
+          <a:xfrm>
+            <a:off x="5353018" y="5910522"/>
+            <a:ext cx="6256907" cy="732801"/>
+          </a:xfrm>
+          <a:prstGeom prst="rect">
+            <a:avLst/>
+          </a:prstGeom>
+          <a:solidFill>
+            <a:schemeClr val="accent3">
+              <a:alpha val="37000"/>
+            </a:schemeClr>
+          </a:solidFill>
+          <a:ln>
+            <a:noFill/>
+          </a:ln>
+        </p:spPr>
+        <p:style>
+          <a:lnRef idx="2">
+            <a:schemeClr val="accent1">
+              <a:shade val="50000"/>
+            </a:schemeClr>
+          </a:lnRef>
+          <a:fillRef idx="1">
+            <a:schemeClr val="accent1"/>
+          </a:fillRef>
+          <a:effectRef idx="0">
+            <a:schemeClr val="accent1"/>
+          </a:effectRef>
+          <a:fontRef idx="minor">
+            <a:schemeClr val="lt1"/>
+          </a:fontRef>
+        </p:style>
+        <p:txBody>
+          <a:bodyPr tIns="0" rtlCol="0" anchor="ctr" anchorCtr="1"/>
+          <a:lstStyle/>
+          <a:p>
+            <a:pPr>
+              <a:lnSpc>
+                <a:spcPct val="150000"/>
+              </a:lnSpc>
+            </a:pPr>
+            <a:r>
+              <a:rPr lang="zh-TW" altLang="en-US" dirty="0">
+                <a:ln w="3175">
+                  <a:noFill/>
+                </a:ln>
+                <a:solidFill>
+                  <a:schemeClr val="bg1"/>
+                </a:solidFill>
+                <a:latin typeface="Noto Sans CJK TC DemiLight" panose="020B0400000000000000" pitchFamily="34" charset="-120"/>
+                <a:ea typeface="Noto Sans CJK TC DemiLight" panose="020B0400000000000000" pitchFamily="34" charset="-120"/>
+              </a:rPr>
+              <a:t>提供次要資訊的副標題為亮橙色，並附在大標題上方</a:t>
+            </a:r>
+            <a:endParaRPr lang="en-US" altLang="zh-TW" dirty="0">
+              <a:ln w="3175">
+                <a:noFill/>
+              </a:ln>
+              <a:solidFill>
+                <a:schemeClr val="bg1"/>
+              </a:solidFill>
+              <a:latin typeface="Noto Sans CJK TC DemiLight" panose="020B0400000000000000" pitchFamily="34" charset="-120"/>
+              <a:ea typeface="Noto Sans CJK TC DemiLight" panose="020B0400000000000000" pitchFamily="34" charset="-120"/>
+            </a:endParaRPr>
+          </a:p>
+        </p:txBody>
+      </p:sp>
     </p:spTree>
     <p:extLst>
       <p:ext uri="{BB962C8B-B14F-4D97-AF65-F5344CB8AC3E}">
@@ -4951,241 +5113,6 @@
           </a:p>
         </p:txBody>
       </p:sp>
-      <p:grpSp>
-        <p:nvGrpSpPr>
-          <p:cNvPr id="52" name="群組 51">
-            <a:extLst>
-              <a:ext uri="{FF2B5EF4-FFF2-40B4-BE49-F238E27FC236}">
-                <a16:creationId xmlns:a16="http://schemas.microsoft.com/office/drawing/2014/main" id="{D6E58CF7-1A67-47E7-AB6F-D9F8FF501C79}"/>
-              </a:ext>
-            </a:extLst>
-          </p:cNvPr>
-          <p:cNvGrpSpPr/>
-          <p:nvPr/>
-        </p:nvGrpSpPr>
-        <p:grpSpPr>
-          <a:xfrm>
-            <a:off x="8080554" y="3165567"/>
-            <a:ext cx="3715987" cy="3099121"/>
-            <a:chOff x="8972492" y="3157436"/>
-            <a:chExt cx="2790656" cy="3099121"/>
-          </a:xfrm>
-        </p:grpSpPr>
-        <p:sp>
-          <p:nvSpPr>
-            <p:cNvPr id="11" name="矩形: 圓角 10">
-              <a:extLst>
-                <a:ext uri="{FF2B5EF4-FFF2-40B4-BE49-F238E27FC236}">
-                  <a16:creationId xmlns:a16="http://schemas.microsoft.com/office/drawing/2014/main" id="{B68455BE-594D-4A0B-8E87-FE410F9927C4}"/>
-                </a:ext>
-              </a:extLst>
-            </p:cNvPr>
-            <p:cNvSpPr/>
-            <p:nvPr/>
-          </p:nvSpPr>
-          <p:spPr>
-            <a:xfrm>
-              <a:off x="8972492" y="3157436"/>
-              <a:ext cx="2790656" cy="3099121"/>
-            </a:xfrm>
-            <a:prstGeom prst="roundRect">
-              <a:avLst>
-                <a:gd name="adj" fmla="val 3252"/>
-              </a:avLst>
-            </a:prstGeom>
-            <a:solidFill>
-              <a:srgbClr val="A6A6A6"/>
-            </a:solidFill>
-            <a:ln>
-              <a:noFill/>
-            </a:ln>
-          </p:spPr>
-          <p:style>
-            <a:lnRef idx="2">
-              <a:schemeClr val="accent1">
-                <a:shade val="50000"/>
-              </a:schemeClr>
-            </a:lnRef>
-            <a:fillRef idx="1">
-              <a:schemeClr val="accent1"/>
-            </a:fillRef>
-            <a:effectRef idx="0">
-              <a:schemeClr val="accent1"/>
-            </a:effectRef>
-            <a:fontRef idx="minor">
-              <a:schemeClr val="lt1"/>
-            </a:fontRef>
-          </p:style>
-          <p:txBody>
-            <a:bodyPr rtlCol="0" anchor="t"/>
-            <a:lstStyle/>
-            <a:p>
-              <a:pPr algn="ctr"/>
-              <a:endParaRPr lang="en-US" altLang="zh-TW" sz="2000" dirty="0">
-                <a:latin typeface="Noto Sans CJK TC Medium" panose="020B0600000000000000" pitchFamily="34" charset="-120"/>
-                <a:ea typeface="Noto Sans CJK TC Medium" panose="020B0600000000000000" pitchFamily="34" charset="-120"/>
-              </a:endParaRPr>
-            </a:p>
-            <a:p>
-              <a:pPr algn="ctr"/>
-              <a:r>
-                <a:rPr lang="zh-TW" altLang="en-US" sz="2000" dirty="0">
-                  <a:latin typeface="Noto Sans CJK TC Medium" panose="020B0600000000000000" pitchFamily="34" charset="-120"/>
-                  <a:ea typeface="Noto Sans CJK TC Medium" panose="020B0600000000000000" pitchFamily="34" charset="-120"/>
-                </a:rPr>
-                <a:t>未選取</a:t>
-              </a:r>
-              <a:r>
-                <a:rPr lang="en-US" altLang="zh-TW" sz="2000" dirty="0">
-                  <a:latin typeface="Noto Sans CJK TC Medium" panose="020B0600000000000000" pitchFamily="34" charset="-120"/>
-                  <a:ea typeface="Noto Sans CJK TC Medium" panose="020B0600000000000000" pitchFamily="34" charset="-120"/>
-                </a:rPr>
-                <a:t>(</a:t>
-              </a:r>
-              <a:r>
-                <a:rPr lang="zh-TW" altLang="en-US" sz="2000" dirty="0">
-                  <a:latin typeface="Noto Sans CJK TC Medium" panose="020B0600000000000000" pitchFamily="34" charset="-120"/>
-                  <a:ea typeface="Noto Sans CJK TC Medium" panose="020B0600000000000000" pitchFamily="34" charset="-120"/>
-                </a:rPr>
-                <a:t>無鼠標</a:t>
-              </a:r>
-              <a:r>
-                <a:rPr lang="en-US" altLang="zh-TW" sz="2000" dirty="0">
-                  <a:latin typeface="Noto Sans CJK TC Medium" panose="020B0600000000000000" pitchFamily="34" charset="-120"/>
-                  <a:ea typeface="Noto Sans CJK TC Medium" panose="020B0600000000000000" pitchFamily="34" charset="-120"/>
-                </a:rPr>
-                <a:t>)</a:t>
-              </a:r>
-              <a:endParaRPr lang="en-US" sz="2000" dirty="0">
-                <a:latin typeface="Noto Sans CJK TC Medium" panose="020B0600000000000000" pitchFamily="34" charset="-120"/>
-                <a:ea typeface="Noto Sans CJK TC Medium" panose="020B0600000000000000" pitchFamily="34" charset="-120"/>
-              </a:endParaRPr>
-            </a:p>
-          </p:txBody>
-        </p:sp>
-        <p:sp>
-          <p:nvSpPr>
-            <p:cNvPr id="5" name="矩形 4">
-              <a:extLst>
-                <a:ext uri="{FF2B5EF4-FFF2-40B4-BE49-F238E27FC236}">
-                  <a16:creationId xmlns:a16="http://schemas.microsoft.com/office/drawing/2014/main" id="{91EA9A19-039A-49D1-AEB6-8E756CCD3BAE}"/>
-                </a:ext>
-              </a:extLst>
-            </p:cNvPr>
-            <p:cNvSpPr/>
-            <p:nvPr/>
-          </p:nvSpPr>
-          <p:spPr>
-            <a:xfrm>
-              <a:off x="9750467" y="3981009"/>
-              <a:ext cx="1644628" cy="817131"/>
-            </a:xfrm>
-            <a:prstGeom prst="rect">
-              <a:avLst/>
-            </a:prstGeom>
-            <a:solidFill>
-              <a:srgbClr val="CCCCCC"/>
-            </a:solidFill>
-            <a:ln>
-              <a:noFill/>
-            </a:ln>
-          </p:spPr>
-          <p:style>
-            <a:lnRef idx="2">
-              <a:schemeClr val="accent1">
-                <a:shade val="50000"/>
-              </a:schemeClr>
-            </a:lnRef>
-            <a:fillRef idx="1">
-              <a:schemeClr val="accent1"/>
-            </a:fillRef>
-            <a:effectRef idx="0">
-              <a:schemeClr val="accent1"/>
-            </a:effectRef>
-            <a:fontRef idx="minor">
-              <a:schemeClr val="lt1"/>
-            </a:fontRef>
-          </p:style>
-          <p:txBody>
-            <a:bodyPr rtlCol="0" anchor="ctr"/>
-            <a:lstStyle/>
-            <a:p>
-              <a:pPr algn="ctr"/>
-              <a:r>
-                <a:rPr lang="en-US" sz="2400" dirty="0">
-                  <a:solidFill>
-                    <a:schemeClr val="tx1"/>
-                  </a:solidFill>
-                  <a:latin typeface="Noto Sans CJK TC DemiLight" panose="020B0400000000000000" pitchFamily="34" charset="-120"/>
-                  <a:ea typeface="Noto Sans CJK TC DemiLight" panose="020B0400000000000000" pitchFamily="34" charset="-120"/>
-                </a:rPr>
-                <a:t>#CCCCCC</a:t>
-              </a:r>
-            </a:p>
-          </p:txBody>
-        </p:sp>
-        <p:sp>
-          <p:nvSpPr>
-            <p:cNvPr id="7" name="矩形 6">
-              <a:extLst>
-                <a:ext uri="{FF2B5EF4-FFF2-40B4-BE49-F238E27FC236}">
-                  <a16:creationId xmlns:a16="http://schemas.microsoft.com/office/drawing/2014/main" id="{D4948D82-D655-45B7-93E8-8FC6EEA2CEB8}"/>
-                </a:ext>
-              </a:extLst>
-            </p:cNvPr>
-            <p:cNvSpPr/>
-            <p:nvPr/>
-          </p:nvSpPr>
-          <p:spPr>
-            <a:xfrm>
-              <a:off x="9756357" y="4892320"/>
-              <a:ext cx="1644628" cy="817131"/>
-            </a:xfrm>
-            <a:prstGeom prst="rect">
-              <a:avLst/>
-            </a:prstGeom>
-            <a:solidFill>
-              <a:srgbClr val="17172E"/>
-            </a:solidFill>
-            <a:ln>
-              <a:noFill/>
-            </a:ln>
-          </p:spPr>
-          <p:style>
-            <a:lnRef idx="2">
-              <a:schemeClr val="accent1">
-                <a:shade val="50000"/>
-              </a:schemeClr>
-            </a:lnRef>
-            <a:fillRef idx="1">
-              <a:schemeClr val="accent1"/>
-            </a:fillRef>
-            <a:effectRef idx="0">
-              <a:schemeClr val="accent1"/>
-            </a:effectRef>
-            <a:fontRef idx="minor">
-              <a:schemeClr val="lt1"/>
-            </a:fontRef>
-          </p:style>
-          <p:txBody>
-            <a:bodyPr rtlCol="0" anchor="ctr"/>
-            <a:lstStyle/>
-            <a:p>
-              <a:pPr algn="ctr"/>
-              <a:r>
-                <a:rPr lang="en-US" sz="2400" dirty="0">
-                  <a:solidFill>
-                    <a:schemeClr val="bg1"/>
-                  </a:solidFill>
-                  <a:latin typeface="Noto Sans CJK TC DemiLight" panose="020B0400000000000000" pitchFamily="34" charset="-120"/>
-                  <a:ea typeface="Noto Sans CJK TC DemiLight" panose="020B0400000000000000" pitchFamily="34" charset="-120"/>
-                </a:rPr>
-                <a:t>#17172E</a:t>
-              </a:r>
-            </a:p>
-          </p:txBody>
-        </p:sp>
-      </p:grpSp>
       <p:pic>
         <p:nvPicPr>
           <p:cNvPr id="8" name="圖片 7">
@@ -5213,243 +5140,16 @@
           <a:prstGeom prst="rect">
             <a:avLst/>
           </a:prstGeom>
+          <a:effectLst>
+            <a:outerShdw blurRad="63500" sx="102000" sy="102000" algn="ctr" rotWithShape="0">
+              <a:schemeClr val="bg1">
+                <a:lumMod val="50000"/>
+                <a:alpha val="54000"/>
+              </a:schemeClr>
+            </a:outerShdw>
+          </a:effectLst>
         </p:spPr>
       </p:pic>
-      <p:grpSp>
-        <p:nvGrpSpPr>
-          <p:cNvPr id="20" name="群組 19">
-            <a:extLst>
-              <a:ext uri="{FF2B5EF4-FFF2-40B4-BE49-F238E27FC236}">
-                <a16:creationId xmlns:a16="http://schemas.microsoft.com/office/drawing/2014/main" id="{9555AB8C-318D-4533-B876-C7C23BD97485}"/>
-              </a:ext>
-            </a:extLst>
-          </p:cNvPr>
-          <p:cNvGrpSpPr/>
-          <p:nvPr/>
-        </p:nvGrpSpPr>
-        <p:grpSpPr>
-          <a:xfrm>
-            <a:off x="4212158" y="3165567"/>
-            <a:ext cx="3715987" cy="3099121"/>
-            <a:chOff x="2674373" y="3428999"/>
-            <a:chExt cx="2790656" cy="3099121"/>
-          </a:xfrm>
-        </p:grpSpPr>
-        <p:sp>
-          <p:nvSpPr>
-            <p:cNvPr id="12" name="矩形: 圓角 11">
-              <a:extLst>
-                <a:ext uri="{FF2B5EF4-FFF2-40B4-BE49-F238E27FC236}">
-                  <a16:creationId xmlns:a16="http://schemas.microsoft.com/office/drawing/2014/main" id="{F7BF0571-271F-4B47-8806-C1098C522F6B}"/>
-                </a:ext>
-              </a:extLst>
-            </p:cNvPr>
-            <p:cNvSpPr/>
-            <p:nvPr/>
-          </p:nvSpPr>
-          <p:spPr>
-            <a:xfrm>
-              <a:off x="2674373" y="3428999"/>
-              <a:ext cx="2790656" cy="3099121"/>
-            </a:xfrm>
-            <a:prstGeom prst="roundRect">
-              <a:avLst>
-                <a:gd name="adj" fmla="val 3252"/>
-              </a:avLst>
-            </a:prstGeom>
-            <a:solidFill>
-              <a:srgbClr val="A6A6A6"/>
-            </a:solidFill>
-            <a:ln>
-              <a:noFill/>
-            </a:ln>
-          </p:spPr>
-          <p:style>
-            <a:lnRef idx="2">
-              <a:schemeClr val="accent1">
-                <a:shade val="50000"/>
-              </a:schemeClr>
-            </a:lnRef>
-            <a:fillRef idx="1">
-              <a:schemeClr val="accent1"/>
-            </a:fillRef>
-            <a:effectRef idx="0">
-              <a:schemeClr val="accent1"/>
-            </a:effectRef>
-            <a:fontRef idx="minor">
-              <a:schemeClr val="lt1"/>
-            </a:fontRef>
-          </p:style>
-          <p:txBody>
-            <a:bodyPr rtlCol="0" anchor="t"/>
-            <a:lstStyle/>
-            <a:p>
-              <a:pPr algn="ctr"/>
-              <a:endParaRPr lang="en-US" altLang="zh-TW" sz="2000" dirty="0">
-                <a:latin typeface="Noto Sans CJK TC Medium" panose="020B0600000000000000" pitchFamily="34" charset="-120"/>
-                <a:ea typeface="Noto Sans CJK TC Medium" panose="020B0600000000000000" pitchFamily="34" charset="-120"/>
-              </a:endParaRPr>
-            </a:p>
-            <a:p>
-              <a:pPr algn="ctr"/>
-              <a:r>
-                <a:rPr lang="zh-TW" altLang="en-US" sz="2000" dirty="0">
-                  <a:latin typeface="Noto Sans CJK TC Medium" panose="020B0600000000000000" pitchFamily="34" charset="-120"/>
-                  <a:ea typeface="Noto Sans CJK TC Medium" panose="020B0600000000000000" pitchFamily="34" charset="-120"/>
-                </a:rPr>
-                <a:t>未選取 </a:t>
-              </a:r>
-              <a:r>
-                <a:rPr lang="en-US" altLang="zh-TW" sz="2000" dirty="0">
-                  <a:latin typeface="Noto Sans CJK TC Medium" panose="020B0600000000000000" pitchFamily="34" charset="-120"/>
-                  <a:ea typeface="Noto Sans CJK TC Medium" panose="020B0600000000000000" pitchFamily="34" charset="-120"/>
-                </a:rPr>
-                <a:t>(</a:t>
-              </a:r>
-              <a:r>
-                <a:rPr lang="zh-TW" altLang="en-US" sz="2000" dirty="0">
-                  <a:latin typeface="Noto Sans CJK TC Medium" panose="020B0600000000000000" pitchFamily="34" charset="-120"/>
-                  <a:ea typeface="Noto Sans CJK TC Medium" panose="020B0600000000000000" pitchFamily="34" charset="-120"/>
-                </a:rPr>
-                <a:t>有鼠標</a:t>
-              </a:r>
-              <a:r>
-                <a:rPr lang="en-US" altLang="zh-TW" sz="2000" dirty="0">
-                  <a:latin typeface="Noto Sans CJK TC Medium" panose="020B0600000000000000" pitchFamily="34" charset="-120"/>
-                  <a:ea typeface="Noto Sans CJK TC Medium" panose="020B0600000000000000" pitchFamily="34" charset="-120"/>
-                </a:rPr>
-                <a:t>)</a:t>
-              </a:r>
-              <a:endParaRPr lang="en-US" sz="2000" dirty="0">
-                <a:latin typeface="Noto Sans CJK TC Medium" panose="020B0600000000000000" pitchFamily="34" charset="-120"/>
-                <a:ea typeface="Noto Sans CJK TC Medium" panose="020B0600000000000000" pitchFamily="34" charset="-120"/>
-              </a:endParaRPr>
-            </a:p>
-          </p:txBody>
-        </p:sp>
-        <p:sp>
-          <p:nvSpPr>
-            <p:cNvPr id="6" name="矩形 5">
-              <a:extLst>
-                <a:ext uri="{FF2B5EF4-FFF2-40B4-BE49-F238E27FC236}">
-                  <a16:creationId xmlns:a16="http://schemas.microsoft.com/office/drawing/2014/main" id="{BF8E4218-528C-4164-B082-D840AC2BBB47}"/>
-                </a:ext>
-              </a:extLst>
-            </p:cNvPr>
-            <p:cNvSpPr/>
-            <p:nvPr/>
-          </p:nvSpPr>
-          <p:spPr>
-            <a:xfrm>
-              <a:off x="3424563" y="4254910"/>
-              <a:ext cx="1655550" cy="814794"/>
-            </a:xfrm>
-            <a:prstGeom prst="rect">
-              <a:avLst/>
-            </a:prstGeom>
-            <a:solidFill>
-              <a:schemeClr val="bg1"/>
-            </a:solidFill>
-            <a:ln>
-              <a:noFill/>
-            </a:ln>
-          </p:spPr>
-          <p:style>
-            <a:lnRef idx="2">
-              <a:schemeClr val="accent1">
-                <a:shade val="50000"/>
-              </a:schemeClr>
-            </a:lnRef>
-            <a:fillRef idx="1">
-              <a:schemeClr val="accent1"/>
-            </a:fillRef>
-            <a:effectRef idx="0">
-              <a:schemeClr val="accent1"/>
-            </a:effectRef>
-            <a:fontRef idx="minor">
-              <a:schemeClr val="lt1"/>
-            </a:fontRef>
-          </p:style>
-          <p:txBody>
-            <a:bodyPr rtlCol="0" anchor="ctr"/>
-            <a:lstStyle/>
-            <a:p>
-              <a:pPr algn="ctr"/>
-              <a:r>
-                <a:rPr lang="en-US" sz="2400" dirty="0">
-                  <a:solidFill>
-                    <a:schemeClr val="tx1"/>
-                  </a:solidFill>
-                  <a:latin typeface="Noto Sans CJK TC DemiLight" panose="020B0400000000000000" pitchFamily="34" charset="-120"/>
-                  <a:ea typeface="Noto Sans CJK TC DemiLight" panose="020B0400000000000000" pitchFamily="34" charset="-120"/>
-                </a:rPr>
-                <a:t>#FFFFFF</a:t>
-              </a:r>
-            </a:p>
-          </p:txBody>
-        </p:sp>
-        <p:sp>
-          <p:nvSpPr>
-            <p:cNvPr id="19" name="矩形 18">
-              <a:extLst>
-                <a:ext uri="{FF2B5EF4-FFF2-40B4-BE49-F238E27FC236}">
-                  <a16:creationId xmlns:a16="http://schemas.microsoft.com/office/drawing/2014/main" id="{9A93881B-2D98-4A31-A949-523E751544B4}"/>
-                </a:ext>
-              </a:extLst>
-            </p:cNvPr>
-            <p:cNvSpPr/>
-            <p:nvPr/>
-          </p:nvSpPr>
-          <p:spPr>
-            <a:xfrm>
-              <a:off x="3424563" y="5166222"/>
-              <a:ext cx="1655550" cy="814794"/>
-            </a:xfrm>
-            <a:prstGeom prst="rect">
-              <a:avLst/>
-            </a:prstGeom>
-            <a:solidFill>
-              <a:srgbClr val="17172E"/>
-            </a:solidFill>
-            <a:ln>
-              <a:noFill/>
-            </a:ln>
-          </p:spPr>
-          <p:style>
-            <a:lnRef idx="2">
-              <a:schemeClr val="accent1">
-                <a:shade val="50000"/>
-              </a:schemeClr>
-            </a:lnRef>
-            <a:fillRef idx="1">
-              <a:schemeClr val="accent1"/>
-            </a:fillRef>
-            <a:effectRef idx="0">
-              <a:schemeClr val="accent1"/>
-            </a:effectRef>
-            <a:fontRef idx="minor">
-              <a:schemeClr val="lt1"/>
-            </a:fontRef>
-          </p:style>
-          <p:txBody>
-            <a:bodyPr rtlCol="0" anchor="ctr"/>
-            <a:lstStyle/>
-            <a:p>
-              <a:pPr algn="ctr"/>
-              <a:r>
-                <a:rPr lang="en-US" sz="2400" dirty="0">
-                  <a:solidFill>
-                    <a:schemeClr val="bg1"/>
-                  </a:solidFill>
-                  <a:latin typeface="Noto Sans CJK TC DemiLight" panose="020B0400000000000000" pitchFamily="34" charset="-120"/>
-                  <a:ea typeface="Noto Sans CJK TC DemiLight" panose="020B0400000000000000" pitchFamily="34" charset="-120"/>
-                </a:rPr>
-                <a:t>#17172E</a:t>
-              </a:r>
-            </a:p>
-          </p:txBody>
-        </p:sp>
-      </p:grpSp>
       <p:pic>
         <p:nvPicPr>
           <p:cNvPr id="44" name="圖片 43">
@@ -5477,6 +5177,14 @@
           <a:prstGeom prst="rect">
             <a:avLst/>
           </a:prstGeom>
+          <a:effectLst>
+            <a:outerShdw blurRad="63500" sx="102000" sy="102000" algn="ctr" rotWithShape="0">
+              <a:schemeClr val="bg1">
+                <a:lumMod val="50000"/>
+                <a:alpha val="54000"/>
+              </a:schemeClr>
+            </a:outerShdw>
+          </a:effectLst>
         </p:spPr>
       </p:pic>
       <p:pic>
@@ -5506,6 +5214,14 @@
           <a:prstGeom prst="rect">
             <a:avLst/>
           </a:prstGeom>
+          <a:effectLst>
+            <a:outerShdw blurRad="63500" sx="102000" sy="102000" algn="ctr" rotWithShape="0">
+              <a:schemeClr val="bg1">
+                <a:lumMod val="50000"/>
+                <a:alpha val="54000"/>
+              </a:schemeClr>
+            </a:outerShdw>
+          </a:effectLst>
         </p:spPr>
       </p:pic>
       <p:grpSp>
@@ -5924,174 +5640,644 @@
           </p:txBody>
         </p:sp>
       </p:grpSp>
-      <p:sp>
-        <p:nvSpPr>
-          <p:cNvPr id="54" name="文字方塊 53">
-            <a:extLst>
-              <a:ext uri="{FF2B5EF4-FFF2-40B4-BE49-F238E27FC236}">
-                <a16:creationId xmlns:a16="http://schemas.microsoft.com/office/drawing/2014/main" id="{90331822-A0D0-46C5-8FC6-B6F1C32C2A2C}"/>
-              </a:ext>
-            </a:extLst>
-          </p:cNvPr>
-          <p:cNvSpPr txBox="1"/>
+      <p:grpSp>
+        <p:nvGrpSpPr>
+          <p:cNvPr id="59" name="群組 58">
+            <a:extLst>
+              <a:ext uri="{FF2B5EF4-FFF2-40B4-BE49-F238E27FC236}">
+                <a16:creationId xmlns:a16="http://schemas.microsoft.com/office/drawing/2014/main" id="{CC70DF0C-EC30-49A9-9C07-7566C0D56E84}"/>
+              </a:ext>
+            </a:extLst>
+          </p:cNvPr>
+          <p:cNvGrpSpPr/>
           <p:nvPr/>
-        </p:nvSpPr>
-        <p:spPr>
+        </p:nvGrpSpPr>
+        <p:grpSpPr>
           <a:xfrm>
-            <a:off x="4459752" y="4255863"/>
-            <a:ext cx="697627" cy="400110"/>
+            <a:off x="4212158" y="3165567"/>
+            <a:ext cx="3715987" cy="3099121"/>
+            <a:chOff x="4212158" y="3165567"/>
+            <a:chExt cx="3715987" cy="3099121"/>
           </a:xfrm>
-          <a:prstGeom prst="rect">
-            <a:avLst/>
-          </a:prstGeom>
-          <a:noFill/>
-        </p:spPr>
-        <p:txBody>
-          <a:bodyPr wrap="none" rtlCol="0">
-            <a:spAutoFit/>
-          </a:bodyPr>
-          <a:lstStyle/>
-          <a:p>
-            <a:r>
-              <a:rPr lang="zh-TW" altLang="en-US" sz="2000" dirty="0">
+        </p:grpSpPr>
+        <p:sp>
+          <p:nvSpPr>
+            <p:cNvPr id="12" name="矩形: 圓角 11">
+              <a:extLst>
+                <a:ext uri="{FF2B5EF4-FFF2-40B4-BE49-F238E27FC236}">
+                  <a16:creationId xmlns:a16="http://schemas.microsoft.com/office/drawing/2014/main" id="{F7BF0571-271F-4B47-8806-C1098C522F6B}"/>
+                </a:ext>
+              </a:extLst>
+            </p:cNvPr>
+            <p:cNvSpPr/>
+            <p:nvPr/>
+          </p:nvSpPr>
+          <p:spPr>
+            <a:xfrm>
+              <a:off x="4212158" y="3165567"/>
+              <a:ext cx="3715987" cy="3099121"/>
+            </a:xfrm>
+            <a:prstGeom prst="roundRect">
+              <a:avLst>
+                <a:gd name="adj" fmla="val 3252"/>
+              </a:avLst>
+            </a:prstGeom>
+            <a:solidFill>
+              <a:srgbClr val="A6A6A6"/>
+            </a:solidFill>
+            <a:ln>
+              <a:noFill/>
+            </a:ln>
+          </p:spPr>
+          <p:style>
+            <a:lnRef idx="2">
+              <a:schemeClr val="accent1">
+                <a:shade val="50000"/>
+              </a:schemeClr>
+            </a:lnRef>
+            <a:fillRef idx="1">
+              <a:schemeClr val="accent1"/>
+            </a:fillRef>
+            <a:effectRef idx="0">
+              <a:schemeClr val="accent1"/>
+            </a:effectRef>
+            <a:fontRef idx="minor">
+              <a:schemeClr val="lt1"/>
+            </a:fontRef>
+          </p:style>
+          <p:txBody>
+            <a:bodyPr rtlCol="0" anchor="t"/>
+            <a:lstStyle/>
+            <a:p>
+              <a:pPr algn="ctr"/>
+              <a:endParaRPr lang="en-US" altLang="zh-TW" sz="2000" dirty="0">
+                <a:latin typeface="Noto Sans CJK TC Medium" panose="020B0600000000000000" pitchFamily="34" charset="-120"/>
+                <a:ea typeface="Noto Sans CJK TC Medium" panose="020B0600000000000000" pitchFamily="34" charset="-120"/>
+              </a:endParaRPr>
+            </a:p>
+            <a:p>
+              <a:pPr algn="ctr"/>
+              <a:r>
+                <a:rPr lang="zh-TW" altLang="en-US" sz="2000" dirty="0">
+                  <a:latin typeface="Noto Sans CJK TC Medium" panose="020B0600000000000000" pitchFamily="34" charset="-120"/>
+                  <a:ea typeface="Noto Sans CJK TC Medium" panose="020B0600000000000000" pitchFamily="34" charset="-120"/>
+                </a:rPr>
+                <a:t>未選取 </a:t>
+              </a:r>
+              <a:r>
+                <a:rPr lang="en-US" altLang="zh-TW" sz="2000" dirty="0">
+                  <a:latin typeface="Noto Sans CJK TC Medium" panose="020B0600000000000000" pitchFamily="34" charset="-120"/>
+                  <a:ea typeface="Noto Sans CJK TC Medium" panose="020B0600000000000000" pitchFamily="34" charset="-120"/>
+                </a:rPr>
+                <a:t>(</a:t>
+              </a:r>
+              <a:r>
+                <a:rPr lang="zh-TW" altLang="en-US" sz="2000" dirty="0">
+                  <a:latin typeface="Noto Sans CJK TC Medium" panose="020B0600000000000000" pitchFamily="34" charset="-120"/>
+                  <a:ea typeface="Noto Sans CJK TC Medium" panose="020B0600000000000000" pitchFamily="34" charset="-120"/>
+                </a:rPr>
+                <a:t>有鼠標</a:t>
+              </a:r>
+              <a:r>
+                <a:rPr lang="en-US" altLang="zh-TW" sz="2000" dirty="0">
+                  <a:latin typeface="Noto Sans CJK TC Medium" panose="020B0600000000000000" pitchFamily="34" charset="-120"/>
+                  <a:ea typeface="Noto Sans CJK TC Medium" panose="020B0600000000000000" pitchFamily="34" charset="-120"/>
+                </a:rPr>
+                <a:t>)</a:t>
+              </a:r>
+              <a:endParaRPr lang="en-US" sz="2000" dirty="0">
+                <a:latin typeface="Noto Sans CJK TC Medium" panose="020B0600000000000000" pitchFamily="34" charset="-120"/>
+                <a:ea typeface="Noto Sans CJK TC Medium" panose="020B0600000000000000" pitchFamily="34" charset="-120"/>
+              </a:endParaRPr>
+            </a:p>
+          </p:txBody>
+        </p:sp>
+        <p:sp>
+          <p:nvSpPr>
+            <p:cNvPr id="6" name="矩形 5">
+              <a:extLst>
+                <a:ext uri="{FF2B5EF4-FFF2-40B4-BE49-F238E27FC236}">
+                  <a16:creationId xmlns:a16="http://schemas.microsoft.com/office/drawing/2014/main" id="{BF8E4218-528C-4164-B082-D840AC2BBB47}"/>
+                </a:ext>
+              </a:extLst>
+            </p:cNvPr>
+            <p:cNvSpPr/>
+            <p:nvPr/>
+          </p:nvSpPr>
+          <p:spPr>
+            <a:xfrm>
+              <a:off x="5211097" y="3991478"/>
+              <a:ext cx="2204500" cy="814794"/>
+            </a:xfrm>
+            <a:prstGeom prst="rect">
+              <a:avLst/>
+            </a:prstGeom>
+            <a:solidFill>
+              <a:schemeClr val="bg1"/>
+            </a:solidFill>
+            <a:ln>
+              <a:noFill/>
+            </a:ln>
+          </p:spPr>
+          <p:style>
+            <a:lnRef idx="2">
+              <a:schemeClr val="accent1">
+                <a:shade val="50000"/>
+              </a:schemeClr>
+            </a:lnRef>
+            <a:fillRef idx="1">
+              <a:schemeClr val="accent1"/>
+            </a:fillRef>
+            <a:effectRef idx="0">
+              <a:schemeClr val="accent1"/>
+            </a:effectRef>
+            <a:fontRef idx="minor">
+              <a:schemeClr val="lt1"/>
+            </a:fontRef>
+          </p:style>
+          <p:txBody>
+            <a:bodyPr rtlCol="0" anchor="ctr"/>
+            <a:lstStyle/>
+            <a:p>
+              <a:pPr algn="ctr"/>
+              <a:r>
+                <a:rPr lang="en-US" sz="2400" dirty="0">
+                  <a:solidFill>
+                    <a:schemeClr val="tx1"/>
+                  </a:solidFill>
+                  <a:latin typeface="Noto Sans CJK TC DemiLight" panose="020B0400000000000000" pitchFamily="34" charset="-120"/>
+                  <a:ea typeface="Noto Sans CJK TC DemiLight" panose="020B0400000000000000" pitchFamily="34" charset="-120"/>
+                </a:rPr>
+                <a:t>#FFFFFF</a:t>
+              </a:r>
+            </a:p>
+          </p:txBody>
+        </p:sp>
+        <p:sp>
+          <p:nvSpPr>
+            <p:cNvPr id="19" name="矩形 18">
+              <a:extLst>
+                <a:ext uri="{FF2B5EF4-FFF2-40B4-BE49-F238E27FC236}">
+                  <a16:creationId xmlns:a16="http://schemas.microsoft.com/office/drawing/2014/main" id="{9A93881B-2D98-4A31-A949-523E751544B4}"/>
+                </a:ext>
+              </a:extLst>
+            </p:cNvPr>
+            <p:cNvSpPr/>
+            <p:nvPr/>
+          </p:nvSpPr>
+          <p:spPr>
+            <a:xfrm>
+              <a:off x="5211097" y="4902790"/>
+              <a:ext cx="2204500" cy="814794"/>
+            </a:xfrm>
+            <a:prstGeom prst="rect">
+              <a:avLst/>
+            </a:prstGeom>
+            <a:solidFill>
+              <a:srgbClr val="17172E"/>
+            </a:solidFill>
+            <a:ln>
+              <a:noFill/>
+            </a:ln>
+          </p:spPr>
+          <p:style>
+            <a:lnRef idx="2">
+              <a:schemeClr val="accent1">
+                <a:shade val="50000"/>
+              </a:schemeClr>
+            </a:lnRef>
+            <a:fillRef idx="1">
+              <a:schemeClr val="accent1"/>
+            </a:fillRef>
+            <a:effectRef idx="0">
+              <a:schemeClr val="accent1"/>
+            </a:effectRef>
+            <a:fontRef idx="minor">
+              <a:schemeClr val="lt1"/>
+            </a:fontRef>
+          </p:style>
+          <p:txBody>
+            <a:bodyPr rtlCol="0" anchor="ctr"/>
+            <a:lstStyle/>
+            <a:p>
+              <a:pPr algn="ctr"/>
+              <a:r>
+                <a:rPr lang="en-US" sz="2400" dirty="0">
+                  <a:solidFill>
+                    <a:schemeClr val="bg1"/>
+                  </a:solidFill>
+                  <a:latin typeface="Noto Sans CJK TC DemiLight" panose="020B0400000000000000" pitchFamily="34" charset="-120"/>
+                  <a:ea typeface="Noto Sans CJK TC DemiLight" panose="020B0400000000000000" pitchFamily="34" charset="-120"/>
+                </a:rPr>
+                <a:t>#17172E</a:t>
+              </a:r>
+            </a:p>
+          </p:txBody>
+        </p:sp>
+        <p:sp>
+          <p:nvSpPr>
+            <p:cNvPr id="54" name="文字方塊 53">
+              <a:extLst>
+                <a:ext uri="{FF2B5EF4-FFF2-40B4-BE49-F238E27FC236}">
+                  <a16:creationId xmlns:a16="http://schemas.microsoft.com/office/drawing/2014/main" id="{90331822-A0D0-46C5-8FC6-B6F1C32C2A2C}"/>
+                </a:ext>
+              </a:extLst>
+            </p:cNvPr>
+            <p:cNvSpPr txBox="1"/>
+            <p:nvPr/>
+          </p:nvSpPr>
+          <p:spPr>
+            <a:xfrm>
+              <a:off x="4459752" y="4255863"/>
+              <a:ext cx="697627" cy="400110"/>
+            </a:xfrm>
+            <a:prstGeom prst="rect">
+              <a:avLst/>
+            </a:prstGeom>
+            <a:noFill/>
+          </p:spPr>
+          <p:txBody>
+            <a:bodyPr wrap="none" rtlCol="0">
+              <a:spAutoFit/>
+            </a:bodyPr>
+            <a:lstStyle/>
+            <a:p>
+              <a:r>
+                <a:rPr lang="zh-TW" altLang="en-US" sz="2000" dirty="0">
+                  <a:latin typeface="Noto Sans CJK TC DemiLight" panose="020B0400000000000000" pitchFamily="34" charset="-120"/>
+                  <a:ea typeface="Noto Sans CJK TC DemiLight" panose="020B0400000000000000" pitchFamily="34" charset="-120"/>
+                </a:rPr>
+                <a:t>字體</a:t>
+              </a:r>
+              <a:endParaRPr lang="en-US" sz="2000" dirty="0">
                 <a:latin typeface="Noto Sans CJK TC DemiLight" panose="020B0400000000000000" pitchFamily="34" charset="-120"/>
                 <a:ea typeface="Noto Sans CJK TC DemiLight" panose="020B0400000000000000" pitchFamily="34" charset="-120"/>
-              </a:rPr>
-              <a:t>字體</a:t>
-            </a:r>
-            <a:endParaRPr lang="en-US" sz="2000" dirty="0">
-              <a:latin typeface="Noto Sans CJK TC DemiLight" panose="020B0400000000000000" pitchFamily="34" charset="-120"/>
-              <a:ea typeface="Noto Sans CJK TC DemiLight" panose="020B0400000000000000" pitchFamily="34" charset="-120"/>
-            </a:endParaRPr>
-          </a:p>
-        </p:txBody>
-      </p:sp>
-      <p:sp>
-        <p:nvSpPr>
-          <p:cNvPr id="55" name="文字方塊 54">
-            <a:extLst>
-              <a:ext uri="{FF2B5EF4-FFF2-40B4-BE49-F238E27FC236}">
-                <a16:creationId xmlns:a16="http://schemas.microsoft.com/office/drawing/2014/main" id="{0A6A265F-BAD1-4458-8B09-370E57EF8696}"/>
-              </a:ext>
-            </a:extLst>
-          </p:cNvPr>
-          <p:cNvSpPr txBox="1"/>
-          <p:nvPr/>
-        </p:nvSpPr>
-        <p:spPr>
-          <a:xfrm>
-            <a:off x="4257252" y="5146144"/>
-            <a:ext cx="954107" cy="400110"/>
-          </a:xfrm>
-          <a:prstGeom prst="rect">
-            <a:avLst/>
-          </a:prstGeom>
-          <a:noFill/>
-        </p:spPr>
-        <p:txBody>
-          <a:bodyPr wrap="none" rtlCol="0">
-            <a:spAutoFit/>
-          </a:bodyPr>
-          <a:lstStyle/>
-          <a:p>
-            <a:r>
-              <a:rPr lang="zh-TW" altLang="en-US" sz="2000" dirty="0">
+              </a:endParaRPr>
+            </a:p>
+          </p:txBody>
+        </p:sp>
+        <p:sp>
+          <p:nvSpPr>
+            <p:cNvPr id="55" name="文字方塊 54">
+              <a:extLst>
+                <a:ext uri="{FF2B5EF4-FFF2-40B4-BE49-F238E27FC236}">
+                  <a16:creationId xmlns:a16="http://schemas.microsoft.com/office/drawing/2014/main" id="{0A6A265F-BAD1-4458-8B09-370E57EF8696}"/>
+                </a:ext>
+              </a:extLst>
+            </p:cNvPr>
+            <p:cNvSpPr txBox="1"/>
+            <p:nvPr/>
+          </p:nvSpPr>
+          <p:spPr>
+            <a:xfrm>
+              <a:off x="4257252" y="5146144"/>
+              <a:ext cx="954107" cy="400110"/>
+            </a:xfrm>
+            <a:prstGeom prst="rect">
+              <a:avLst/>
+            </a:prstGeom>
+            <a:noFill/>
+          </p:spPr>
+          <p:txBody>
+            <a:bodyPr wrap="none" rtlCol="0">
+              <a:spAutoFit/>
+            </a:bodyPr>
+            <a:lstStyle/>
+            <a:p>
+              <a:r>
+                <a:rPr lang="zh-TW" altLang="en-US" sz="2000" dirty="0">
+                  <a:latin typeface="Noto Sans CJK TC DemiLight" panose="020B0400000000000000" pitchFamily="34" charset="-120"/>
+                  <a:ea typeface="Noto Sans CJK TC DemiLight" panose="020B0400000000000000" pitchFamily="34" charset="-120"/>
+                </a:rPr>
+                <a:t>背景色</a:t>
+              </a:r>
+              <a:endParaRPr lang="en-US" sz="2000" dirty="0">
                 <a:latin typeface="Noto Sans CJK TC DemiLight" panose="020B0400000000000000" pitchFamily="34" charset="-120"/>
                 <a:ea typeface="Noto Sans CJK TC DemiLight" panose="020B0400000000000000" pitchFamily="34" charset="-120"/>
-              </a:rPr>
-              <a:t>背景色</a:t>
-            </a:r>
-            <a:endParaRPr lang="en-US" sz="2000" dirty="0">
-              <a:latin typeface="Noto Sans CJK TC DemiLight" panose="020B0400000000000000" pitchFamily="34" charset="-120"/>
-              <a:ea typeface="Noto Sans CJK TC DemiLight" panose="020B0400000000000000" pitchFamily="34" charset="-120"/>
-            </a:endParaRPr>
-          </a:p>
-        </p:txBody>
-      </p:sp>
-      <p:sp>
-        <p:nvSpPr>
-          <p:cNvPr id="56" name="文字方塊 55">
-            <a:extLst>
-              <a:ext uri="{FF2B5EF4-FFF2-40B4-BE49-F238E27FC236}">
-                <a16:creationId xmlns:a16="http://schemas.microsoft.com/office/drawing/2014/main" id="{79F0B872-D52C-4362-BA63-59BC2BA433EE}"/>
-              </a:ext>
-            </a:extLst>
-          </p:cNvPr>
-          <p:cNvSpPr txBox="1"/>
+              </a:endParaRPr>
+            </a:p>
+          </p:txBody>
+        </p:sp>
+      </p:grpSp>
+      <p:grpSp>
+        <p:nvGrpSpPr>
+          <p:cNvPr id="58" name="群組 57">
+            <a:extLst>
+              <a:ext uri="{FF2B5EF4-FFF2-40B4-BE49-F238E27FC236}">
+                <a16:creationId xmlns:a16="http://schemas.microsoft.com/office/drawing/2014/main" id="{7DA8F087-1100-4A33-8373-84904AE29034}"/>
+              </a:ext>
+            </a:extLst>
+          </p:cNvPr>
+          <p:cNvGrpSpPr/>
           <p:nvPr/>
-        </p:nvSpPr>
-        <p:spPr>
+        </p:nvGrpSpPr>
+        <p:grpSpPr>
           <a:xfrm>
-            <a:off x="8393955" y="4237091"/>
-            <a:ext cx="697627" cy="400110"/>
+            <a:off x="8080554" y="3165567"/>
+            <a:ext cx="3715987" cy="3099121"/>
+            <a:chOff x="8080554" y="3165567"/>
+            <a:chExt cx="3715987" cy="3099121"/>
           </a:xfrm>
-          <a:prstGeom prst="rect">
-            <a:avLst/>
-          </a:prstGeom>
-          <a:noFill/>
-        </p:spPr>
-        <p:txBody>
-          <a:bodyPr wrap="none" rtlCol="0">
-            <a:spAutoFit/>
-          </a:bodyPr>
-          <a:lstStyle/>
-          <a:p>
-            <a:r>
-              <a:rPr lang="zh-TW" altLang="en-US" sz="2000" dirty="0">
+        </p:grpSpPr>
+        <p:sp>
+          <p:nvSpPr>
+            <p:cNvPr id="11" name="矩形: 圓角 10">
+              <a:extLst>
+                <a:ext uri="{FF2B5EF4-FFF2-40B4-BE49-F238E27FC236}">
+                  <a16:creationId xmlns:a16="http://schemas.microsoft.com/office/drawing/2014/main" id="{B68455BE-594D-4A0B-8E87-FE410F9927C4}"/>
+                </a:ext>
+              </a:extLst>
+            </p:cNvPr>
+            <p:cNvSpPr/>
+            <p:nvPr/>
+          </p:nvSpPr>
+          <p:spPr>
+            <a:xfrm>
+              <a:off x="8080554" y="3165567"/>
+              <a:ext cx="3715987" cy="3099121"/>
+            </a:xfrm>
+            <a:prstGeom prst="roundRect">
+              <a:avLst>
+                <a:gd name="adj" fmla="val 3252"/>
+              </a:avLst>
+            </a:prstGeom>
+            <a:solidFill>
+              <a:srgbClr val="A6A6A6"/>
+            </a:solidFill>
+            <a:ln>
+              <a:noFill/>
+            </a:ln>
+          </p:spPr>
+          <p:style>
+            <a:lnRef idx="2">
+              <a:schemeClr val="accent1">
+                <a:shade val="50000"/>
+              </a:schemeClr>
+            </a:lnRef>
+            <a:fillRef idx="1">
+              <a:schemeClr val="accent1"/>
+            </a:fillRef>
+            <a:effectRef idx="0">
+              <a:schemeClr val="accent1"/>
+            </a:effectRef>
+            <a:fontRef idx="minor">
+              <a:schemeClr val="lt1"/>
+            </a:fontRef>
+          </p:style>
+          <p:txBody>
+            <a:bodyPr rtlCol="0" anchor="t"/>
+            <a:lstStyle/>
+            <a:p>
+              <a:pPr algn="ctr"/>
+              <a:endParaRPr lang="en-US" altLang="zh-TW" sz="2000" dirty="0">
+                <a:latin typeface="Noto Sans CJK TC Medium" panose="020B0600000000000000" pitchFamily="34" charset="-120"/>
+                <a:ea typeface="Noto Sans CJK TC Medium" panose="020B0600000000000000" pitchFamily="34" charset="-120"/>
+              </a:endParaRPr>
+            </a:p>
+            <a:p>
+              <a:pPr algn="ctr"/>
+              <a:r>
+                <a:rPr lang="zh-TW" altLang="en-US" sz="2000" dirty="0">
+                  <a:latin typeface="Noto Sans CJK TC Medium" panose="020B0600000000000000" pitchFamily="34" charset="-120"/>
+                  <a:ea typeface="Noto Sans CJK TC Medium" panose="020B0600000000000000" pitchFamily="34" charset="-120"/>
+                </a:rPr>
+                <a:t>未選取</a:t>
+              </a:r>
+              <a:r>
+                <a:rPr lang="en-US" altLang="zh-TW" sz="2000" dirty="0">
+                  <a:latin typeface="Noto Sans CJK TC Medium" panose="020B0600000000000000" pitchFamily="34" charset="-120"/>
+                  <a:ea typeface="Noto Sans CJK TC Medium" panose="020B0600000000000000" pitchFamily="34" charset="-120"/>
+                </a:rPr>
+                <a:t>(</a:t>
+              </a:r>
+              <a:r>
+                <a:rPr lang="zh-TW" altLang="en-US" sz="2000" dirty="0">
+                  <a:latin typeface="Noto Sans CJK TC Medium" panose="020B0600000000000000" pitchFamily="34" charset="-120"/>
+                  <a:ea typeface="Noto Sans CJK TC Medium" panose="020B0600000000000000" pitchFamily="34" charset="-120"/>
+                </a:rPr>
+                <a:t>無鼠標</a:t>
+              </a:r>
+              <a:r>
+                <a:rPr lang="en-US" altLang="zh-TW" sz="2000" dirty="0">
+                  <a:latin typeface="Noto Sans CJK TC Medium" panose="020B0600000000000000" pitchFamily="34" charset="-120"/>
+                  <a:ea typeface="Noto Sans CJK TC Medium" panose="020B0600000000000000" pitchFamily="34" charset="-120"/>
+                </a:rPr>
+                <a:t>)</a:t>
+              </a:r>
+              <a:endParaRPr lang="en-US" sz="2000" dirty="0">
+                <a:latin typeface="Noto Sans CJK TC Medium" panose="020B0600000000000000" pitchFamily="34" charset="-120"/>
+                <a:ea typeface="Noto Sans CJK TC Medium" panose="020B0600000000000000" pitchFamily="34" charset="-120"/>
+              </a:endParaRPr>
+            </a:p>
+          </p:txBody>
+        </p:sp>
+        <p:sp>
+          <p:nvSpPr>
+            <p:cNvPr id="5" name="矩形 4">
+              <a:extLst>
+                <a:ext uri="{FF2B5EF4-FFF2-40B4-BE49-F238E27FC236}">
+                  <a16:creationId xmlns:a16="http://schemas.microsoft.com/office/drawing/2014/main" id="{91EA9A19-039A-49D1-AEB6-8E756CCD3BAE}"/>
+                </a:ext>
+              </a:extLst>
+            </p:cNvPr>
+            <p:cNvSpPr/>
+            <p:nvPr/>
+          </p:nvSpPr>
+          <p:spPr>
+            <a:xfrm>
+              <a:off x="9116491" y="3989140"/>
+              <a:ext cx="2189957" cy="817131"/>
+            </a:xfrm>
+            <a:prstGeom prst="rect">
+              <a:avLst/>
+            </a:prstGeom>
+            <a:solidFill>
+              <a:srgbClr val="CCCCCC"/>
+            </a:solidFill>
+            <a:ln>
+              <a:noFill/>
+            </a:ln>
+          </p:spPr>
+          <p:style>
+            <a:lnRef idx="2">
+              <a:schemeClr val="accent1">
+                <a:shade val="50000"/>
+              </a:schemeClr>
+            </a:lnRef>
+            <a:fillRef idx="1">
+              <a:schemeClr val="accent1"/>
+            </a:fillRef>
+            <a:effectRef idx="0">
+              <a:schemeClr val="accent1"/>
+            </a:effectRef>
+            <a:fontRef idx="minor">
+              <a:schemeClr val="lt1"/>
+            </a:fontRef>
+          </p:style>
+          <p:txBody>
+            <a:bodyPr rtlCol="0" anchor="ctr"/>
+            <a:lstStyle/>
+            <a:p>
+              <a:pPr algn="ctr"/>
+              <a:r>
+                <a:rPr lang="en-US" sz="2400" dirty="0">
+                  <a:solidFill>
+                    <a:schemeClr val="tx1"/>
+                  </a:solidFill>
+                  <a:latin typeface="Noto Sans CJK TC DemiLight" panose="020B0400000000000000" pitchFamily="34" charset="-120"/>
+                  <a:ea typeface="Noto Sans CJK TC DemiLight" panose="020B0400000000000000" pitchFamily="34" charset="-120"/>
+                </a:rPr>
+                <a:t>#CCCCCC</a:t>
+              </a:r>
+            </a:p>
+          </p:txBody>
+        </p:sp>
+        <p:sp>
+          <p:nvSpPr>
+            <p:cNvPr id="7" name="矩形 6">
+              <a:extLst>
+                <a:ext uri="{FF2B5EF4-FFF2-40B4-BE49-F238E27FC236}">
+                  <a16:creationId xmlns:a16="http://schemas.microsoft.com/office/drawing/2014/main" id="{D4948D82-D655-45B7-93E8-8FC6EEA2CEB8}"/>
+                </a:ext>
+              </a:extLst>
+            </p:cNvPr>
+            <p:cNvSpPr/>
+            <p:nvPr/>
+          </p:nvSpPr>
+          <p:spPr>
+            <a:xfrm>
+              <a:off x="9124334" y="4900451"/>
+              <a:ext cx="2189957" cy="817131"/>
+            </a:xfrm>
+            <a:prstGeom prst="rect">
+              <a:avLst/>
+            </a:prstGeom>
+            <a:solidFill>
+              <a:srgbClr val="17172E"/>
+            </a:solidFill>
+            <a:ln>
+              <a:noFill/>
+            </a:ln>
+          </p:spPr>
+          <p:style>
+            <a:lnRef idx="2">
+              <a:schemeClr val="accent1">
+                <a:shade val="50000"/>
+              </a:schemeClr>
+            </a:lnRef>
+            <a:fillRef idx="1">
+              <a:schemeClr val="accent1"/>
+            </a:fillRef>
+            <a:effectRef idx="0">
+              <a:schemeClr val="accent1"/>
+            </a:effectRef>
+            <a:fontRef idx="minor">
+              <a:schemeClr val="lt1"/>
+            </a:fontRef>
+          </p:style>
+          <p:txBody>
+            <a:bodyPr rtlCol="0" anchor="ctr"/>
+            <a:lstStyle/>
+            <a:p>
+              <a:pPr algn="ctr"/>
+              <a:r>
+                <a:rPr lang="en-US" sz="2400" dirty="0">
+                  <a:solidFill>
+                    <a:schemeClr val="bg1"/>
+                  </a:solidFill>
+                  <a:latin typeface="Noto Sans CJK TC DemiLight" panose="020B0400000000000000" pitchFamily="34" charset="-120"/>
+                  <a:ea typeface="Noto Sans CJK TC DemiLight" panose="020B0400000000000000" pitchFamily="34" charset="-120"/>
+                </a:rPr>
+                <a:t>#17172E</a:t>
+              </a:r>
+            </a:p>
+          </p:txBody>
+        </p:sp>
+        <p:sp>
+          <p:nvSpPr>
+            <p:cNvPr id="56" name="文字方塊 55">
+              <a:extLst>
+                <a:ext uri="{FF2B5EF4-FFF2-40B4-BE49-F238E27FC236}">
+                  <a16:creationId xmlns:a16="http://schemas.microsoft.com/office/drawing/2014/main" id="{79F0B872-D52C-4362-BA63-59BC2BA433EE}"/>
+                </a:ext>
+              </a:extLst>
+            </p:cNvPr>
+            <p:cNvSpPr txBox="1"/>
+            <p:nvPr/>
+          </p:nvSpPr>
+          <p:spPr>
+            <a:xfrm>
+              <a:off x="8393955" y="4237091"/>
+              <a:ext cx="697627" cy="400110"/>
+            </a:xfrm>
+            <a:prstGeom prst="rect">
+              <a:avLst/>
+            </a:prstGeom>
+            <a:noFill/>
+          </p:spPr>
+          <p:txBody>
+            <a:bodyPr wrap="none" rtlCol="0">
+              <a:spAutoFit/>
+            </a:bodyPr>
+            <a:lstStyle/>
+            <a:p>
+              <a:r>
+                <a:rPr lang="zh-TW" altLang="en-US" sz="2000" dirty="0">
+                  <a:latin typeface="Noto Sans CJK TC DemiLight" panose="020B0400000000000000" pitchFamily="34" charset="-120"/>
+                  <a:ea typeface="Noto Sans CJK TC DemiLight" panose="020B0400000000000000" pitchFamily="34" charset="-120"/>
+                </a:rPr>
+                <a:t>字體</a:t>
+              </a:r>
+              <a:endParaRPr lang="en-US" sz="2000" dirty="0">
                 <a:latin typeface="Noto Sans CJK TC DemiLight" panose="020B0400000000000000" pitchFamily="34" charset="-120"/>
                 <a:ea typeface="Noto Sans CJK TC DemiLight" panose="020B0400000000000000" pitchFamily="34" charset="-120"/>
-              </a:rPr>
-              <a:t>字體</a:t>
-            </a:r>
-            <a:endParaRPr lang="en-US" sz="2000" dirty="0">
-              <a:latin typeface="Noto Sans CJK TC DemiLight" panose="020B0400000000000000" pitchFamily="34" charset="-120"/>
-              <a:ea typeface="Noto Sans CJK TC DemiLight" panose="020B0400000000000000" pitchFamily="34" charset="-120"/>
-            </a:endParaRPr>
-          </a:p>
-        </p:txBody>
-      </p:sp>
-      <p:sp>
-        <p:nvSpPr>
-          <p:cNvPr id="57" name="文字方塊 56">
-            <a:extLst>
-              <a:ext uri="{FF2B5EF4-FFF2-40B4-BE49-F238E27FC236}">
-                <a16:creationId xmlns:a16="http://schemas.microsoft.com/office/drawing/2014/main" id="{7A640B4E-9C4A-43F1-8A56-20B3308C1DC6}"/>
-              </a:ext>
-            </a:extLst>
-          </p:cNvPr>
-          <p:cNvSpPr txBox="1"/>
-          <p:nvPr/>
-        </p:nvSpPr>
-        <p:spPr>
-          <a:xfrm>
-            <a:off x="8157139" y="5108961"/>
-            <a:ext cx="954107" cy="400110"/>
-          </a:xfrm>
-          <a:prstGeom prst="rect">
-            <a:avLst/>
-          </a:prstGeom>
-          <a:noFill/>
-        </p:spPr>
-        <p:txBody>
-          <a:bodyPr wrap="none" rtlCol="0">
-            <a:spAutoFit/>
-          </a:bodyPr>
-          <a:lstStyle/>
-          <a:p>
-            <a:r>
-              <a:rPr lang="zh-TW" altLang="en-US" sz="2000" dirty="0">
+              </a:endParaRPr>
+            </a:p>
+          </p:txBody>
+        </p:sp>
+        <p:sp>
+          <p:nvSpPr>
+            <p:cNvPr id="57" name="文字方塊 56">
+              <a:extLst>
+                <a:ext uri="{FF2B5EF4-FFF2-40B4-BE49-F238E27FC236}">
+                  <a16:creationId xmlns:a16="http://schemas.microsoft.com/office/drawing/2014/main" id="{7A640B4E-9C4A-43F1-8A56-20B3308C1DC6}"/>
+                </a:ext>
+              </a:extLst>
+            </p:cNvPr>
+            <p:cNvSpPr txBox="1"/>
+            <p:nvPr/>
+          </p:nvSpPr>
+          <p:spPr>
+            <a:xfrm>
+              <a:off x="8157139" y="5108961"/>
+              <a:ext cx="954107" cy="400110"/>
+            </a:xfrm>
+            <a:prstGeom prst="rect">
+              <a:avLst/>
+            </a:prstGeom>
+            <a:noFill/>
+          </p:spPr>
+          <p:txBody>
+            <a:bodyPr wrap="none" rtlCol="0">
+              <a:spAutoFit/>
+            </a:bodyPr>
+            <a:lstStyle/>
+            <a:p>
+              <a:r>
+                <a:rPr lang="zh-TW" altLang="en-US" sz="2000" dirty="0">
+                  <a:latin typeface="Noto Sans CJK TC DemiLight" panose="020B0400000000000000" pitchFamily="34" charset="-120"/>
+                  <a:ea typeface="Noto Sans CJK TC DemiLight" panose="020B0400000000000000" pitchFamily="34" charset="-120"/>
+                </a:rPr>
+                <a:t>背景色</a:t>
+              </a:r>
+              <a:endParaRPr lang="en-US" sz="2000" dirty="0">
                 <a:latin typeface="Noto Sans CJK TC DemiLight" panose="020B0400000000000000" pitchFamily="34" charset="-120"/>
                 <a:ea typeface="Noto Sans CJK TC DemiLight" panose="020B0400000000000000" pitchFamily="34" charset="-120"/>
-              </a:rPr>
-              <a:t>背景色</a:t>
-            </a:r>
-            <a:endParaRPr lang="en-US" sz="2000" dirty="0">
-              <a:latin typeface="Noto Sans CJK TC DemiLight" panose="020B0400000000000000" pitchFamily="34" charset="-120"/>
-              <a:ea typeface="Noto Sans CJK TC DemiLight" panose="020B0400000000000000" pitchFamily="34" charset="-120"/>
-            </a:endParaRPr>
-          </a:p>
-        </p:txBody>
-      </p:sp>
+              </a:endParaRPr>
+            </a:p>
+          </p:txBody>
+        </p:sp>
+      </p:grpSp>
     </p:spTree>
     <p:extLst>
       <p:ext uri="{BB962C8B-B14F-4D97-AF65-F5344CB8AC3E}">
@@ -6124,116 +6310,57 @@
       </p:grpSpPr>
       <p:sp>
         <p:nvSpPr>
-          <p:cNvPr id="6" name="標題 1">
-            <a:extLst>
-              <a:ext uri="{FF2B5EF4-FFF2-40B4-BE49-F238E27FC236}">
-                <a16:creationId xmlns:a16="http://schemas.microsoft.com/office/drawing/2014/main" id="{09EEAF82-EDFA-40C8-938D-B5DE3E4A05F6}"/>
-              </a:ext>
-            </a:extLst>
-          </p:cNvPr>
-          <p:cNvSpPr txBox="1">
-            <a:spLocks/>
+          <p:cNvPr id="4" name="標題 1">
+            <a:extLst>
+              <a:ext uri="{FF2B5EF4-FFF2-40B4-BE49-F238E27FC236}">
+                <a16:creationId xmlns:a16="http://schemas.microsoft.com/office/drawing/2014/main" id="{C3B80221-FAC6-4F3B-8BEA-1B4B6588DD8A}"/>
+              </a:ext>
+            </a:extLst>
+          </p:cNvPr>
+          <p:cNvSpPr>
+            <a:spLocks noGrp="1"/>
           </p:cNvSpPr>
-          <p:nvPr/>
+          <p:nvPr>
+            <p:ph type="title"/>
+          </p:nvPr>
         </p:nvSpPr>
         <p:spPr>
           <a:xfrm>
-            <a:off x="4144840" y="334298"/>
-            <a:ext cx="3902319" cy="1095123"/>
+            <a:off x="4103260" y="2862995"/>
+            <a:ext cx="3985480" cy="1132010"/>
           </a:xfrm>
-          <a:prstGeom prst="rect">
-            <a:avLst/>
-          </a:prstGeom>
         </p:spPr>
         <p:txBody>
-          <a:bodyPr vert="horz" lIns="91440" tIns="45720" rIns="91440" bIns="45720" rtlCol="0" anchor="ctr">
-            <a:normAutofit fontScale="92500"/>
+          <a:bodyPr>
+            <a:normAutofit/>
           </a:bodyPr>
-          <a:lstStyle>
-            <a:lvl1pPr algn="l" defTabSz="914400" rtl="0" eaLnBrk="1" latinLnBrk="0" hangingPunct="1">
-              <a:lnSpc>
-                <a:spcPct val="90000"/>
-              </a:lnSpc>
-              <a:spcBef>
-                <a:spcPct val="0"/>
-              </a:spcBef>
-              <a:buNone/>
-              <a:defRPr sz="4400" kern="1200">
-                <a:solidFill>
-                  <a:schemeClr val="tx1"/>
-                </a:solidFill>
-                <a:latin typeface="+mj-lt"/>
-                <a:ea typeface="+mj-ea"/>
-                <a:cs typeface="+mj-cs"/>
-              </a:defRPr>
-            </a:lvl1pPr>
-          </a:lstStyle>
+          <a:lstStyle/>
           <a:p>
             <a:pPr algn="ctr"/>
             <a:r>
-              <a:rPr lang="zh-TW" altLang="en-US" sz="4900" dirty="0">
+              <a:rPr lang="zh-TW" altLang="en-US" sz="7200" dirty="0">
                 <a:solidFill>
                   <a:srgbClr val="CCDBFD"/>
                 </a:solidFill>
-                <a:latin typeface="Noto Sans CJK TC DemiLight" panose="020B0400000000000000" pitchFamily="34" charset="-120"/>
-                <a:ea typeface="Noto Sans CJK TC DemiLight" panose="020B0400000000000000" pitchFamily="34" charset="-120"/>
+                <a:latin typeface="Yu Gothic UI Semibold" panose="020B0700000000000000" pitchFamily="34" charset="-128"/>
+                <a:ea typeface="Yu Gothic UI Semibold" panose="020B0700000000000000" pitchFamily="34" charset="-128"/>
               </a:rPr>
-              <a:t>技術使用 </a:t>
-            </a:r>
-            <a:r>
-              <a:rPr lang="en-US" altLang="zh-TW" sz="4900" dirty="0">
-                <a:solidFill>
-                  <a:srgbClr val="CCDBFD"/>
-                </a:solidFill>
-                <a:latin typeface="Noto Sans CJK TC DemiLight" panose="020B0400000000000000" pitchFamily="34" charset="-120"/>
-                <a:ea typeface="Noto Sans CJK TC DemiLight" panose="020B0400000000000000" pitchFamily="34" charset="-120"/>
-              </a:rPr>
-              <a:t>: Git</a:t>
-            </a:r>
-            <a:endParaRPr lang="en-US" sz="4900" dirty="0">
+              <a:t>技術使用</a:t>
+            </a:r>
+            <a:endParaRPr lang="en-US" sz="7200" dirty="0">
               <a:solidFill>
                 <a:srgbClr val="CCDBFD"/>
               </a:solidFill>
-              <a:latin typeface="Noto Sans CJK TC DemiLight" panose="020B0400000000000000" pitchFamily="34" charset="-120"/>
-              <a:ea typeface="Noto Sans CJK TC DemiLight" panose="020B0400000000000000" pitchFamily="34" charset="-120"/>
+              <a:latin typeface="Yu Gothic UI Semibold" panose="020B0700000000000000" pitchFamily="34" charset="-128"/>
+              <a:ea typeface="Yu Gothic UI Semibold" panose="020B0700000000000000" pitchFamily="34" charset="-128"/>
             </a:endParaRPr>
           </a:p>
         </p:txBody>
       </p:sp>
-      <p:pic>
-        <p:nvPicPr>
-          <p:cNvPr id="7" name="圖片 6">
-            <a:extLst>
-              <a:ext uri="{FF2B5EF4-FFF2-40B4-BE49-F238E27FC236}">
-                <a16:creationId xmlns:a16="http://schemas.microsoft.com/office/drawing/2014/main" id="{0987AF65-79A0-4F86-97F0-040A3B26520E}"/>
-              </a:ext>
-            </a:extLst>
-          </p:cNvPr>
-          <p:cNvPicPr>
-            <a:picLocks noChangeAspect="1"/>
-          </p:cNvPicPr>
-          <p:nvPr/>
-        </p:nvPicPr>
-        <p:blipFill>
-          <a:blip r:embed="rId2"/>
-          <a:stretch>
-            <a:fillRect/>
-          </a:stretch>
-        </p:blipFill>
-        <p:spPr>
-          <a:xfrm>
-            <a:off x="2577150" y="1429421"/>
-            <a:ext cx="7037699" cy="5094281"/>
-          </a:xfrm>
-          <a:prstGeom prst="rect">
-            <a:avLst/>
-          </a:prstGeom>
-        </p:spPr>
-      </p:pic>
     </p:spTree>
     <p:extLst>
       <p:ext uri="{BB962C8B-B14F-4D97-AF65-F5344CB8AC3E}">
-        <p14:creationId xmlns:p14="http://schemas.microsoft.com/office/powerpoint/2010/main" val="1892940700"/>
+        <p14:creationId xmlns:p14="http://schemas.microsoft.com/office/powerpoint/2010/main" val="2826073295"/>
       </p:ext>
     </p:extLst>
   </p:cSld>
@@ -6262,10 +6389,217 @@
       </p:grpSpPr>
       <p:sp>
         <p:nvSpPr>
+          <p:cNvPr id="6" name="標題 1">
+            <a:extLst>
+              <a:ext uri="{FF2B5EF4-FFF2-40B4-BE49-F238E27FC236}">
+                <a16:creationId xmlns:a16="http://schemas.microsoft.com/office/drawing/2014/main" id="{09EEAF82-EDFA-40C8-938D-B5DE3E4A05F6}"/>
+              </a:ext>
+            </a:extLst>
+          </p:cNvPr>
+          <p:cNvSpPr txBox="1">
+            <a:spLocks/>
+          </p:cNvSpPr>
+          <p:nvPr/>
+        </p:nvSpPr>
+        <p:spPr>
+          <a:xfrm>
+            <a:off x="1292940" y="108156"/>
+            <a:ext cx="9606116" cy="1095123"/>
+          </a:xfrm>
+          <a:prstGeom prst="rect">
+            <a:avLst/>
+          </a:prstGeom>
+        </p:spPr>
+        <p:txBody>
+          <a:bodyPr vert="horz" lIns="91440" tIns="45720" rIns="91440" bIns="45720" rtlCol="0" anchor="ctr">
+            <a:normAutofit/>
+          </a:bodyPr>
+          <a:lstStyle>
+            <a:lvl1pPr algn="l" defTabSz="914400" rtl="0" eaLnBrk="1" latinLnBrk="0" hangingPunct="1">
+              <a:lnSpc>
+                <a:spcPct val="90000"/>
+              </a:lnSpc>
+              <a:spcBef>
+                <a:spcPct val="0"/>
+              </a:spcBef>
+              <a:buNone/>
+              <a:defRPr sz="4400" kern="1200">
+                <a:solidFill>
+                  <a:schemeClr val="tx1"/>
+                </a:solidFill>
+                <a:latin typeface="+mj-lt"/>
+                <a:ea typeface="+mj-ea"/>
+                <a:cs typeface="+mj-cs"/>
+              </a:defRPr>
+            </a:lvl1pPr>
+          </a:lstStyle>
+          <a:p>
+            <a:pPr algn="ctr"/>
+            <a:r>
+              <a:rPr lang="en-US" altLang="zh-TW" sz="4900" spc="600" dirty="0">
+                <a:solidFill>
+                  <a:srgbClr val="CCDBFD"/>
+                </a:solidFill>
+                <a:latin typeface="Friz Quadrata Std" panose="020E0602040504020404" pitchFamily="34" charset="0"/>
+                <a:ea typeface="Noto Sans CJK TC DemiLight" panose="020B0400000000000000" pitchFamily="34" charset="-120"/>
+              </a:rPr>
+              <a:t>Git</a:t>
+            </a:r>
+            <a:endParaRPr lang="en-US" sz="4900" spc="600" dirty="0">
+              <a:solidFill>
+                <a:srgbClr val="CCDBFD"/>
+              </a:solidFill>
+              <a:latin typeface="Friz Quadrata Std" panose="020E0602040504020404" pitchFamily="34" charset="0"/>
+              <a:ea typeface="Noto Sans CJK TC DemiLight" panose="020B0400000000000000" pitchFamily="34" charset="-120"/>
+            </a:endParaRPr>
+          </a:p>
+        </p:txBody>
+      </p:sp>
+      <p:pic>
+        <p:nvPicPr>
+          <p:cNvPr id="7" name="圖片 6">
+            <a:extLst>
+              <a:ext uri="{FF2B5EF4-FFF2-40B4-BE49-F238E27FC236}">
+                <a16:creationId xmlns:a16="http://schemas.microsoft.com/office/drawing/2014/main" id="{0987AF65-79A0-4F86-97F0-040A3B26520E}"/>
+              </a:ext>
+            </a:extLst>
+          </p:cNvPr>
+          <p:cNvPicPr>
+            <a:picLocks noChangeAspect="1"/>
+          </p:cNvPicPr>
+          <p:nvPr/>
+        </p:nvPicPr>
+        <p:blipFill>
+          <a:blip r:embed="rId2"/>
+          <a:stretch>
+            <a:fillRect/>
+          </a:stretch>
+        </p:blipFill>
+        <p:spPr>
+          <a:xfrm>
+            <a:off x="2577149" y="1429421"/>
+            <a:ext cx="7037699" cy="5094281"/>
+          </a:xfrm>
+          <a:prstGeom prst="rect">
+            <a:avLst/>
+          </a:prstGeom>
+        </p:spPr>
+      </p:pic>
+    </p:spTree>
+    <p:extLst>
+      <p:ext uri="{BB962C8B-B14F-4D97-AF65-F5344CB8AC3E}">
+        <p14:creationId xmlns:p14="http://schemas.microsoft.com/office/powerpoint/2010/main" val="1892940700"/>
+      </p:ext>
+    </p:extLst>
+  </p:cSld>
+  <p:clrMapOvr>
+    <a:masterClrMapping/>
+  </p:clrMapOvr>
+</p:sld>
+</file>
+
+<file path=ppt/slides/slide14.xml><?xml version="1.0" encoding="utf-8"?>
+<p:sld xmlns:a="http://schemas.openxmlformats.org/drawingml/2006/main" xmlns:r="http://schemas.openxmlformats.org/officeDocument/2006/relationships" xmlns:p="http://schemas.openxmlformats.org/presentationml/2006/main">
+  <p:cSld>
+    <p:spTree>
+      <p:nvGrpSpPr>
+        <p:cNvPr id="1" name=""/>
+        <p:cNvGrpSpPr/>
+        <p:nvPr/>
+      </p:nvGrpSpPr>
+      <p:grpSpPr>
+        <a:xfrm>
+          <a:off x="0" y="0"/>
+          <a:ext cx="0" cy="0"/>
+          <a:chOff x="0" y="0"/>
+          <a:chExt cx="0" cy="0"/>
+        </a:xfrm>
+      </p:grpSpPr>
+      <p:sp>
+        <p:nvSpPr>
+          <p:cNvPr id="4" name="矩形 3">
+            <a:extLst>
+              <a:ext uri="{FF2B5EF4-FFF2-40B4-BE49-F238E27FC236}">
+                <a16:creationId xmlns:a16="http://schemas.microsoft.com/office/drawing/2014/main" id="{2819B7EB-0735-450D-AD25-604CC74BDD8A}"/>
+              </a:ext>
+            </a:extLst>
+          </p:cNvPr>
+          <p:cNvSpPr/>
+          <p:nvPr/>
+        </p:nvSpPr>
+        <p:spPr>
+          <a:xfrm>
+            <a:off x="4267200" y="182880"/>
+            <a:ext cx="3657600" cy="846386"/>
+          </a:xfrm>
+          <a:prstGeom prst="rect">
+            <a:avLst/>
+          </a:prstGeom>
+        </p:spPr>
+        <p:txBody>
+          <a:bodyPr wrap="square">
+            <a:spAutoFit/>
+          </a:bodyPr>
+          <a:lstStyle/>
+          <a:p>
+            <a:r>
+              <a:rPr lang="en-US" altLang="zh-TW" sz="4900" spc="600" dirty="0">
+                <a:solidFill>
+                  <a:srgbClr val="CCDBFD"/>
+                </a:solidFill>
+                <a:latin typeface="Friz Quadrata Std" panose="020E0602040504020404" pitchFamily="34" charset="0"/>
+                <a:ea typeface="Noto Sans CJK TC DemiLight" panose="020B0400000000000000" pitchFamily="34" charset="-120"/>
+                <a:cs typeface="+mj-cs"/>
+              </a:rPr>
+              <a:t>Bootstrap</a:t>
+            </a:r>
+            <a:endParaRPr lang="en-US" sz="4900" spc="600" dirty="0">
+              <a:solidFill>
+                <a:srgbClr val="CCDBFD"/>
+              </a:solidFill>
+              <a:latin typeface="Friz Quadrata Std" panose="020E0602040504020404" pitchFamily="34" charset="0"/>
+              <a:ea typeface="Noto Sans CJK TC DemiLight" panose="020B0400000000000000" pitchFamily="34" charset="-120"/>
+              <a:cs typeface="+mj-cs"/>
+            </a:endParaRPr>
+          </a:p>
+        </p:txBody>
+      </p:sp>
+    </p:spTree>
+    <p:extLst>
+      <p:ext uri="{BB962C8B-B14F-4D97-AF65-F5344CB8AC3E}">
+        <p14:creationId xmlns:p14="http://schemas.microsoft.com/office/powerpoint/2010/main" val="1178109284"/>
+      </p:ext>
+    </p:extLst>
+  </p:cSld>
+  <p:clrMapOvr>
+    <a:masterClrMapping/>
+  </p:clrMapOvr>
+</p:sld>
+</file>
+
+<file path=ppt/slides/slide15.xml><?xml version="1.0" encoding="utf-8"?>
+<p:sld xmlns:a="http://schemas.openxmlformats.org/drawingml/2006/main" xmlns:r="http://schemas.openxmlformats.org/officeDocument/2006/relationships" xmlns:p="http://schemas.openxmlformats.org/presentationml/2006/main">
+  <p:cSld>
+    <p:spTree>
+      <p:nvGrpSpPr>
+        <p:cNvPr id="1" name=""/>
+        <p:cNvGrpSpPr/>
+        <p:nvPr/>
+      </p:nvGrpSpPr>
+      <p:grpSpPr>
+        <a:xfrm>
+          <a:off x="0" y="0"/>
+          <a:ext cx="0" cy="0"/>
+          <a:chOff x="0" y="0"/>
+          <a:chExt cx="0" cy="0"/>
+        </a:xfrm>
+      </p:grpSpPr>
+      <p:sp>
+        <p:nvSpPr>
           <p:cNvPr id="2" name="標題 1">
             <a:extLst>
               <a:ext uri="{FF2B5EF4-FFF2-40B4-BE49-F238E27FC236}">
-                <a16:creationId xmlns:a16="http://schemas.microsoft.com/office/drawing/2014/main" id="{74EFE9D5-6EA7-4022-BD8B-A0E773A5A037}"/>
+                <a16:creationId xmlns:a16="http://schemas.microsoft.com/office/drawing/2014/main" id="{C07A42F3-4C16-42CD-9D4D-4685E326CE09}"/>
               </a:ext>
             </a:extLst>
           </p:cNvPr>
@@ -6278,16 +6612,163 @@
         </p:nvSpPr>
         <p:spPr>
           <a:xfrm>
-            <a:off x="2591414" y="2766218"/>
-            <a:ext cx="7009171" cy="1325563"/>
+            <a:off x="4555236" y="274320"/>
+            <a:ext cx="3081528" cy="849440"/>
           </a:xfrm>
         </p:spPr>
         <p:txBody>
-          <a:bodyPr/>
+          <a:bodyPr>
+            <a:normAutofit fontScale="90000"/>
+          </a:bodyPr>
           <a:lstStyle/>
           <a:p>
             <a:r>
-              <a:rPr lang="en-US" dirty="0">
+              <a:rPr lang="en-US" altLang="zh-TW" spc="600" dirty="0">
+                <a:solidFill>
+                  <a:srgbClr val="CCDBFD"/>
+                </a:solidFill>
+                <a:latin typeface="Friz Quadrata Std" panose="020E0602040504020404" pitchFamily="34" charset="0"/>
+                <a:ea typeface="Noto Sans CJK TC DemiLight" panose="020B0400000000000000" pitchFamily="34" charset="-120"/>
+              </a:rPr>
+              <a:t>JavaScript</a:t>
+            </a:r>
+            <a:endParaRPr lang="en-US" dirty="0"/>
+          </a:p>
+        </p:txBody>
+      </p:sp>
+    </p:spTree>
+    <p:extLst>
+      <p:ext uri="{BB962C8B-B14F-4D97-AF65-F5344CB8AC3E}">
+        <p14:creationId xmlns:p14="http://schemas.microsoft.com/office/powerpoint/2010/main" val="375352388"/>
+      </p:ext>
+    </p:extLst>
+  </p:cSld>
+  <p:clrMapOvr>
+    <a:masterClrMapping/>
+  </p:clrMapOvr>
+</p:sld>
+</file>
+
+<file path=ppt/slides/slide16.xml><?xml version="1.0" encoding="utf-8"?>
+<p:sld xmlns:a="http://schemas.openxmlformats.org/drawingml/2006/main" xmlns:r="http://schemas.openxmlformats.org/officeDocument/2006/relationships" xmlns:p="http://schemas.openxmlformats.org/presentationml/2006/main">
+  <p:cSld>
+    <p:spTree>
+      <p:nvGrpSpPr>
+        <p:cNvPr id="1" name=""/>
+        <p:cNvGrpSpPr/>
+        <p:nvPr/>
+      </p:nvGrpSpPr>
+      <p:grpSpPr>
+        <a:xfrm>
+          <a:off x="0" y="0"/>
+          <a:ext cx="0" cy="0"/>
+          <a:chOff x="0" y="0"/>
+          <a:chExt cx="0" cy="0"/>
+        </a:xfrm>
+      </p:grpSpPr>
+      <p:sp>
+        <p:nvSpPr>
+          <p:cNvPr id="2" name="標題 1">
+            <a:extLst>
+              <a:ext uri="{FF2B5EF4-FFF2-40B4-BE49-F238E27FC236}">
+                <a16:creationId xmlns:a16="http://schemas.microsoft.com/office/drawing/2014/main" id="{C07A42F3-4C16-42CD-9D4D-4685E326CE09}"/>
+              </a:ext>
+            </a:extLst>
+          </p:cNvPr>
+          <p:cNvSpPr>
+            <a:spLocks noGrp="1"/>
+          </p:cNvSpPr>
+          <p:nvPr>
+            <p:ph type="title"/>
+          </p:nvPr>
+        </p:nvSpPr>
+        <p:spPr>
+          <a:xfrm>
+            <a:off x="4934712" y="237744"/>
+            <a:ext cx="2322576" cy="849440"/>
+          </a:xfrm>
+        </p:spPr>
+        <p:txBody>
+          <a:bodyPr>
+            <a:normAutofit/>
+          </a:bodyPr>
+          <a:lstStyle/>
+          <a:p>
+            <a:r>
+              <a:rPr lang="en-US" altLang="zh-TW" spc="600" dirty="0">
+                <a:solidFill>
+                  <a:srgbClr val="CCDBFD"/>
+                </a:solidFill>
+                <a:latin typeface="Friz Quadrata Std" panose="020E0602040504020404" pitchFamily="34" charset="0"/>
+                <a:ea typeface="Noto Sans CJK TC DemiLight" panose="020B0400000000000000" pitchFamily="34" charset="-120"/>
+              </a:rPr>
+              <a:t>jQuery</a:t>
+            </a:r>
+            <a:endParaRPr lang="en-US" dirty="0"/>
+          </a:p>
+        </p:txBody>
+      </p:sp>
+    </p:spTree>
+    <p:extLst>
+      <p:ext uri="{BB962C8B-B14F-4D97-AF65-F5344CB8AC3E}">
+        <p14:creationId xmlns:p14="http://schemas.microsoft.com/office/powerpoint/2010/main" val="979797777"/>
+      </p:ext>
+    </p:extLst>
+  </p:cSld>
+  <p:clrMapOvr>
+    <a:masterClrMapping/>
+  </p:clrMapOvr>
+</p:sld>
+</file>
+
+<file path=ppt/slides/slide17.xml><?xml version="1.0" encoding="utf-8"?>
+<p:sld xmlns:a="http://schemas.openxmlformats.org/drawingml/2006/main" xmlns:r="http://schemas.openxmlformats.org/officeDocument/2006/relationships" xmlns:p="http://schemas.openxmlformats.org/presentationml/2006/main">
+  <p:cSld>
+    <p:spTree>
+      <p:nvGrpSpPr>
+        <p:cNvPr id="1" name=""/>
+        <p:cNvGrpSpPr/>
+        <p:nvPr/>
+      </p:nvGrpSpPr>
+      <p:grpSpPr>
+        <a:xfrm>
+          <a:off x="0" y="0"/>
+          <a:ext cx="0" cy="0"/>
+          <a:chOff x="0" y="0"/>
+          <a:chExt cx="0" cy="0"/>
+        </a:xfrm>
+      </p:grpSpPr>
+      <p:sp>
+        <p:nvSpPr>
+          <p:cNvPr id="2" name="標題 1">
+            <a:extLst>
+              <a:ext uri="{FF2B5EF4-FFF2-40B4-BE49-F238E27FC236}">
+                <a16:creationId xmlns:a16="http://schemas.microsoft.com/office/drawing/2014/main" id="{74EFE9D5-6EA7-4022-BD8B-A0E773A5A037}"/>
+              </a:ext>
+            </a:extLst>
+          </p:cNvPr>
+          <p:cNvSpPr>
+            <a:spLocks noGrp="1"/>
+          </p:cNvSpPr>
+          <p:nvPr>
+            <p:ph type="title"/>
+          </p:nvPr>
+        </p:nvSpPr>
+        <p:spPr>
+          <a:xfrm>
+            <a:off x="2093976" y="2798064"/>
+            <a:ext cx="8229600" cy="1261872"/>
+          </a:xfrm>
+        </p:spPr>
+        <p:txBody>
+          <a:bodyPr>
+            <a:normAutofit/>
+          </a:bodyPr>
+          <a:lstStyle/>
+          <a:p>
+            <a:pPr algn="ctr"/>
+            <a:r>
+              <a:rPr lang="en-US" sz="4800" dirty="0">
                 <a:solidFill>
                   <a:srgbClr val="C4A76C"/>
                 </a:solidFill>
@@ -7813,7 +8294,7 @@
         <p:spPr>
           <a:xfrm>
             <a:off x="6686938" y="902577"/>
-            <a:ext cx="2831966" cy="461665"/>
+            <a:ext cx="3618350" cy="461665"/>
           </a:xfrm>
           <a:prstGeom prst="rect">
             <a:avLst/>
@@ -7860,7 +8341,7 @@
                 <a:latin typeface="Noto Sans CJK TC Medium" panose="020B0600000000000000" pitchFamily="34" charset="-120"/>
                 <a:ea typeface="Noto Sans CJK TC Medium" panose="020B0600000000000000" pitchFamily="34" charset="-120"/>
               </a:rPr>
-              <a:t>和導覽列</a:t>
+              <a:t>和主要導覽列</a:t>
             </a:r>
             <a:endParaRPr lang="en-US" altLang="zh-TW" sz="2400" dirty="0">
               <a:solidFill>
@@ -7936,6 +8417,7 @@
             </a:extLst>
           </p:cNvPr>
           <p:cNvCxnSpPr>
+            <a:cxnSpLocks/>
             <a:stCxn id="8" idx="3"/>
             <a:endCxn id="17" idx="1"/>
           </p:cNvCxnSpPr>

--- a/企劃書.pptx
+++ b/企劃書.pptx
@@ -4002,10 +4002,10 @@
       </p:grpSpPr>
       <p:sp>
         <p:nvSpPr>
-          <p:cNvPr id="13" name="矩形 12">
-            <a:extLst>
-              <a:ext uri="{FF2B5EF4-FFF2-40B4-BE49-F238E27FC236}">
-                <a16:creationId xmlns:a16="http://schemas.microsoft.com/office/drawing/2014/main" id="{2D9DA06D-5AF0-4BA5-AAD5-42CFE6E838CB}"/>
+          <p:cNvPr id="19" name="矩形 18">
+            <a:extLst>
+              <a:ext uri="{FF2B5EF4-FFF2-40B4-BE49-F238E27FC236}">
+                <a16:creationId xmlns:a16="http://schemas.microsoft.com/office/drawing/2014/main" id="{6ACA7384-3455-439A-900B-1A81C341A317}"/>
               </a:ext>
             </a:extLst>
           </p:cNvPr>
@@ -4014,8 +4014,8 @@
         </p:nvSpPr>
         <p:spPr>
           <a:xfrm>
-            <a:off x="5353019" y="3632071"/>
-            <a:ext cx="6256907" cy="732801"/>
+            <a:off x="3840478" y="5786666"/>
+            <a:ext cx="7769447" cy="978405"/>
           </a:xfrm>
           <a:prstGeom prst="rect">
             <a:avLst/>
@@ -4046,43 +4046,33 @@
           </a:fontRef>
         </p:style>
         <p:txBody>
-          <a:bodyPr tIns="0" rtlCol="0" anchor="ctr" anchorCtr="1">
-            <a:noAutofit/>
-          </a:bodyPr>
+          <a:bodyPr tIns="0" rtlCol="0" anchor="ctr" anchorCtr="1"/>
           <a:lstStyle/>
           <a:p>
-            <a:pPr algn="ctr">
+            <a:pPr>
               <a:lnSpc>
                 <a:spcPct val="150000"/>
               </a:lnSpc>
             </a:pPr>
-            <a:r>
-              <a:rPr lang="zh-TW" altLang="en-US" dirty="0">
-                <a:ln w="3175">
-                  <a:noFill/>
-                </a:ln>
-                <a:solidFill>
-                  <a:schemeClr val="bg1"/>
-                </a:solidFill>
-                <a:latin typeface="Noto Sans CJK TC DemiLight" panose="020B0400000000000000" pitchFamily="34" charset="-120"/>
-                <a:ea typeface="Noto Sans CJK TC DemiLight" panose="020B0400000000000000" pitchFamily="34" charset="-120"/>
-              </a:rPr>
-              <a:t>提供主要資訊的大標題為純白色，深色背景中較顯眼</a:t>
-            </a:r>
-            <a:endParaRPr lang="en-US" dirty="0">
+            <a:endParaRPr lang="en-US" altLang="zh-TW" dirty="0">
+              <a:ln w="3175">
+                <a:noFill/>
+              </a:ln>
               <a:solidFill>
                 <a:schemeClr val="bg1"/>
               </a:solidFill>
+              <a:latin typeface="Noto Sans CJK TC DemiLight" panose="020B0400000000000000" pitchFamily="34" charset="-120"/>
+              <a:ea typeface="Noto Sans CJK TC DemiLight" panose="020B0400000000000000" pitchFamily="34" charset="-120"/>
             </a:endParaRPr>
           </a:p>
         </p:txBody>
       </p:sp>
       <p:sp>
         <p:nvSpPr>
-          <p:cNvPr id="6" name="矩形 5">
-            <a:extLst>
-              <a:ext uri="{FF2B5EF4-FFF2-40B4-BE49-F238E27FC236}">
-                <a16:creationId xmlns:a16="http://schemas.microsoft.com/office/drawing/2014/main" id="{023C50F1-87EC-426F-A549-5C8BB750F1F8}"/>
+          <p:cNvPr id="13" name="矩形 12">
+            <a:extLst>
+              <a:ext uri="{FF2B5EF4-FFF2-40B4-BE49-F238E27FC236}">
+                <a16:creationId xmlns:a16="http://schemas.microsoft.com/office/drawing/2014/main" id="{2D9DA06D-5AF0-4BA5-AAD5-42CFE6E838CB}"/>
               </a:ext>
             </a:extLst>
           </p:cNvPr>
@@ -4091,8 +4081,8 @@
         </p:nvSpPr>
         <p:spPr>
           <a:xfrm>
-            <a:off x="5353019" y="214393"/>
-            <a:ext cx="6256907" cy="732801"/>
+            <a:off x="3840480" y="3508817"/>
+            <a:ext cx="7769447" cy="978406"/>
           </a:xfrm>
           <a:prstGeom prst="rect">
             <a:avLst/>
@@ -4123,7 +4113,9 @@
           </a:fontRef>
         </p:style>
         <p:txBody>
-          <a:bodyPr tIns="0" rtlCol="0" anchor="ctr" anchorCtr="0"/>
+          <a:bodyPr tIns="0" rtlCol="0" anchor="ctr" anchorCtr="1">
+            <a:noAutofit/>
+          </a:bodyPr>
           <a:lstStyle/>
           <a:p>
             <a:pPr algn="ctr">
@@ -4131,28 +4123,10 @@
                 <a:spcPct val="150000"/>
               </a:lnSpc>
             </a:pPr>
-            <a:r>
-              <a:rPr lang="zh-TW" altLang="en-US" dirty="0">
-                <a:ln w="3175">
-                  <a:noFill/>
-                </a:ln>
-                <a:solidFill>
-                  <a:schemeClr val="bg1"/>
-                </a:solidFill>
-                <a:latin typeface="Noto Sans CJK TC DemiLight" panose="020B0400000000000000" pitchFamily="34" charset="-120"/>
-                <a:ea typeface="Noto Sans CJK TC DemiLight" panose="020B0400000000000000" pitchFamily="34" charset="-120"/>
-              </a:rPr>
-              <a:t>主要背景色為深藍黑色，讓主題符合遊戲介面的風格</a:t>
-            </a:r>
-            <a:endParaRPr lang="en-US" altLang="zh-TW" dirty="0">
-              <a:ln w="3175">
-                <a:noFill/>
-              </a:ln>
+            <a:endParaRPr lang="en-US" dirty="0">
               <a:solidFill>
                 <a:schemeClr val="bg1"/>
               </a:solidFill>
-              <a:latin typeface="Noto Sans CJK TC DemiLight" panose="020B0400000000000000" pitchFamily="34" charset="-120"/>
-              <a:ea typeface="Noto Sans CJK TC DemiLight" panose="020B0400000000000000" pitchFamily="34" charset="-120"/>
             </a:endParaRPr>
           </a:p>
         </p:txBody>
@@ -4171,8 +4145,8 @@
         </p:nvSpPr>
         <p:spPr>
           <a:xfrm>
-            <a:off x="5353019" y="2492844"/>
-            <a:ext cx="6256907" cy="732801"/>
+            <a:off x="3840481" y="2369892"/>
+            <a:ext cx="7769446" cy="978406"/>
           </a:xfrm>
           <a:prstGeom prst="rect">
             <a:avLst/>
@@ -4213,19 +4187,6 @@
                 <a:spcPct val="150000"/>
               </a:lnSpc>
             </a:pPr>
-            <a:r>
-              <a:rPr lang="zh-TW" altLang="en-US" dirty="0">
-                <a:ln w="3175">
-                  <a:noFill/>
-                </a:ln>
-                <a:solidFill>
-                  <a:schemeClr val="bg1"/>
-                </a:solidFill>
-                <a:latin typeface="Noto Sans CJK TC DemiLight" panose="020B0400000000000000" pitchFamily="34" charset="-120"/>
-                <a:ea typeface="Noto Sans CJK TC DemiLight" panose="020B0400000000000000" pitchFamily="34" charset="-120"/>
-              </a:rPr>
-              <a:t>內文為淺藍，與標題區分，符合整體色系</a:t>
-            </a:r>
             <a:endParaRPr lang="en-US" altLang="zh-TW" dirty="0">
               <a:ln w="3175">
                 <a:noFill/>
@@ -4241,10 +4202,10 @@
       </p:sp>
       <p:sp>
         <p:nvSpPr>
-          <p:cNvPr id="25" name="矩形 24">
-            <a:extLst>
-              <a:ext uri="{FF2B5EF4-FFF2-40B4-BE49-F238E27FC236}">
-                <a16:creationId xmlns:a16="http://schemas.microsoft.com/office/drawing/2014/main" id="{45674D06-C082-4EFB-8F21-29215570EA93}"/>
+          <p:cNvPr id="6" name="矩形 5">
+            <a:extLst>
+              <a:ext uri="{FF2B5EF4-FFF2-40B4-BE49-F238E27FC236}">
+                <a16:creationId xmlns:a16="http://schemas.microsoft.com/office/drawing/2014/main" id="{023C50F1-87EC-426F-A549-5C8BB750F1F8}"/>
               </a:ext>
             </a:extLst>
           </p:cNvPr>
@@ -4253,8 +4214,8 @@
         </p:nvSpPr>
         <p:spPr>
           <a:xfrm>
-            <a:off x="5353018" y="4771295"/>
-            <a:ext cx="6256908" cy="732801"/>
+            <a:off x="3840481" y="91440"/>
+            <a:ext cx="7769446" cy="978407"/>
           </a:xfrm>
           <a:prstGeom prst="rect">
             <a:avLst/>
@@ -4285,53 +4246,14 @@
           </a:fontRef>
         </p:style>
         <p:txBody>
-          <a:bodyPr tIns="0" rtlCol="0" anchor="ctr" anchorCtr="1"/>
+          <a:bodyPr tIns="0" rtlCol="0" anchor="ctr" anchorCtr="0"/>
           <a:lstStyle/>
           <a:p>
-            <a:pPr>
+            <a:pPr algn="ctr">
               <a:lnSpc>
                 <a:spcPct val="150000"/>
               </a:lnSpc>
             </a:pPr>
-            <a:r>
-              <a:rPr lang="zh-TW" altLang="en-US" dirty="0">
-                <a:ln w="3175">
-                  <a:noFill/>
-                </a:ln>
-                <a:solidFill>
-                  <a:schemeClr val="bg1"/>
-                </a:solidFill>
-                <a:latin typeface="Noto Sans CJK TC DemiLight" panose="020B0400000000000000" pitchFamily="34" charset="-120"/>
-                <a:ea typeface="Noto Sans CJK TC DemiLight" panose="020B0400000000000000" pitchFamily="34" charset="-120"/>
-              </a:rPr>
-              <a:t>在藍紫色系中醒目的褐色，只用在</a:t>
-            </a:r>
-            <a:r>
-              <a:rPr lang="en-US" altLang="zh-TW" dirty="0">
-                <a:ln w="3175">
-                  <a:noFill/>
-                </a:ln>
-                <a:solidFill>
-                  <a:schemeClr val="bg1"/>
-                </a:solidFill>
-                <a:latin typeface="Noto Sans CJK TC DemiLight" panose="020B0400000000000000" pitchFamily="34" charset="-120"/>
-                <a:ea typeface="Noto Sans CJK TC DemiLight" panose="020B0400000000000000" pitchFamily="34" charset="-120"/>
-              </a:rPr>
-              <a:t>Logo</a:t>
-            </a:r>
-            <a:r>
-              <a:rPr lang="zh-TW" altLang="en-US" dirty="0">
-                <a:ln w="3175">
-                  <a:noFill/>
-                </a:ln>
-                <a:solidFill>
-                  <a:schemeClr val="bg1"/>
-                </a:solidFill>
-                <a:latin typeface="Noto Sans CJK TC DemiLight" panose="020B0400000000000000" pitchFamily="34" charset="-120"/>
-                <a:ea typeface="Noto Sans CJK TC DemiLight" panose="020B0400000000000000" pitchFamily="34" charset="-120"/>
-              </a:rPr>
-              <a:t>上</a:t>
-            </a:r>
             <a:endParaRPr lang="en-US" altLang="zh-TW" dirty="0">
               <a:ln w="3175">
                 <a:noFill/>
@@ -4347,10 +4269,10 @@
       </p:sp>
       <p:sp>
         <p:nvSpPr>
-          <p:cNvPr id="29" name="矩形 28">
-            <a:extLst>
-              <a:ext uri="{FF2B5EF4-FFF2-40B4-BE49-F238E27FC236}">
-                <a16:creationId xmlns:a16="http://schemas.microsoft.com/office/drawing/2014/main" id="{B35A103D-4E00-465C-A09B-0640DAFA9AA4}"/>
+          <p:cNvPr id="25" name="矩形 24">
+            <a:extLst>
+              <a:ext uri="{FF2B5EF4-FFF2-40B4-BE49-F238E27FC236}">
+                <a16:creationId xmlns:a16="http://schemas.microsoft.com/office/drawing/2014/main" id="{45674D06-C082-4EFB-8F21-29215570EA93}"/>
               </a:ext>
             </a:extLst>
           </p:cNvPr>
@@ -4359,25 +4281,20 @@
         </p:nvSpPr>
         <p:spPr>
           <a:xfrm>
-            <a:off x="2588798" y="-12714"/>
-            <a:ext cx="3190209" cy="6864357"/>
+            <a:off x="3840479" y="4647742"/>
+            <a:ext cx="7769447" cy="978405"/>
           </a:xfrm>
           <a:prstGeom prst="rect">
             <a:avLst/>
           </a:prstGeom>
           <a:solidFill>
-            <a:srgbClr val="CCCCCC"/>
+            <a:schemeClr val="accent3">
+              <a:alpha val="37000"/>
+            </a:schemeClr>
           </a:solidFill>
           <a:ln>
             <a:noFill/>
           </a:ln>
-          <a:effectLst>
-            <a:innerShdw blurRad="63500" dist="50800" dir="2700000">
-              <a:prstClr val="black">
-                <a:alpha val="50000"/>
-              </a:prstClr>
-            </a:innerShdw>
-          </a:effectLst>
         </p:spPr>
         <p:style>
           <a:lnRef idx="2">
@@ -4396,11 +4313,93 @@
           </a:fontRef>
         </p:style>
         <p:txBody>
-          <a:bodyPr rtlCol="0" anchor="ctr"/>
+          <a:bodyPr tIns="0" rtlCol="0" anchor="ctr" anchorCtr="1"/>
           <a:lstStyle/>
           <a:p>
-            <a:pPr algn="ctr"/>
-            <a:endParaRPr lang="en-US"/>
+            <a:pPr>
+              <a:lnSpc>
+                <a:spcPct val="150000"/>
+              </a:lnSpc>
+            </a:pPr>
+            <a:endParaRPr lang="en-US" altLang="zh-TW" dirty="0">
+              <a:ln w="3175">
+                <a:noFill/>
+              </a:ln>
+              <a:solidFill>
+                <a:schemeClr val="bg1"/>
+              </a:solidFill>
+              <a:latin typeface="Noto Sans CJK TC DemiLight" panose="020B0400000000000000" pitchFamily="34" charset="-120"/>
+              <a:ea typeface="Noto Sans CJK TC DemiLight" panose="020B0400000000000000" pitchFamily="34" charset="-120"/>
+            </a:endParaRPr>
+          </a:p>
+        </p:txBody>
+      </p:sp>
+      <p:sp>
+        <p:nvSpPr>
+          <p:cNvPr id="16" name="矩形 15">
+            <a:extLst>
+              <a:ext uri="{FF2B5EF4-FFF2-40B4-BE49-F238E27FC236}">
+                <a16:creationId xmlns:a16="http://schemas.microsoft.com/office/drawing/2014/main" id="{CFD8FBD4-A77F-4D02-BE1B-F76C8CE65607}"/>
+              </a:ext>
+            </a:extLst>
+          </p:cNvPr>
+          <p:cNvSpPr/>
+          <p:nvPr/>
+        </p:nvSpPr>
+        <p:spPr>
+          <a:xfrm>
+            <a:off x="3840481" y="1230967"/>
+            <a:ext cx="7769446" cy="978406"/>
+          </a:xfrm>
+          <a:prstGeom prst="rect">
+            <a:avLst/>
+          </a:prstGeom>
+          <a:solidFill>
+            <a:schemeClr val="accent3">
+              <a:alpha val="37000"/>
+            </a:schemeClr>
+          </a:solidFill>
+          <a:ln>
+            <a:noFill/>
+          </a:ln>
+        </p:spPr>
+        <p:style>
+          <a:lnRef idx="2">
+            <a:schemeClr val="accent1">
+              <a:shade val="50000"/>
+            </a:schemeClr>
+          </a:lnRef>
+          <a:fillRef idx="1">
+            <a:schemeClr val="accent1"/>
+          </a:fillRef>
+          <a:effectRef idx="0">
+            <a:schemeClr val="accent1"/>
+          </a:effectRef>
+          <a:fontRef idx="minor">
+            <a:schemeClr val="lt1"/>
+          </a:fontRef>
+        </p:style>
+        <p:txBody>
+          <a:bodyPr tIns="0" rtlCol="0" anchor="ctr" anchorCtr="1">
+            <a:noAutofit/>
+          </a:bodyPr>
+          <a:lstStyle/>
+          <a:p>
+            <a:pPr algn="r">
+              <a:lnSpc>
+                <a:spcPct val="150000"/>
+              </a:lnSpc>
+            </a:pPr>
+            <a:endParaRPr lang="en-US" altLang="zh-TW" dirty="0">
+              <a:ln w="3175">
+                <a:noFill/>
+              </a:ln>
+              <a:solidFill>
+                <a:schemeClr val="bg1"/>
+              </a:solidFill>
+              <a:latin typeface="Noto Sans CJK TC DemiLight" panose="020B0400000000000000" pitchFamily="34" charset="-120"/>
+              <a:ea typeface="Noto Sans CJK TC DemiLight" panose="020B0400000000000000" pitchFamily="34" charset="-120"/>
+            </a:endParaRPr>
           </a:p>
         </p:txBody>
       </p:sp>
@@ -4794,7 +4793,7 @@
                   <a:latin typeface="Noto Sans CJK TC DemiLight" panose="020B0400000000000000" pitchFamily="34" charset="-120"/>
                   <a:ea typeface="Noto Sans CJK TC DemiLight" panose="020B0400000000000000" pitchFamily="34" charset="-120"/>
                 </a:rPr>
-                <a:t>#FFFFFF</a:t>
+                <a:t>#FF9B00</a:t>
               </a:r>
             </a:p>
           </p:txBody>
@@ -4845,56 +4844,33 @@
       </p:pic>
       <p:sp>
         <p:nvSpPr>
-          <p:cNvPr id="16" name="矩形 15">
-            <a:extLst>
-              <a:ext uri="{FF2B5EF4-FFF2-40B4-BE49-F238E27FC236}">
-                <a16:creationId xmlns:a16="http://schemas.microsoft.com/office/drawing/2014/main" id="{CFD8FBD4-A77F-4D02-BE1B-F76C8CE65607}"/>
-              </a:ext>
-            </a:extLst>
-          </p:cNvPr>
-          <p:cNvSpPr/>
+          <p:cNvPr id="5" name="文字方塊 4">
+            <a:extLst>
+              <a:ext uri="{FF2B5EF4-FFF2-40B4-BE49-F238E27FC236}">
+                <a16:creationId xmlns:a16="http://schemas.microsoft.com/office/drawing/2014/main" id="{AB74BA3A-2011-469F-9CE0-7F7E5BEF696B}"/>
+              </a:ext>
+            </a:extLst>
+          </p:cNvPr>
+          <p:cNvSpPr txBox="1"/>
           <p:nvPr/>
         </p:nvSpPr>
         <p:spPr>
           <a:xfrm>
-            <a:off x="5353019" y="1364209"/>
-            <a:ext cx="6256907" cy="722209"/>
+            <a:off x="5227082" y="312602"/>
+            <a:ext cx="5752122" cy="463845"/>
           </a:xfrm>
           <a:prstGeom prst="rect">
             <a:avLst/>
           </a:prstGeom>
-          <a:solidFill>
-            <a:schemeClr val="accent3">
-              <a:alpha val="37000"/>
-            </a:schemeClr>
-          </a:solidFill>
-          <a:ln>
-            <a:noFill/>
-          </a:ln>
+          <a:noFill/>
         </p:spPr>
-        <p:style>
-          <a:lnRef idx="2">
-            <a:schemeClr val="accent1">
-              <a:shade val="50000"/>
-            </a:schemeClr>
-          </a:lnRef>
-          <a:fillRef idx="1">
-            <a:schemeClr val="accent1"/>
-          </a:fillRef>
-          <a:effectRef idx="0">
-            <a:schemeClr val="accent1"/>
-          </a:effectRef>
-          <a:fontRef idx="minor">
-            <a:schemeClr val="lt1"/>
-          </a:fontRef>
-        </p:style>
-        <p:txBody>
-          <a:bodyPr tIns="0" rtlCol="0" anchor="ctr" anchorCtr="1">
-            <a:noAutofit/>
+        <p:txBody>
+          <a:bodyPr wrap="square" rtlCol="0">
+            <a:spAutoFit/>
           </a:bodyPr>
           <a:lstStyle/>
           <a:p>
-            <a:pPr algn="r">
+            <a:pPr algn="ctr">
               <a:lnSpc>
                 <a:spcPct val="150000"/>
               </a:lnSpc>
@@ -4910,7 +4886,7 @@
                 <a:latin typeface="Noto Sans CJK TC DemiLight" panose="020B0400000000000000" pitchFamily="34" charset="-120"/>
                 <a:ea typeface="Noto Sans CJK TC DemiLight" panose="020B0400000000000000" pitchFamily="34" charset="-120"/>
               </a:rPr>
-              <a:t>      主要導覽列和次要導覽列與背景作區別，使用較淺的深藍</a:t>
+              <a:t>主要背景色為深藍黑色，讓主題符合遊戲介面的風格</a:t>
             </a:r>
             <a:endParaRPr lang="en-US" altLang="zh-TW" dirty="0">
               <a:ln w="3175">
@@ -4927,58 +4903,272 @@
       </p:sp>
       <p:sp>
         <p:nvSpPr>
-          <p:cNvPr id="19" name="矩形 18">
-            <a:extLst>
-              <a:ext uri="{FF2B5EF4-FFF2-40B4-BE49-F238E27FC236}">
-                <a16:creationId xmlns:a16="http://schemas.microsoft.com/office/drawing/2014/main" id="{6ACA7384-3455-439A-900B-1A81C341A317}"/>
-              </a:ext>
-            </a:extLst>
-          </p:cNvPr>
-          <p:cNvSpPr/>
+          <p:cNvPr id="7" name="文字方塊 6">
+            <a:extLst>
+              <a:ext uri="{FF2B5EF4-FFF2-40B4-BE49-F238E27FC236}">
+                <a16:creationId xmlns:a16="http://schemas.microsoft.com/office/drawing/2014/main" id="{AF2254A5-6E95-4DF1-8899-84B677A2FBDF}"/>
+              </a:ext>
+            </a:extLst>
+          </p:cNvPr>
+          <p:cNvSpPr txBox="1"/>
           <p:nvPr/>
         </p:nvSpPr>
         <p:spPr>
           <a:xfrm>
-            <a:off x="5353018" y="5910522"/>
-            <a:ext cx="6256907" cy="732801"/>
+            <a:off x="5353018" y="1544248"/>
+            <a:ext cx="6016752" cy="646331"/>
           </a:xfrm>
           <a:prstGeom prst="rect">
             <a:avLst/>
           </a:prstGeom>
-          <a:solidFill>
-            <a:schemeClr val="accent3">
-              <a:alpha val="37000"/>
-            </a:schemeClr>
-          </a:solidFill>
-          <a:ln>
-            <a:noFill/>
-          </a:ln>
+          <a:noFill/>
         </p:spPr>
-        <p:style>
-          <a:lnRef idx="2">
-            <a:schemeClr val="accent1">
-              <a:shade val="50000"/>
-            </a:schemeClr>
-          </a:lnRef>
-          <a:fillRef idx="1">
-            <a:schemeClr val="accent1"/>
-          </a:fillRef>
-          <a:effectRef idx="0">
-            <a:schemeClr val="accent1"/>
-          </a:effectRef>
-          <a:fontRef idx="minor">
-            <a:schemeClr val="lt1"/>
-          </a:fontRef>
-        </p:style>
-        <p:txBody>
-          <a:bodyPr tIns="0" rtlCol="0" anchor="ctr" anchorCtr="1"/>
+        <p:txBody>
+          <a:bodyPr wrap="square" rtlCol="0">
+            <a:spAutoFit/>
+          </a:bodyPr>
           <a:lstStyle/>
           <a:p>
-            <a:pPr>
-              <a:lnSpc>
-                <a:spcPct val="150000"/>
-              </a:lnSpc>
-            </a:pPr>
+            <a:r>
+              <a:rPr lang="zh-TW" altLang="en-US" dirty="0">
+                <a:ln w="3175">
+                  <a:noFill/>
+                </a:ln>
+                <a:solidFill>
+                  <a:schemeClr val="bg1"/>
+                </a:solidFill>
+                <a:latin typeface="Noto Sans CJK TC DemiLight" panose="020B0400000000000000" pitchFamily="34" charset="-120"/>
+                <a:ea typeface="Noto Sans CJK TC DemiLight" panose="020B0400000000000000" pitchFamily="34" charset="-120"/>
+              </a:rPr>
+              <a:t>主要導覽列和次要導覽列與背景作區別，使用較淺的深藍</a:t>
+            </a:r>
+            <a:endParaRPr lang="en-US" altLang="zh-TW" dirty="0">
+              <a:ln w="3175">
+                <a:noFill/>
+              </a:ln>
+              <a:solidFill>
+                <a:schemeClr val="bg1"/>
+              </a:solidFill>
+              <a:latin typeface="Noto Sans CJK TC DemiLight" panose="020B0400000000000000" pitchFamily="34" charset="-120"/>
+              <a:ea typeface="Noto Sans CJK TC DemiLight" panose="020B0400000000000000" pitchFamily="34" charset="-120"/>
+            </a:endParaRPr>
+          </a:p>
+          <a:p>
+            <a:endParaRPr lang="en-US" dirty="0"/>
+          </a:p>
+        </p:txBody>
+      </p:sp>
+      <p:sp>
+        <p:nvSpPr>
+          <p:cNvPr id="8" name="文字方塊 7">
+            <a:extLst>
+              <a:ext uri="{FF2B5EF4-FFF2-40B4-BE49-F238E27FC236}">
+                <a16:creationId xmlns:a16="http://schemas.microsoft.com/office/drawing/2014/main" id="{CC3D7CD8-FD4F-48E9-962C-9D3EACF6A2F5}"/>
+              </a:ext>
+            </a:extLst>
+          </p:cNvPr>
+          <p:cNvSpPr txBox="1"/>
+          <p:nvPr/>
+        </p:nvSpPr>
+        <p:spPr>
+          <a:xfrm>
+            <a:off x="5353018" y="2671649"/>
+            <a:ext cx="4339650" cy="369332"/>
+          </a:xfrm>
+          <a:prstGeom prst="rect">
+            <a:avLst/>
+          </a:prstGeom>
+          <a:noFill/>
+        </p:spPr>
+        <p:txBody>
+          <a:bodyPr wrap="none" rtlCol="0">
+            <a:spAutoFit/>
+          </a:bodyPr>
+          <a:lstStyle/>
+          <a:p>
+            <a:r>
+              <a:rPr lang="zh-TW" altLang="en-US" dirty="0">
+                <a:ln w="3175">
+                  <a:noFill/>
+                </a:ln>
+                <a:solidFill>
+                  <a:schemeClr val="bg1"/>
+                </a:solidFill>
+                <a:latin typeface="Noto Sans CJK TC DemiLight" panose="020B0400000000000000" pitchFamily="34" charset="-120"/>
+                <a:ea typeface="Noto Sans CJK TC DemiLight" panose="020B0400000000000000" pitchFamily="34" charset="-120"/>
+              </a:rPr>
+              <a:t>內文為淺藍，與標題區分，符合整體色系</a:t>
+            </a:r>
+            <a:endParaRPr lang="en-US" altLang="zh-TW" dirty="0">
+              <a:ln w="3175">
+                <a:noFill/>
+              </a:ln>
+              <a:solidFill>
+                <a:schemeClr val="bg1"/>
+              </a:solidFill>
+              <a:latin typeface="Noto Sans CJK TC DemiLight" panose="020B0400000000000000" pitchFamily="34" charset="-120"/>
+              <a:ea typeface="Noto Sans CJK TC DemiLight" panose="020B0400000000000000" pitchFamily="34" charset="-120"/>
+            </a:endParaRPr>
+          </a:p>
+        </p:txBody>
+      </p:sp>
+      <p:sp>
+        <p:nvSpPr>
+          <p:cNvPr id="10" name="文字方塊 9">
+            <a:extLst>
+              <a:ext uri="{FF2B5EF4-FFF2-40B4-BE49-F238E27FC236}">
+                <a16:creationId xmlns:a16="http://schemas.microsoft.com/office/drawing/2014/main" id="{FE3AEDD5-672D-42D3-9150-ECDAABFF9B14}"/>
+              </a:ext>
+            </a:extLst>
+          </p:cNvPr>
+          <p:cNvSpPr txBox="1"/>
+          <p:nvPr/>
+        </p:nvSpPr>
+        <p:spPr>
+          <a:xfrm>
+            <a:off x="5376289" y="3859085"/>
+            <a:ext cx="5493812" cy="369332"/>
+          </a:xfrm>
+          <a:prstGeom prst="rect">
+            <a:avLst/>
+          </a:prstGeom>
+          <a:noFill/>
+        </p:spPr>
+        <p:txBody>
+          <a:bodyPr wrap="none" rtlCol="0">
+            <a:spAutoFit/>
+          </a:bodyPr>
+          <a:lstStyle/>
+          <a:p>
+            <a:r>
+              <a:rPr lang="zh-TW" altLang="en-US" dirty="0">
+                <a:ln w="3175">
+                  <a:noFill/>
+                </a:ln>
+                <a:solidFill>
+                  <a:schemeClr val="bg1"/>
+                </a:solidFill>
+                <a:latin typeface="Noto Sans CJK TC DemiLight" panose="020B0400000000000000" pitchFamily="34" charset="-120"/>
+                <a:ea typeface="Noto Sans CJK TC DemiLight" panose="020B0400000000000000" pitchFamily="34" charset="-120"/>
+              </a:rPr>
+              <a:t>提供主要資訊的大標題為純白色，深色背景中較顯眼</a:t>
+            </a:r>
+            <a:endParaRPr lang="en-US" dirty="0">
+              <a:solidFill>
+                <a:schemeClr val="bg1"/>
+              </a:solidFill>
+            </a:endParaRPr>
+          </a:p>
+        </p:txBody>
+      </p:sp>
+      <p:sp>
+        <p:nvSpPr>
+          <p:cNvPr id="14" name="文字方塊 13">
+            <a:extLst>
+              <a:ext uri="{FF2B5EF4-FFF2-40B4-BE49-F238E27FC236}">
+                <a16:creationId xmlns:a16="http://schemas.microsoft.com/office/drawing/2014/main" id="{F107DB90-2908-446A-90C4-FB67BA391AA8}"/>
+              </a:ext>
+            </a:extLst>
+          </p:cNvPr>
+          <p:cNvSpPr txBox="1"/>
+          <p:nvPr/>
+        </p:nvSpPr>
+        <p:spPr>
+          <a:xfrm>
+            <a:off x="5376289" y="4944420"/>
+            <a:ext cx="4402103" cy="369332"/>
+          </a:xfrm>
+          <a:prstGeom prst="rect">
+            <a:avLst/>
+          </a:prstGeom>
+          <a:noFill/>
+        </p:spPr>
+        <p:txBody>
+          <a:bodyPr wrap="none" rtlCol="0">
+            <a:spAutoFit/>
+          </a:bodyPr>
+          <a:lstStyle/>
+          <a:p>
+            <a:r>
+              <a:rPr lang="zh-TW" altLang="en-US" dirty="0">
+                <a:ln w="3175">
+                  <a:noFill/>
+                </a:ln>
+                <a:solidFill>
+                  <a:schemeClr val="bg1"/>
+                </a:solidFill>
+                <a:latin typeface="Noto Sans CJK TC DemiLight" panose="020B0400000000000000" pitchFamily="34" charset="-120"/>
+                <a:ea typeface="Noto Sans CJK TC DemiLight" panose="020B0400000000000000" pitchFamily="34" charset="-120"/>
+              </a:rPr>
+              <a:t>在藍紫色系中醒目的褐色，只用在</a:t>
+            </a:r>
+            <a:r>
+              <a:rPr lang="en-US" altLang="zh-TW" dirty="0">
+                <a:ln w="3175">
+                  <a:noFill/>
+                </a:ln>
+                <a:solidFill>
+                  <a:schemeClr val="bg1"/>
+                </a:solidFill>
+                <a:latin typeface="Noto Sans CJK TC DemiLight" panose="020B0400000000000000" pitchFamily="34" charset="-120"/>
+                <a:ea typeface="Noto Sans CJK TC DemiLight" panose="020B0400000000000000" pitchFamily="34" charset="-120"/>
+              </a:rPr>
+              <a:t>Logo</a:t>
+            </a:r>
+            <a:r>
+              <a:rPr lang="zh-TW" altLang="en-US" dirty="0">
+                <a:ln w="3175">
+                  <a:noFill/>
+                </a:ln>
+                <a:solidFill>
+                  <a:schemeClr val="bg1"/>
+                </a:solidFill>
+                <a:latin typeface="Noto Sans CJK TC DemiLight" panose="020B0400000000000000" pitchFamily="34" charset="-120"/>
+                <a:ea typeface="Noto Sans CJK TC DemiLight" panose="020B0400000000000000" pitchFamily="34" charset="-120"/>
+              </a:rPr>
+              <a:t>上</a:t>
+            </a:r>
+            <a:endParaRPr lang="en-US" altLang="zh-TW" dirty="0">
+              <a:ln w="3175">
+                <a:noFill/>
+              </a:ln>
+              <a:solidFill>
+                <a:schemeClr val="bg1"/>
+              </a:solidFill>
+              <a:latin typeface="Noto Sans CJK TC DemiLight" panose="020B0400000000000000" pitchFamily="34" charset="-120"/>
+              <a:ea typeface="Noto Sans CJK TC DemiLight" panose="020B0400000000000000" pitchFamily="34" charset="-120"/>
+            </a:endParaRPr>
+          </a:p>
+        </p:txBody>
+      </p:sp>
+      <p:sp>
+        <p:nvSpPr>
+          <p:cNvPr id="15" name="文字方塊 14">
+            <a:extLst>
+              <a:ext uri="{FF2B5EF4-FFF2-40B4-BE49-F238E27FC236}">
+                <a16:creationId xmlns:a16="http://schemas.microsoft.com/office/drawing/2014/main" id="{695645CF-AC3E-4A7A-989B-FF0E3C9F9D9B}"/>
+              </a:ext>
+            </a:extLst>
+          </p:cNvPr>
+          <p:cNvSpPr txBox="1"/>
+          <p:nvPr/>
+        </p:nvSpPr>
+        <p:spPr>
+          <a:xfrm>
+            <a:off x="5376289" y="6092256"/>
+            <a:ext cx="5493812" cy="369332"/>
+          </a:xfrm>
+          <a:prstGeom prst="rect">
+            <a:avLst/>
+          </a:prstGeom>
+          <a:noFill/>
+        </p:spPr>
+        <p:txBody>
+          <a:bodyPr wrap="none" rtlCol="0">
+            <a:spAutoFit/>
+          </a:bodyPr>
+          <a:lstStyle/>
+          <a:p>
             <a:r>
               <a:rPr lang="zh-TW" altLang="en-US" dirty="0">
                 <a:ln w="3175">

--- a/企劃書.pptx
+++ b/企劃書.pptx
@@ -15,13 +15,15 @@
     <p:sldId id="263" r:id="rId9"/>
     <p:sldId id="264" r:id="rId10"/>
     <p:sldId id="257" r:id="rId11"/>
-    <p:sldId id="269" r:id="rId12"/>
-    <p:sldId id="270" r:id="rId13"/>
-    <p:sldId id="267" r:id="rId14"/>
-    <p:sldId id="271" r:id="rId15"/>
-    <p:sldId id="272" r:id="rId16"/>
-    <p:sldId id="273" r:id="rId17"/>
-    <p:sldId id="268" r:id="rId18"/>
+    <p:sldId id="274" r:id="rId12"/>
+    <p:sldId id="269" r:id="rId13"/>
+    <p:sldId id="270" r:id="rId14"/>
+    <p:sldId id="267" r:id="rId15"/>
+    <p:sldId id="271" r:id="rId16"/>
+    <p:sldId id="275" r:id="rId17"/>
+    <p:sldId id="272" r:id="rId18"/>
+    <p:sldId id="273" r:id="rId19"/>
+    <p:sldId id="268" r:id="rId20"/>
   </p:sldIdLst>
   <p:sldSz cx="12192000" cy="6858000"/>
   <p:notesSz cx="6858000" cy="9144000"/>
@@ -4799,49 +4801,6 @@
           </p:txBody>
         </p:sp>
       </p:grpSp>
-      <p:pic>
-        <p:nvPicPr>
-          <p:cNvPr id="9" name="圖片 8">
-            <a:extLst>
-              <a:ext uri="{FF2B5EF4-FFF2-40B4-BE49-F238E27FC236}">
-                <a16:creationId xmlns:a16="http://schemas.microsoft.com/office/drawing/2014/main" id="{C986C556-B1DB-46DB-B459-9E5BBC327E61}"/>
-              </a:ext>
-            </a:extLst>
-          </p:cNvPr>
-          <p:cNvPicPr>
-            <a:picLocks noChangeAspect="1"/>
-          </p:cNvPicPr>
-          <p:nvPr/>
-        </p:nvPicPr>
-        <p:blipFill>
-          <a:blip r:embed="rId2">
-            <a:extLst>
-              <a:ext uri="{28A0092B-C50C-407E-A947-70E740481C1C}">
-                <a14:useLocalDpi xmlns:a14="http://schemas.microsoft.com/office/drawing/2010/main" val="0"/>
-              </a:ext>
-            </a:extLst>
-          </a:blip>
-          <a:stretch>
-            <a:fillRect/>
-          </a:stretch>
-        </p:blipFill>
-        <p:spPr>
-          <a:xfrm>
-            <a:off x="582073" y="-12715"/>
-            <a:ext cx="3258407" cy="6864357"/>
-          </a:xfrm>
-          <a:prstGeom prst="rect">
-            <a:avLst/>
-          </a:prstGeom>
-          <a:effectLst>
-            <a:outerShdw blurRad="50800" dist="38100" algn="l" rotWithShape="0">
-              <a:prstClr val="black">
-                <a:alpha val="40000"/>
-              </a:prstClr>
-            </a:outerShdw>
-          </a:effectLst>
-        </p:spPr>
-      </p:pic>
       <p:sp>
         <p:nvSpPr>
           <p:cNvPr id="5" name="文字方塊 4">
@@ -4940,7 +4899,7 @@
                 <a:latin typeface="Noto Sans CJK TC DemiLight" panose="020B0400000000000000" pitchFamily="34" charset="-120"/>
                 <a:ea typeface="Noto Sans CJK TC DemiLight" panose="020B0400000000000000" pitchFamily="34" charset="-120"/>
               </a:rPr>
-              <a:t>主要導覽列和次要導覽列與背景作區別，使用較淺的深藍</a:t>
+              <a:t>主要導覽列和次要導覽列與背景做區別，使用較淺的深藍</a:t>
             </a:r>
             <a:endParaRPr lang="en-US" altLang="zh-TW" dirty="0">
               <a:ln w="3175">
@@ -5195,6 +5154,42 @@
           </a:p>
         </p:txBody>
       </p:sp>
+      <p:pic>
+        <p:nvPicPr>
+          <p:cNvPr id="22" name="圖片 21">
+            <a:extLst>
+              <a:ext uri="{FF2B5EF4-FFF2-40B4-BE49-F238E27FC236}">
+                <a16:creationId xmlns:a16="http://schemas.microsoft.com/office/drawing/2014/main" id="{42C2CA42-DEAB-4371-8A9C-665DDA1CB078}"/>
+              </a:ext>
+            </a:extLst>
+          </p:cNvPr>
+          <p:cNvPicPr>
+            <a:picLocks noChangeAspect="1"/>
+          </p:cNvPicPr>
+          <p:nvPr/>
+        </p:nvPicPr>
+        <p:blipFill>
+          <a:blip r:embed="rId2">
+            <a:extLst>
+              <a:ext uri="{28A0092B-C50C-407E-A947-70E740481C1C}">
+                <a14:useLocalDpi xmlns:a14="http://schemas.microsoft.com/office/drawing/2010/main" val="0"/>
+              </a:ext>
+            </a:extLst>
+          </a:blip>
+          <a:stretch>
+            <a:fillRect/>
+          </a:stretch>
+        </p:blipFill>
+        <p:spPr>
+          <a:xfrm>
+            <a:off x="594087" y="0"/>
+            <a:ext cx="3246391" cy="6858000"/>
+          </a:xfrm>
+          <a:prstGeom prst="rect">
+            <a:avLst/>
+          </a:prstGeom>
+        </p:spPr>
+      </p:pic>
     </p:spTree>
     <p:extLst>
       <p:ext uri="{BB962C8B-B14F-4D97-AF65-F5344CB8AC3E}">
@@ -5209,6 +5204,189 @@
 </file>
 
 <file path=ppt/slides/slide11.xml><?xml version="1.0" encoding="utf-8"?>
+<p:sld xmlns:a="http://schemas.openxmlformats.org/drawingml/2006/main" xmlns:r="http://schemas.openxmlformats.org/officeDocument/2006/relationships" xmlns:p="http://schemas.openxmlformats.org/presentationml/2006/main">
+  <p:cSld>
+    <p:bg>
+      <p:bgPr>
+        <a:solidFill>
+          <a:srgbClr val="142440"/>
+        </a:solidFill>
+        <a:effectLst/>
+      </p:bgPr>
+    </p:bg>
+    <p:spTree>
+      <p:nvGrpSpPr>
+        <p:cNvPr id="1" name=""/>
+        <p:cNvGrpSpPr/>
+        <p:nvPr/>
+      </p:nvGrpSpPr>
+      <p:grpSpPr>
+        <a:xfrm>
+          <a:off x="0" y="0"/>
+          <a:ext cx="0" cy="0"/>
+          <a:chOff x="0" y="0"/>
+          <a:chExt cx="0" cy="0"/>
+        </a:xfrm>
+      </p:grpSpPr>
+      <p:pic>
+        <p:nvPicPr>
+          <p:cNvPr id="5" name="圖片 4">
+            <a:extLst>
+              <a:ext uri="{FF2B5EF4-FFF2-40B4-BE49-F238E27FC236}">
+                <a16:creationId xmlns:a16="http://schemas.microsoft.com/office/drawing/2014/main" id="{080D15F6-9F46-42D9-BD74-BFA88BBB198C}"/>
+              </a:ext>
+            </a:extLst>
+          </p:cNvPr>
+          <p:cNvPicPr>
+            <a:picLocks noChangeAspect="1"/>
+          </p:cNvPicPr>
+          <p:nvPr/>
+        </p:nvPicPr>
+        <p:blipFill rotWithShape="1">
+          <a:blip r:embed="rId3">
+            <a:extLst>
+              <a:ext uri="{28A0092B-C50C-407E-A947-70E740481C1C}">
+                <a14:useLocalDpi xmlns:a14="http://schemas.microsoft.com/office/drawing/2010/main" val="0"/>
+              </a:ext>
+            </a:extLst>
+          </a:blip>
+          <a:srcRect t="10816" r="1075"/>
+          <a:stretch/>
+        </p:blipFill>
+        <p:spPr>
+          <a:xfrm>
+            <a:off x="84791" y="100584"/>
+            <a:ext cx="9854737" cy="4812392"/>
+          </a:xfrm>
+          <a:prstGeom prst="rect">
+            <a:avLst/>
+          </a:prstGeom>
+        </p:spPr>
+      </p:pic>
+      <p:sp>
+        <p:nvSpPr>
+          <p:cNvPr id="8" name="文字方塊 7">
+            <a:extLst>
+              <a:ext uri="{FF2B5EF4-FFF2-40B4-BE49-F238E27FC236}">
+                <a16:creationId xmlns:a16="http://schemas.microsoft.com/office/drawing/2014/main" id="{311CB3EF-4FB0-4675-8C34-2DC18B03E01F}"/>
+              </a:ext>
+            </a:extLst>
+          </p:cNvPr>
+          <p:cNvSpPr txBox="1"/>
+          <p:nvPr/>
+        </p:nvSpPr>
+        <p:spPr>
+          <a:xfrm>
+            <a:off x="1617850" y="4912976"/>
+            <a:ext cx="9016621" cy="1787990"/>
+          </a:xfrm>
+          <a:prstGeom prst="rect">
+            <a:avLst/>
+          </a:prstGeom>
+          <a:noFill/>
+        </p:spPr>
+        <p:txBody>
+          <a:bodyPr wrap="square" rtlCol="0">
+            <a:spAutoFit/>
+          </a:bodyPr>
+          <a:lstStyle/>
+          <a:p>
+            <a:pPr>
+              <a:lnSpc>
+                <a:spcPct val="150000"/>
+              </a:lnSpc>
+            </a:pPr>
+            <a:r>
+              <a:rPr lang="zh-TW" altLang="en-US" sz="2800" spc="300" dirty="0">
+                <a:solidFill>
+                  <a:schemeClr val="bg1"/>
+                </a:solidFill>
+                <a:latin typeface="Noto Sans Mono CJK TC Regular" panose="020B0500000000000000" pitchFamily="34" charset="-120"/>
+                <a:ea typeface="Noto Sans Mono CJK TC Regular" panose="020B0500000000000000" pitchFamily="34" charset="-120"/>
+              </a:rPr>
+              <a:t>字體</a:t>
+            </a:r>
+            <a:r>
+              <a:rPr lang="en-US" altLang="zh-TW" sz="2400" spc="300" dirty="0">
+                <a:solidFill>
+                  <a:schemeClr val="bg1"/>
+                </a:solidFill>
+                <a:latin typeface="Noto Sans Mono CJK TC Regular" panose="020B0500000000000000" pitchFamily="34" charset="-120"/>
+                <a:ea typeface="Noto Sans Mono CJK TC Regular" panose="020B0500000000000000" pitchFamily="34" charset="-120"/>
+              </a:rPr>
+              <a:t>:</a:t>
+            </a:r>
+            <a:r>
+              <a:rPr lang="zh-TW" altLang="en-US" sz="2400" spc="300" dirty="0">
+                <a:solidFill>
+                  <a:schemeClr val="bg1"/>
+                </a:solidFill>
+                <a:latin typeface="Noto Sans Mono CJK TC Regular" panose="020B0500000000000000" pitchFamily="34" charset="-120"/>
+                <a:ea typeface="Noto Sans Mono CJK TC Regular" panose="020B0500000000000000" pitchFamily="34" charset="-120"/>
+              </a:rPr>
+              <a:t>思源黑體</a:t>
+            </a:r>
+            <a:r>
+              <a:rPr lang="en-US" altLang="zh-TW" sz="2400" spc="300" dirty="0">
+                <a:solidFill>
+                  <a:schemeClr val="bg1"/>
+                </a:solidFill>
+                <a:latin typeface="Noto Sans Mono CJK TC Regular" panose="020B0500000000000000" pitchFamily="34" charset="-120"/>
+                <a:ea typeface="Noto Sans Mono CJK TC Regular" panose="020B0500000000000000" pitchFamily="34" charset="-120"/>
+              </a:rPr>
+              <a:t>(Noto Sans CJK TC)</a:t>
+            </a:r>
+            <a:r>
+              <a:rPr lang="zh-TW" altLang="en-US" sz="2400" spc="300" dirty="0">
+                <a:solidFill>
+                  <a:schemeClr val="bg1"/>
+                </a:solidFill>
+                <a:latin typeface="Noto Sans Mono CJK TC Regular" panose="020B0500000000000000" pitchFamily="34" charset="-120"/>
+                <a:ea typeface="Noto Sans Mono CJK TC Regular" panose="020B0500000000000000" pitchFamily="34" charset="-120"/>
+              </a:rPr>
+              <a:t>無襯線字體</a:t>
+            </a:r>
+          </a:p>
+          <a:p>
+            <a:pPr lvl="2">
+              <a:lnSpc>
+                <a:spcPct val="150000"/>
+              </a:lnSpc>
+            </a:pPr>
+            <a:r>
+              <a:rPr lang="zh-TW" altLang="en-US" sz="2400" spc="300" dirty="0">
+                <a:solidFill>
+                  <a:schemeClr val="bg1"/>
+                </a:solidFill>
+                <a:latin typeface="Noto Sans Mono CJK TC Regular" panose="020B0500000000000000" pitchFamily="34" charset="-120"/>
+                <a:ea typeface="Noto Sans Mono CJK TC Regular" panose="020B0500000000000000" pitchFamily="34" charset="-120"/>
+              </a:rPr>
+              <a:t>網頁中常見的字體之一，我們選用較細的字型，在字數較多的網頁中看起來不會擁擠</a:t>
+            </a:r>
+            <a:endParaRPr lang="en-US" sz="2400" spc="300" dirty="0">
+              <a:solidFill>
+                <a:schemeClr val="bg1"/>
+              </a:solidFill>
+              <a:latin typeface="Noto Sans Mono CJK TC Regular" panose="020B0500000000000000" pitchFamily="34" charset="-120"/>
+              <a:ea typeface="Noto Sans Mono CJK TC Regular" panose="020B0500000000000000" pitchFamily="34" charset="-120"/>
+            </a:endParaRPr>
+          </a:p>
+        </p:txBody>
+      </p:sp>
+    </p:spTree>
+    <p:extLst>
+      <p:ext uri="{BB962C8B-B14F-4D97-AF65-F5344CB8AC3E}">
+        <p14:creationId xmlns:p14="http://schemas.microsoft.com/office/powerpoint/2010/main" val="2679342404"/>
+      </p:ext>
+    </p:extLst>
+  </p:cSld>
+  <p:clrMapOvr>
+    <a:overrideClrMapping bg1="lt1" tx1="dk1" bg2="lt2" tx2="dk2" accent1="accent1" accent2="accent2" accent3="accent3" accent4="accent4" accent5="accent5" accent6="accent6" hlink="hlink" folHlink="folHlink"/>
+  </p:clrMapOvr>
+</p:sld>
+</file>
+
+<file path=ppt/slides/slide12.xml><?xml version="1.0" encoding="utf-8"?>
 <p:sld xmlns:a="http://schemas.openxmlformats.org/drawingml/2006/main" xmlns:r="http://schemas.openxmlformats.org/officeDocument/2006/relationships" xmlns:p="http://schemas.openxmlformats.org/presentationml/2006/main">
   <p:cSld>
     <p:spTree>
@@ -6481,7 +6659,7 @@
 </p:sld>
 </file>
 
-<file path=ppt/slides/slide12.xml><?xml version="1.0" encoding="utf-8"?>
+<file path=ppt/slides/slide13.xml><?xml version="1.0" encoding="utf-8"?>
 <p:sld xmlns:a="http://schemas.openxmlformats.org/drawingml/2006/main" xmlns:r="http://schemas.openxmlformats.org/officeDocument/2006/relationships" xmlns:p="http://schemas.openxmlformats.org/presentationml/2006/main">
   <p:cSld>
     <p:spTree>
@@ -6560,7 +6738,7 @@
 </p:sld>
 </file>
 
-<file path=ppt/slides/slide13.xml><?xml version="1.0" encoding="utf-8"?>
+<file path=ppt/slides/slide14.xml><?xml version="1.0" encoding="utf-8"?>
 <p:sld xmlns:a="http://schemas.openxmlformats.org/drawingml/2006/main" xmlns:r="http://schemas.openxmlformats.org/officeDocument/2006/relationships" xmlns:p="http://schemas.openxmlformats.org/presentationml/2006/main">
   <p:cSld>
     <p:spTree>
@@ -6688,85 +6866,6 @@
 </p:sld>
 </file>
 
-<file path=ppt/slides/slide14.xml><?xml version="1.0" encoding="utf-8"?>
-<p:sld xmlns:a="http://schemas.openxmlformats.org/drawingml/2006/main" xmlns:r="http://schemas.openxmlformats.org/officeDocument/2006/relationships" xmlns:p="http://schemas.openxmlformats.org/presentationml/2006/main">
-  <p:cSld>
-    <p:spTree>
-      <p:nvGrpSpPr>
-        <p:cNvPr id="1" name=""/>
-        <p:cNvGrpSpPr/>
-        <p:nvPr/>
-      </p:nvGrpSpPr>
-      <p:grpSpPr>
-        <a:xfrm>
-          <a:off x="0" y="0"/>
-          <a:ext cx="0" cy="0"/>
-          <a:chOff x="0" y="0"/>
-          <a:chExt cx="0" cy="0"/>
-        </a:xfrm>
-      </p:grpSpPr>
-      <p:sp>
-        <p:nvSpPr>
-          <p:cNvPr id="4" name="矩形 3">
-            <a:extLst>
-              <a:ext uri="{FF2B5EF4-FFF2-40B4-BE49-F238E27FC236}">
-                <a16:creationId xmlns:a16="http://schemas.microsoft.com/office/drawing/2014/main" id="{2819B7EB-0735-450D-AD25-604CC74BDD8A}"/>
-              </a:ext>
-            </a:extLst>
-          </p:cNvPr>
-          <p:cNvSpPr/>
-          <p:nvPr/>
-        </p:nvSpPr>
-        <p:spPr>
-          <a:xfrm>
-            <a:off x="4267200" y="182880"/>
-            <a:ext cx="3657600" cy="846386"/>
-          </a:xfrm>
-          <a:prstGeom prst="rect">
-            <a:avLst/>
-          </a:prstGeom>
-        </p:spPr>
-        <p:txBody>
-          <a:bodyPr wrap="square">
-            <a:spAutoFit/>
-          </a:bodyPr>
-          <a:lstStyle/>
-          <a:p>
-            <a:r>
-              <a:rPr lang="en-US" altLang="zh-TW" sz="4900" spc="600" dirty="0">
-                <a:solidFill>
-                  <a:srgbClr val="CCDBFD"/>
-                </a:solidFill>
-                <a:latin typeface="Friz Quadrata Std" panose="020E0602040504020404" pitchFamily="34" charset="0"/>
-                <a:ea typeface="Noto Sans CJK TC DemiLight" panose="020B0400000000000000" pitchFamily="34" charset="-120"/>
-                <a:cs typeface="+mj-cs"/>
-              </a:rPr>
-              <a:t>Bootstrap</a:t>
-            </a:r>
-            <a:endParaRPr lang="en-US" sz="4900" spc="600" dirty="0">
-              <a:solidFill>
-                <a:srgbClr val="CCDBFD"/>
-              </a:solidFill>
-              <a:latin typeface="Friz Quadrata Std" panose="020E0602040504020404" pitchFamily="34" charset="0"/>
-              <a:ea typeface="Noto Sans CJK TC DemiLight" panose="020B0400000000000000" pitchFamily="34" charset="-120"/>
-              <a:cs typeface="+mj-cs"/>
-            </a:endParaRPr>
-          </a:p>
-        </p:txBody>
-      </p:sp>
-    </p:spTree>
-    <p:extLst>
-      <p:ext uri="{BB962C8B-B14F-4D97-AF65-F5344CB8AC3E}">
-        <p14:creationId xmlns:p14="http://schemas.microsoft.com/office/powerpoint/2010/main" val="1178109284"/>
-      </p:ext>
-    </p:extLst>
-  </p:cSld>
-  <p:clrMapOvr>
-    <a:masterClrMapping/>
-  </p:clrMapOvr>
-</p:sld>
-</file>
-
 <file path=ppt/slides/slide15.xml><?xml version="1.0" encoding="utf-8"?>
 <p:sld xmlns:a="http://schemas.openxmlformats.org/drawingml/2006/main" xmlns:r="http://schemas.openxmlformats.org/officeDocument/2006/relationships" xmlns:p="http://schemas.openxmlformats.org/presentationml/2006/main">
   <p:cSld>
@@ -6786,50 +6885,139 @@
       </p:grpSpPr>
       <p:sp>
         <p:nvSpPr>
-          <p:cNvPr id="2" name="標題 1">
-            <a:extLst>
-              <a:ext uri="{FF2B5EF4-FFF2-40B4-BE49-F238E27FC236}">
-                <a16:creationId xmlns:a16="http://schemas.microsoft.com/office/drawing/2014/main" id="{C07A42F3-4C16-42CD-9D4D-4685E326CE09}"/>
-              </a:ext>
-            </a:extLst>
-          </p:cNvPr>
-          <p:cNvSpPr>
-            <a:spLocks noGrp="1"/>
-          </p:cNvSpPr>
-          <p:nvPr>
-            <p:ph type="title"/>
-          </p:nvPr>
+          <p:cNvPr id="4" name="矩形 3">
+            <a:extLst>
+              <a:ext uri="{FF2B5EF4-FFF2-40B4-BE49-F238E27FC236}">
+                <a16:creationId xmlns:a16="http://schemas.microsoft.com/office/drawing/2014/main" id="{2819B7EB-0735-450D-AD25-604CC74BDD8A}"/>
+              </a:ext>
+            </a:extLst>
+          </p:cNvPr>
+          <p:cNvSpPr/>
+          <p:nvPr/>
         </p:nvSpPr>
         <p:spPr>
           <a:xfrm>
-            <a:off x="4555236" y="274320"/>
-            <a:ext cx="3081528" cy="849440"/>
+            <a:off x="3154680" y="640080"/>
+            <a:ext cx="6010656" cy="846386"/>
           </a:xfrm>
+          <a:prstGeom prst="rect">
+            <a:avLst/>
+          </a:prstGeom>
         </p:spPr>
         <p:txBody>
-          <a:bodyPr>
-            <a:normAutofit fontScale="90000"/>
+          <a:bodyPr wrap="square">
+            <a:spAutoFit/>
           </a:bodyPr>
           <a:lstStyle/>
           <a:p>
             <a:r>
-              <a:rPr lang="en-US" altLang="zh-TW" spc="600" dirty="0">
+              <a:rPr lang="en-US" altLang="zh-TW" sz="4900" spc="600" dirty="0">
                 <a:solidFill>
                   <a:srgbClr val="CCDBFD"/>
                 </a:solidFill>
                 <a:latin typeface="Friz Quadrata Std" panose="020E0602040504020404" pitchFamily="34" charset="0"/>
                 <a:ea typeface="Noto Sans CJK TC DemiLight" panose="020B0400000000000000" pitchFamily="34" charset="-120"/>
+                <a:cs typeface="+mj-cs"/>
               </a:rPr>
-              <a:t>JavaScript</a:t>
-            </a:r>
-            <a:endParaRPr lang="en-US" dirty="0"/>
-          </a:p>
-        </p:txBody>
-      </p:sp>
+              <a:t>Bootstrap</a:t>
+            </a:r>
+            <a:r>
+              <a:rPr lang="zh-TW" altLang="en-US" sz="4900" spc="600" dirty="0">
+                <a:solidFill>
+                  <a:srgbClr val="CCDBFD"/>
+                </a:solidFill>
+                <a:latin typeface="Friz Quadrata Std" panose="020E0602040504020404" pitchFamily="34" charset="0"/>
+                <a:ea typeface="Noto Sans CJK TC DemiLight" panose="020B0400000000000000" pitchFamily="34" charset="-120"/>
+                <a:cs typeface="+mj-cs"/>
+              </a:rPr>
+              <a:t>導覽列</a:t>
+            </a:r>
+            <a:endParaRPr lang="en-US" sz="4900" spc="600" dirty="0">
+              <a:solidFill>
+                <a:srgbClr val="CCDBFD"/>
+              </a:solidFill>
+              <a:latin typeface="Friz Quadrata Std" panose="020E0602040504020404" pitchFamily="34" charset="0"/>
+              <a:ea typeface="Noto Sans CJK TC DemiLight" panose="020B0400000000000000" pitchFamily="34" charset="-120"/>
+              <a:cs typeface="+mj-cs"/>
+            </a:endParaRPr>
+          </a:p>
+        </p:txBody>
+      </p:sp>
+      <p:pic>
+        <p:nvPicPr>
+          <p:cNvPr id="6" name="圖片 5">
+            <a:extLst>
+              <a:ext uri="{FF2B5EF4-FFF2-40B4-BE49-F238E27FC236}">
+                <a16:creationId xmlns:a16="http://schemas.microsoft.com/office/drawing/2014/main" id="{3DAD0EC6-4CD7-4570-A065-2969AEA95275}"/>
+              </a:ext>
+            </a:extLst>
+          </p:cNvPr>
+          <p:cNvPicPr>
+            <a:picLocks noChangeAspect="1"/>
+          </p:cNvPicPr>
+          <p:nvPr/>
+        </p:nvPicPr>
+        <p:blipFill>
+          <a:blip r:embed="rId2">
+            <a:extLst>
+              <a:ext uri="{28A0092B-C50C-407E-A947-70E740481C1C}">
+                <a14:useLocalDpi xmlns:a14="http://schemas.microsoft.com/office/drawing/2010/main" val="0"/>
+              </a:ext>
+            </a:extLst>
+          </a:blip>
+          <a:stretch>
+            <a:fillRect/>
+          </a:stretch>
+        </p:blipFill>
+        <p:spPr>
+          <a:xfrm>
+            <a:off x="1650847" y="3319272"/>
+            <a:ext cx="8890305" cy="3093339"/>
+          </a:xfrm>
+          <a:prstGeom prst="rect">
+            <a:avLst/>
+          </a:prstGeom>
+        </p:spPr>
+      </p:pic>
+      <p:pic>
+        <p:nvPicPr>
+          <p:cNvPr id="8" name="圖片 7">
+            <a:extLst>
+              <a:ext uri="{FF2B5EF4-FFF2-40B4-BE49-F238E27FC236}">
+                <a16:creationId xmlns:a16="http://schemas.microsoft.com/office/drawing/2014/main" id="{1DE85405-5918-4C79-B449-135A8FACB2A1}"/>
+              </a:ext>
+            </a:extLst>
+          </p:cNvPr>
+          <p:cNvPicPr>
+            <a:picLocks noChangeAspect="1"/>
+          </p:cNvPicPr>
+          <p:nvPr/>
+        </p:nvPicPr>
+        <p:blipFill rotWithShape="1">
+          <a:blip r:embed="rId3">
+            <a:extLst>
+              <a:ext uri="{28A0092B-C50C-407E-A947-70E740481C1C}">
+                <a14:useLocalDpi xmlns:a14="http://schemas.microsoft.com/office/drawing/2010/main" val="0"/>
+              </a:ext>
+            </a:extLst>
+          </a:blip>
+          <a:srcRect r="30700"/>
+          <a:stretch/>
+        </p:blipFill>
+        <p:spPr>
+          <a:xfrm>
+            <a:off x="1871472" y="1990090"/>
+            <a:ext cx="8449056" cy="995991"/>
+          </a:xfrm>
+          <a:prstGeom prst="rect">
+            <a:avLst/>
+          </a:prstGeom>
+        </p:spPr>
+      </p:pic>
     </p:spTree>
     <p:extLst>
       <p:ext uri="{BB962C8B-B14F-4D97-AF65-F5344CB8AC3E}">
-        <p14:creationId xmlns:p14="http://schemas.microsoft.com/office/powerpoint/2010/main" val="375352388"/>
+        <p14:creationId xmlns:p14="http://schemas.microsoft.com/office/powerpoint/2010/main" val="1178109284"/>
       </p:ext>
     </p:extLst>
   </p:cSld>
@@ -6856,6 +7044,168 @@
           <a:chExt cx="0" cy="0"/>
         </a:xfrm>
       </p:grpSpPr>
+      <p:pic>
+        <p:nvPicPr>
+          <p:cNvPr id="5" name="圖片 4">
+            <a:extLst>
+              <a:ext uri="{FF2B5EF4-FFF2-40B4-BE49-F238E27FC236}">
+                <a16:creationId xmlns:a16="http://schemas.microsoft.com/office/drawing/2014/main" id="{0142C396-7618-4E0C-A86E-8B969973AA97}"/>
+              </a:ext>
+            </a:extLst>
+          </p:cNvPr>
+          <p:cNvPicPr>
+            <a:picLocks noChangeAspect="1"/>
+          </p:cNvPicPr>
+          <p:nvPr/>
+        </p:nvPicPr>
+        <p:blipFill>
+          <a:blip r:embed="rId2">
+            <a:extLst>
+              <a:ext uri="{28A0092B-C50C-407E-A947-70E740481C1C}">
+                <a14:useLocalDpi xmlns:a14="http://schemas.microsoft.com/office/drawing/2010/main" val="0"/>
+              </a:ext>
+            </a:extLst>
+          </a:blip>
+          <a:stretch>
+            <a:fillRect/>
+          </a:stretch>
+        </p:blipFill>
+        <p:spPr>
+          <a:xfrm>
+            <a:off x="895350" y="3666749"/>
+            <a:ext cx="10401300" cy="885825"/>
+          </a:xfrm>
+          <a:prstGeom prst="rect">
+            <a:avLst/>
+          </a:prstGeom>
+        </p:spPr>
+      </p:pic>
+      <p:pic>
+        <p:nvPicPr>
+          <p:cNvPr id="7" name="圖片 6">
+            <a:extLst>
+              <a:ext uri="{FF2B5EF4-FFF2-40B4-BE49-F238E27FC236}">
+                <a16:creationId xmlns:a16="http://schemas.microsoft.com/office/drawing/2014/main" id="{6ECB1B0C-DCBC-4D97-9712-F8C7B6E38A13}"/>
+              </a:ext>
+            </a:extLst>
+          </p:cNvPr>
+          <p:cNvPicPr>
+            <a:picLocks noChangeAspect="1"/>
+          </p:cNvPicPr>
+          <p:nvPr/>
+        </p:nvPicPr>
+        <p:blipFill>
+          <a:blip r:embed="rId3">
+            <a:extLst>
+              <a:ext uri="{28A0092B-C50C-407E-A947-70E740481C1C}">
+                <a14:useLocalDpi xmlns:a14="http://schemas.microsoft.com/office/drawing/2010/main" val="0"/>
+              </a:ext>
+            </a:extLst>
+          </a:blip>
+          <a:stretch>
+            <a:fillRect/>
+          </a:stretch>
+        </p:blipFill>
+        <p:spPr>
+          <a:xfrm>
+            <a:off x="4657725" y="2340864"/>
+            <a:ext cx="2876550" cy="914400"/>
+          </a:xfrm>
+          <a:prstGeom prst="rect">
+            <a:avLst/>
+          </a:prstGeom>
+        </p:spPr>
+      </p:pic>
+      <p:sp>
+        <p:nvSpPr>
+          <p:cNvPr id="8" name="矩形 7">
+            <a:extLst>
+              <a:ext uri="{FF2B5EF4-FFF2-40B4-BE49-F238E27FC236}">
+                <a16:creationId xmlns:a16="http://schemas.microsoft.com/office/drawing/2014/main" id="{DD8DDB1D-AE6D-42C3-8F05-17D4AC4C29DB}"/>
+              </a:ext>
+            </a:extLst>
+          </p:cNvPr>
+          <p:cNvSpPr/>
+          <p:nvPr/>
+        </p:nvSpPr>
+        <p:spPr>
+          <a:xfrm>
+            <a:off x="3154680" y="640080"/>
+            <a:ext cx="6010656" cy="846386"/>
+          </a:xfrm>
+          <a:prstGeom prst="rect">
+            <a:avLst/>
+          </a:prstGeom>
+        </p:spPr>
+        <p:txBody>
+          <a:bodyPr wrap="square">
+            <a:spAutoFit/>
+          </a:bodyPr>
+          <a:lstStyle/>
+          <a:p>
+            <a:r>
+              <a:rPr lang="en-US" altLang="zh-TW" sz="4900" spc="600" dirty="0">
+                <a:solidFill>
+                  <a:srgbClr val="CCDBFD"/>
+                </a:solidFill>
+                <a:latin typeface="Friz Quadrata Std" panose="020E0602040504020404" pitchFamily="34" charset="0"/>
+                <a:ea typeface="Noto Sans CJK TC DemiLight" panose="020B0400000000000000" pitchFamily="34" charset="-120"/>
+                <a:cs typeface="+mj-cs"/>
+              </a:rPr>
+              <a:t>Bootstrap </a:t>
+            </a:r>
+            <a:r>
+              <a:rPr lang="zh-TW" altLang="en-US" sz="4900" spc="600" dirty="0">
+                <a:solidFill>
+                  <a:srgbClr val="CCDBFD"/>
+                </a:solidFill>
+                <a:latin typeface="Friz Quadrata Std" panose="020E0602040504020404" pitchFamily="34" charset="0"/>
+                <a:ea typeface="Noto Sans CJK TC DemiLight" panose="020B0400000000000000" pitchFamily="34" charset="-120"/>
+                <a:cs typeface="+mj-cs"/>
+              </a:rPr>
+              <a:t>按鈕</a:t>
+            </a:r>
+            <a:endParaRPr lang="en-US" sz="4900" spc="600" dirty="0">
+              <a:solidFill>
+                <a:srgbClr val="CCDBFD"/>
+              </a:solidFill>
+              <a:latin typeface="Friz Quadrata Std" panose="020E0602040504020404" pitchFamily="34" charset="0"/>
+              <a:ea typeface="Noto Sans CJK TC DemiLight" panose="020B0400000000000000" pitchFamily="34" charset="-120"/>
+              <a:cs typeface="+mj-cs"/>
+            </a:endParaRPr>
+          </a:p>
+        </p:txBody>
+      </p:sp>
+    </p:spTree>
+    <p:extLst>
+      <p:ext uri="{BB962C8B-B14F-4D97-AF65-F5344CB8AC3E}">
+        <p14:creationId xmlns:p14="http://schemas.microsoft.com/office/powerpoint/2010/main" val="2410212832"/>
+      </p:ext>
+    </p:extLst>
+  </p:cSld>
+  <p:clrMapOvr>
+    <a:masterClrMapping/>
+  </p:clrMapOvr>
+</p:sld>
+</file>
+
+<file path=ppt/slides/slide17.xml><?xml version="1.0" encoding="utf-8"?>
+<p:sld xmlns:a="http://schemas.openxmlformats.org/drawingml/2006/main" xmlns:r="http://schemas.openxmlformats.org/officeDocument/2006/relationships" xmlns:p="http://schemas.openxmlformats.org/presentationml/2006/main">
+  <p:cSld>
+    <p:spTree>
+      <p:nvGrpSpPr>
+        <p:cNvPr id="1" name=""/>
+        <p:cNvGrpSpPr/>
+        <p:nvPr/>
+      </p:nvGrpSpPr>
+      <p:grpSpPr>
+        <a:xfrm>
+          <a:off x="0" y="0"/>
+          <a:ext cx="0" cy="0"/>
+          <a:chOff x="0" y="0"/>
+          <a:chExt cx="0" cy="0"/>
+        </a:xfrm>
+      </p:grpSpPr>
       <p:sp>
         <p:nvSpPr>
           <p:cNvPr id="2" name="標題 1">
@@ -6874,8 +7224,8 @@
         </p:nvSpPr>
         <p:spPr>
           <a:xfrm>
-            <a:off x="4934712" y="237744"/>
-            <a:ext cx="2322576" cy="849440"/>
+            <a:off x="2983229" y="705040"/>
+            <a:ext cx="6225540" cy="849440"/>
           </a:xfrm>
         </p:spPr>
         <p:txBody>
@@ -6892,12 +7242,212 @@
                 <a:latin typeface="Friz Quadrata Std" panose="020E0602040504020404" pitchFamily="34" charset="0"/>
                 <a:ea typeface="Noto Sans CJK TC DemiLight" panose="020B0400000000000000" pitchFamily="34" charset="-120"/>
               </a:rPr>
-              <a:t>jQuery</a:t>
+              <a:t>JavaScript </a:t>
+            </a:r>
+            <a:r>
+              <a:rPr lang="zh-TW" altLang="en-US" spc="600" dirty="0">
+                <a:solidFill>
+                  <a:srgbClr val="CCDBFD"/>
+                </a:solidFill>
+                <a:latin typeface="Friz Quadrata Std" panose="020E0602040504020404" pitchFamily="34" charset="0"/>
+                <a:ea typeface="Noto Sans CJK TC DemiLight" panose="020B0400000000000000" pitchFamily="34" charset="-120"/>
+              </a:rPr>
+              <a:t>按鈕控制</a:t>
             </a:r>
             <a:endParaRPr lang="en-US" dirty="0"/>
           </a:p>
         </p:txBody>
       </p:sp>
+      <p:pic>
+        <p:nvPicPr>
+          <p:cNvPr id="5" name="圖片 4">
+            <a:extLst>
+              <a:ext uri="{FF2B5EF4-FFF2-40B4-BE49-F238E27FC236}">
+                <a16:creationId xmlns:a16="http://schemas.microsoft.com/office/drawing/2014/main" id="{DE069CD4-FFC6-40DC-9CD1-13F8C9754102}"/>
+              </a:ext>
+            </a:extLst>
+          </p:cNvPr>
+          <p:cNvPicPr>
+            <a:picLocks noChangeAspect="1"/>
+          </p:cNvPicPr>
+          <p:nvPr/>
+        </p:nvPicPr>
+        <p:blipFill>
+          <a:blip r:embed="rId2">
+            <a:extLst>
+              <a:ext uri="{28A0092B-C50C-407E-A947-70E740481C1C}">
+                <a14:useLocalDpi xmlns:a14="http://schemas.microsoft.com/office/drawing/2010/main" val="0"/>
+              </a:ext>
+            </a:extLst>
+          </a:blip>
+          <a:stretch>
+            <a:fillRect/>
+          </a:stretch>
+        </p:blipFill>
+        <p:spPr>
+          <a:xfrm>
+            <a:off x="3291608" y="3601783"/>
+            <a:ext cx="5608783" cy="2853881"/>
+          </a:xfrm>
+          <a:prstGeom prst="rect">
+            <a:avLst/>
+          </a:prstGeom>
+        </p:spPr>
+      </p:pic>
+      <p:pic>
+        <p:nvPicPr>
+          <p:cNvPr id="9" name="圖片 8">
+            <a:extLst>
+              <a:ext uri="{FF2B5EF4-FFF2-40B4-BE49-F238E27FC236}">
+                <a16:creationId xmlns:a16="http://schemas.microsoft.com/office/drawing/2014/main" id="{7137E4A2-75E5-40EE-97B3-0BEA7044FE74}"/>
+              </a:ext>
+            </a:extLst>
+          </p:cNvPr>
+          <p:cNvPicPr>
+            <a:picLocks noChangeAspect="1"/>
+          </p:cNvPicPr>
+          <p:nvPr/>
+        </p:nvPicPr>
+        <p:blipFill>
+          <a:blip r:embed="rId3">
+            <a:extLst>
+              <a:ext uri="{28A0092B-C50C-407E-A947-70E740481C1C}">
+                <a14:useLocalDpi xmlns:a14="http://schemas.microsoft.com/office/drawing/2010/main" val="0"/>
+              </a:ext>
+            </a:extLst>
+          </a:blip>
+          <a:stretch>
+            <a:fillRect/>
+          </a:stretch>
+        </p:blipFill>
+        <p:spPr>
+          <a:xfrm>
+            <a:off x="4767262" y="2092356"/>
+            <a:ext cx="2657475" cy="971550"/>
+          </a:xfrm>
+          <a:prstGeom prst="rect">
+            <a:avLst/>
+          </a:prstGeom>
+        </p:spPr>
+      </p:pic>
+    </p:spTree>
+    <p:extLst>
+      <p:ext uri="{BB962C8B-B14F-4D97-AF65-F5344CB8AC3E}">
+        <p14:creationId xmlns:p14="http://schemas.microsoft.com/office/powerpoint/2010/main" val="375352388"/>
+      </p:ext>
+    </p:extLst>
+  </p:cSld>
+  <p:clrMapOvr>
+    <a:masterClrMapping/>
+  </p:clrMapOvr>
+</p:sld>
+</file>
+
+<file path=ppt/slides/slide18.xml><?xml version="1.0" encoding="utf-8"?>
+<p:sld xmlns:a="http://schemas.openxmlformats.org/drawingml/2006/main" xmlns:r="http://schemas.openxmlformats.org/officeDocument/2006/relationships" xmlns:p="http://schemas.openxmlformats.org/presentationml/2006/main">
+  <p:cSld>
+    <p:spTree>
+      <p:nvGrpSpPr>
+        <p:cNvPr id="1" name=""/>
+        <p:cNvGrpSpPr/>
+        <p:nvPr/>
+      </p:nvGrpSpPr>
+      <p:grpSpPr>
+        <a:xfrm>
+          <a:off x="0" y="0"/>
+          <a:ext cx="0" cy="0"/>
+          <a:chOff x="0" y="0"/>
+          <a:chExt cx="0" cy="0"/>
+        </a:xfrm>
+      </p:grpSpPr>
+      <p:sp>
+        <p:nvSpPr>
+          <p:cNvPr id="2" name="標題 1">
+            <a:extLst>
+              <a:ext uri="{FF2B5EF4-FFF2-40B4-BE49-F238E27FC236}">
+                <a16:creationId xmlns:a16="http://schemas.microsoft.com/office/drawing/2014/main" id="{C07A42F3-4C16-42CD-9D4D-4685E326CE09}"/>
+              </a:ext>
+            </a:extLst>
+          </p:cNvPr>
+          <p:cNvSpPr>
+            <a:spLocks noGrp="1"/>
+          </p:cNvSpPr>
+          <p:nvPr>
+            <p:ph type="title"/>
+          </p:nvPr>
+        </p:nvSpPr>
+        <p:spPr>
+          <a:xfrm>
+            <a:off x="3703320" y="477773"/>
+            <a:ext cx="4785360" cy="849440"/>
+          </a:xfrm>
+        </p:spPr>
+        <p:txBody>
+          <a:bodyPr>
+            <a:normAutofit fontScale="90000"/>
+          </a:bodyPr>
+          <a:lstStyle/>
+          <a:p>
+            <a:r>
+              <a:rPr lang="en-US" altLang="zh-TW" spc="600" dirty="0">
+                <a:solidFill>
+                  <a:srgbClr val="CCDBFD"/>
+                </a:solidFill>
+                <a:latin typeface="Friz Quadrata Std" panose="020E0602040504020404" pitchFamily="34" charset="0"/>
+                <a:ea typeface="Noto Sans CJK TC DemiLight" panose="020B0400000000000000" pitchFamily="34" charset="-120"/>
+              </a:rPr>
+              <a:t>jQuery </a:t>
+            </a:r>
+            <a:r>
+              <a:rPr lang="zh-TW" altLang="en-US" spc="600" dirty="0">
+                <a:solidFill>
+                  <a:srgbClr val="CCDBFD"/>
+                </a:solidFill>
+                <a:latin typeface="Friz Quadrata Std" panose="020E0602040504020404" pitchFamily="34" charset="0"/>
+                <a:ea typeface="Noto Sans CJK TC DemiLight" panose="020B0400000000000000" pitchFamily="34" charset="-120"/>
+              </a:rPr>
+              <a:t>動畫設定</a:t>
+            </a:r>
+            <a:endParaRPr lang="en-US" dirty="0"/>
+          </a:p>
+        </p:txBody>
+      </p:sp>
+      <p:pic>
+        <p:nvPicPr>
+          <p:cNvPr id="4" name="圖片 3">
+            <a:extLst>
+              <a:ext uri="{FF2B5EF4-FFF2-40B4-BE49-F238E27FC236}">
+                <a16:creationId xmlns:a16="http://schemas.microsoft.com/office/drawing/2014/main" id="{CB42E890-F7B4-4DBE-9244-3AFA7A47563C}"/>
+              </a:ext>
+            </a:extLst>
+          </p:cNvPr>
+          <p:cNvPicPr>
+            <a:picLocks noChangeAspect="1"/>
+          </p:cNvPicPr>
+          <p:nvPr/>
+        </p:nvPicPr>
+        <p:blipFill>
+          <a:blip r:embed="rId2">
+            <a:extLst>
+              <a:ext uri="{28A0092B-C50C-407E-A947-70E740481C1C}">
+                <a14:useLocalDpi xmlns:a14="http://schemas.microsoft.com/office/drawing/2010/main" val="0"/>
+              </a:ext>
+            </a:extLst>
+          </a:blip>
+          <a:stretch>
+            <a:fillRect/>
+          </a:stretch>
+        </p:blipFill>
+        <p:spPr>
+          <a:xfrm>
+            <a:off x="2357437" y="1327213"/>
+            <a:ext cx="7477125" cy="5191125"/>
+          </a:xfrm>
+          <a:prstGeom prst="rect">
+            <a:avLst/>
+          </a:prstGeom>
+        </p:spPr>
+      </p:pic>
     </p:spTree>
     <p:extLst>
       <p:ext uri="{BB962C8B-B14F-4D97-AF65-F5344CB8AC3E}">
@@ -6911,7 +7461,7 @@
 </p:sld>
 </file>
 
-<file path=ppt/slides/slide17.xml><?xml version="1.0" encoding="utf-8"?>
+<file path=ppt/slides/slide19.xml><?xml version="1.0" encoding="utf-8"?>
 <p:sld xmlns:a="http://schemas.openxmlformats.org/drawingml/2006/main" xmlns:r="http://schemas.openxmlformats.org/officeDocument/2006/relationships" xmlns:p="http://schemas.openxmlformats.org/presentationml/2006/main">
   <p:cSld>
     <p:spTree>
@@ -9425,4 +9975,47 @@
     </a:ext>
   </a:extLst>
 </a:theme>
+</file>
+
+<file path=ppt/theme/themeOverride1.xml><?xml version="1.0" encoding="utf-8"?>
+<a:themeOverride xmlns:a="http://schemas.openxmlformats.org/drawingml/2006/main">
+  <a:clrScheme name="Office">
+    <a:dk1>
+      <a:sysClr val="windowText" lastClr="000000"/>
+    </a:dk1>
+    <a:lt1>
+      <a:sysClr val="window" lastClr="FFFFFF"/>
+    </a:lt1>
+    <a:dk2>
+      <a:srgbClr val="44546A"/>
+    </a:dk2>
+    <a:lt2>
+      <a:srgbClr val="E7E6E6"/>
+    </a:lt2>
+    <a:accent1>
+      <a:srgbClr val="4472C4"/>
+    </a:accent1>
+    <a:accent2>
+      <a:srgbClr val="ED7D31"/>
+    </a:accent2>
+    <a:accent3>
+      <a:srgbClr val="A5A5A5"/>
+    </a:accent3>
+    <a:accent4>
+      <a:srgbClr val="FFC000"/>
+    </a:accent4>
+    <a:accent5>
+      <a:srgbClr val="5B9BD5"/>
+    </a:accent5>
+    <a:accent6>
+      <a:srgbClr val="70AD47"/>
+    </a:accent6>
+    <a:hlink>
+      <a:srgbClr val="0563C1"/>
+    </a:hlink>
+    <a:folHlink>
+      <a:srgbClr val="954F72"/>
+    </a:folHlink>
+  </a:clrScheme>
+</a:themeOverride>
 </file>
--- a/企劃書.pptx
+++ b/企劃書.pptx
@@ -290,7 +290,7 @@
           <a:p>
             <a:fld id="{ADD6D8B8-B9C7-4849-B8B6-BD6FA2DDAF93}" type="datetimeFigureOut">
               <a:rPr lang="en-US" smtClean="0"/>
-              <a:t>29-Apr-20</a:t>
+              <a:t>4/30/2020</a:t>
             </a:fld>
             <a:endParaRPr lang="en-US"/>
           </a:p>
@@ -490,7 +490,7 @@
           <a:p>
             <a:fld id="{ADD6D8B8-B9C7-4849-B8B6-BD6FA2DDAF93}" type="datetimeFigureOut">
               <a:rPr lang="en-US" smtClean="0"/>
-              <a:t>29-Apr-20</a:t>
+              <a:t>4/30/2020</a:t>
             </a:fld>
             <a:endParaRPr lang="en-US"/>
           </a:p>
@@ -700,7 +700,7 @@
           <a:p>
             <a:fld id="{ADD6D8B8-B9C7-4849-B8B6-BD6FA2DDAF93}" type="datetimeFigureOut">
               <a:rPr lang="en-US" smtClean="0"/>
-              <a:t>29-Apr-20</a:t>
+              <a:t>4/30/2020</a:t>
             </a:fld>
             <a:endParaRPr lang="en-US"/>
           </a:p>
@@ -900,7 +900,7 @@
           <a:p>
             <a:fld id="{ADD6D8B8-B9C7-4849-B8B6-BD6FA2DDAF93}" type="datetimeFigureOut">
               <a:rPr lang="en-US" smtClean="0"/>
-              <a:t>29-Apr-20</a:t>
+              <a:t>4/30/2020</a:t>
             </a:fld>
             <a:endParaRPr lang="en-US"/>
           </a:p>
@@ -1176,7 +1176,7 @@
           <a:p>
             <a:fld id="{ADD6D8B8-B9C7-4849-B8B6-BD6FA2DDAF93}" type="datetimeFigureOut">
               <a:rPr lang="en-US" smtClean="0"/>
-              <a:t>29-Apr-20</a:t>
+              <a:t>4/30/2020</a:t>
             </a:fld>
             <a:endParaRPr lang="en-US"/>
           </a:p>
@@ -1444,7 +1444,7 @@
           <a:p>
             <a:fld id="{ADD6D8B8-B9C7-4849-B8B6-BD6FA2DDAF93}" type="datetimeFigureOut">
               <a:rPr lang="en-US" smtClean="0"/>
-              <a:t>29-Apr-20</a:t>
+              <a:t>4/30/2020</a:t>
             </a:fld>
             <a:endParaRPr lang="en-US"/>
           </a:p>
@@ -1859,7 +1859,7 @@
           <a:p>
             <a:fld id="{ADD6D8B8-B9C7-4849-B8B6-BD6FA2DDAF93}" type="datetimeFigureOut">
               <a:rPr lang="en-US" smtClean="0"/>
-              <a:t>29-Apr-20</a:t>
+              <a:t>4/30/2020</a:t>
             </a:fld>
             <a:endParaRPr lang="en-US"/>
           </a:p>
@@ -2001,7 +2001,7 @@
           <a:p>
             <a:fld id="{ADD6D8B8-B9C7-4849-B8B6-BD6FA2DDAF93}" type="datetimeFigureOut">
               <a:rPr lang="en-US" smtClean="0"/>
-              <a:t>29-Apr-20</a:t>
+              <a:t>4/30/2020</a:t>
             </a:fld>
             <a:endParaRPr lang="en-US"/>
           </a:p>
@@ -2114,7 +2114,7 @@
           <a:p>
             <a:fld id="{ADD6D8B8-B9C7-4849-B8B6-BD6FA2DDAF93}" type="datetimeFigureOut">
               <a:rPr lang="en-US" smtClean="0"/>
-              <a:t>29-Apr-20</a:t>
+              <a:t>4/30/2020</a:t>
             </a:fld>
             <a:endParaRPr lang="en-US"/>
           </a:p>
@@ -2427,7 +2427,7 @@
           <a:p>
             <a:fld id="{ADD6D8B8-B9C7-4849-B8B6-BD6FA2DDAF93}" type="datetimeFigureOut">
               <a:rPr lang="en-US" smtClean="0"/>
-              <a:t>29-Apr-20</a:t>
+              <a:t>4/30/2020</a:t>
             </a:fld>
             <a:endParaRPr lang="en-US"/>
           </a:p>
@@ -2716,7 +2716,7 @@
           <a:p>
             <a:fld id="{ADD6D8B8-B9C7-4849-B8B6-BD6FA2DDAF93}" type="datetimeFigureOut">
               <a:rPr lang="en-US" smtClean="0"/>
-              <a:t>29-Apr-20</a:t>
+              <a:t>4/30/2020</a:t>
             </a:fld>
             <a:endParaRPr lang="en-US"/>
           </a:p>
@@ -2962,7 +2962,7 @@
           <a:p>
             <a:fld id="{ADD6D8B8-B9C7-4849-B8B6-BD6FA2DDAF93}" type="datetimeFigureOut">
               <a:rPr lang="en-US" smtClean="0"/>
-              <a:t>29-Apr-20</a:t>
+              <a:t>4/30/2020</a:t>
             </a:fld>
             <a:endParaRPr lang="en-US"/>
           </a:p>
@@ -3974,6 +3974,277 @@
   <p:clrMapOvr>
     <a:masterClrMapping/>
   </p:clrMapOvr>
+  <p:transition spd="slow">
+    <p:push dir="u"/>
+  </p:transition>
+  <p:timing>
+    <p:tnLst>
+      <p:par>
+        <p:cTn id="1" dur="indefinite" restart="never" nodeType="tmRoot">
+          <p:childTnLst>
+            <p:seq concurrent="1" nextAc="seek">
+              <p:cTn id="2" dur="indefinite" nodeType="mainSeq">
+                <p:childTnLst>
+                  <p:par>
+                    <p:cTn id="3" fill="hold">
+                      <p:stCondLst>
+                        <p:cond delay="indefinite"/>
+                        <p:cond evt="onBegin" delay="0">
+                          <p:tn val="2"/>
+                        </p:cond>
+                      </p:stCondLst>
+                      <p:childTnLst>
+                        <p:par>
+                          <p:cTn id="4" fill="hold">
+                            <p:stCondLst>
+                              <p:cond delay="0"/>
+                            </p:stCondLst>
+                            <p:childTnLst>
+                              <p:par>
+                                <p:cTn id="5" presetID="10" presetClass="entr" presetSubtype="0" fill="hold" nodeType="withEffect">
+                                  <p:stCondLst>
+                                    <p:cond delay="0"/>
+                                  </p:stCondLst>
+                                  <p:childTnLst>
+                                    <p:set>
+                                      <p:cBhvr>
+                                        <p:cTn id="6" dur="1" fill="hold">
+                                          <p:stCondLst>
+                                            <p:cond delay="0"/>
+                                          </p:stCondLst>
+                                        </p:cTn>
+                                        <p:tgtEl>
+                                          <p:spTgt spid="10"/>
+                                        </p:tgtEl>
+                                        <p:attrNameLst>
+                                          <p:attrName>style.visibility</p:attrName>
+                                        </p:attrNameLst>
+                                      </p:cBhvr>
+                                      <p:to>
+                                        <p:strVal val="visible"/>
+                                      </p:to>
+                                    </p:set>
+                                    <p:animEffect transition="in" filter="fade">
+                                      <p:cBhvr>
+                                        <p:cTn id="7" dur="500"/>
+                                        <p:tgtEl>
+                                          <p:spTgt spid="10"/>
+                                        </p:tgtEl>
+                                      </p:cBhvr>
+                                    </p:animEffect>
+                                  </p:childTnLst>
+                                </p:cTn>
+                              </p:par>
+                            </p:childTnLst>
+                          </p:cTn>
+                        </p:par>
+                        <p:par>
+                          <p:cTn id="8" fill="hold">
+                            <p:stCondLst>
+                              <p:cond delay="500"/>
+                            </p:stCondLst>
+                            <p:childTnLst>
+                              <p:par>
+                                <p:cTn id="9" presetID="10" presetClass="entr" presetSubtype="0" fill="hold" grpId="0" nodeType="afterEffect">
+                                  <p:stCondLst>
+                                    <p:cond delay="0"/>
+                                  </p:stCondLst>
+                                  <p:childTnLst>
+                                    <p:set>
+                                      <p:cBhvr>
+                                        <p:cTn id="10" dur="1" fill="hold">
+                                          <p:stCondLst>
+                                            <p:cond delay="0"/>
+                                          </p:stCondLst>
+                                        </p:cTn>
+                                        <p:tgtEl>
+                                          <p:spTgt spid="2"/>
+                                        </p:tgtEl>
+                                        <p:attrNameLst>
+                                          <p:attrName>style.visibility</p:attrName>
+                                        </p:attrNameLst>
+                                      </p:cBhvr>
+                                      <p:to>
+                                        <p:strVal val="visible"/>
+                                      </p:to>
+                                    </p:set>
+                                    <p:animEffect transition="in" filter="fade">
+                                      <p:cBhvr>
+                                        <p:cTn id="11" dur="500"/>
+                                        <p:tgtEl>
+                                          <p:spTgt spid="2"/>
+                                        </p:tgtEl>
+                                      </p:cBhvr>
+                                    </p:animEffect>
+                                  </p:childTnLst>
+                                </p:cTn>
+                              </p:par>
+                            </p:childTnLst>
+                          </p:cTn>
+                        </p:par>
+                        <p:par>
+                          <p:cTn id="12" fill="hold">
+                            <p:stCondLst>
+                              <p:cond delay="1000"/>
+                            </p:stCondLst>
+                            <p:childTnLst>
+                              <p:par>
+                                <p:cTn id="13" presetID="10" presetClass="entr" presetSubtype="0" fill="hold" grpId="0" nodeType="afterEffect">
+                                  <p:stCondLst>
+                                    <p:cond delay="0"/>
+                                  </p:stCondLst>
+                                  <p:childTnLst>
+                                    <p:set>
+                                      <p:cBhvr>
+                                        <p:cTn id="14" dur="1" fill="hold">
+                                          <p:stCondLst>
+                                            <p:cond delay="0"/>
+                                          </p:stCondLst>
+                                        </p:cTn>
+                                        <p:tgtEl>
+                                          <p:spTgt spid="3"/>
+                                        </p:tgtEl>
+                                        <p:attrNameLst>
+                                          <p:attrName>style.visibility</p:attrName>
+                                        </p:attrNameLst>
+                                      </p:cBhvr>
+                                      <p:to>
+                                        <p:strVal val="visible"/>
+                                      </p:to>
+                                    </p:set>
+                                    <p:animEffect transition="in" filter="fade">
+                                      <p:cBhvr>
+                                        <p:cTn id="15" dur="500"/>
+                                        <p:tgtEl>
+                                          <p:spTgt spid="3"/>
+                                        </p:tgtEl>
+                                      </p:cBhvr>
+                                    </p:animEffect>
+                                  </p:childTnLst>
+                                </p:cTn>
+                              </p:par>
+                            </p:childTnLst>
+                          </p:cTn>
+                        </p:par>
+                        <p:par>
+                          <p:cTn id="16" fill="hold">
+                            <p:stCondLst>
+                              <p:cond delay="1500"/>
+                            </p:stCondLst>
+                            <p:childTnLst>
+                              <p:par>
+                                <p:cTn id="17" presetID="10" presetClass="entr" presetSubtype="0" fill="hold" grpId="0" nodeType="afterEffect">
+                                  <p:stCondLst>
+                                    <p:cond delay="0"/>
+                                  </p:stCondLst>
+                                  <p:childTnLst>
+                                    <p:set>
+                                      <p:cBhvr>
+                                        <p:cTn id="18" dur="1" fill="hold">
+                                          <p:stCondLst>
+                                            <p:cond delay="0"/>
+                                          </p:stCondLst>
+                                        </p:cTn>
+                                        <p:tgtEl>
+                                          <p:spTgt spid="6"/>
+                                        </p:tgtEl>
+                                        <p:attrNameLst>
+                                          <p:attrName>style.visibility</p:attrName>
+                                        </p:attrNameLst>
+                                      </p:cBhvr>
+                                      <p:to>
+                                        <p:strVal val="visible"/>
+                                      </p:to>
+                                    </p:set>
+                                    <p:animEffect transition="in" filter="fade">
+                                      <p:cBhvr>
+                                        <p:cTn id="19" dur="500"/>
+                                        <p:tgtEl>
+                                          <p:spTgt spid="6"/>
+                                        </p:tgtEl>
+                                      </p:cBhvr>
+                                    </p:animEffect>
+                                  </p:childTnLst>
+                                </p:cTn>
+                              </p:par>
+                            </p:childTnLst>
+                          </p:cTn>
+                        </p:par>
+                        <p:par>
+                          <p:cTn id="20" fill="hold">
+                            <p:stCondLst>
+                              <p:cond delay="2000"/>
+                            </p:stCondLst>
+                            <p:childTnLst>
+                              <p:par>
+                                <p:cTn id="21" presetID="10" presetClass="entr" presetSubtype="0" fill="hold" grpId="0" nodeType="afterEffect">
+                                  <p:stCondLst>
+                                    <p:cond delay="0"/>
+                                  </p:stCondLst>
+                                  <p:childTnLst>
+                                    <p:set>
+                                      <p:cBhvr>
+                                        <p:cTn id="22" dur="1" fill="hold">
+                                          <p:stCondLst>
+                                            <p:cond delay="0"/>
+                                          </p:stCondLst>
+                                        </p:cTn>
+                                        <p:tgtEl>
+                                          <p:spTgt spid="7"/>
+                                        </p:tgtEl>
+                                        <p:attrNameLst>
+                                          <p:attrName>style.visibility</p:attrName>
+                                        </p:attrNameLst>
+                                      </p:cBhvr>
+                                      <p:to>
+                                        <p:strVal val="visible"/>
+                                      </p:to>
+                                    </p:set>
+                                    <p:animEffect transition="in" filter="fade">
+                                      <p:cBhvr>
+                                        <p:cTn id="23" dur="500"/>
+                                        <p:tgtEl>
+                                          <p:spTgt spid="7"/>
+                                        </p:tgtEl>
+                                      </p:cBhvr>
+                                    </p:animEffect>
+                                  </p:childTnLst>
+                                </p:cTn>
+                              </p:par>
+                            </p:childTnLst>
+                          </p:cTn>
+                        </p:par>
+                      </p:childTnLst>
+                    </p:cTn>
+                  </p:par>
+                </p:childTnLst>
+              </p:cTn>
+              <p:prevCondLst>
+                <p:cond evt="onPrev" delay="0">
+                  <p:tgtEl>
+                    <p:sldTgt/>
+                  </p:tgtEl>
+                </p:cond>
+              </p:prevCondLst>
+              <p:nextCondLst>
+                <p:cond evt="onNext" delay="0">
+                  <p:tgtEl>
+                    <p:sldTgt/>
+                  </p:tgtEl>
+                </p:cond>
+              </p:nextCondLst>
+            </p:seq>
+          </p:childTnLst>
+        </p:cTn>
+      </p:par>
+    </p:tnLst>
+    <p:bldLst>
+      <p:bldP spid="2" grpId="0"/>
+      <p:bldP spid="3" grpId="0"/>
+      <p:bldP spid="6" grpId="0"/>
+      <p:bldP spid="7" grpId="0"/>
+    </p:bldLst>
+  </p:timing>
 </p:sld>
 </file>
 
@@ -4216,7 +4487,7 @@
         </p:nvSpPr>
         <p:spPr>
           <a:xfrm>
-            <a:off x="3840481" y="91440"/>
+            <a:off x="3840479" y="0"/>
             <a:ext cx="7769446" cy="978407"/>
           </a:xfrm>
           <a:prstGeom prst="rect">
@@ -5200,6 +5471,9 @@
   <p:clrMapOvr>
     <a:masterClrMapping/>
   </p:clrMapOvr>
+  <p:transition spd="slow">
+    <p:push dir="u"/>
+  </p:transition>
 </p:sld>
 </file>
 
@@ -5255,7 +5529,7 @@
         </p:blipFill>
         <p:spPr>
           <a:xfrm>
-            <a:off x="84791" y="100584"/>
+            <a:off x="1168631" y="274320"/>
             <a:ext cx="9854737" cy="4812392"/>
           </a:xfrm>
           <a:prstGeom prst="rect">
@@ -5383,6 +5657,142 @@
   <p:clrMapOvr>
     <a:overrideClrMapping bg1="lt1" tx1="dk1" bg2="lt2" tx2="dk2" accent1="accent1" accent2="accent2" accent3="accent3" accent4="accent4" accent5="accent5" accent6="accent6" hlink="hlink" folHlink="folHlink"/>
   </p:clrMapOvr>
+  <p:transition spd="slow">
+    <p:push dir="u"/>
+  </p:transition>
+  <p:timing>
+    <p:tnLst>
+      <p:par>
+        <p:cTn id="1" dur="indefinite" restart="never" nodeType="tmRoot">
+          <p:childTnLst>
+            <p:seq concurrent="1" nextAc="seek">
+              <p:cTn id="2" dur="indefinite" nodeType="mainSeq">
+                <p:childTnLst>
+                  <p:par>
+                    <p:cTn id="3" fill="hold">
+                      <p:stCondLst>
+                        <p:cond delay="indefinite"/>
+                        <p:cond evt="onBegin" delay="0">
+                          <p:tn val="2"/>
+                        </p:cond>
+                      </p:stCondLst>
+                      <p:childTnLst>
+                        <p:par>
+                          <p:cTn id="4" fill="hold">
+                            <p:stCondLst>
+                              <p:cond delay="0"/>
+                            </p:stCondLst>
+                            <p:childTnLst>
+                              <p:par>
+                                <p:cTn id="5" presetID="10" presetClass="entr" presetSubtype="0" fill="hold" nodeType="afterEffect">
+                                  <p:stCondLst>
+                                    <p:cond delay="0"/>
+                                  </p:stCondLst>
+                                  <p:childTnLst>
+                                    <p:set>
+                                      <p:cBhvr>
+                                        <p:cTn id="6" dur="1" fill="hold">
+                                          <p:stCondLst>
+                                            <p:cond delay="0"/>
+                                          </p:stCondLst>
+                                        </p:cTn>
+                                        <p:tgtEl>
+                                          <p:spTgt spid="5"/>
+                                        </p:tgtEl>
+                                        <p:attrNameLst>
+                                          <p:attrName>style.visibility</p:attrName>
+                                        </p:attrNameLst>
+                                      </p:cBhvr>
+                                      <p:to>
+                                        <p:strVal val="visible"/>
+                                      </p:to>
+                                    </p:set>
+                                    <p:animEffect transition="in" filter="fade">
+                                      <p:cBhvr>
+                                        <p:cTn id="7" dur="500"/>
+                                        <p:tgtEl>
+                                          <p:spTgt spid="5"/>
+                                        </p:tgtEl>
+                                      </p:cBhvr>
+                                    </p:animEffect>
+                                  </p:childTnLst>
+                                </p:cTn>
+                              </p:par>
+                            </p:childTnLst>
+                          </p:cTn>
+                        </p:par>
+                        <p:par>
+                          <p:cTn id="8" fill="hold">
+                            <p:stCondLst>
+                              <p:cond delay="500"/>
+                            </p:stCondLst>
+                            <p:childTnLst>
+                              <p:par>
+                                <p:cTn id="9" presetID="10" presetClass="entr" presetSubtype="0" fill="hold" grpId="0" nodeType="afterEffect">
+                                  <p:stCondLst>
+                                    <p:cond delay="0"/>
+                                  </p:stCondLst>
+                                  <p:childTnLst>
+                                    <p:set>
+                                      <p:cBhvr>
+                                        <p:cTn id="10" dur="1" fill="hold">
+                                          <p:stCondLst>
+                                            <p:cond delay="0"/>
+                                          </p:stCondLst>
+                                        </p:cTn>
+                                        <p:tgtEl>
+                                          <p:spTgt spid="8"/>
+                                        </p:tgtEl>
+                                        <p:attrNameLst>
+                                          <p:attrName>style.visibility</p:attrName>
+                                        </p:attrNameLst>
+                                      </p:cBhvr>
+                                      <p:to>
+                                        <p:strVal val="visible"/>
+                                      </p:to>
+                                    </p:set>
+                                    <p:animEffect transition="in" filter="fade">
+                                      <p:cBhvr>
+                                        <p:cTn id="11" dur="500"/>
+                                        <p:tgtEl>
+                                          <p:spTgt spid="8"/>
+                                        </p:tgtEl>
+                                      </p:cBhvr>
+                                    </p:animEffect>
+                                  </p:childTnLst>
+                                </p:cTn>
+                              </p:par>
+                            </p:childTnLst>
+                          </p:cTn>
+                        </p:par>
+                      </p:childTnLst>
+                    </p:cTn>
+                  </p:par>
+                </p:childTnLst>
+              </p:cTn>
+              <p:prevCondLst>
+                <p:cond evt="onPrev" delay="0">
+                  <p:tgtEl>
+                    <p:sldTgt/>
+                  </p:tgtEl>
+                </p:cond>
+              </p:prevCondLst>
+              <p:nextCondLst>
+                <p:cond evt="onNext" delay="0">
+                  <p:tgtEl>
+                    <p:sldTgt/>
+                  </p:tgtEl>
+                </p:cond>
+              </p:nextCondLst>
+            </p:seq>
+          </p:childTnLst>
+        </p:cTn>
+      </p:par>
+    </p:tnLst>
+    <p:bldLst>
+      <p:bldP spid="8" grpId="0"/>
+    </p:bldLst>
+  </p:timing>
 </p:sld>
 </file>
 
@@ -6656,6 +7066,9 @@
   <p:clrMapOvr>
     <a:masterClrMapping/>
   </p:clrMapOvr>
+  <p:transition spd="slow">
+    <p:push dir="u"/>
+  </p:transition>
 </p:sld>
 </file>
 
@@ -6735,6 +7148,9 @@
   <p:clrMapOvr>
     <a:masterClrMapping/>
   </p:clrMapOvr>
+  <p:transition spd="slow">
+    <p:push dir="u"/>
+  </p:transition>
 </p:sld>
 </file>
 
@@ -6863,6 +7279,9 @@
   <p:clrMapOvr>
     <a:masterClrMapping/>
   </p:clrMapOvr>
+  <p:transition spd="slow">
+    <p:push dir="u"/>
+  </p:transition>
 </p:sld>
 </file>
 
@@ -7024,6 +7443,9 @@
   <p:clrMapOvr>
     <a:masterClrMapping/>
   </p:clrMapOvr>
+  <p:transition spd="slow">
+    <p:push dir="u"/>
+  </p:transition>
 </p:sld>
 </file>
 
@@ -7186,6 +7608,9 @@
   <p:clrMapOvr>
     <a:masterClrMapping/>
   </p:clrMapOvr>
+  <p:transition spd="slow">
+    <p:push dir="u"/>
+  </p:transition>
 </p:sld>
 </file>
 
@@ -7340,6 +7765,9 @@
   <p:clrMapOvr>
     <a:masterClrMapping/>
   </p:clrMapOvr>
+  <p:transition spd="slow">
+    <p:push dir="u"/>
+  </p:transition>
 </p:sld>
 </file>
 
@@ -7458,6 +7886,9 @@
   <p:clrMapOvr>
     <a:masterClrMapping/>
   </p:clrMapOvr>
+  <p:transition spd="slow">
+    <p:push dir="u"/>
+  </p:transition>
 </p:sld>
 </file>
 
@@ -7529,6 +7960,9 @@
   <p:clrMapOvr>
     <a:masterClrMapping/>
   </p:clrMapOvr>
+  <p:transition spd="slow">
+    <p:push dir="u"/>
+  </p:transition>
 </p:sld>
 </file>
 
@@ -7608,6 +8042,172 @@
   <p:clrMapOvr>
     <a:masterClrMapping/>
   </p:clrMapOvr>
+  <p:transition spd="slow">
+    <p:push dir="u"/>
+  </p:transition>
+  <p:timing>
+    <p:tnLst>
+      <p:par>
+        <p:cTn id="1" dur="indefinite" restart="never" nodeType="tmRoot">
+          <p:childTnLst>
+            <p:seq concurrent="1" nextAc="seek">
+              <p:cTn id="2" dur="indefinite" nodeType="mainSeq">
+                <p:childTnLst>
+                  <p:par>
+                    <p:cTn id="3" fill="hold">
+                      <p:stCondLst>
+                        <p:cond delay="indefinite"/>
+                        <p:cond evt="onBegin" delay="0">
+                          <p:tn val="2"/>
+                        </p:cond>
+                      </p:stCondLst>
+                      <p:childTnLst>
+                        <p:par>
+                          <p:cTn id="4" fill="hold">
+                            <p:stCondLst>
+                              <p:cond delay="0"/>
+                            </p:stCondLst>
+                            <p:childTnLst>
+                              <p:par>
+                                <p:cTn id="5" presetID="2" presetClass="entr" presetSubtype="4" fill="hold" grpId="0" nodeType="withEffect">
+                                  <p:stCondLst>
+                                    <p:cond delay="0"/>
+                                  </p:stCondLst>
+                                  <p:childTnLst>
+                                    <p:set>
+                                      <p:cBhvr>
+                                        <p:cTn id="6" dur="1" fill="hold">
+                                          <p:stCondLst>
+                                            <p:cond delay="0"/>
+                                          </p:stCondLst>
+                                        </p:cTn>
+                                        <p:tgtEl>
+                                          <p:spTgt spid="2"/>
+                                        </p:tgtEl>
+                                        <p:attrNameLst>
+                                          <p:attrName>style.visibility</p:attrName>
+                                        </p:attrNameLst>
+                                      </p:cBhvr>
+                                      <p:to>
+                                        <p:strVal val="visible"/>
+                                      </p:to>
+                                    </p:set>
+                                    <p:anim calcmode="lin" valueType="num">
+                                      <p:cBhvr additive="base">
+                                        <p:cTn id="7" dur="500" fill="hold"/>
+                                        <p:tgtEl>
+                                          <p:spTgt spid="2"/>
+                                        </p:tgtEl>
+                                        <p:attrNameLst>
+                                          <p:attrName>ppt_x</p:attrName>
+                                        </p:attrNameLst>
+                                      </p:cBhvr>
+                                      <p:tavLst>
+                                        <p:tav tm="0">
+                                          <p:val>
+                                            <p:strVal val="#ppt_x"/>
+                                          </p:val>
+                                        </p:tav>
+                                        <p:tav tm="100000">
+                                          <p:val>
+                                            <p:strVal val="#ppt_x"/>
+                                          </p:val>
+                                        </p:tav>
+                                      </p:tavLst>
+                                    </p:anim>
+                                    <p:anim calcmode="lin" valueType="num">
+                                      <p:cBhvr additive="base">
+                                        <p:cTn id="8" dur="500" fill="hold"/>
+                                        <p:tgtEl>
+                                          <p:spTgt spid="2"/>
+                                        </p:tgtEl>
+                                        <p:attrNameLst>
+                                          <p:attrName>ppt_y</p:attrName>
+                                        </p:attrNameLst>
+                                      </p:cBhvr>
+                                      <p:tavLst>
+                                        <p:tav tm="0">
+                                          <p:val>
+                                            <p:strVal val="1+#ppt_h/2"/>
+                                          </p:val>
+                                        </p:tav>
+                                        <p:tav tm="100000">
+                                          <p:val>
+                                            <p:strVal val="#ppt_y"/>
+                                          </p:val>
+                                        </p:tav>
+                                      </p:tavLst>
+                                    </p:anim>
+                                  </p:childTnLst>
+                                </p:cTn>
+                              </p:par>
+                              <p:par>
+                                <p:cTn id="9" presetID="10" presetClass="entr" presetSubtype="0" fill="hold" grpId="1" nodeType="withEffect">
+                                  <p:stCondLst>
+                                    <p:cond delay="0"/>
+                                  </p:stCondLst>
+                                  <p:childTnLst>
+                                    <p:set>
+                                      <p:cBhvr>
+                                        <p:cTn id="10" dur="1" fill="hold">
+                                          <p:stCondLst>
+                                            <p:cond delay="0"/>
+                                          </p:stCondLst>
+                                        </p:cTn>
+                                        <p:tgtEl>
+                                          <p:spTgt spid="2"/>
+                                        </p:tgtEl>
+                                        <p:attrNameLst>
+                                          <p:attrName>style.visibility</p:attrName>
+                                        </p:attrNameLst>
+                                      </p:cBhvr>
+                                      <p:to>
+                                        <p:strVal val="visible"/>
+                                      </p:to>
+                                    </p:set>
+                                    <p:animEffect transition="in" filter="fade">
+                                      <p:cBhvr>
+                                        <p:cTn id="11" dur="500"/>
+                                        <p:tgtEl>
+                                          <p:spTgt spid="2"/>
+                                        </p:tgtEl>
+                                      </p:cBhvr>
+                                    </p:animEffect>
+                                  </p:childTnLst>
+                                </p:cTn>
+                              </p:par>
+                            </p:childTnLst>
+                          </p:cTn>
+                        </p:par>
+                      </p:childTnLst>
+                    </p:cTn>
+                  </p:par>
+                </p:childTnLst>
+              </p:cTn>
+              <p:prevCondLst>
+                <p:cond evt="onPrev" delay="0">
+                  <p:tgtEl>
+                    <p:sldTgt/>
+                  </p:tgtEl>
+                </p:cond>
+              </p:prevCondLst>
+              <p:nextCondLst>
+                <p:cond evt="onNext" delay="0">
+                  <p:tgtEl>
+                    <p:sldTgt/>
+                  </p:tgtEl>
+                </p:cond>
+              </p:nextCondLst>
+            </p:seq>
+          </p:childTnLst>
+        </p:cTn>
+      </p:par>
+    </p:tnLst>
+    <p:bldLst>
+      <p:bldP spid="2" grpId="0"/>
+      <p:bldP spid="2" grpId="1"/>
+    </p:bldLst>
+  </p:timing>
 </p:sld>
 </file>
 
@@ -7794,6 +8394,9 @@
   <p:clrMapOvr>
     <a:masterClrMapping/>
   </p:clrMapOvr>
+  <p:transition spd="slow">
+    <p:push dir="u"/>
+  </p:transition>
 </p:sld>
 </file>
 
@@ -8205,6 +8808,394 @@
   <p:clrMapOvr>
     <a:masterClrMapping/>
   </p:clrMapOvr>
+  <p:transition spd="slow">
+    <p:push dir="u"/>
+  </p:transition>
+  <p:timing>
+    <p:tnLst>
+      <p:par>
+        <p:cTn id="1" dur="indefinite" restart="never" nodeType="tmRoot">
+          <p:childTnLst>
+            <p:seq concurrent="1" nextAc="seek">
+              <p:cTn id="2" dur="indefinite" nodeType="mainSeq">
+                <p:childTnLst>
+                  <p:par>
+                    <p:cTn id="3" fill="hold">
+                      <p:stCondLst>
+                        <p:cond delay="indefinite"/>
+                        <p:cond evt="onBegin" delay="0">
+                          <p:tn val="2"/>
+                        </p:cond>
+                      </p:stCondLst>
+                      <p:childTnLst>
+                        <p:par>
+                          <p:cTn id="4" fill="hold">
+                            <p:stCondLst>
+                              <p:cond delay="0"/>
+                            </p:stCondLst>
+                            <p:childTnLst>
+                              <p:par>
+                                <p:cTn id="5" presetID="2" presetClass="entr" presetSubtype="8" fill="hold" grpId="0" nodeType="afterEffect">
+                                  <p:stCondLst>
+                                    <p:cond delay="0"/>
+                                  </p:stCondLst>
+                                  <p:childTnLst>
+                                    <p:set>
+                                      <p:cBhvr>
+                                        <p:cTn id="6" dur="1" fill="hold">
+                                          <p:stCondLst>
+                                            <p:cond delay="0"/>
+                                          </p:stCondLst>
+                                        </p:cTn>
+                                        <p:tgtEl>
+                                          <p:spTgt spid="8"/>
+                                        </p:tgtEl>
+                                        <p:attrNameLst>
+                                          <p:attrName>style.visibility</p:attrName>
+                                        </p:attrNameLst>
+                                      </p:cBhvr>
+                                      <p:to>
+                                        <p:strVal val="visible"/>
+                                      </p:to>
+                                    </p:set>
+                                    <p:anim calcmode="lin" valueType="num">
+                                      <p:cBhvr additive="base">
+                                        <p:cTn id="7" dur="500" fill="hold"/>
+                                        <p:tgtEl>
+                                          <p:spTgt spid="8"/>
+                                        </p:tgtEl>
+                                        <p:attrNameLst>
+                                          <p:attrName>ppt_x</p:attrName>
+                                        </p:attrNameLst>
+                                      </p:cBhvr>
+                                      <p:tavLst>
+                                        <p:tav tm="0">
+                                          <p:val>
+                                            <p:strVal val="0-#ppt_w/2"/>
+                                          </p:val>
+                                        </p:tav>
+                                        <p:tav tm="100000">
+                                          <p:val>
+                                            <p:strVal val="#ppt_x"/>
+                                          </p:val>
+                                        </p:tav>
+                                      </p:tavLst>
+                                    </p:anim>
+                                    <p:anim calcmode="lin" valueType="num">
+                                      <p:cBhvr additive="base">
+                                        <p:cTn id="8" dur="500" fill="hold"/>
+                                        <p:tgtEl>
+                                          <p:spTgt spid="8"/>
+                                        </p:tgtEl>
+                                        <p:attrNameLst>
+                                          <p:attrName>ppt_y</p:attrName>
+                                        </p:attrNameLst>
+                                      </p:cBhvr>
+                                      <p:tavLst>
+                                        <p:tav tm="0">
+                                          <p:val>
+                                            <p:strVal val="#ppt_y"/>
+                                          </p:val>
+                                        </p:tav>
+                                        <p:tav tm="100000">
+                                          <p:val>
+                                            <p:strVal val="#ppt_y"/>
+                                          </p:val>
+                                        </p:tav>
+                                      </p:tavLst>
+                                    </p:anim>
+                                  </p:childTnLst>
+                                </p:cTn>
+                              </p:par>
+                            </p:childTnLst>
+                          </p:cTn>
+                        </p:par>
+                        <p:par>
+                          <p:cTn id="9" fill="hold">
+                            <p:stCondLst>
+                              <p:cond delay="500"/>
+                            </p:stCondLst>
+                            <p:childTnLst>
+                              <p:par>
+                                <p:cTn id="10" presetID="2" presetClass="entr" presetSubtype="8" fill="hold" grpId="0" nodeType="afterEffect">
+                                  <p:stCondLst>
+                                    <p:cond delay="0"/>
+                                  </p:stCondLst>
+                                  <p:childTnLst>
+                                    <p:set>
+                                      <p:cBhvr>
+                                        <p:cTn id="11" dur="1" fill="hold">
+                                          <p:stCondLst>
+                                            <p:cond delay="0"/>
+                                          </p:stCondLst>
+                                        </p:cTn>
+                                        <p:tgtEl>
+                                          <p:spTgt spid="10"/>
+                                        </p:tgtEl>
+                                        <p:attrNameLst>
+                                          <p:attrName>style.visibility</p:attrName>
+                                        </p:attrNameLst>
+                                      </p:cBhvr>
+                                      <p:to>
+                                        <p:strVal val="visible"/>
+                                      </p:to>
+                                    </p:set>
+                                    <p:anim calcmode="lin" valueType="num">
+                                      <p:cBhvr additive="base">
+                                        <p:cTn id="12" dur="500" fill="hold"/>
+                                        <p:tgtEl>
+                                          <p:spTgt spid="10"/>
+                                        </p:tgtEl>
+                                        <p:attrNameLst>
+                                          <p:attrName>ppt_x</p:attrName>
+                                        </p:attrNameLst>
+                                      </p:cBhvr>
+                                      <p:tavLst>
+                                        <p:tav tm="0">
+                                          <p:val>
+                                            <p:strVal val="0-#ppt_w/2"/>
+                                          </p:val>
+                                        </p:tav>
+                                        <p:tav tm="100000">
+                                          <p:val>
+                                            <p:strVal val="#ppt_x"/>
+                                          </p:val>
+                                        </p:tav>
+                                      </p:tavLst>
+                                    </p:anim>
+                                    <p:anim calcmode="lin" valueType="num">
+                                      <p:cBhvr additive="base">
+                                        <p:cTn id="13" dur="500" fill="hold"/>
+                                        <p:tgtEl>
+                                          <p:spTgt spid="10"/>
+                                        </p:tgtEl>
+                                        <p:attrNameLst>
+                                          <p:attrName>ppt_y</p:attrName>
+                                        </p:attrNameLst>
+                                      </p:cBhvr>
+                                      <p:tavLst>
+                                        <p:tav tm="0">
+                                          <p:val>
+                                            <p:strVal val="#ppt_y"/>
+                                          </p:val>
+                                        </p:tav>
+                                        <p:tav tm="100000">
+                                          <p:val>
+                                            <p:strVal val="#ppt_y"/>
+                                          </p:val>
+                                        </p:tav>
+                                      </p:tavLst>
+                                    </p:anim>
+                                  </p:childTnLst>
+                                </p:cTn>
+                              </p:par>
+                            </p:childTnLst>
+                          </p:cTn>
+                        </p:par>
+                      </p:childTnLst>
+                    </p:cTn>
+                  </p:par>
+                  <p:par>
+                    <p:cTn id="14" fill="hold">
+                      <p:stCondLst>
+                        <p:cond delay="indefinite"/>
+                      </p:stCondLst>
+                      <p:childTnLst>
+                        <p:par>
+                          <p:cTn id="15" fill="hold">
+                            <p:stCondLst>
+                              <p:cond delay="0"/>
+                            </p:stCondLst>
+                            <p:childTnLst>
+                              <p:par>
+                                <p:cTn id="16" presetID="2" presetClass="entr" presetSubtype="2" fill="hold" grpId="0" nodeType="clickEffect">
+                                  <p:stCondLst>
+                                    <p:cond delay="0"/>
+                                  </p:stCondLst>
+                                  <p:childTnLst>
+                                    <p:set>
+                                      <p:cBhvr>
+                                        <p:cTn id="17" dur="1" fill="hold">
+                                          <p:stCondLst>
+                                            <p:cond delay="0"/>
+                                          </p:stCondLst>
+                                        </p:cTn>
+                                        <p:tgtEl>
+                                          <p:spTgt spid="9"/>
+                                        </p:tgtEl>
+                                        <p:attrNameLst>
+                                          <p:attrName>style.visibility</p:attrName>
+                                        </p:attrNameLst>
+                                      </p:cBhvr>
+                                      <p:to>
+                                        <p:strVal val="visible"/>
+                                      </p:to>
+                                    </p:set>
+                                    <p:anim calcmode="lin" valueType="num">
+                                      <p:cBhvr additive="base">
+                                        <p:cTn id="18" dur="500" fill="hold"/>
+                                        <p:tgtEl>
+                                          <p:spTgt spid="9"/>
+                                        </p:tgtEl>
+                                        <p:attrNameLst>
+                                          <p:attrName>ppt_x</p:attrName>
+                                        </p:attrNameLst>
+                                      </p:cBhvr>
+                                      <p:tavLst>
+                                        <p:tav tm="0">
+                                          <p:val>
+                                            <p:strVal val="1+#ppt_w/2"/>
+                                          </p:val>
+                                        </p:tav>
+                                        <p:tav tm="100000">
+                                          <p:val>
+                                            <p:strVal val="#ppt_x"/>
+                                          </p:val>
+                                        </p:tav>
+                                      </p:tavLst>
+                                    </p:anim>
+                                    <p:anim calcmode="lin" valueType="num">
+                                      <p:cBhvr additive="base">
+                                        <p:cTn id="19" dur="500" fill="hold"/>
+                                        <p:tgtEl>
+                                          <p:spTgt spid="9"/>
+                                        </p:tgtEl>
+                                        <p:attrNameLst>
+                                          <p:attrName>ppt_y</p:attrName>
+                                        </p:attrNameLst>
+                                      </p:cBhvr>
+                                      <p:tavLst>
+                                        <p:tav tm="0">
+                                          <p:val>
+                                            <p:strVal val="#ppt_y"/>
+                                          </p:val>
+                                        </p:tav>
+                                        <p:tav tm="100000">
+                                          <p:val>
+                                            <p:strVal val="#ppt_y"/>
+                                          </p:val>
+                                        </p:tav>
+                                      </p:tavLst>
+                                    </p:anim>
+                                  </p:childTnLst>
+                                </p:cTn>
+                              </p:par>
+                            </p:childTnLst>
+                          </p:cTn>
+                        </p:par>
+                        <p:par>
+                          <p:cTn id="20" fill="hold">
+                            <p:stCondLst>
+                              <p:cond delay="500"/>
+                            </p:stCondLst>
+                            <p:childTnLst>
+                              <p:par>
+                                <p:cTn id="21" presetID="2" presetClass="entr" presetSubtype="2" fill="hold" grpId="0" nodeType="afterEffect">
+                                  <p:stCondLst>
+                                    <p:cond delay="0"/>
+                                  </p:stCondLst>
+                                  <p:childTnLst>
+                                    <p:set>
+                                      <p:cBhvr>
+                                        <p:cTn id="22" dur="1" fill="hold">
+                                          <p:stCondLst>
+                                            <p:cond delay="0"/>
+                                          </p:stCondLst>
+                                        </p:cTn>
+                                        <p:tgtEl>
+                                          <p:spTgt spid="11"/>
+                                        </p:tgtEl>
+                                        <p:attrNameLst>
+                                          <p:attrName>style.visibility</p:attrName>
+                                        </p:attrNameLst>
+                                      </p:cBhvr>
+                                      <p:to>
+                                        <p:strVal val="visible"/>
+                                      </p:to>
+                                    </p:set>
+                                    <p:anim calcmode="lin" valueType="num">
+                                      <p:cBhvr additive="base">
+                                        <p:cTn id="23" dur="500" fill="hold"/>
+                                        <p:tgtEl>
+                                          <p:spTgt spid="11"/>
+                                        </p:tgtEl>
+                                        <p:attrNameLst>
+                                          <p:attrName>ppt_x</p:attrName>
+                                        </p:attrNameLst>
+                                      </p:cBhvr>
+                                      <p:tavLst>
+                                        <p:tav tm="0">
+                                          <p:val>
+                                            <p:strVal val="1+#ppt_w/2"/>
+                                          </p:val>
+                                        </p:tav>
+                                        <p:tav tm="100000">
+                                          <p:val>
+                                            <p:strVal val="#ppt_x"/>
+                                          </p:val>
+                                        </p:tav>
+                                      </p:tavLst>
+                                    </p:anim>
+                                    <p:anim calcmode="lin" valueType="num">
+                                      <p:cBhvr additive="base">
+                                        <p:cTn id="24" dur="500" fill="hold"/>
+                                        <p:tgtEl>
+                                          <p:spTgt spid="11"/>
+                                        </p:tgtEl>
+                                        <p:attrNameLst>
+                                          <p:attrName>ppt_y</p:attrName>
+                                        </p:attrNameLst>
+                                      </p:cBhvr>
+                                      <p:tavLst>
+                                        <p:tav tm="0">
+                                          <p:val>
+                                            <p:strVal val="#ppt_y"/>
+                                          </p:val>
+                                        </p:tav>
+                                        <p:tav tm="100000">
+                                          <p:val>
+                                            <p:strVal val="#ppt_y"/>
+                                          </p:val>
+                                        </p:tav>
+                                      </p:tavLst>
+                                    </p:anim>
+                                  </p:childTnLst>
+                                </p:cTn>
+                              </p:par>
+                            </p:childTnLst>
+                          </p:cTn>
+                        </p:par>
+                      </p:childTnLst>
+                    </p:cTn>
+                  </p:par>
+                </p:childTnLst>
+              </p:cTn>
+              <p:prevCondLst>
+                <p:cond evt="onPrev" delay="0">
+                  <p:tgtEl>
+                    <p:sldTgt/>
+                  </p:tgtEl>
+                </p:cond>
+              </p:prevCondLst>
+              <p:nextCondLst>
+                <p:cond evt="onNext" delay="0">
+                  <p:tgtEl>
+                    <p:sldTgt/>
+                  </p:tgtEl>
+                </p:cond>
+              </p:nextCondLst>
+            </p:seq>
+          </p:childTnLst>
+        </p:cTn>
+      </p:par>
+    </p:tnLst>
+    <p:bldLst>
+      <p:bldP spid="8" grpId="0"/>
+      <p:bldP spid="9" grpId="0"/>
+      <p:bldP spid="10" grpId="0"/>
+      <p:bldP spid="11" grpId="0"/>
+    </p:bldLst>
+  </p:timing>
 </p:sld>
 </file>
 
@@ -8284,6 +9275,172 @@
   <p:clrMapOvr>
     <a:masterClrMapping/>
   </p:clrMapOvr>
+  <p:transition spd="slow">
+    <p:push dir="u"/>
+  </p:transition>
+  <p:timing>
+    <p:tnLst>
+      <p:par>
+        <p:cTn id="1" dur="indefinite" restart="never" nodeType="tmRoot">
+          <p:childTnLst>
+            <p:seq concurrent="1" nextAc="seek">
+              <p:cTn id="2" dur="indefinite" nodeType="mainSeq">
+                <p:childTnLst>
+                  <p:par>
+                    <p:cTn id="3" fill="hold">
+                      <p:stCondLst>
+                        <p:cond delay="indefinite"/>
+                        <p:cond evt="onBegin" delay="0">
+                          <p:tn val="2"/>
+                        </p:cond>
+                      </p:stCondLst>
+                      <p:childTnLst>
+                        <p:par>
+                          <p:cTn id="4" fill="hold">
+                            <p:stCondLst>
+                              <p:cond delay="0"/>
+                            </p:stCondLst>
+                            <p:childTnLst>
+                              <p:par>
+                                <p:cTn id="5" presetID="10" presetClass="entr" presetSubtype="0" fill="hold" grpId="0" nodeType="afterEffect">
+                                  <p:stCondLst>
+                                    <p:cond delay="0"/>
+                                  </p:stCondLst>
+                                  <p:childTnLst>
+                                    <p:set>
+                                      <p:cBhvr>
+                                        <p:cTn id="6" dur="1" fill="hold">
+                                          <p:stCondLst>
+                                            <p:cond delay="0"/>
+                                          </p:stCondLst>
+                                        </p:cTn>
+                                        <p:tgtEl>
+                                          <p:spTgt spid="7"/>
+                                        </p:tgtEl>
+                                        <p:attrNameLst>
+                                          <p:attrName>style.visibility</p:attrName>
+                                        </p:attrNameLst>
+                                      </p:cBhvr>
+                                      <p:to>
+                                        <p:strVal val="visible"/>
+                                      </p:to>
+                                    </p:set>
+                                    <p:animEffect transition="in" filter="fade">
+                                      <p:cBhvr>
+                                        <p:cTn id="7" dur="500"/>
+                                        <p:tgtEl>
+                                          <p:spTgt spid="7"/>
+                                        </p:tgtEl>
+                                      </p:cBhvr>
+                                    </p:animEffect>
+                                  </p:childTnLst>
+                                </p:cTn>
+                              </p:par>
+                              <p:par>
+                                <p:cTn id="8" presetID="2" presetClass="entr" presetSubtype="4" fill="hold" grpId="1" nodeType="withEffect">
+                                  <p:stCondLst>
+                                    <p:cond delay="0"/>
+                                  </p:stCondLst>
+                                  <p:childTnLst>
+                                    <p:set>
+                                      <p:cBhvr>
+                                        <p:cTn id="9" dur="1" fill="hold">
+                                          <p:stCondLst>
+                                            <p:cond delay="0"/>
+                                          </p:stCondLst>
+                                        </p:cTn>
+                                        <p:tgtEl>
+                                          <p:spTgt spid="7"/>
+                                        </p:tgtEl>
+                                        <p:attrNameLst>
+                                          <p:attrName>style.visibility</p:attrName>
+                                        </p:attrNameLst>
+                                      </p:cBhvr>
+                                      <p:to>
+                                        <p:strVal val="visible"/>
+                                      </p:to>
+                                    </p:set>
+                                    <p:anim calcmode="lin" valueType="num">
+                                      <p:cBhvr additive="base">
+                                        <p:cTn id="10" dur="500" fill="hold"/>
+                                        <p:tgtEl>
+                                          <p:spTgt spid="7"/>
+                                        </p:tgtEl>
+                                        <p:attrNameLst>
+                                          <p:attrName>ppt_x</p:attrName>
+                                        </p:attrNameLst>
+                                      </p:cBhvr>
+                                      <p:tavLst>
+                                        <p:tav tm="0">
+                                          <p:val>
+                                            <p:strVal val="#ppt_x"/>
+                                          </p:val>
+                                        </p:tav>
+                                        <p:tav tm="100000">
+                                          <p:val>
+                                            <p:strVal val="#ppt_x"/>
+                                          </p:val>
+                                        </p:tav>
+                                      </p:tavLst>
+                                    </p:anim>
+                                    <p:anim calcmode="lin" valueType="num">
+                                      <p:cBhvr additive="base">
+                                        <p:cTn id="11" dur="500" fill="hold"/>
+                                        <p:tgtEl>
+                                          <p:spTgt spid="7"/>
+                                        </p:tgtEl>
+                                        <p:attrNameLst>
+                                          <p:attrName>ppt_y</p:attrName>
+                                        </p:attrNameLst>
+                                      </p:cBhvr>
+                                      <p:tavLst>
+                                        <p:tav tm="0">
+                                          <p:val>
+                                            <p:strVal val="1+#ppt_h/2"/>
+                                          </p:val>
+                                        </p:tav>
+                                        <p:tav tm="100000">
+                                          <p:val>
+                                            <p:strVal val="#ppt_y"/>
+                                          </p:val>
+                                        </p:tav>
+                                      </p:tavLst>
+                                    </p:anim>
+                                  </p:childTnLst>
+                                </p:cTn>
+                              </p:par>
+                            </p:childTnLst>
+                          </p:cTn>
+                        </p:par>
+                      </p:childTnLst>
+                    </p:cTn>
+                  </p:par>
+                </p:childTnLst>
+              </p:cTn>
+              <p:prevCondLst>
+                <p:cond evt="onPrev" delay="0">
+                  <p:tgtEl>
+                    <p:sldTgt/>
+                  </p:tgtEl>
+                </p:cond>
+              </p:prevCondLst>
+              <p:nextCondLst>
+                <p:cond evt="onNext" delay="0">
+                  <p:tgtEl>
+                    <p:sldTgt/>
+                  </p:tgtEl>
+                </p:cond>
+              </p:nextCondLst>
+            </p:seq>
+          </p:childTnLst>
+        </p:cTn>
+      </p:par>
+    </p:tnLst>
+    <p:bldLst>
+      <p:bldP spid="7" grpId="0"/>
+      <p:bldP spid="7" grpId="1"/>
+    </p:bldLst>
+  </p:timing>
 </p:sld>
 </file>
 
@@ -8739,6 +9896,142 @@
   <p:clrMapOvr>
     <a:masterClrMapping/>
   </p:clrMapOvr>
+  <p:transition spd="slow">
+    <p:push dir="u"/>
+  </p:transition>
+  <p:timing>
+    <p:tnLst>
+      <p:par>
+        <p:cTn id="1" dur="indefinite" restart="never" nodeType="tmRoot">
+          <p:childTnLst>
+            <p:seq concurrent="1" nextAc="seek">
+              <p:cTn id="2" dur="indefinite" nodeType="mainSeq">
+                <p:childTnLst>
+                  <p:par>
+                    <p:cTn id="3" fill="hold">
+                      <p:stCondLst>
+                        <p:cond delay="indefinite"/>
+                        <p:cond evt="onBegin" delay="0">
+                          <p:tn val="2"/>
+                        </p:cond>
+                      </p:stCondLst>
+                      <p:childTnLst>
+                        <p:par>
+                          <p:cTn id="4" fill="hold">
+                            <p:stCondLst>
+                              <p:cond delay="0"/>
+                            </p:stCondLst>
+                            <p:childTnLst>
+                              <p:par>
+                                <p:cTn id="5" presetID="10" presetClass="entr" presetSubtype="0" fill="hold" grpId="0" nodeType="afterEffect">
+                                  <p:stCondLst>
+                                    <p:cond delay="0"/>
+                                  </p:stCondLst>
+                                  <p:childTnLst>
+                                    <p:set>
+                                      <p:cBhvr>
+                                        <p:cTn id="6" dur="1" fill="hold">
+                                          <p:stCondLst>
+                                            <p:cond delay="0"/>
+                                          </p:stCondLst>
+                                        </p:cTn>
+                                        <p:tgtEl>
+                                          <p:spTgt spid="4"/>
+                                        </p:tgtEl>
+                                        <p:attrNameLst>
+                                          <p:attrName>style.visibility</p:attrName>
+                                        </p:attrNameLst>
+                                      </p:cBhvr>
+                                      <p:to>
+                                        <p:strVal val="visible"/>
+                                      </p:to>
+                                    </p:set>
+                                    <p:animEffect transition="in" filter="fade">
+                                      <p:cBhvr>
+                                        <p:cTn id="7" dur="500"/>
+                                        <p:tgtEl>
+                                          <p:spTgt spid="4"/>
+                                        </p:tgtEl>
+                                      </p:cBhvr>
+                                    </p:animEffect>
+                                  </p:childTnLst>
+                                </p:cTn>
+                              </p:par>
+                            </p:childTnLst>
+                          </p:cTn>
+                        </p:par>
+                        <p:par>
+                          <p:cTn id="8" fill="hold">
+                            <p:stCondLst>
+                              <p:cond delay="500"/>
+                            </p:stCondLst>
+                            <p:childTnLst>
+                              <p:par>
+                                <p:cTn id="9" presetID="10" presetClass="entr" presetSubtype="0" fill="hold" nodeType="afterEffect">
+                                  <p:stCondLst>
+                                    <p:cond delay="0"/>
+                                  </p:stCondLst>
+                                  <p:childTnLst>
+                                    <p:set>
+                                      <p:cBhvr>
+                                        <p:cTn id="10" dur="1" fill="hold">
+                                          <p:stCondLst>
+                                            <p:cond delay="0"/>
+                                          </p:stCondLst>
+                                        </p:cTn>
+                                        <p:tgtEl>
+                                          <p:spTgt spid="29"/>
+                                        </p:tgtEl>
+                                        <p:attrNameLst>
+                                          <p:attrName>style.visibility</p:attrName>
+                                        </p:attrNameLst>
+                                      </p:cBhvr>
+                                      <p:to>
+                                        <p:strVal val="visible"/>
+                                      </p:to>
+                                    </p:set>
+                                    <p:animEffect transition="in" filter="fade">
+                                      <p:cBhvr>
+                                        <p:cTn id="11" dur="500"/>
+                                        <p:tgtEl>
+                                          <p:spTgt spid="29"/>
+                                        </p:tgtEl>
+                                      </p:cBhvr>
+                                    </p:animEffect>
+                                  </p:childTnLst>
+                                </p:cTn>
+                              </p:par>
+                            </p:childTnLst>
+                          </p:cTn>
+                        </p:par>
+                      </p:childTnLst>
+                    </p:cTn>
+                  </p:par>
+                </p:childTnLst>
+              </p:cTn>
+              <p:prevCondLst>
+                <p:cond evt="onPrev" delay="0">
+                  <p:tgtEl>
+                    <p:sldTgt/>
+                  </p:tgtEl>
+                </p:cond>
+              </p:prevCondLst>
+              <p:nextCondLst>
+                <p:cond evt="onNext" delay="0">
+                  <p:tgtEl>
+                    <p:sldTgt/>
+                  </p:tgtEl>
+                </p:cond>
+              </p:nextCondLst>
+            </p:seq>
+          </p:childTnLst>
+        </p:cTn>
+      </p:par>
+    </p:tnLst>
+    <p:bldLst>
+      <p:bldP spid="4" grpId="0"/>
+    </p:bldLst>
+  </p:timing>
 </p:sld>
 </file>
 
@@ -8809,7 +10102,7 @@
         </p:nvSpPr>
         <p:spPr>
           <a:xfrm>
-            <a:off x="1514211" y="17780"/>
+            <a:off x="1391275" y="17780"/>
             <a:ext cx="3246391" cy="210312"/>
           </a:xfrm>
           <a:prstGeom prst="rect">
@@ -8865,7 +10158,7 @@
         </p:nvSpPr>
         <p:spPr>
           <a:xfrm>
-            <a:off x="1259196" y="310896"/>
+            <a:off x="1391273" y="228092"/>
             <a:ext cx="3246391" cy="4129024"/>
           </a:xfrm>
           <a:prstGeom prst="rect">
@@ -8921,7 +10214,7 @@
         </p:nvSpPr>
         <p:spPr>
           <a:xfrm>
-            <a:off x="1505067" y="4522724"/>
+            <a:off x="1391274" y="4435348"/>
             <a:ext cx="3246391" cy="2089404"/>
           </a:xfrm>
           <a:prstGeom prst="rect">
@@ -8977,7 +10270,7 @@
         </p:nvSpPr>
         <p:spPr>
           <a:xfrm>
-            <a:off x="1279515" y="6629908"/>
+            <a:off x="1391273" y="6629908"/>
             <a:ext cx="3246391" cy="210312"/>
           </a:xfrm>
           <a:prstGeom prst="rect">
@@ -9165,8 +10458,8 @@
         </p:nvCxnSpPr>
         <p:spPr>
           <a:xfrm>
-            <a:off x="4760602" y="122936"/>
-            <a:ext cx="1926336" cy="1010474"/>
+            <a:off x="4637666" y="122936"/>
+            <a:ext cx="2049272" cy="1010474"/>
           </a:xfrm>
           <a:prstGeom prst="straightConnector1">
             <a:avLst/>
@@ -9211,8 +10504,8 @@
         </p:nvCxnSpPr>
         <p:spPr>
           <a:xfrm>
-            <a:off x="4505587" y="2375408"/>
-            <a:ext cx="2181351" cy="198204"/>
+            <a:off x="4637664" y="2292604"/>
+            <a:ext cx="2049274" cy="281008"/>
           </a:xfrm>
           <a:prstGeom prst="straightConnector1">
             <a:avLst/>
@@ -9311,8 +10604,8 @@
         </p:nvCxnSpPr>
         <p:spPr>
           <a:xfrm flipV="1">
-            <a:off x="4751458" y="4013814"/>
-            <a:ext cx="1935480" cy="1553612"/>
+            <a:off x="4637665" y="4013814"/>
+            <a:ext cx="2049273" cy="1466236"/>
           </a:xfrm>
           <a:prstGeom prst="straightConnector1">
             <a:avLst/>
@@ -9411,8 +10704,8 @@
         </p:nvCxnSpPr>
         <p:spPr>
           <a:xfrm flipV="1">
-            <a:off x="4525906" y="6077966"/>
-            <a:ext cx="2161032" cy="657098"/>
+            <a:off x="4637664" y="6077966"/>
+            <a:ext cx="2049274" cy="657098"/>
           </a:xfrm>
           <a:prstGeom prst="straightConnector1">
             <a:avLst/>
@@ -9449,6 +10742,541 @@
   <p:clrMapOvr>
     <a:masterClrMapping/>
   </p:clrMapOvr>
+  <p:transition spd="slow">
+    <p:push dir="u"/>
+  </p:transition>
+  <p:timing>
+    <p:tnLst>
+      <p:par>
+        <p:cTn id="1" dur="indefinite" restart="never" nodeType="tmRoot">
+          <p:childTnLst>
+            <p:seq concurrent="1" nextAc="seek">
+              <p:cTn id="2" dur="indefinite" nodeType="mainSeq">
+                <p:childTnLst>
+                  <p:par>
+                    <p:cTn id="3" fill="hold">
+                      <p:stCondLst>
+                        <p:cond delay="indefinite"/>
+                      </p:stCondLst>
+                      <p:childTnLst>
+                        <p:par>
+                          <p:cTn id="4" fill="hold">
+                            <p:stCondLst>
+                              <p:cond delay="0"/>
+                            </p:stCondLst>
+                            <p:childTnLst>
+                              <p:par>
+                                <p:cTn id="5" presetID="14" presetClass="entr" presetSubtype="10" fill="hold" grpId="0" nodeType="clickEffect">
+                                  <p:stCondLst>
+                                    <p:cond delay="0"/>
+                                  </p:stCondLst>
+                                  <p:childTnLst>
+                                    <p:set>
+                                      <p:cBhvr>
+                                        <p:cTn id="6" dur="1" fill="hold">
+                                          <p:stCondLst>
+                                            <p:cond delay="0"/>
+                                          </p:stCondLst>
+                                        </p:cTn>
+                                        <p:tgtEl>
+                                          <p:spTgt spid="8"/>
+                                        </p:tgtEl>
+                                        <p:attrNameLst>
+                                          <p:attrName>style.visibility</p:attrName>
+                                        </p:attrNameLst>
+                                      </p:cBhvr>
+                                      <p:to>
+                                        <p:strVal val="visible"/>
+                                      </p:to>
+                                    </p:set>
+                                    <p:animEffect transition="in" filter="randombar(horizontal)">
+                                      <p:cBhvr>
+                                        <p:cTn id="7" dur="500"/>
+                                        <p:tgtEl>
+                                          <p:spTgt spid="8"/>
+                                        </p:tgtEl>
+                                      </p:cBhvr>
+                                    </p:animEffect>
+                                  </p:childTnLst>
+                                </p:cTn>
+                              </p:par>
+                              <p:par>
+                                <p:cTn id="8" presetID="14" presetClass="entr" presetSubtype="10" fill="hold" nodeType="withEffect">
+                                  <p:stCondLst>
+                                    <p:cond delay="0"/>
+                                  </p:stCondLst>
+                                  <p:childTnLst>
+                                    <p:set>
+                                      <p:cBhvr>
+                                        <p:cTn id="9" dur="1" fill="hold">
+                                          <p:stCondLst>
+                                            <p:cond delay="0"/>
+                                          </p:stCondLst>
+                                        </p:cTn>
+                                        <p:tgtEl>
+                                          <p:spTgt spid="20"/>
+                                        </p:tgtEl>
+                                        <p:attrNameLst>
+                                          <p:attrName>style.visibility</p:attrName>
+                                        </p:attrNameLst>
+                                      </p:cBhvr>
+                                      <p:to>
+                                        <p:strVal val="visible"/>
+                                      </p:to>
+                                    </p:set>
+                                    <p:animEffect transition="in" filter="randombar(horizontal)">
+                                      <p:cBhvr>
+                                        <p:cTn id="10" dur="500"/>
+                                        <p:tgtEl>
+                                          <p:spTgt spid="20"/>
+                                        </p:tgtEl>
+                                      </p:cBhvr>
+                                    </p:animEffect>
+                                  </p:childTnLst>
+                                </p:cTn>
+                              </p:par>
+                              <p:par>
+                                <p:cTn id="11" presetID="14" presetClass="entr" presetSubtype="10" fill="hold" grpId="0" nodeType="withEffect">
+                                  <p:stCondLst>
+                                    <p:cond delay="0"/>
+                                  </p:stCondLst>
+                                  <p:childTnLst>
+                                    <p:set>
+                                      <p:cBhvr>
+                                        <p:cTn id="12" dur="1" fill="hold">
+                                          <p:stCondLst>
+                                            <p:cond delay="0"/>
+                                          </p:stCondLst>
+                                        </p:cTn>
+                                        <p:tgtEl>
+                                          <p:spTgt spid="17"/>
+                                        </p:tgtEl>
+                                        <p:attrNameLst>
+                                          <p:attrName>style.visibility</p:attrName>
+                                        </p:attrNameLst>
+                                      </p:cBhvr>
+                                      <p:to>
+                                        <p:strVal val="visible"/>
+                                      </p:to>
+                                    </p:set>
+                                    <p:animEffect transition="in" filter="randombar(horizontal)">
+                                      <p:cBhvr>
+                                        <p:cTn id="13" dur="500"/>
+                                        <p:tgtEl>
+                                          <p:spTgt spid="17"/>
+                                        </p:tgtEl>
+                                      </p:cBhvr>
+                                    </p:animEffect>
+                                  </p:childTnLst>
+                                </p:cTn>
+                              </p:par>
+                            </p:childTnLst>
+                          </p:cTn>
+                        </p:par>
+                      </p:childTnLst>
+                    </p:cTn>
+                  </p:par>
+                  <p:par>
+                    <p:cTn id="14" fill="hold">
+                      <p:stCondLst>
+                        <p:cond delay="indefinite"/>
+                      </p:stCondLst>
+                      <p:childTnLst>
+                        <p:par>
+                          <p:cTn id="15" fill="hold">
+                            <p:stCondLst>
+                              <p:cond delay="0"/>
+                            </p:stCondLst>
+                            <p:childTnLst>
+                              <p:par>
+                                <p:cTn id="16" presetID="10" presetClass="entr" presetSubtype="0" fill="hold" grpId="0" nodeType="clickEffect">
+                                  <p:stCondLst>
+                                    <p:cond delay="0"/>
+                                  </p:stCondLst>
+                                  <p:childTnLst>
+                                    <p:set>
+                                      <p:cBhvr>
+                                        <p:cTn id="17" dur="1" fill="hold">
+                                          <p:stCondLst>
+                                            <p:cond delay="0"/>
+                                          </p:stCondLst>
+                                        </p:cTn>
+                                        <p:tgtEl>
+                                          <p:spTgt spid="9"/>
+                                        </p:tgtEl>
+                                        <p:attrNameLst>
+                                          <p:attrName>style.visibility</p:attrName>
+                                        </p:attrNameLst>
+                                      </p:cBhvr>
+                                      <p:to>
+                                        <p:strVal val="visible"/>
+                                      </p:to>
+                                    </p:set>
+                                    <p:animEffect transition="in" filter="fade">
+                                      <p:cBhvr>
+                                        <p:cTn id="18" dur="500"/>
+                                        <p:tgtEl>
+                                          <p:spTgt spid="9"/>
+                                        </p:tgtEl>
+                                      </p:cBhvr>
+                                    </p:animEffect>
+                                  </p:childTnLst>
+                                </p:cTn>
+                              </p:par>
+                              <p:par>
+                                <p:cTn id="19" presetID="10" presetClass="entr" presetSubtype="0" fill="hold" nodeType="withEffect">
+                                  <p:stCondLst>
+                                    <p:cond delay="0"/>
+                                  </p:stCondLst>
+                                  <p:childTnLst>
+                                    <p:set>
+                                      <p:cBhvr>
+                                        <p:cTn id="20" dur="1" fill="hold">
+                                          <p:stCondLst>
+                                            <p:cond delay="0"/>
+                                          </p:stCondLst>
+                                        </p:cTn>
+                                        <p:tgtEl>
+                                          <p:spTgt spid="22"/>
+                                        </p:tgtEl>
+                                        <p:attrNameLst>
+                                          <p:attrName>style.visibility</p:attrName>
+                                        </p:attrNameLst>
+                                      </p:cBhvr>
+                                      <p:to>
+                                        <p:strVal val="visible"/>
+                                      </p:to>
+                                    </p:set>
+                                    <p:animEffect transition="in" filter="fade">
+                                      <p:cBhvr>
+                                        <p:cTn id="21" dur="500"/>
+                                        <p:tgtEl>
+                                          <p:spTgt spid="22"/>
+                                        </p:tgtEl>
+                                      </p:cBhvr>
+                                    </p:animEffect>
+                                  </p:childTnLst>
+                                </p:cTn>
+                              </p:par>
+                              <p:par>
+                                <p:cTn id="22" presetID="10" presetClass="entr" presetSubtype="0" fill="hold" grpId="0" nodeType="withEffect">
+                                  <p:stCondLst>
+                                    <p:cond delay="0"/>
+                                  </p:stCondLst>
+                                  <p:childTnLst>
+                                    <p:set>
+                                      <p:cBhvr>
+                                        <p:cTn id="23" dur="1" fill="hold">
+                                          <p:stCondLst>
+                                            <p:cond delay="0"/>
+                                          </p:stCondLst>
+                                        </p:cTn>
+                                        <p:tgtEl>
+                                          <p:spTgt spid="18"/>
+                                        </p:tgtEl>
+                                        <p:attrNameLst>
+                                          <p:attrName>style.visibility</p:attrName>
+                                        </p:attrNameLst>
+                                      </p:cBhvr>
+                                      <p:to>
+                                        <p:strVal val="visible"/>
+                                      </p:to>
+                                    </p:set>
+                                    <p:animEffect transition="in" filter="fade">
+                                      <p:cBhvr>
+                                        <p:cTn id="24" dur="500"/>
+                                        <p:tgtEl>
+                                          <p:spTgt spid="18"/>
+                                        </p:tgtEl>
+                                      </p:cBhvr>
+                                    </p:animEffect>
+                                  </p:childTnLst>
+                                </p:cTn>
+                              </p:par>
+                            </p:childTnLst>
+                          </p:cTn>
+                        </p:par>
+                      </p:childTnLst>
+                    </p:cTn>
+                  </p:par>
+                  <p:par>
+                    <p:cTn id="25" fill="hold">
+                      <p:stCondLst>
+                        <p:cond delay="indefinite"/>
+                      </p:stCondLst>
+                      <p:childTnLst>
+                        <p:par>
+                          <p:cTn id="26" fill="hold">
+                            <p:stCondLst>
+                              <p:cond delay="0"/>
+                            </p:stCondLst>
+                            <p:childTnLst>
+                              <p:par>
+                                <p:cTn id="27" presetID="10" presetClass="entr" presetSubtype="0" fill="hold" grpId="0" nodeType="clickEffect">
+                                  <p:stCondLst>
+                                    <p:cond delay="0"/>
+                                  </p:stCondLst>
+                                  <p:childTnLst>
+                                    <p:set>
+                                      <p:cBhvr>
+                                        <p:cTn id="28" dur="1" fill="hold">
+                                          <p:stCondLst>
+                                            <p:cond delay="0"/>
+                                          </p:stCondLst>
+                                        </p:cTn>
+                                        <p:tgtEl>
+                                          <p:spTgt spid="10"/>
+                                        </p:tgtEl>
+                                        <p:attrNameLst>
+                                          <p:attrName>style.visibility</p:attrName>
+                                        </p:attrNameLst>
+                                      </p:cBhvr>
+                                      <p:to>
+                                        <p:strVal val="visible"/>
+                                      </p:to>
+                                    </p:set>
+                                    <p:animEffect transition="in" filter="fade">
+                                      <p:cBhvr>
+                                        <p:cTn id="29" dur="500"/>
+                                        <p:tgtEl>
+                                          <p:spTgt spid="10"/>
+                                        </p:tgtEl>
+                                      </p:cBhvr>
+                                    </p:animEffect>
+                                  </p:childTnLst>
+                                </p:cTn>
+                              </p:par>
+                              <p:par>
+                                <p:cTn id="30" presetID="10" presetClass="entr" presetSubtype="0" fill="hold" nodeType="withEffect">
+                                  <p:stCondLst>
+                                    <p:cond delay="0"/>
+                                  </p:stCondLst>
+                                  <p:childTnLst>
+                                    <p:set>
+                                      <p:cBhvr>
+                                        <p:cTn id="31" dur="1" fill="hold">
+                                          <p:stCondLst>
+                                            <p:cond delay="0"/>
+                                          </p:stCondLst>
+                                        </p:cTn>
+                                        <p:tgtEl>
+                                          <p:spTgt spid="26"/>
+                                        </p:tgtEl>
+                                        <p:attrNameLst>
+                                          <p:attrName>style.visibility</p:attrName>
+                                        </p:attrNameLst>
+                                      </p:cBhvr>
+                                      <p:to>
+                                        <p:strVal val="visible"/>
+                                      </p:to>
+                                    </p:set>
+                                    <p:animEffect transition="in" filter="fade">
+                                      <p:cBhvr>
+                                        <p:cTn id="32" dur="500"/>
+                                        <p:tgtEl>
+                                          <p:spTgt spid="26"/>
+                                        </p:tgtEl>
+                                      </p:cBhvr>
+                                    </p:animEffect>
+                                  </p:childTnLst>
+                                </p:cTn>
+                              </p:par>
+                              <p:par>
+                                <p:cTn id="33" presetID="10" presetClass="entr" presetSubtype="0" fill="hold" grpId="0" nodeType="withEffect">
+                                  <p:stCondLst>
+                                    <p:cond delay="0"/>
+                                  </p:stCondLst>
+                                  <p:childTnLst>
+                                    <p:set>
+                                      <p:cBhvr>
+                                        <p:cTn id="34" dur="1" fill="hold">
+                                          <p:stCondLst>
+                                            <p:cond delay="0"/>
+                                          </p:stCondLst>
+                                        </p:cTn>
+                                        <p:tgtEl>
+                                          <p:spTgt spid="25"/>
+                                        </p:tgtEl>
+                                        <p:attrNameLst>
+                                          <p:attrName>style.visibility</p:attrName>
+                                        </p:attrNameLst>
+                                      </p:cBhvr>
+                                      <p:to>
+                                        <p:strVal val="visible"/>
+                                      </p:to>
+                                    </p:set>
+                                    <p:animEffect transition="in" filter="fade">
+                                      <p:cBhvr>
+                                        <p:cTn id="35" dur="500"/>
+                                        <p:tgtEl>
+                                          <p:spTgt spid="25"/>
+                                        </p:tgtEl>
+                                      </p:cBhvr>
+                                    </p:animEffect>
+                                  </p:childTnLst>
+                                </p:cTn>
+                              </p:par>
+                            </p:childTnLst>
+                          </p:cTn>
+                        </p:par>
+                      </p:childTnLst>
+                    </p:cTn>
+                  </p:par>
+                  <p:par>
+                    <p:cTn id="36" fill="hold">
+                      <p:stCondLst>
+                        <p:cond delay="indefinite"/>
+                      </p:stCondLst>
+                      <p:childTnLst>
+                        <p:par>
+                          <p:cTn id="37" fill="hold">
+                            <p:stCondLst>
+                              <p:cond delay="0"/>
+                            </p:stCondLst>
+                            <p:childTnLst>
+                              <p:par>
+                                <p:cTn id="38" presetID="10" presetClass="entr" presetSubtype="0" fill="hold" grpId="0" nodeType="clickEffect">
+                                  <p:stCondLst>
+                                    <p:cond delay="0"/>
+                                  </p:stCondLst>
+                                  <p:childTnLst>
+                                    <p:set>
+                                      <p:cBhvr>
+                                        <p:cTn id="39" dur="1" fill="hold">
+                                          <p:stCondLst>
+                                            <p:cond delay="0"/>
+                                          </p:stCondLst>
+                                        </p:cTn>
+                                        <p:tgtEl>
+                                          <p:spTgt spid="11"/>
+                                        </p:tgtEl>
+                                        <p:attrNameLst>
+                                          <p:attrName>style.visibility</p:attrName>
+                                        </p:attrNameLst>
+                                      </p:cBhvr>
+                                      <p:to>
+                                        <p:strVal val="visible"/>
+                                      </p:to>
+                                    </p:set>
+                                    <p:animEffect transition="in" filter="fade">
+                                      <p:cBhvr>
+                                        <p:cTn id="40" dur="500"/>
+                                        <p:tgtEl>
+                                          <p:spTgt spid="11"/>
+                                        </p:tgtEl>
+                                      </p:cBhvr>
+                                    </p:animEffect>
+                                  </p:childTnLst>
+                                </p:cTn>
+                              </p:par>
+                              <p:par>
+                                <p:cTn id="41" presetID="10" presetClass="entr" presetSubtype="0" fill="hold" nodeType="withEffect">
+                                  <p:stCondLst>
+                                    <p:cond delay="0"/>
+                                  </p:stCondLst>
+                                  <p:childTnLst>
+                                    <p:set>
+                                      <p:cBhvr>
+                                        <p:cTn id="42" dur="1" fill="hold">
+                                          <p:stCondLst>
+                                            <p:cond delay="0"/>
+                                          </p:stCondLst>
+                                        </p:cTn>
+                                        <p:tgtEl>
+                                          <p:spTgt spid="32"/>
+                                        </p:tgtEl>
+                                        <p:attrNameLst>
+                                          <p:attrName>style.visibility</p:attrName>
+                                        </p:attrNameLst>
+                                      </p:cBhvr>
+                                      <p:to>
+                                        <p:strVal val="visible"/>
+                                      </p:to>
+                                    </p:set>
+                                    <p:animEffect transition="in" filter="fade">
+                                      <p:cBhvr>
+                                        <p:cTn id="43" dur="500"/>
+                                        <p:tgtEl>
+                                          <p:spTgt spid="32"/>
+                                        </p:tgtEl>
+                                      </p:cBhvr>
+                                    </p:animEffect>
+                                  </p:childTnLst>
+                                </p:cTn>
+                              </p:par>
+                              <p:par>
+                                <p:cTn id="44" presetID="10" presetClass="entr" presetSubtype="0" fill="hold" grpId="0" nodeType="withEffect">
+                                  <p:stCondLst>
+                                    <p:cond delay="0"/>
+                                  </p:stCondLst>
+                                  <p:childTnLst>
+                                    <p:set>
+                                      <p:cBhvr>
+                                        <p:cTn id="45" dur="1" fill="hold">
+                                          <p:stCondLst>
+                                            <p:cond delay="0"/>
+                                          </p:stCondLst>
+                                        </p:cTn>
+                                        <p:tgtEl>
+                                          <p:spTgt spid="31"/>
+                                        </p:tgtEl>
+                                        <p:attrNameLst>
+                                          <p:attrName>style.visibility</p:attrName>
+                                        </p:attrNameLst>
+                                      </p:cBhvr>
+                                      <p:to>
+                                        <p:strVal val="visible"/>
+                                      </p:to>
+                                    </p:set>
+                                    <p:animEffect transition="in" filter="fade">
+                                      <p:cBhvr>
+                                        <p:cTn id="46" dur="500"/>
+                                        <p:tgtEl>
+                                          <p:spTgt spid="31"/>
+                                        </p:tgtEl>
+                                      </p:cBhvr>
+                                    </p:animEffect>
+                                  </p:childTnLst>
+                                </p:cTn>
+                              </p:par>
+                            </p:childTnLst>
+                          </p:cTn>
+                        </p:par>
+                      </p:childTnLst>
+                    </p:cTn>
+                  </p:par>
+                </p:childTnLst>
+              </p:cTn>
+              <p:prevCondLst>
+                <p:cond evt="onPrev" delay="0">
+                  <p:tgtEl>
+                    <p:sldTgt/>
+                  </p:tgtEl>
+                </p:cond>
+              </p:prevCondLst>
+              <p:nextCondLst>
+                <p:cond evt="onNext" delay="0">
+                  <p:tgtEl>
+                    <p:sldTgt/>
+                  </p:tgtEl>
+                </p:cond>
+              </p:nextCondLst>
+            </p:seq>
+          </p:childTnLst>
+        </p:cTn>
+      </p:par>
+    </p:tnLst>
+    <p:bldLst>
+      <p:bldP spid="8" grpId="0" animBg="1"/>
+      <p:bldP spid="9" grpId="0" animBg="1"/>
+      <p:bldP spid="10" grpId="0" animBg="1"/>
+      <p:bldP spid="11" grpId="0" animBg="1"/>
+      <p:bldP spid="17" grpId="0" animBg="1"/>
+      <p:bldP spid="18" grpId="0" animBg="1"/>
+      <p:bldP spid="25" grpId="0" animBg="1"/>
+      <p:bldP spid="31" grpId="0" animBg="1"/>
+    </p:bldLst>
+  </p:timing>
 </p:sld>
 </file>
 
@@ -9528,6 +11356,172 @@
   <p:clrMapOvr>
     <a:masterClrMapping/>
   </p:clrMapOvr>
+  <p:transition spd="slow">
+    <p:push dir="u"/>
+  </p:transition>
+  <p:timing>
+    <p:tnLst>
+      <p:par>
+        <p:cTn id="1" dur="indefinite" restart="never" nodeType="tmRoot">
+          <p:childTnLst>
+            <p:seq concurrent="1" nextAc="seek">
+              <p:cTn id="2" dur="indefinite" nodeType="mainSeq">
+                <p:childTnLst>
+                  <p:par>
+                    <p:cTn id="3" fill="hold">
+                      <p:stCondLst>
+                        <p:cond delay="indefinite"/>
+                        <p:cond evt="onBegin" delay="0">
+                          <p:tn val="2"/>
+                        </p:cond>
+                      </p:stCondLst>
+                      <p:childTnLst>
+                        <p:par>
+                          <p:cTn id="4" fill="hold">
+                            <p:stCondLst>
+                              <p:cond delay="0"/>
+                            </p:stCondLst>
+                            <p:childTnLst>
+                              <p:par>
+                                <p:cTn id="5" presetID="2" presetClass="entr" presetSubtype="4" fill="hold" grpId="0" nodeType="afterEffect">
+                                  <p:stCondLst>
+                                    <p:cond delay="0"/>
+                                  </p:stCondLst>
+                                  <p:childTnLst>
+                                    <p:set>
+                                      <p:cBhvr>
+                                        <p:cTn id="6" dur="1" fill="hold">
+                                          <p:stCondLst>
+                                            <p:cond delay="0"/>
+                                          </p:stCondLst>
+                                        </p:cTn>
+                                        <p:tgtEl>
+                                          <p:spTgt spid="4"/>
+                                        </p:tgtEl>
+                                        <p:attrNameLst>
+                                          <p:attrName>style.visibility</p:attrName>
+                                        </p:attrNameLst>
+                                      </p:cBhvr>
+                                      <p:to>
+                                        <p:strVal val="visible"/>
+                                      </p:to>
+                                    </p:set>
+                                    <p:anim calcmode="lin" valueType="num">
+                                      <p:cBhvr additive="base">
+                                        <p:cTn id="7" dur="500" fill="hold"/>
+                                        <p:tgtEl>
+                                          <p:spTgt spid="4"/>
+                                        </p:tgtEl>
+                                        <p:attrNameLst>
+                                          <p:attrName>ppt_x</p:attrName>
+                                        </p:attrNameLst>
+                                      </p:cBhvr>
+                                      <p:tavLst>
+                                        <p:tav tm="0">
+                                          <p:val>
+                                            <p:strVal val="#ppt_x"/>
+                                          </p:val>
+                                        </p:tav>
+                                        <p:tav tm="100000">
+                                          <p:val>
+                                            <p:strVal val="#ppt_x"/>
+                                          </p:val>
+                                        </p:tav>
+                                      </p:tavLst>
+                                    </p:anim>
+                                    <p:anim calcmode="lin" valueType="num">
+                                      <p:cBhvr additive="base">
+                                        <p:cTn id="8" dur="500" fill="hold"/>
+                                        <p:tgtEl>
+                                          <p:spTgt spid="4"/>
+                                        </p:tgtEl>
+                                        <p:attrNameLst>
+                                          <p:attrName>ppt_y</p:attrName>
+                                        </p:attrNameLst>
+                                      </p:cBhvr>
+                                      <p:tavLst>
+                                        <p:tav tm="0">
+                                          <p:val>
+                                            <p:strVal val="1+#ppt_h/2"/>
+                                          </p:val>
+                                        </p:tav>
+                                        <p:tav tm="100000">
+                                          <p:val>
+                                            <p:strVal val="#ppt_y"/>
+                                          </p:val>
+                                        </p:tav>
+                                      </p:tavLst>
+                                    </p:anim>
+                                  </p:childTnLst>
+                                </p:cTn>
+                              </p:par>
+                              <p:par>
+                                <p:cTn id="9" presetID="10" presetClass="entr" presetSubtype="0" fill="hold" grpId="1" nodeType="withEffect">
+                                  <p:stCondLst>
+                                    <p:cond delay="0"/>
+                                  </p:stCondLst>
+                                  <p:childTnLst>
+                                    <p:set>
+                                      <p:cBhvr>
+                                        <p:cTn id="10" dur="1" fill="hold">
+                                          <p:stCondLst>
+                                            <p:cond delay="0"/>
+                                          </p:stCondLst>
+                                        </p:cTn>
+                                        <p:tgtEl>
+                                          <p:spTgt spid="4"/>
+                                        </p:tgtEl>
+                                        <p:attrNameLst>
+                                          <p:attrName>style.visibility</p:attrName>
+                                        </p:attrNameLst>
+                                      </p:cBhvr>
+                                      <p:to>
+                                        <p:strVal val="visible"/>
+                                      </p:to>
+                                    </p:set>
+                                    <p:animEffect transition="in" filter="fade">
+                                      <p:cBhvr>
+                                        <p:cTn id="11" dur="500"/>
+                                        <p:tgtEl>
+                                          <p:spTgt spid="4"/>
+                                        </p:tgtEl>
+                                      </p:cBhvr>
+                                    </p:animEffect>
+                                  </p:childTnLst>
+                                </p:cTn>
+                              </p:par>
+                            </p:childTnLst>
+                          </p:cTn>
+                        </p:par>
+                      </p:childTnLst>
+                    </p:cTn>
+                  </p:par>
+                </p:childTnLst>
+              </p:cTn>
+              <p:prevCondLst>
+                <p:cond evt="onPrev" delay="0">
+                  <p:tgtEl>
+                    <p:sldTgt/>
+                  </p:tgtEl>
+                </p:cond>
+              </p:prevCondLst>
+              <p:nextCondLst>
+                <p:cond evt="onNext" delay="0">
+                  <p:tgtEl>
+                    <p:sldTgt/>
+                  </p:tgtEl>
+                </p:cond>
+              </p:nextCondLst>
+            </p:seq>
+          </p:childTnLst>
+        </p:cTn>
+      </p:par>
+    </p:tnLst>
+    <p:bldLst>
+      <p:bldP spid="4" grpId="0"/>
+      <p:bldP spid="4" grpId="1"/>
+    </p:bldLst>
+  </p:timing>
 </p:sld>
 </file>
 
@@ -9679,6 +11673,9 @@
   <p:clrMapOvr>
     <a:masterClrMapping/>
   </p:clrMapOvr>
+  <p:transition spd="slow">
+    <p:push dir="u"/>
+  </p:transition>
 </p:sld>
 </file>
 

--- a/企劃書.pptx
+++ b/企劃書.pptx
@@ -23,7 +23,8 @@
     <p:sldId id="275" r:id="rId17"/>
     <p:sldId id="272" r:id="rId18"/>
     <p:sldId id="273" r:id="rId19"/>
-    <p:sldId id="268" r:id="rId20"/>
+    <p:sldId id="276" r:id="rId20"/>
+    <p:sldId id="268" r:id="rId21"/>
   </p:sldIdLst>
   <p:sldSz cx="12192000" cy="6858000"/>
   <p:notesSz cx="6858000" cy="9144000"/>
@@ -7241,10 +7242,10 @@
       </p:sp>
       <p:pic>
         <p:nvPicPr>
-          <p:cNvPr id="7" name="圖片 6">
-            <a:extLst>
-              <a:ext uri="{FF2B5EF4-FFF2-40B4-BE49-F238E27FC236}">
-                <a16:creationId xmlns:a16="http://schemas.microsoft.com/office/drawing/2014/main" id="{0987AF65-79A0-4F86-97F0-040A3B26520E}"/>
+          <p:cNvPr id="2" name="圖片 1">
+            <a:extLst>
+              <a:ext uri="{FF2B5EF4-FFF2-40B4-BE49-F238E27FC236}">
+                <a16:creationId xmlns:a16="http://schemas.microsoft.com/office/drawing/2014/main" id="{0DC4D173-9BA4-4543-96BA-83219A164C0D}"/>
               </a:ext>
             </a:extLst>
           </p:cNvPr>
@@ -7261,8 +7262,8 @@
         </p:blipFill>
         <p:spPr>
           <a:xfrm>
-            <a:off x="2577149" y="1429421"/>
-            <a:ext cx="7037699" cy="5094281"/>
+            <a:off x="670546" y="1530159"/>
+            <a:ext cx="10850908" cy="4488902"/>
           </a:xfrm>
           <a:prstGeom prst="rect">
             <a:avLst/>
@@ -7914,7 +7915,7 @@
           <p:cNvPr id="2" name="標題 1">
             <a:extLst>
               <a:ext uri="{FF2B5EF4-FFF2-40B4-BE49-F238E27FC236}">
-                <a16:creationId xmlns:a16="http://schemas.microsoft.com/office/drawing/2014/main" id="{74EFE9D5-6EA7-4022-BD8B-A0E773A5A037}"/>
+                <a16:creationId xmlns:a16="http://schemas.microsoft.com/office/drawing/2014/main" id="{C07A42F3-4C16-42CD-9D4D-4685E326CE09}"/>
               </a:ext>
             </a:extLst>
           </p:cNvPr>
@@ -7927,8 +7928,8 @@
         </p:nvSpPr>
         <p:spPr>
           <a:xfrm>
-            <a:off x="2093976" y="2798064"/>
-            <a:ext cx="8229600" cy="1261872"/>
+            <a:off x="3703319" y="1717018"/>
+            <a:ext cx="4785360" cy="849440"/>
           </a:xfrm>
         </p:spPr>
         <p:txBody>
@@ -7939,21 +7940,69 @@
           <a:p>
             <a:pPr algn="ctr"/>
             <a:r>
-              <a:rPr lang="en-US" sz="4800" dirty="0">
+              <a:rPr lang="zh-TW" altLang="en-US" spc="600" dirty="0">
                 <a:solidFill>
-                  <a:srgbClr val="C4A76C"/>
+                  <a:srgbClr val="CCDBFD"/>
                 </a:solidFill>
                 <a:latin typeface="Friz Quadrata Std" panose="020E0602040504020404" pitchFamily="34" charset="0"/>
+                <a:ea typeface="Noto Sans CJK TC DemiLight" panose="020B0400000000000000" pitchFamily="34" charset="-120"/>
               </a:rPr>
-              <a:t>THANK YOU FOR WATCH !</a:t>
-            </a:r>
+              <a:t>網站</a:t>
+            </a:r>
+            <a:r>
+              <a:rPr lang="en-US" altLang="zh-TW" spc="600" dirty="0">
+                <a:solidFill>
+                  <a:srgbClr val="CCDBFD"/>
+                </a:solidFill>
+                <a:latin typeface="Friz Quadrata Std" panose="020E0602040504020404" pitchFamily="34" charset="0"/>
+                <a:ea typeface="Noto Sans CJK TC DemiLight" panose="020B0400000000000000" pitchFamily="34" charset="-120"/>
+              </a:rPr>
+              <a:t>demo</a:t>
+            </a:r>
+            <a:endParaRPr lang="en-US" dirty="0"/>
           </a:p>
         </p:txBody>
       </p:sp>
+      <p:pic>
+        <p:nvPicPr>
+          <p:cNvPr id="5" name="圖片 4">
+            <a:extLst>
+              <a:ext uri="{FF2B5EF4-FFF2-40B4-BE49-F238E27FC236}">
+                <a16:creationId xmlns:a16="http://schemas.microsoft.com/office/drawing/2014/main" id="{76C92AAC-18A1-4C89-8E9A-83442F42B317}"/>
+              </a:ext>
+            </a:extLst>
+          </p:cNvPr>
+          <p:cNvPicPr>
+            <a:picLocks noChangeAspect="1"/>
+          </p:cNvPicPr>
+          <p:nvPr/>
+        </p:nvPicPr>
+        <p:blipFill>
+          <a:blip r:embed="rId2">
+            <a:extLst>
+              <a:ext uri="{28A0092B-C50C-407E-A947-70E740481C1C}">
+                <a14:useLocalDpi xmlns:a14="http://schemas.microsoft.com/office/drawing/2010/main" val="0"/>
+              </a:ext>
+            </a:extLst>
+          </a:blip>
+          <a:stretch>
+            <a:fillRect/>
+          </a:stretch>
+        </p:blipFill>
+        <p:spPr>
+          <a:xfrm>
+            <a:off x="3023348" y="3429000"/>
+            <a:ext cx="6145301" cy="1938696"/>
+          </a:xfrm>
+          <a:prstGeom prst="rect">
+            <a:avLst/>
+          </a:prstGeom>
+        </p:spPr>
+      </p:pic>
     </p:spTree>
     <p:extLst>
       <p:ext uri="{BB962C8B-B14F-4D97-AF65-F5344CB8AC3E}">
-        <p14:creationId xmlns:p14="http://schemas.microsoft.com/office/powerpoint/2010/main" val="3478756482"/>
+        <p14:creationId xmlns:p14="http://schemas.microsoft.com/office/powerpoint/2010/main" val="1966929561"/>
       </p:ext>
     </p:extLst>
   </p:cSld>
@@ -8208,6 +8257,80 @@
       <p:bldP spid="2" grpId="1"/>
     </p:bldLst>
   </p:timing>
+</p:sld>
+</file>
+
+<file path=ppt/slides/slide20.xml><?xml version="1.0" encoding="utf-8"?>
+<p:sld xmlns:a="http://schemas.openxmlformats.org/drawingml/2006/main" xmlns:r="http://schemas.openxmlformats.org/officeDocument/2006/relationships" xmlns:p="http://schemas.openxmlformats.org/presentationml/2006/main">
+  <p:cSld>
+    <p:spTree>
+      <p:nvGrpSpPr>
+        <p:cNvPr id="1" name=""/>
+        <p:cNvGrpSpPr/>
+        <p:nvPr/>
+      </p:nvGrpSpPr>
+      <p:grpSpPr>
+        <a:xfrm>
+          <a:off x="0" y="0"/>
+          <a:ext cx="0" cy="0"/>
+          <a:chOff x="0" y="0"/>
+          <a:chExt cx="0" cy="0"/>
+        </a:xfrm>
+      </p:grpSpPr>
+      <p:sp>
+        <p:nvSpPr>
+          <p:cNvPr id="2" name="標題 1">
+            <a:extLst>
+              <a:ext uri="{FF2B5EF4-FFF2-40B4-BE49-F238E27FC236}">
+                <a16:creationId xmlns:a16="http://schemas.microsoft.com/office/drawing/2014/main" id="{74EFE9D5-6EA7-4022-BD8B-A0E773A5A037}"/>
+              </a:ext>
+            </a:extLst>
+          </p:cNvPr>
+          <p:cNvSpPr>
+            <a:spLocks noGrp="1"/>
+          </p:cNvSpPr>
+          <p:nvPr>
+            <p:ph type="title"/>
+          </p:nvPr>
+        </p:nvSpPr>
+        <p:spPr>
+          <a:xfrm>
+            <a:off x="2093976" y="2798064"/>
+            <a:ext cx="8229600" cy="1261872"/>
+          </a:xfrm>
+        </p:spPr>
+        <p:txBody>
+          <a:bodyPr>
+            <a:normAutofit/>
+          </a:bodyPr>
+          <a:lstStyle/>
+          <a:p>
+            <a:pPr algn="ctr"/>
+            <a:r>
+              <a:rPr lang="en-US" sz="4800" dirty="0">
+                <a:solidFill>
+                  <a:srgbClr val="C4A76C"/>
+                </a:solidFill>
+                <a:latin typeface="Friz Quadrata Std" panose="020E0602040504020404" pitchFamily="34" charset="0"/>
+              </a:rPr>
+              <a:t>THANK YOU FOR WATCH !</a:t>
+            </a:r>
+          </a:p>
+        </p:txBody>
+      </p:sp>
+    </p:spTree>
+    <p:extLst>
+      <p:ext uri="{BB962C8B-B14F-4D97-AF65-F5344CB8AC3E}">
+        <p14:creationId xmlns:p14="http://schemas.microsoft.com/office/powerpoint/2010/main" val="3478756482"/>
+      </p:ext>
+    </p:extLst>
+  </p:cSld>
+  <p:clrMapOvr>
+    <a:masterClrMapping/>
+  </p:clrMapOvr>
+  <p:transition spd="slow">
+    <p:push dir="u"/>
+  </p:transition>
 </p:sld>
 </file>
 

--- a/企劃書.pptx
+++ b/企劃書.pptx
@@ -7227,6 +7227,7 @@
                 </a:solidFill>
                 <a:latin typeface="Friz Quadrata Std" panose="020E0602040504020404" pitchFamily="34" charset="0"/>
                 <a:ea typeface="Noto Sans CJK TC DemiLight" panose="020B0400000000000000" pitchFamily="34" charset="-120"/>
+                <a:hlinkClick r:id="rId2"/>
               </a:rPr>
               <a:t>Git</a:t>
             </a:r>
@@ -7255,7 +7256,7 @@
           <p:nvPr/>
         </p:nvPicPr>
         <p:blipFill>
-          <a:blip r:embed="rId2"/>
+          <a:blip r:embed="rId3"/>
           <a:stretch>
             <a:fillRect/>
           </a:stretch>
@@ -7966,6 +7967,7 @@
       <p:pic>
         <p:nvPicPr>
           <p:cNvPr id="5" name="圖片 4">
+            <a:hlinkClick r:id="rId2"/>
             <a:extLst>
               <a:ext uri="{FF2B5EF4-FFF2-40B4-BE49-F238E27FC236}">
                 <a16:creationId xmlns:a16="http://schemas.microsoft.com/office/drawing/2014/main" id="{76C92AAC-18A1-4C89-8E9A-83442F42B317}"/>
@@ -7978,7 +7980,7 @@
           <p:nvPr/>
         </p:nvPicPr>
         <p:blipFill>
-          <a:blip r:embed="rId2">
+          <a:blip r:embed="rId3">
             <a:extLst>
               <a:ext uri="{28A0092B-C50C-407E-A947-70E740481C1C}">
                 <a14:useLocalDpi xmlns:a14="http://schemas.microsoft.com/office/drawing/2010/main" val="0"/>
